--- a/5_Präsentation/Projektpräsentation.pptx
+++ b/5_Präsentation/Projektpräsentation.pptx
@@ -5,10 +5,25 @@
     <p:sldMasterId id="2147483648" r:id="rId1"/>
   </p:sldMasterIdLst>
   <p:notesMasterIdLst>
-    <p:notesMasterId r:id="rId3"/>
+    <p:notesMasterId r:id="rId18"/>
   </p:notesMasterIdLst>
   <p:sldIdLst>
     <p:sldId id="256" r:id="rId2"/>
+    <p:sldId id="257" r:id="rId3"/>
+    <p:sldId id="258" r:id="rId4"/>
+    <p:sldId id="259" r:id="rId5"/>
+    <p:sldId id="260" r:id="rId6"/>
+    <p:sldId id="261" r:id="rId7"/>
+    <p:sldId id="262" r:id="rId8"/>
+    <p:sldId id="263" r:id="rId9"/>
+    <p:sldId id="264" r:id="rId10"/>
+    <p:sldId id="265" r:id="rId11"/>
+    <p:sldId id="266" r:id="rId12"/>
+    <p:sldId id="267" r:id="rId13"/>
+    <p:sldId id="268" r:id="rId14"/>
+    <p:sldId id="269" r:id="rId15"/>
+    <p:sldId id="270" r:id="rId16"/>
+    <p:sldId id="271" r:id="rId17"/>
   </p:sldIdLst>
   <p:sldSz cx="12192000" cy="6858000"/>
   <p:notesSz cx="6858000" cy="9144000"/>
@@ -109,7 +124,7 @@
   </p:defaultTextStyle>
   <p:extLst>
     <p:ext uri="{EFAFB233-063F-42B5-8137-9DF3F51BA10A}">
-      <p15:sldGuideLst xmlns:p15="http://schemas.microsoft.com/office/powerpoint/2012/main">
+      <p15:sldGuideLst xmlns:p15="http://schemas.microsoft.com/office/powerpoint/2012/main" xmlns="">
         <p15:guide id="1" orient="horz" pos="2160">
           <p15:clr>
             <a:srgbClr val="A4A3A4"/>
@@ -208,7 +223,7 @@
           <a:p>
             <a:fld id="{90F09366-0DA2-404A-A91F-D59506B6032C}" type="datetimeFigureOut">
               <a:rPr lang="en-US" smtClean="0"/>
-              <a:t>1/5/2016</a:t>
+              <a:t>3/31/2016</a:t>
             </a:fld>
             <a:endParaRPr lang="en-US"/>
           </a:p>
@@ -509,8 +524,11 @@
             <a:ext cx="9144000" cy="682012"/>
           </a:xfrm>
           <a:solidFill>
-            <a:srgbClr val="6441A5"/>
+            <a:srgbClr val="7030A0"/>
           </a:solidFill>
+          <a:ln>
+            <a:noFill/>
+          </a:ln>
         </p:spPr>
         <p:txBody>
           <a:bodyPr anchor="ctr">
@@ -586,7 +604,7 @@
           <a:p>
             <a:fld id="{1E35A5A4-3185-44AB-AEEB-6B2FF51973C9}" type="datetimeFigureOut">
               <a:rPr lang="de-DE" smtClean="0"/>
-              <a:t>05.01.2016</a:t>
+              <a:t>31.03.2016</a:t>
             </a:fld>
             <a:endParaRPr lang="de-DE"/>
           </a:p>
@@ -634,66 +652,6 @@
           </a:p>
         </p:txBody>
       </p:sp>
-      <p:pic>
-        <p:nvPicPr>
-          <p:cNvPr id="7" name="Grafik 6"/>
-          <p:cNvPicPr>
-            <a:picLocks noChangeAspect="1"/>
-          </p:cNvPicPr>
-          <p:nvPr userDrawn="1"/>
-        </p:nvPicPr>
-        <p:blipFill>
-          <a:blip r:embed="rId2">
-            <a:extLst>
-              <a:ext uri="{28A0092B-C50C-407E-A947-70E740481C1C}">
-                <a14:useLocalDpi xmlns:a14="http://schemas.microsoft.com/office/drawing/2010/main" val="0"/>
-              </a:ext>
-            </a:extLst>
-          </a:blip>
-          <a:stretch>
-            <a:fillRect/>
-          </a:stretch>
-        </p:blipFill>
-        <p:spPr>
-          <a:xfrm>
-            <a:off x="3413125" y="-164316"/>
-            <a:ext cx="5314950" cy="2917654"/>
-          </a:xfrm>
-          <a:prstGeom prst="rect">
-            <a:avLst/>
-          </a:prstGeom>
-        </p:spPr>
-      </p:pic>
-      <p:pic>
-        <p:nvPicPr>
-          <p:cNvPr id="8" name="Grafik 7"/>
-          <p:cNvPicPr>
-            <a:picLocks noChangeAspect="1"/>
-          </p:cNvPicPr>
-          <p:nvPr userDrawn="1"/>
-        </p:nvPicPr>
-        <p:blipFill>
-          <a:blip r:embed="rId3">
-            <a:extLst>
-              <a:ext uri="{28A0092B-C50C-407E-A947-70E740481C1C}">
-                <a14:useLocalDpi xmlns:a14="http://schemas.microsoft.com/office/drawing/2010/main" val="0"/>
-              </a:ext>
-            </a:extLst>
-          </a:blip>
-          <a:stretch>
-            <a:fillRect/>
-          </a:stretch>
-        </p:blipFill>
-        <p:spPr>
-          <a:xfrm>
-            <a:off x="2740025" y="1970170"/>
-            <a:ext cx="6909674" cy="1760012"/>
-          </a:xfrm>
-          <a:prstGeom prst="rect">
-            <a:avLst/>
-          </a:prstGeom>
-        </p:spPr>
-      </p:pic>
       <p:sp>
         <p:nvSpPr>
           <p:cNvPr id="10" name="Textplatzhalter 9"/>
@@ -963,7 +921,7 @@
           <a:p>
             <a:fld id="{1E35A5A4-3185-44AB-AEEB-6B2FF51973C9}" type="datetimeFigureOut">
               <a:rPr lang="de-DE" smtClean="0"/>
-              <a:t>05.01.2016</a:t>
+              <a:t>31.03.2016</a:t>
             </a:fld>
             <a:endParaRPr lang="de-DE"/>
           </a:p>
@@ -1133,7 +1091,7 @@
           <a:p>
             <a:fld id="{1E35A5A4-3185-44AB-AEEB-6B2FF51973C9}" type="datetimeFigureOut">
               <a:rPr lang="de-DE" smtClean="0"/>
-              <a:t>05.01.2016</a:t>
+              <a:t>31.03.2016</a:t>
             </a:fld>
             <a:endParaRPr lang="de-DE"/>
           </a:p>
@@ -1313,7 +1271,7 @@
           <a:p>
             <a:fld id="{1E35A5A4-3185-44AB-AEEB-6B2FF51973C9}" type="datetimeFigureOut">
               <a:rPr lang="de-DE" smtClean="0"/>
-              <a:t>05.01.2016</a:t>
+              <a:t>31.03.2016</a:t>
             </a:fld>
             <a:endParaRPr lang="de-DE"/>
           </a:p>
@@ -1405,6 +1363,9 @@
           <a:prstGeom prst="rect">
             <a:avLst/>
           </a:prstGeom>
+          <a:solidFill>
+            <a:srgbClr val="7030A0"/>
+          </a:solidFill>
           <a:ln>
             <a:noFill/>
           </a:ln>
@@ -1497,6 +1458,9 @@
             <a:off x="899886" y="124920"/>
             <a:ext cx="10435771" cy="829299"/>
           </a:xfrm>
+          <a:solidFill>
+            <a:srgbClr val="7030A0"/>
+          </a:solidFill>
         </p:spPr>
         <p:style>
           <a:lnRef idx="2">
@@ -1821,6 +1785,9 @@
           <a:prstGeom prst="rtTriangle">
             <a:avLst/>
           </a:prstGeom>
+          <a:solidFill>
+            <a:srgbClr val="7030A0"/>
+          </a:solidFill>
           <a:ln>
             <a:noFill/>
           </a:ln>
@@ -1910,6 +1877,9 @@
           <a:prstGeom prst="rtTriangle">
             <a:avLst/>
           </a:prstGeom>
+          <a:solidFill>
+            <a:srgbClr val="7030A0"/>
+          </a:solidFill>
           <a:ln>
             <a:noFill/>
           </a:ln>
@@ -1954,6 +1924,9 @@
             <a:off x="900112" y="1029859"/>
             <a:ext cx="1997465" cy="450850"/>
           </a:xfrm>
+          <a:solidFill>
+            <a:srgbClr val="7030A0"/>
+          </a:solidFill>
         </p:spPr>
         <p:txBody>
           <a:bodyPr anchor="ctr">
@@ -1994,6 +1967,9 @@
             <a:off x="10667999" y="1029697"/>
             <a:ext cx="667657" cy="450850"/>
           </a:xfrm>
+          <a:solidFill>
+            <a:srgbClr val="7030A0"/>
+          </a:solidFill>
           <a:ln>
             <a:noFill/>
           </a:ln>
@@ -2086,6 +2062,9 @@
           <a:prstGeom prst="rect">
             <a:avLst/>
           </a:prstGeom>
+          <a:solidFill>
+            <a:srgbClr val="7030A0"/>
+          </a:solidFill>
           <a:ln>
             <a:noFill/>
           </a:ln>
@@ -2178,6 +2157,9 @@
             <a:off x="899886" y="128154"/>
             <a:ext cx="10435771" cy="829299"/>
           </a:xfrm>
+          <a:solidFill>
+            <a:srgbClr val="7030A0"/>
+          </a:solidFill>
           <a:ln>
             <a:noFill/>
           </a:ln>
@@ -2470,6 +2452,9 @@
             <a:chOff x="3735281" y="1314519"/>
             <a:chExt cx="4511141" cy="452256"/>
           </a:xfrm>
+          <a:solidFill>
+            <a:srgbClr val="7030A0"/>
+          </a:solidFill>
         </p:grpSpPr>
         <p:sp>
           <p:nvSpPr>
@@ -2485,6 +2470,7 @@
             <a:prstGeom prst="rect">
               <a:avLst/>
             </a:prstGeom>
+            <a:grpFill/>
             <a:ln>
               <a:noFill/>
             </a:ln>
@@ -2529,6 +2515,7 @@
             <a:prstGeom prst="rtTriangle">
               <a:avLst/>
             </a:prstGeom>
+            <a:grpFill/>
             <a:ln>
               <a:noFill/>
             </a:ln>
@@ -2570,6 +2557,7 @@
             <a:prstGeom prst="rtTriangle">
               <a:avLst/>
             </a:prstGeom>
+            <a:grpFill/>
             <a:ln>
               <a:noFill/>
             </a:ln>
@@ -2803,7 +2791,7 @@
           <a:p>
             <a:fld id="{1E35A5A4-3185-44AB-AEEB-6B2FF51973C9}" type="datetimeFigureOut">
               <a:rPr lang="de-DE" smtClean="0"/>
-              <a:t>05.01.2016</a:t>
+              <a:t>31.03.2016</a:t>
             </a:fld>
             <a:endParaRPr lang="de-DE"/>
           </a:p>
@@ -3042,7 +3030,7 @@
           <a:p>
             <a:fld id="{1E35A5A4-3185-44AB-AEEB-6B2FF51973C9}" type="datetimeFigureOut">
               <a:rPr lang="de-DE" smtClean="0"/>
-              <a:t>05.01.2016</a:t>
+              <a:t>31.03.2016</a:t>
             </a:fld>
             <a:endParaRPr lang="de-DE"/>
           </a:p>
@@ -3416,7 +3404,7 @@
           <a:p>
             <a:fld id="{1E35A5A4-3185-44AB-AEEB-6B2FF51973C9}" type="datetimeFigureOut">
               <a:rPr lang="de-DE" smtClean="0"/>
-              <a:t>05.01.2016</a:t>
+              <a:t>31.03.2016</a:t>
             </a:fld>
             <a:endParaRPr lang="de-DE"/>
           </a:p>
@@ -3541,7 +3529,7 @@
           <a:p>
             <a:fld id="{1E35A5A4-3185-44AB-AEEB-6B2FF51973C9}" type="datetimeFigureOut">
               <a:rPr lang="de-DE" smtClean="0"/>
-              <a:t>05.01.2016</a:t>
+              <a:t>31.03.2016</a:t>
             </a:fld>
             <a:endParaRPr lang="de-DE"/>
           </a:p>
@@ -3643,7 +3631,7 @@
           <a:p>
             <a:fld id="{1E35A5A4-3185-44AB-AEEB-6B2FF51973C9}" type="datetimeFigureOut">
               <a:rPr lang="de-DE" smtClean="0"/>
-              <a:t>05.01.2016</a:t>
+              <a:t>31.03.2016</a:t>
             </a:fld>
             <a:endParaRPr lang="de-DE"/>
           </a:p>
@@ -3927,7 +3915,7 @@
           <a:p>
             <a:fld id="{1E35A5A4-3185-44AB-AEEB-6B2FF51973C9}" type="datetimeFigureOut">
               <a:rPr lang="de-DE" smtClean="0"/>
-              <a:t>05.01.2016</a:t>
+              <a:t>31.03.2016</a:t>
             </a:fld>
             <a:endParaRPr lang="de-DE"/>
           </a:p>
@@ -4140,7 +4128,7 @@
           <a:p>
             <a:fld id="{1E35A5A4-3185-44AB-AEEB-6B2FF51973C9}" type="datetimeFigureOut">
               <a:rPr lang="de-DE" smtClean="0"/>
-              <a:t>05.01.2016</a:t>
+              <a:t>31.03.2016</a:t>
             </a:fld>
             <a:endParaRPr lang="de-DE"/>
           </a:p>
@@ -4555,141 +4543,2893 @@
       </p:grpSpPr>
       <p:sp>
         <p:nvSpPr>
-          <p:cNvPr id="4" name="Titel 3"/>
-          <p:cNvSpPr>
-            <a:spLocks noGrp="1"/>
-          </p:cNvSpPr>
-          <p:nvPr>
-            <p:ph type="title"/>
-          </p:nvPr>
-        </p:nvSpPr>
-        <p:spPr/>
-        <p:txBody>
-          <a:bodyPr/>
-          <a:lstStyle/>
-          <a:p>
-            <a:endParaRPr lang="de-DE"/>
-          </a:p>
-        </p:txBody>
-      </p:sp>
-      <p:sp>
-        <p:nvSpPr>
-          <p:cNvPr id="5" name="Inhaltsplatzhalter 4"/>
-          <p:cNvSpPr>
-            <a:spLocks noGrp="1"/>
-          </p:cNvSpPr>
-          <p:nvPr>
-            <p:ph idx="1"/>
-          </p:nvPr>
-        </p:nvSpPr>
-        <p:spPr/>
-        <p:txBody>
-          <a:bodyPr/>
-          <a:lstStyle/>
-          <a:p>
-            <a:endParaRPr lang="de-DE"/>
-          </a:p>
-        </p:txBody>
-      </p:sp>
-      <p:sp>
-        <p:nvSpPr>
-          <p:cNvPr id="6" name="Inhaltsplatzhalter 5"/>
-          <p:cNvSpPr>
-            <a:spLocks noGrp="1"/>
-          </p:cNvSpPr>
-          <p:nvPr>
-            <p:ph sz="quarter" idx="12"/>
-          </p:nvPr>
-        </p:nvSpPr>
-        <p:spPr/>
-        <p:txBody>
-          <a:bodyPr/>
-          <a:lstStyle/>
-          <a:p>
-            <a:endParaRPr lang="de-DE"/>
-          </a:p>
-        </p:txBody>
-      </p:sp>
-      <p:sp>
-        <p:nvSpPr>
-          <p:cNvPr id="7" name="Inhaltsplatzhalter 6"/>
-          <p:cNvSpPr>
-            <a:spLocks noGrp="1"/>
-          </p:cNvSpPr>
-          <p:nvPr>
-            <p:ph sz="quarter" idx="13"/>
-          </p:nvPr>
-        </p:nvSpPr>
-        <p:spPr/>
-        <p:txBody>
-          <a:bodyPr/>
-          <a:lstStyle/>
-          <a:p>
-            <a:endParaRPr lang="de-DE"/>
-          </a:p>
-        </p:txBody>
-      </p:sp>
-      <p:sp>
-        <p:nvSpPr>
-          <p:cNvPr id="8" name="Inhaltsplatzhalter 7"/>
-          <p:cNvSpPr>
-            <a:spLocks noGrp="1"/>
-          </p:cNvSpPr>
-          <p:nvPr>
-            <p:ph sz="quarter" idx="14"/>
-          </p:nvPr>
-        </p:nvSpPr>
-        <p:spPr/>
-        <p:txBody>
-          <a:bodyPr/>
-          <a:lstStyle/>
-          <a:p>
-            <a:endParaRPr lang="de-DE"/>
-          </a:p>
-        </p:txBody>
-      </p:sp>
-      <p:sp>
-        <p:nvSpPr>
-          <p:cNvPr id="9" name="Textplatzhalter 8"/>
-          <p:cNvSpPr>
-            <a:spLocks noGrp="1"/>
-          </p:cNvSpPr>
-          <p:nvPr>
-            <p:ph type="body" sz="quarter" idx="15"/>
-          </p:nvPr>
-        </p:nvSpPr>
-        <p:spPr/>
-        <p:txBody>
-          <a:bodyPr/>
-          <a:lstStyle/>
-          <a:p>
-            <a:endParaRPr lang="de-DE"/>
-          </a:p>
-        </p:txBody>
-      </p:sp>
-      <p:sp>
-        <p:nvSpPr>
-          <p:cNvPr id="10" name="Textplatzhalter 9"/>
-          <p:cNvSpPr>
-            <a:spLocks noGrp="1"/>
-          </p:cNvSpPr>
-          <p:nvPr>
-            <p:ph type="body" sz="quarter" idx="16"/>
-          </p:nvPr>
-        </p:nvSpPr>
-        <p:spPr/>
-        <p:txBody>
-          <a:bodyPr/>
-          <a:lstStyle/>
-          <a:p>
-            <a:endParaRPr lang="de-DE"/>
-          </a:p>
-        </p:txBody>
-      </p:sp>
+          <p:cNvPr id="2" name="Untertitel 1"/>
+          <p:cNvSpPr>
+            <a:spLocks noGrp="1"/>
+          </p:cNvSpPr>
+          <p:nvPr>
+            <p:ph type="subTitle" idx="1"/>
+          </p:nvPr>
+        </p:nvSpPr>
+        <p:spPr/>
+        <p:txBody>
+          <a:bodyPr/>
+          <a:lstStyle/>
+          <a:p>
+            <a:r>
+              <a:rPr lang="de-DE" dirty="0" smtClean="0"/>
+              <a:t>Projekt: Marketingkonzept „</a:t>
+            </a:r>
+            <a:r>
+              <a:rPr lang="de-DE" dirty="0" err="1" smtClean="0"/>
+              <a:t>Scrumiverse</a:t>
+            </a:r>
+            <a:r>
+              <a:rPr lang="de-DE" dirty="0" smtClean="0"/>
+              <a:t>“</a:t>
+            </a:r>
+            <a:endParaRPr lang="de-DE" dirty="0"/>
+          </a:p>
+        </p:txBody>
+      </p:sp>
+      <p:sp>
+        <p:nvSpPr>
+          <p:cNvPr id="3" name="Textplatzhalter 2"/>
+          <p:cNvSpPr>
+            <a:spLocks noGrp="1"/>
+          </p:cNvSpPr>
+          <p:nvPr>
+            <p:ph type="body" sz="quarter" idx="13"/>
+          </p:nvPr>
+        </p:nvSpPr>
+        <p:spPr/>
+        <p:txBody>
+          <a:bodyPr/>
+          <a:lstStyle/>
+          <a:p>
+            <a:r>
+              <a:rPr lang="de-DE" dirty="0"/>
+              <a:t>v</a:t>
+            </a:r>
+            <a:r>
+              <a:rPr lang="de-DE" dirty="0" smtClean="0"/>
+              <a:t>on Lasse Jacobs, Kevin </a:t>
+            </a:r>
+            <a:r>
+              <a:rPr lang="de-DE" dirty="0" err="1" smtClean="0"/>
+              <a:t>Wesseler</a:t>
+            </a:r>
+            <a:r>
+              <a:rPr lang="de-DE" dirty="0" smtClean="0"/>
+              <a:t>, Kevin </a:t>
+            </a:r>
+            <a:r>
+              <a:rPr lang="de-DE" dirty="0" err="1" smtClean="0"/>
+              <a:t>Jolitz</a:t>
+            </a:r>
+            <a:r>
+              <a:rPr lang="de-DE" dirty="0" smtClean="0"/>
+              <a:t>, Joshua Ward und Toni </a:t>
+            </a:r>
+            <a:r>
+              <a:rPr lang="de-DE" dirty="0" err="1" smtClean="0"/>
+              <a:t>Serfling</a:t>
+            </a:r>
+            <a:endParaRPr lang="de-DE" dirty="0"/>
+          </a:p>
+        </p:txBody>
+      </p:sp>
+      <p:pic>
+        <p:nvPicPr>
+          <p:cNvPr id="11" name="Grafik 10"/>
+          <p:cNvPicPr>
+            <a:picLocks noChangeAspect="1"/>
+          </p:cNvPicPr>
+          <p:nvPr/>
+        </p:nvPicPr>
+        <p:blipFill>
+          <a:blip r:embed="rId2">
+            <a:extLst>
+              <a:ext uri="{28A0092B-C50C-407E-A947-70E740481C1C}">
+                <a14:useLocalDpi xmlns:a14="http://schemas.microsoft.com/office/drawing/2010/main" val="0"/>
+              </a:ext>
+            </a:extLst>
+          </a:blip>
+          <a:stretch>
+            <a:fillRect/>
+          </a:stretch>
+        </p:blipFill>
+        <p:spPr>
+          <a:xfrm>
+            <a:off x="4791075" y="768576"/>
+            <a:ext cx="2609850" cy="2505075"/>
+          </a:xfrm>
+          <a:prstGeom prst="rect">
+            <a:avLst/>
+          </a:prstGeom>
+        </p:spPr>
+      </p:pic>
     </p:spTree>
     <p:extLst>
       <p:ext uri="{BB962C8B-B14F-4D97-AF65-F5344CB8AC3E}">
         <p14:creationId xmlns:p14="http://schemas.microsoft.com/office/powerpoint/2010/main" val="4168966562"/>
+      </p:ext>
+    </p:extLst>
+  </p:cSld>
+  <p:clrMapOvr>
+    <a:masterClrMapping/>
+  </p:clrMapOvr>
+</p:sld>
+</file>
+
+<file path=ppt/slides/slide10.xml><?xml version="1.0" encoding="utf-8"?>
+<p:sld xmlns:a="http://schemas.openxmlformats.org/drawingml/2006/main" xmlns:r="http://schemas.openxmlformats.org/officeDocument/2006/relationships" xmlns:p="http://schemas.openxmlformats.org/presentationml/2006/main">
+  <p:cSld>
+    <p:spTree>
+      <p:nvGrpSpPr>
+        <p:cNvPr id="1" name=""/>
+        <p:cNvGrpSpPr/>
+        <p:nvPr/>
+      </p:nvGrpSpPr>
+      <p:grpSpPr>
+        <a:xfrm>
+          <a:off x="0" y="0"/>
+          <a:ext cx="0" cy="0"/>
+          <a:chOff x="0" y="0"/>
+          <a:chExt cx="0" cy="0"/>
+        </a:xfrm>
+      </p:grpSpPr>
+      <p:sp>
+        <p:nvSpPr>
+          <p:cNvPr id="2" name="Titel 1"/>
+          <p:cNvSpPr>
+            <a:spLocks noGrp="1"/>
+          </p:cNvSpPr>
+          <p:nvPr>
+            <p:ph type="title"/>
+          </p:nvPr>
+        </p:nvSpPr>
+        <p:spPr/>
+        <p:txBody>
+          <a:bodyPr/>
+          <a:lstStyle/>
+          <a:p>
+            <a:r>
+              <a:rPr lang="de-DE" dirty="0" smtClean="0"/>
+              <a:t>Marketingstrategien/-ziele</a:t>
+            </a:r>
+            <a:endParaRPr lang="de-DE" dirty="0"/>
+          </a:p>
+        </p:txBody>
+      </p:sp>
+      <p:sp>
+        <p:nvSpPr>
+          <p:cNvPr id="3" name="Inhaltsplatzhalter 2"/>
+          <p:cNvSpPr>
+            <a:spLocks noGrp="1"/>
+          </p:cNvSpPr>
+          <p:nvPr>
+            <p:ph idx="1"/>
+          </p:nvPr>
+        </p:nvSpPr>
+        <p:spPr/>
+        <p:txBody>
+          <a:bodyPr/>
+          <a:lstStyle/>
+          <a:p>
+            <a:endParaRPr lang="de-DE"/>
+          </a:p>
+        </p:txBody>
+      </p:sp>
+      <p:sp>
+        <p:nvSpPr>
+          <p:cNvPr id="4" name="Inhaltsplatzhalter 3"/>
+          <p:cNvSpPr>
+            <a:spLocks noGrp="1"/>
+          </p:cNvSpPr>
+          <p:nvPr>
+            <p:ph sz="quarter" idx="12"/>
+          </p:nvPr>
+        </p:nvSpPr>
+        <p:spPr/>
+        <p:txBody>
+          <a:bodyPr/>
+          <a:lstStyle/>
+          <a:p>
+            <a:r>
+              <a:rPr lang="de-DE" dirty="0" smtClean="0"/>
+              <a:t>Marktanalyse</a:t>
+            </a:r>
+            <a:endParaRPr lang="de-DE" dirty="0"/>
+          </a:p>
+        </p:txBody>
+      </p:sp>
+      <p:sp>
+        <p:nvSpPr>
+          <p:cNvPr id="5" name="Inhaltsplatzhalter 4"/>
+          <p:cNvSpPr>
+            <a:spLocks noGrp="1"/>
+          </p:cNvSpPr>
+          <p:nvPr>
+            <p:ph sz="quarter" idx="13"/>
+          </p:nvPr>
+        </p:nvSpPr>
+        <p:spPr/>
+        <p:txBody>
+          <a:bodyPr>
+            <a:normAutofit fontScale="92500"/>
+          </a:bodyPr>
+          <a:lstStyle/>
+          <a:p>
+            <a:r>
+              <a:rPr lang="de-DE" dirty="0" smtClean="0"/>
+              <a:t>Marketingstrategie/-ziele</a:t>
+            </a:r>
+            <a:endParaRPr lang="de-DE" dirty="0"/>
+          </a:p>
+        </p:txBody>
+      </p:sp>
+      <p:sp>
+        <p:nvSpPr>
+          <p:cNvPr id="6" name="Inhaltsplatzhalter 5"/>
+          <p:cNvSpPr>
+            <a:spLocks noGrp="1"/>
+          </p:cNvSpPr>
+          <p:nvPr>
+            <p:ph sz="quarter" idx="14"/>
+          </p:nvPr>
+        </p:nvSpPr>
+        <p:spPr/>
+        <p:txBody>
+          <a:bodyPr>
+            <a:normAutofit/>
+          </a:bodyPr>
+          <a:lstStyle/>
+          <a:p>
+            <a:r>
+              <a:rPr lang="de-DE" dirty="0" smtClean="0"/>
+              <a:t>Marketingmix</a:t>
+            </a:r>
+            <a:endParaRPr lang="de-DE" dirty="0"/>
+          </a:p>
+        </p:txBody>
+      </p:sp>
+      <p:sp>
+        <p:nvSpPr>
+          <p:cNvPr id="7" name="Textplatzhalter 6"/>
+          <p:cNvSpPr>
+            <a:spLocks noGrp="1"/>
+          </p:cNvSpPr>
+          <p:nvPr>
+            <p:ph type="body" sz="quarter" idx="15"/>
+          </p:nvPr>
+        </p:nvSpPr>
+        <p:spPr/>
+        <p:txBody>
+          <a:bodyPr>
+            <a:normAutofit/>
+          </a:bodyPr>
+          <a:lstStyle/>
+          <a:p>
+            <a:r>
+              <a:rPr lang="de-DE" dirty="0" smtClean="0"/>
+              <a:t>Strategien</a:t>
+            </a:r>
+            <a:endParaRPr lang="de-DE" dirty="0"/>
+          </a:p>
+        </p:txBody>
+      </p:sp>
+      <p:sp>
+        <p:nvSpPr>
+          <p:cNvPr id="8" name="Textplatzhalter 7"/>
+          <p:cNvSpPr>
+            <a:spLocks noGrp="1"/>
+          </p:cNvSpPr>
+          <p:nvPr>
+            <p:ph type="body" sz="quarter" idx="16"/>
+          </p:nvPr>
+        </p:nvSpPr>
+        <p:spPr/>
+        <p:txBody>
+          <a:bodyPr/>
+          <a:lstStyle/>
+          <a:p>
+            <a:endParaRPr lang="de-DE"/>
+          </a:p>
+        </p:txBody>
+      </p:sp>
+    </p:spTree>
+    <p:extLst>
+      <p:ext uri="{BB962C8B-B14F-4D97-AF65-F5344CB8AC3E}">
+        <p14:creationId xmlns:p14="http://schemas.microsoft.com/office/powerpoint/2010/main" val="1016332381"/>
+      </p:ext>
+    </p:extLst>
+  </p:cSld>
+  <p:clrMapOvr>
+    <a:masterClrMapping/>
+  </p:clrMapOvr>
+</p:sld>
+</file>
+
+<file path=ppt/slides/slide11.xml><?xml version="1.0" encoding="utf-8"?>
+<p:sld xmlns:a="http://schemas.openxmlformats.org/drawingml/2006/main" xmlns:r="http://schemas.openxmlformats.org/officeDocument/2006/relationships" xmlns:p="http://schemas.openxmlformats.org/presentationml/2006/main">
+  <p:cSld>
+    <p:spTree>
+      <p:nvGrpSpPr>
+        <p:cNvPr id="1" name=""/>
+        <p:cNvGrpSpPr/>
+        <p:nvPr/>
+      </p:nvGrpSpPr>
+      <p:grpSpPr>
+        <a:xfrm>
+          <a:off x="0" y="0"/>
+          <a:ext cx="0" cy="0"/>
+          <a:chOff x="0" y="0"/>
+          <a:chExt cx="0" cy="0"/>
+        </a:xfrm>
+      </p:grpSpPr>
+      <p:sp>
+        <p:nvSpPr>
+          <p:cNvPr id="2" name="Titel 1"/>
+          <p:cNvSpPr>
+            <a:spLocks noGrp="1"/>
+          </p:cNvSpPr>
+          <p:nvPr>
+            <p:ph type="title"/>
+          </p:nvPr>
+        </p:nvSpPr>
+        <p:spPr/>
+        <p:txBody>
+          <a:bodyPr/>
+          <a:lstStyle/>
+          <a:p>
+            <a:r>
+              <a:rPr lang="de-DE" dirty="0" smtClean="0"/>
+              <a:t>Marketingstrategien/-ziele</a:t>
+            </a:r>
+            <a:endParaRPr lang="de-DE" dirty="0"/>
+          </a:p>
+        </p:txBody>
+      </p:sp>
+      <p:sp>
+        <p:nvSpPr>
+          <p:cNvPr id="3" name="Inhaltsplatzhalter 2"/>
+          <p:cNvSpPr>
+            <a:spLocks noGrp="1"/>
+          </p:cNvSpPr>
+          <p:nvPr>
+            <p:ph idx="1"/>
+          </p:nvPr>
+        </p:nvSpPr>
+        <p:spPr/>
+        <p:txBody>
+          <a:bodyPr/>
+          <a:lstStyle/>
+          <a:p>
+            <a:endParaRPr lang="de-DE"/>
+          </a:p>
+        </p:txBody>
+      </p:sp>
+      <p:sp>
+        <p:nvSpPr>
+          <p:cNvPr id="4" name="Inhaltsplatzhalter 3"/>
+          <p:cNvSpPr>
+            <a:spLocks noGrp="1"/>
+          </p:cNvSpPr>
+          <p:nvPr>
+            <p:ph sz="quarter" idx="12"/>
+          </p:nvPr>
+        </p:nvSpPr>
+        <p:spPr/>
+        <p:txBody>
+          <a:bodyPr/>
+          <a:lstStyle/>
+          <a:p>
+            <a:r>
+              <a:rPr lang="de-DE" dirty="0" smtClean="0"/>
+              <a:t>Marktanalyse</a:t>
+            </a:r>
+            <a:endParaRPr lang="de-DE" dirty="0"/>
+          </a:p>
+        </p:txBody>
+      </p:sp>
+      <p:sp>
+        <p:nvSpPr>
+          <p:cNvPr id="5" name="Inhaltsplatzhalter 4"/>
+          <p:cNvSpPr>
+            <a:spLocks noGrp="1"/>
+          </p:cNvSpPr>
+          <p:nvPr>
+            <p:ph sz="quarter" idx="13"/>
+          </p:nvPr>
+        </p:nvSpPr>
+        <p:spPr/>
+        <p:txBody>
+          <a:bodyPr>
+            <a:normAutofit fontScale="92500"/>
+          </a:bodyPr>
+          <a:lstStyle/>
+          <a:p>
+            <a:r>
+              <a:rPr lang="de-DE" dirty="0" smtClean="0"/>
+              <a:t>Marketingstrategie/-ziele</a:t>
+            </a:r>
+            <a:endParaRPr lang="de-DE" dirty="0"/>
+          </a:p>
+        </p:txBody>
+      </p:sp>
+      <p:sp>
+        <p:nvSpPr>
+          <p:cNvPr id="6" name="Inhaltsplatzhalter 5"/>
+          <p:cNvSpPr>
+            <a:spLocks noGrp="1"/>
+          </p:cNvSpPr>
+          <p:nvPr>
+            <p:ph sz="quarter" idx="14"/>
+          </p:nvPr>
+        </p:nvSpPr>
+        <p:spPr/>
+        <p:txBody>
+          <a:bodyPr>
+            <a:normAutofit/>
+          </a:bodyPr>
+          <a:lstStyle/>
+          <a:p>
+            <a:r>
+              <a:rPr lang="de-DE" dirty="0" smtClean="0"/>
+              <a:t>Marketingmix</a:t>
+            </a:r>
+            <a:endParaRPr lang="de-DE" dirty="0"/>
+          </a:p>
+        </p:txBody>
+      </p:sp>
+      <p:sp>
+        <p:nvSpPr>
+          <p:cNvPr id="7" name="Textplatzhalter 6"/>
+          <p:cNvSpPr>
+            <a:spLocks noGrp="1"/>
+          </p:cNvSpPr>
+          <p:nvPr>
+            <p:ph type="body" sz="quarter" idx="15"/>
+          </p:nvPr>
+        </p:nvSpPr>
+        <p:spPr/>
+        <p:txBody>
+          <a:bodyPr>
+            <a:normAutofit/>
+          </a:bodyPr>
+          <a:lstStyle/>
+          <a:p>
+            <a:r>
+              <a:rPr lang="de-DE" dirty="0" smtClean="0"/>
+              <a:t>Ziele</a:t>
+            </a:r>
+            <a:endParaRPr lang="de-DE" dirty="0"/>
+          </a:p>
+        </p:txBody>
+      </p:sp>
+      <p:sp>
+        <p:nvSpPr>
+          <p:cNvPr id="8" name="Textplatzhalter 7"/>
+          <p:cNvSpPr>
+            <a:spLocks noGrp="1"/>
+          </p:cNvSpPr>
+          <p:nvPr>
+            <p:ph type="body" sz="quarter" idx="16"/>
+          </p:nvPr>
+        </p:nvSpPr>
+        <p:spPr/>
+        <p:txBody>
+          <a:bodyPr/>
+          <a:lstStyle/>
+          <a:p>
+            <a:endParaRPr lang="de-DE"/>
+          </a:p>
+        </p:txBody>
+      </p:sp>
+    </p:spTree>
+    <p:extLst>
+      <p:ext uri="{BB962C8B-B14F-4D97-AF65-F5344CB8AC3E}">
+        <p14:creationId xmlns:p14="http://schemas.microsoft.com/office/powerpoint/2010/main" val="2423532285"/>
+      </p:ext>
+    </p:extLst>
+  </p:cSld>
+  <p:clrMapOvr>
+    <a:masterClrMapping/>
+  </p:clrMapOvr>
+</p:sld>
+</file>
+
+<file path=ppt/slides/slide12.xml><?xml version="1.0" encoding="utf-8"?>
+<p:sld xmlns:a="http://schemas.openxmlformats.org/drawingml/2006/main" xmlns:r="http://schemas.openxmlformats.org/officeDocument/2006/relationships" xmlns:p="http://schemas.openxmlformats.org/presentationml/2006/main">
+  <p:cSld>
+    <p:spTree>
+      <p:nvGrpSpPr>
+        <p:cNvPr id="1" name=""/>
+        <p:cNvGrpSpPr/>
+        <p:nvPr/>
+      </p:nvGrpSpPr>
+      <p:grpSpPr>
+        <a:xfrm>
+          <a:off x="0" y="0"/>
+          <a:ext cx="0" cy="0"/>
+          <a:chOff x="0" y="0"/>
+          <a:chExt cx="0" cy="0"/>
+        </a:xfrm>
+      </p:grpSpPr>
+      <p:sp>
+        <p:nvSpPr>
+          <p:cNvPr id="2" name="Titel 1"/>
+          <p:cNvSpPr>
+            <a:spLocks noGrp="1"/>
+          </p:cNvSpPr>
+          <p:nvPr>
+            <p:ph type="title"/>
+          </p:nvPr>
+        </p:nvSpPr>
+        <p:spPr/>
+        <p:txBody>
+          <a:bodyPr/>
+          <a:lstStyle/>
+          <a:p>
+            <a:r>
+              <a:rPr lang="de-DE" dirty="0" smtClean="0"/>
+              <a:t>Marketingmix</a:t>
+            </a:r>
+            <a:endParaRPr lang="de-DE" dirty="0"/>
+          </a:p>
+        </p:txBody>
+      </p:sp>
+      <p:sp>
+        <p:nvSpPr>
+          <p:cNvPr id="3" name="Inhaltsplatzhalter 2"/>
+          <p:cNvSpPr>
+            <a:spLocks noGrp="1"/>
+          </p:cNvSpPr>
+          <p:nvPr>
+            <p:ph idx="1"/>
+          </p:nvPr>
+        </p:nvSpPr>
+        <p:spPr/>
+        <p:txBody>
+          <a:bodyPr/>
+          <a:lstStyle/>
+          <a:p>
+            <a:endParaRPr lang="de-DE"/>
+          </a:p>
+        </p:txBody>
+      </p:sp>
+      <p:sp>
+        <p:nvSpPr>
+          <p:cNvPr id="4" name="Inhaltsplatzhalter 3"/>
+          <p:cNvSpPr>
+            <a:spLocks noGrp="1"/>
+          </p:cNvSpPr>
+          <p:nvPr>
+            <p:ph sz="quarter" idx="12"/>
+          </p:nvPr>
+        </p:nvSpPr>
+        <p:spPr/>
+        <p:txBody>
+          <a:bodyPr>
+            <a:normAutofit fontScale="92500"/>
+          </a:bodyPr>
+          <a:lstStyle/>
+          <a:p>
+            <a:r>
+              <a:rPr lang="de-DE" dirty="0" smtClean="0"/>
+              <a:t>Marketingstrategie/-ziele</a:t>
+            </a:r>
+            <a:endParaRPr lang="de-DE" dirty="0"/>
+          </a:p>
+        </p:txBody>
+      </p:sp>
+      <p:sp>
+        <p:nvSpPr>
+          <p:cNvPr id="5" name="Inhaltsplatzhalter 4"/>
+          <p:cNvSpPr>
+            <a:spLocks noGrp="1"/>
+          </p:cNvSpPr>
+          <p:nvPr>
+            <p:ph sz="quarter" idx="13"/>
+          </p:nvPr>
+        </p:nvSpPr>
+        <p:spPr/>
+        <p:txBody>
+          <a:bodyPr/>
+          <a:lstStyle/>
+          <a:p>
+            <a:r>
+              <a:rPr lang="de-DE" dirty="0" smtClean="0"/>
+              <a:t>Marketingmix</a:t>
+            </a:r>
+            <a:endParaRPr lang="de-DE" dirty="0"/>
+          </a:p>
+        </p:txBody>
+      </p:sp>
+      <p:sp>
+        <p:nvSpPr>
+          <p:cNvPr id="6" name="Inhaltsplatzhalter 5"/>
+          <p:cNvSpPr>
+            <a:spLocks noGrp="1"/>
+          </p:cNvSpPr>
+          <p:nvPr>
+            <p:ph sz="quarter" idx="14"/>
+          </p:nvPr>
+        </p:nvSpPr>
+        <p:spPr/>
+        <p:txBody>
+          <a:bodyPr/>
+          <a:lstStyle/>
+          <a:p>
+            <a:r>
+              <a:rPr lang="de-DE" dirty="0" smtClean="0"/>
+              <a:t>Fazit</a:t>
+            </a:r>
+            <a:endParaRPr lang="de-DE" dirty="0"/>
+          </a:p>
+        </p:txBody>
+      </p:sp>
+      <p:sp>
+        <p:nvSpPr>
+          <p:cNvPr id="7" name="Textplatzhalter 6"/>
+          <p:cNvSpPr>
+            <a:spLocks noGrp="1"/>
+          </p:cNvSpPr>
+          <p:nvPr>
+            <p:ph type="body" sz="quarter" idx="15"/>
+          </p:nvPr>
+        </p:nvSpPr>
+        <p:spPr/>
+        <p:txBody>
+          <a:bodyPr/>
+          <a:lstStyle/>
+          <a:p>
+            <a:r>
+              <a:rPr lang="de-DE" dirty="0" smtClean="0"/>
+              <a:t>Produkt</a:t>
+            </a:r>
+            <a:endParaRPr lang="de-DE" dirty="0"/>
+          </a:p>
+        </p:txBody>
+      </p:sp>
+      <p:sp>
+        <p:nvSpPr>
+          <p:cNvPr id="8" name="Textplatzhalter 7"/>
+          <p:cNvSpPr>
+            <a:spLocks noGrp="1"/>
+          </p:cNvSpPr>
+          <p:nvPr>
+            <p:ph type="body" sz="quarter" idx="16"/>
+          </p:nvPr>
+        </p:nvSpPr>
+        <p:spPr/>
+        <p:txBody>
+          <a:bodyPr/>
+          <a:lstStyle/>
+          <a:p>
+            <a:endParaRPr lang="de-DE"/>
+          </a:p>
+        </p:txBody>
+      </p:sp>
+    </p:spTree>
+    <p:extLst>
+      <p:ext uri="{BB962C8B-B14F-4D97-AF65-F5344CB8AC3E}">
+        <p14:creationId xmlns:p14="http://schemas.microsoft.com/office/powerpoint/2010/main" val="3115392355"/>
+      </p:ext>
+    </p:extLst>
+  </p:cSld>
+  <p:clrMapOvr>
+    <a:masterClrMapping/>
+  </p:clrMapOvr>
+</p:sld>
+</file>
+
+<file path=ppt/slides/slide13.xml><?xml version="1.0" encoding="utf-8"?>
+<p:sld xmlns:a="http://schemas.openxmlformats.org/drawingml/2006/main" xmlns:r="http://schemas.openxmlformats.org/officeDocument/2006/relationships" xmlns:p="http://schemas.openxmlformats.org/presentationml/2006/main">
+  <p:cSld>
+    <p:spTree>
+      <p:nvGrpSpPr>
+        <p:cNvPr id="1" name=""/>
+        <p:cNvGrpSpPr/>
+        <p:nvPr/>
+      </p:nvGrpSpPr>
+      <p:grpSpPr>
+        <a:xfrm>
+          <a:off x="0" y="0"/>
+          <a:ext cx="0" cy="0"/>
+          <a:chOff x="0" y="0"/>
+          <a:chExt cx="0" cy="0"/>
+        </a:xfrm>
+      </p:grpSpPr>
+      <p:sp>
+        <p:nvSpPr>
+          <p:cNvPr id="2" name="Titel 1"/>
+          <p:cNvSpPr>
+            <a:spLocks noGrp="1"/>
+          </p:cNvSpPr>
+          <p:nvPr>
+            <p:ph type="title"/>
+          </p:nvPr>
+        </p:nvSpPr>
+        <p:spPr/>
+        <p:txBody>
+          <a:bodyPr/>
+          <a:lstStyle/>
+          <a:p>
+            <a:r>
+              <a:rPr lang="de-DE" dirty="0" smtClean="0"/>
+              <a:t>Marketingmix</a:t>
+            </a:r>
+            <a:endParaRPr lang="de-DE" dirty="0"/>
+          </a:p>
+        </p:txBody>
+      </p:sp>
+      <p:sp>
+        <p:nvSpPr>
+          <p:cNvPr id="3" name="Inhaltsplatzhalter 2"/>
+          <p:cNvSpPr>
+            <a:spLocks noGrp="1"/>
+          </p:cNvSpPr>
+          <p:nvPr>
+            <p:ph idx="1"/>
+          </p:nvPr>
+        </p:nvSpPr>
+        <p:spPr/>
+        <p:txBody>
+          <a:bodyPr/>
+          <a:lstStyle/>
+          <a:p>
+            <a:endParaRPr lang="de-DE"/>
+          </a:p>
+        </p:txBody>
+      </p:sp>
+      <p:sp>
+        <p:nvSpPr>
+          <p:cNvPr id="4" name="Inhaltsplatzhalter 3"/>
+          <p:cNvSpPr>
+            <a:spLocks noGrp="1"/>
+          </p:cNvSpPr>
+          <p:nvPr>
+            <p:ph sz="quarter" idx="12"/>
+          </p:nvPr>
+        </p:nvSpPr>
+        <p:spPr/>
+        <p:txBody>
+          <a:bodyPr>
+            <a:normAutofit fontScale="92500"/>
+          </a:bodyPr>
+          <a:lstStyle/>
+          <a:p>
+            <a:r>
+              <a:rPr lang="de-DE" dirty="0" smtClean="0"/>
+              <a:t>Marketingstrategie/-ziele</a:t>
+            </a:r>
+            <a:endParaRPr lang="de-DE" dirty="0"/>
+          </a:p>
+        </p:txBody>
+      </p:sp>
+      <p:sp>
+        <p:nvSpPr>
+          <p:cNvPr id="5" name="Inhaltsplatzhalter 4"/>
+          <p:cNvSpPr>
+            <a:spLocks noGrp="1"/>
+          </p:cNvSpPr>
+          <p:nvPr>
+            <p:ph sz="quarter" idx="13"/>
+          </p:nvPr>
+        </p:nvSpPr>
+        <p:spPr/>
+        <p:txBody>
+          <a:bodyPr/>
+          <a:lstStyle/>
+          <a:p>
+            <a:r>
+              <a:rPr lang="de-DE" dirty="0" smtClean="0"/>
+              <a:t>Marketingmix</a:t>
+            </a:r>
+            <a:endParaRPr lang="de-DE" dirty="0"/>
+          </a:p>
+        </p:txBody>
+      </p:sp>
+      <p:sp>
+        <p:nvSpPr>
+          <p:cNvPr id="6" name="Inhaltsplatzhalter 5"/>
+          <p:cNvSpPr>
+            <a:spLocks noGrp="1"/>
+          </p:cNvSpPr>
+          <p:nvPr>
+            <p:ph sz="quarter" idx="14"/>
+          </p:nvPr>
+        </p:nvSpPr>
+        <p:spPr/>
+        <p:txBody>
+          <a:bodyPr/>
+          <a:lstStyle/>
+          <a:p>
+            <a:r>
+              <a:rPr lang="de-DE" dirty="0" smtClean="0"/>
+              <a:t>Fazit</a:t>
+            </a:r>
+            <a:endParaRPr lang="de-DE" dirty="0"/>
+          </a:p>
+        </p:txBody>
+      </p:sp>
+      <p:sp>
+        <p:nvSpPr>
+          <p:cNvPr id="7" name="Textplatzhalter 6"/>
+          <p:cNvSpPr>
+            <a:spLocks noGrp="1"/>
+          </p:cNvSpPr>
+          <p:nvPr>
+            <p:ph type="body" sz="quarter" idx="15"/>
+          </p:nvPr>
+        </p:nvSpPr>
+        <p:spPr/>
+        <p:txBody>
+          <a:bodyPr/>
+          <a:lstStyle/>
+          <a:p>
+            <a:r>
+              <a:rPr lang="de-DE" dirty="0" smtClean="0"/>
+              <a:t>Distribution</a:t>
+            </a:r>
+            <a:endParaRPr lang="de-DE" dirty="0"/>
+          </a:p>
+        </p:txBody>
+      </p:sp>
+      <p:sp>
+        <p:nvSpPr>
+          <p:cNvPr id="8" name="Textplatzhalter 7"/>
+          <p:cNvSpPr>
+            <a:spLocks noGrp="1"/>
+          </p:cNvSpPr>
+          <p:nvPr>
+            <p:ph type="body" sz="quarter" idx="16"/>
+          </p:nvPr>
+        </p:nvSpPr>
+        <p:spPr/>
+        <p:txBody>
+          <a:bodyPr/>
+          <a:lstStyle/>
+          <a:p>
+            <a:endParaRPr lang="de-DE"/>
+          </a:p>
+        </p:txBody>
+      </p:sp>
+    </p:spTree>
+    <p:extLst>
+      <p:ext uri="{BB962C8B-B14F-4D97-AF65-F5344CB8AC3E}">
+        <p14:creationId xmlns:p14="http://schemas.microsoft.com/office/powerpoint/2010/main" val="2728919635"/>
+      </p:ext>
+    </p:extLst>
+  </p:cSld>
+  <p:clrMapOvr>
+    <a:masterClrMapping/>
+  </p:clrMapOvr>
+</p:sld>
+</file>
+
+<file path=ppt/slides/slide14.xml><?xml version="1.0" encoding="utf-8"?>
+<p:sld xmlns:a="http://schemas.openxmlformats.org/drawingml/2006/main" xmlns:r="http://schemas.openxmlformats.org/officeDocument/2006/relationships" xmlns:p="http://schemas.openxmlformats.org/presentationml/2006/main">
+  <p:cSld>
+    <p:spTree>
+      <p:nvGrpSpPr>
+        <p:cNvPr id="1" name=""/>
+        <p:cNvGrpSpPr/>
+        <p:nvPr/>
+      </p:nvGrpSpPr>
+      <p:grpSpPr>
+        <a:xfrm>
+          <a:off x="0" y="0"/>
+          <a:ext cx="0" cy="0"/>
+          <a:chOff x="0" y="0"/>
+          <a:chExt cx="0" cy="0"/>
+        </a:xfrm>
+      </p:grpSpPr>
+      <p:sp>
+        <p:nvSpPr>
+          <p:cNvPr id="2" name="Titel 1"/>
+          <p:cNvSpPr>
+            <a:spLocks noGrp="1"/>
+          </p:cNvSpPr>
+          <p:nvPr>
+            <p:ph type="title"/>
+          </p:nvPr>
+        </p:nvSpPr>
+        <p:spPr/>
+        <p:txBody>
+          <a:bodyPr/>
+          <a:lstStyle/>
+          <a:p>
+            <a:r>
+              <a:rPr lang="de-DE" dirty="0" smtClean="0"/>
+              <a:t>Marketingmix</a:t>
+            </a:r>
+            <a:endParaRPr lang="de-DE" dirty="0"/>
+          </a:p>
+        </p:txBody>
+      </p:sp>
+      <p:sp>
+        <p:nvSpPr>
+          <p:cNvPr id="3" name="Inhaltsplatzhalter 2"/>
+          <p:cNvSpPr>
+            <a:spLocks noGrp="1"/>
+          </p:cNvSpPr>
+          <p:nvPr>
+            <p:ph idx="1"/>
+          </p:nvPr>
+        </p:nvSpPr>
+        <p:spPr/>
+        <p:txBody>
+          <a:bodyPr/>
+          <a:lstStyle/>
+          <a:p>
+            <a:endParaRPr lang="de-DE"/>
+          </a:p>
+        </p:txBody>
+      </p:sp>
+      <p:sp>
+        <p:nvSpPr>
+          <p:cNvPr id="4" name="Inhaltsplatzhalter 3"/>
+          <p:cNvSpPr>
+            <a:spLocks noGrp="1"/>
+          </p:cNvSpPr>
+          <p:nvPr>
+            <p:ph sz="quarter" idx="12"/>
+          </p:nvPr>
+        </p:nvSpPr>
+        <p:spPr/>
+        <p:txBody>
+          <a:bodyPr>
+            <a:normAutofit fontScale="92500"/>
+          </a:bodyPr>
+          <a:lstStyle/>
+          <a:p>
+            <a:r>
+              <a:rPr lang="de-DE" dirty="0" smtClean="0"/>
+              <a:t>Marketingstrategie/-ziele</a:t>
+            </a:r>
+            <a:endParaRPr lang="de-DE" dirty="0"/>
+          </a:p>
+        </p:txBody>
+      </p:sp>
+      <p:sp>
+        <p:nvSpPr>
+          <p:cNvPr id="5" name="Inhaltsplatzhalter 4"/>
+          <p:cNvSpPr>
+            <a:spLocks noGrp="1"/>
+          </p:cNvSpPr>
+          <p:nvPr>
+            <p:ph sz="quarter" idx="13"/>
+          </p:nvPr>
+        </p:nvSpPr>
+        <p:spPr/>
+        <p:txBody>
+          <a:bodyPr/>
+          <a:lstStyle/>
+          <a:p>
+            <a:r>
+              <a:rPr lang="de-DE" dirty="0" smtClean="0"/>
+              <a:t>Marketingmix</a:t>
+            </a:r>
+            <a:endParaRPr lang="de-DE" dirty="0"/>
+          </a:p>
+        </p:txBody>
+      </p:sp>
+      <p:sp>
+        <p:nvSpPr>
+          <p:cNvPr id="6" name="Inhaltsplatzhalter 5"/>
+          <p:cNvSpPr>
+            <a:spLocks noGrp="1"/>
+          </p:cNvSpPr>
+          <p:nvPr>
+            <p:ph sz="quarter" idx="14"/>
+          </p:nvPr>
+        </p:nvSpPr>
+        <p:spPr/>
+        <p:txBody>
+          <a:bodyPr/>
+          <a:lstStyle/>
+          <a:p>
+            <a:r>
+              <a:rPr lang="de-DE" dirty="0" smtClean="0"/>
+              <a:t>Fazit</a:t>
+            </a:r>
+            <a:endParaRPr lang="de-DE" dirty="0"/>
+          </a:p>
+        </p:txBody>
+      </p:sp>
+      <p:sp>
+        <p:nvSpPr>
+          <p:cNvPr id="7" name="Textplatzhalter 6"/>
+          <p:cNvSpPr>
+            <a:spLocks noGrp="1"/>
+          </p:cNvSpPr>
+          <p:nvPr>
+            <p:ph type="body" sz="quarter" idx="15"/>
+          </p:nvPr>
+        </p:nvSpPr>
+        <p:spPr/>
+        <p:txBody>
+          <a:bodyPr/>
+          <a:lstStyle/>
+          <a:p>
+            <a:r>
+              <a:rPr lang="de-DE" dirty="0" smtClean="0"/>
+              <a:t>Preis</a:t>
+            </a:r>
+            <a:endParaRPr lang="de-DE" dirty="0"/>
+          </a:p>
+        </p:txBody>
+      </p:sp>
+      <p:sp>
+        <p:nvSpPr>
+          <p:cNvPr id="8" name="Textplatzhalter 7"/>
+          <p:cNvSpPr>
+            <a:spLocks noGrp="1"/>
+          </p:cNvSpPr>
+          <p:nvPr>
+            <p:ph type="body" sz="quarter" idx="16"/>
+          </p:nvPr>
+        </p:nvSpPr>
+        <p:spPr/>
+        <p:txBody>
+          <a:bodyPr/>
+          <a:lstStyle/>
+          <a:p>
+            <a:endParaRPr lang="de-DE"/>
+          </a:p>
+        </p:txBody>
+      </p:sp>
+    </p:spTree>
+    <p:extLst>
+      <p:ext uri="{BB962C8B-B14F-4D97-AF65-F5344CB8AC3E}">
+        <p14:creationId xmlns:p14="http://schemas.microsoft.com/office/powerpoint/2010/main" val="2537696220"/>
+      </p:ext>
+    </p:extLst>
+  </p:cSld>
+  <p:clrMapOvr>
+    <a:masterClrMapping/>
+  </p:clrMapOvr>
+</p:sld>
+</file>
+
+<file path=ppt/slides/slide15.xml><?xml version="1.0" encoding="utf-8"?>
+<p:sld xmlns:a="http://schemas.openxmlformats.org/drawingml/2006/main" xmlns:r="http://schemas.openxmlformats.org/officeDocument/2006/relationships" xmlns:p="http://schemas.openxmlformats.org/presentationml/2006/main">
+  <p:cSld>
+    <p:spTree>
+      <p:nvGrpSpPr>
+        <p:cNvPr id="1" name=""/>
+        <p:cNvGrpSpPr/>
+        <p:nvPr/>
+      </p:nvGrpSpPr>
+      <p:grpSpPr>
+        <a:xfrm>
+          <a:off x="0" y="0"/>
+          <a:ext cx="0" cy="0"/>
+          <a:chOff x="0" y="0"/>
+          <a:chExt cx="0" cy="0"/>
+        </a:xfrm>
+      </p:grpSpPr>
+      <p:sp>
+        <p:nvSpPr>
+          <p:cNvPr id="2" name="Titel 1"/>
+          <p:cNvSpPr>
+            <a:spLocks noGrp="1"/>
+          </p:cNvSpPr>
+          <p:nvPr>
+            <p:ph type="title"/>
+          </p:nvPr>
+        </p:nvSpPr>
+        <p:spPr/>
+        <p:txBody>
+          <a:bodyPr/>
+          <a:lstStyle/>
+          <a:p>
+            <a:r>
+              <a:rPr lang="de-DE" dirty="0" smtClean="0"/>
+              <a:t>Marketingmix</a:t>
+            </a:r>
+            <a:endParaRPr lang="de-DE" dirty="0"/>
+          </a:p>
+        </p:txBody>
+      </p:sp>
+      <p:sp>
+        <p:nvSpPr>
+          <p:cNvPr id="3" name="Inhaltsplatzhalter 2"/>
+          <p:cNvSpPr>
+            <a:spLocks noGrp="1"/>
+          </p:cNvSpPr>
+          <p:nvPr>
+            <p:ph idx="1"/>
+          </p:nvPr>
+        </p:nvSpPr>
+        <p:spPr/>
+        <p:txBody>
+          <a:bodyPr/>
+          <a:lstStyle/>
+          <a:p>
+            <a:endParaRPr lang="de-DE"/>
+          </a:p>
+        </p:txBody>
+      </p:sp>
+      <p:sp>
+        <p:nvSpPr>
+          <p:cNvPr id="4" name="Inhaltsplatzhalter 3"/>
+          <p:cNvSpPr>
+            <a:spLocks noGrp="1"/>
+          </p:cNvSpPr>
+          <p:nvPr>
+            <p:ph sz="quarter" idx="12"/>
+          </p:nvPr>
+        </p:nvSpPr>
+        <p:spPr/>
+        <p:txBody>
+          <a:bodyPr>
+            <a:normAutofit fontScale="92500"/>
+          </a:bodyPr>
+          <a:lstStyle/>
+          <a:p>
+            <a:r>
+              <a:rPr lang="de-DE" dirty="0" smtClean="0"/>
+              <a:t>Marketingstrategie/-ziele</a:t>
+            </a:r>
+            <a:endParaRPr lang="de-DE" dirty="0"/>
+          </a:p>
+        </p:txBody>
+      </p:sp>
+      <p:sp>
+        <p:nvSpPr>
+          <p:cNvPr id="5" name="Inhaltsplatzhalter 4"/>
+          <p:cNvSpPr>
+            <a:spLocks noGrp="1"/>
+          </p:cNvSpPr>
+          <p:nvPr>
+            <p:ph sz="quarter" idx="13"/>
+          </p:nvPr>
+        </p:nvSpPr>
+        <p:spPr/>
+        <p:txBody>
+          <a:bodyPr/>
+          <a:lstStyle/>
+          <a:p>
+            <a:r>
+              <a:rPr lang="de-DE" dirty="0" smtClean="0"/>
+              <a:t>Marketingmix</a:t>
+            </a:r>
+            <a:endParaRPr lang="de-DE" dirty="0"/>
+          </a:p>
+        </p:txBody>
+      </p:sp>
+      <p:sp>
+        <p:nvSpPr>
+          <p:cNvPr id="6" name="Inhaltsplatzhalter 5"/>
+          <p:cNvSpPr>
+            <a:spLocks noGrp="1"/>
+          </p:cNvSpPr>
+          <p:nvPr>
+            <p:ph sz="quarter" idx="14"/>
+          </p:nvPr>
+        </p:nvSpPr>
+        <p:spPr/>
+        <p:txBody>
+          <a:bodyPr/>
+          <a:lstStyle/>
+          <a:p>
+            <a:r>
+              <a:rPr lang="de-DE" dirty="0" smtClean="0"/>
+              <a:t>Fazit</a:t>
+            </a:r>
+            <a:endParaRPr lang="de-DE" dirty="0"/>
+          </a:p>
+        </p:txBody>
+      </p:sp>
+      <p:sp>
+        <p:nvSpPr>
+          <p:cNvPr id="7" name="Textplatzhalter 6"/>
+          <p:cNvSpPr>
+            <a:spLocks noGrp="1"/>
+          </p:cNvSpPr>
+          <p:nvPr>
+            <p:ph type="body" sz="quarter" idx="15"/>
+          </p:nvPr>
+        </p:nvSpPr>
+        <p:spPr/>
+        <p:txBody>
+          <a:bodyPr>
+            <a:normAutofit fontScale="92500"/>
+          </a:bodyPr>
+          <a:lstStyle/>
+          <a:p>
+            <a:r>
+              <a:rPr lang="de-DE" dirty="0" smtClean="0"/>
+              <a:t>Kommunikation</a:t>
+            </a:r>
+            <a:endParaRPr lang="de-DE" dirty="0"/>
+          </a:p>
+        </p:txBody>
+      </p:sp>
+      <p:sp>
+        <p:nvSpPr>
+          <p:cNvPr id="8" name="Textplatzhalter 7"/>
+          <p:cNvSpPr>
+            <a:spLocks noGrp="1"/>
+          </p:cNvSpPr>
+          <p:nvPr>
+            <p:ph type="body" sz="quarter" idx="16"/>
+          </p:nvPr>
+        </p:nvSpPr>
+        <p:spPr/>
+        <p:txBody>
+          <a:bodyPr/>
+          <a:lstStyle/>
+          <a:p>
+            <a:endParaRPr lang="de-DE"/>
+          </a:p>
+        </p:txBody>
+      </p:sp>
+    </p:spTree>
+    <p:extLst>
+      <p:ext uri="{BB962C8B-B14F-4D97-AF65-F5344CB8AC3E}">
+        <p14:creationId xmlns:p14="http://schemas.microsoft.com/office/powerpoint/2010/main" val="1158793359"/>
+      </p:ext>
+    </p:extLst>
+  </p:cSld>
+  <p:clrMapOvr>
+    <a:masterClrMapping/>
+  </p:clrMapOvr>
+</p:sld>
+</file>
+
+<file path=ppt/slides/slide16.xml><?xml version="1.0" encoding="utf-8"?>
+<p:sld xmlns:a="http://schemas.openxmlformats.org/drawingml/2006/main" xmlns:r="http://schemas.openxmlformats.org/officeDocument/2006/relationships" xmlns:p="http://schemas.openxmlformats.org/presentationml/2006/main">
+  <p:cSld>
+    <p:spTree>
+      <p:nvGrpSpPr>
+        <p:cNvPr id="1" name=""/>
+        <p:cNvGrpSpPr/>
+        <p:nvPr/>
+      </p:nvGrpSpPr>
+      <p:grpSpPr>
+        <a:xfrm>
+          <a:off x="0" y="0"/>
+          <a:ext cx="0" cy="0"/>
+          <a:chOff x="0" y="0"/>
+          <a:chExt cx="0" cy="0"/>
+        </a:xfrm>
+      </p:grpSpPr>
+      <p:sp>
+        <p:nvSpPr>
+          <p:cNvPr id="2" name="Titel 1"/>
+          <p:cNvSpPr>
+            <a:spLocks noGrp="1"/>
+          </p:cNvSpPr>
+          <p:nvPr>
+            <p:ph type="title"/>
+          </p:nvPr>
+        </p:nvSpPr>
+        <p:spPr/>
+        <p:txBody>
+          <a:bodyPr/>
+          <a:lstStyle/>
+          <a:p>
+            <a:r>
+              <a:rPr lang="de-DE" dirty="0" smtClean="0"/>
+              <a:t>Fazit</a:t>
+            </a:r>
+            <a:endParaRPr lang="de-DE" dirty="0"/>
+          </a:p>
+        </p:txBody>
+      </p:sp>
+      <p:sp>
+        <p:nvSpPr>
+          <p:cNvPr id="3" name="Inhaltsplatzhalter 2"/>
+          <p:cNvSpPr>
+            <a:spLocks noGrp="1"/>
+          </p:cNvSpPr>
+          <p:nvPr>
+            <p:ph idx="1"/>
+          </p:nvPr>
+        </p:nvSpPr>
+        <p:spPr/>
+        <p:txBody>
+          <a:bodyPr/>
+          <a:lstStyle/>
+          <a:p>
+            <a:endParaRPr lang="de-DE"/>
+          </a:p>
+        </p:txBody>
+      </p:sp>
+      <p:sp>
+        <p:nvSpPr>
+          <p:cNvPr id="4" name="Inhaltsplatzhalter 3"/>
+          <p:cNvSpPr>
+            <a:spLocks noGrp="1"/>
+          </p:cNvSpPr>
+          <p:nvPr>
+            <p:ph sz="quarter" idx="12"/>
+          </p:nvPr>
+        </p:nvSpPr>
+        <p:spPr/>
+        <p:txBody>
+          <a:bodyPr/>
+          <a:lstStyle/>
+          <a:p>
+            <a:r>
+              <a:rPr lang="de-DE" dirty="0" smtClean="0"/>
+              <a:t>Marketingmix</a:t>
+            </a:r>
+            <a:endParaRPr lang="de-DE" dirty="0"/>
+          </a:p>
+        </p:txBody>
+      </p:sp>
+      <p:sp>
+        <p:nvSpPr>
+          <p:cNvPr id="5" name="Inhaltsplatzhalter 4"/>
+          <p:cNvSpPr>
+            <a:spLocks noGrp="1"/>
+          </p:cNvSpPr>
+          <p:nvPr>
+            <p:ph sz="quarter" idx="13"/>
+          </p:nvPr>
+        </p:nvSpPr>
+        <p:spPr/>
+        <p:txBody>
+          <a:bodyPr/>
+          <a:lstStyle/>
+          <a:p>
+            <a:r>
+              <a:rPr lang="de-DE" dirty="0" smtClean="0"/>
+              <a:t>Fazit</a:t>
+            </a:r>
+            <a:endParaRPr lang="de-DE" dirty="0"/>
+          </a:p>
+        </p:txBody>
+      </p:sp>
+      <p:sp>
+        <p:nvSpPr>
+          <p:cNvPr id="6" name="Inhaltsplatzhalter 5"/>
+          <p:cNvSpPr>
+            <a:spLocks noGrp="1"/>
+          </p:cNvSpPr>
+          <p:nvPr>
+            <p:ph sz="quarter" idx="14"/>
+          </p:nvPr>
+        </p:nvSpPr>
+        <p:spPr/>
+        <p:txBody>
+          <a:bodyPr/>
+          <a:lstStyle/>
+          <a:p>
+            <a:endParaRPr lang="de-DE"/>
+          </a:p>
+        </p:txBody>
+      </p:sp>
+      <p:sp>
+        <p:nvSpPr>
+          <p:cNvPr id="7" name="Textplatzhalter 6"/>
+          <p:cNvSpPr>
+            <a:spLocks noGrp="1"/>
+          </p:cNvSpPr>
+          <p:nvPr>
+            <p:ph type="body" sz="quarter" idx="15"/>
+          </p:nvPr>
+        </p:nvSpPr>
+        <p:spPr/>
+        <p:txBody>
+          <a:bodyPr/>
+          <a:lstStyle/>
+          <a:p>
+            <a:r>
+              <a:rPr lang="de-DE" dirty="0" smtClean="0"/>
+              <a:t>#</a:t>
+            </a:r>
+            <a:r>
+              <a:rPr lang="de-DE" dirty="0" err="1" smtClean="0"/>
+              <a:t>RuckFowley</a:t>
+            </a:r>
+            <a:endParaRPr lang="de-DE" dirty="0"/>
+          </a:p>
+        </p:txBody>
+      </p:sp>
+      <p:sp>
+        <p:nvSpPr>
+          <p:cNvPr id="8" name="Textplatzhalter 7"/>
+          <p:cNvSpPr>
+            <a:spLocks noGrp="1"/>
+          </p:cNvSpPr>
+          <p:nvPr>
+            <p:ph type="body" sz="quarter" idx="16"/>
+          </p:nvPr>
+        </p:nvSpPr>
+        <p:spPr/>
+        <p:txBody>
+          <a:bodyPr/>
+          <a:lstStyle/>
+          <a:p>
+            <a:endParaRPr lang="de-DE"/>
+          </a:p>
+        </p:txBody>
+      </p:sp>
+    </p:spTree>
+    <p:extLst>
+      <p:ext uri="{BB962C8B-B14F-4D97-AF65-F5344CB8AC3E}">
+        <p14:creationId xmlns:p14="http://schemas.microsoft.com/office/powerpoint/2010/main" val="825005138"/>
+      </p:ext>
+    </p:extLst>
+  </p:cSld>
+  <p:clrMapOvr>
+    <a:masterClrMapping/>
+  </p:clrMapOvr>
+</p:sld>
+</file>
+
+<file path=ppt/slides/slide2.xml><?xml version="1.0" encoding="utf-8"?>
+<p:sld xmlns:a="http://schemas.openxmlformats.org/drawingml/2006/main" xmlns:r="http://schemas.openxmlformats.org/officeDocument/2006/relationships" xmlns:p="http://schemas.openxmlformats.org/presentationml/2006/main">
+  <p:cSld>
+    <p:spTree>
+      <p:nvGrpSpPr>
+        <p:cNvPr id="1" name=""/>
+        <p:cNvGrpSpPr/>
+        <p:nvPr/>
+      </p:nvGrpSpPr>
+      <p:grpSpPr>
+        <a:xfrm>
+          <a:off x="0" y="0"/>
+          <a:ext cx="0" cy="0"/>
+          <a:chOff x="0" y="0"/>
+          <a:chExt cx="0" cy="0"/>
+        </a:xfrm>
+      </p:grpSpPr>
+      <p:sp>
+        <p:nvSpPr>
+          <p:cNvPr id="9" name="Titel 8"/>
+          <p:cNvSpPr>
+            <a:spLocks noGrp="1"/>
+          </p:cNvSpPr>
+          <p:nvPr>
+            <p:ph type="title"/>
+          </p:nvPr>
+        </p:nvSpPr>
+        <p:spPr/>
+        <p:txBody>
+          <a:bodyPr/>
+          <a:lstStyle/>
+          <a:p>
+            <a:r>
+              <a:rPr lang="de-DE" dirty="0" smtClean="0"/>
+              <a:t>Gliederung</a:t>
+            </a:r>
+            <a:endParaRPr lang="de-DE" dirty="0"/>
+          </a:p>
+        </p:txBody>
+      </p:sp>
+      <p:sp>
+        <p:nvSpPr>
+          <p:cNvPr id="10" name="Inhaltsplatzhalter 9"/>
+          <p:cNvSpPr>
+            <a:spLocks noGrp="1"/>
+          </p:cNvSpPr>
+          <p:nvPr>
+            <p:ph idx="1"/>
+          </p:nvPr>
+        </p:nvSpPr>
+        <p:spPr/>
+        <p:txBody>
+          <a:bodyPr/>
+          <a:lstStyle/>
+          <a:p>
+            <a:r>
+              <a:rPr lang="de-DE" dirty="0" smtClean="0"/>
+              <a:t>Projektplanung</a:t>
+            </a:r>
+          </a:p>
+          <a:p>
+            <a:endParaRPr lang="de-DE" dirty="0" smtClean="0"/>
+          </a:p>
+          <a:p>
+            <a:r>
+              <a:rPr lang="de-DE" dirty="0" smtClean="0"/>
+              <a:t>Marktanalyse</a:t>
+            </a:r>
+          </a:p>
+          <a:p>
+            <a:r>
+              <a:rPr lang="de-DE" dirty="0" smtClean="0"/>
+              <a:t>Marketingstrategie/-ziele</a:t>
+            </a:r>
+          </a:p>
+          <a:p>
+            <a:r>
+              <a:rPr lang="de-DE" dirty="0" smtClean="0"/>
+              <a:t>Marketingmix</a:t>
+            </a:r>
+          </a:p>
+          <a:p>
+            <a:endParaRPr lang="de-DE" dirty="0" smtClean="0"/>
+          </a:p>
+          <a:p>
+            <a:r>
+              <a:rPr lang="de-DE" dirty="0" smtClean="0"/>
+              <a:t>Fazit</a:t>
+            </a:r>
+            <a:endParaRPr lang="de-DE" dirty="0"/>
+          </a:p>
+        </p:txBody>
+      </p:sp>
+      <p:sp>
+        <p:nvSpPr>
+          <p:cNvPr id="11" name="Inhaltsplatzhalter 10"/>
+          <p:cNvSpPr>
+            <a:spLocks noGrp="1"/>
+          </p:cNvSpPr>
+          <p:nvPr>
+            <p:ph sz="quarter" idx="12"/>
+          </p:nvPr>
+        </p:nvSpPr>
+        <p:spPr/>
+        <p:txBody>
+          <a:bodyPr/>
+          <a:lstStyle/>
+          <a:p>
+            <a:endParaRPr lang="de-DE"/>
+          </a:p>
+        </p:txBody>
+      </p:sp>
+      <p:sp>
+        <p:nvSpPr>
+          <p:cNvPr id="12" name="Inhaltsplatzhalter 11"/>
+          <p:cNvSpPr>
+            <a:spLocks noGrp="1"/>
+          </p:cNvSpPr>
+          <p:nvPr>
+            <p:ph sz="quarter" idx="13"/>
+          </p:nvPr>
+        </p:nvSpPr>
+        <p:spPr/>
+        <p:txBody>
+          <a:bodyPr/>
+          <a:lstStyle/>
+          <a:p>
+            <a:r>
+              <a:rPr lang="de-DE" dirty="0" smtClean="0"/>
+              <a:t>Gliederung</a:t>
+            </a:r>
+            <a:endParaRPr lang="de-DE" dirty="0"/>
+          </a:p>
+        </p:txBody>
+      </p:sp>
+      <p:sp>
+        <p:nvSpPr>
+          <p:cNvPr id="13" name="Inhaltsplatzhalter 12"/>
+          <p:cNvSpPr>
+            <a:spLocks noGrp="1"/>
+          </p:cNvSpPr>
+          <p:nvPr>
+            <p:ph sz="quarter" idx="14"/>
+          </p:nvPr>
+        </p:nvSpPr>
+        <p:spPr/>
+        <p:txBody>
+          <a:bodyPr/>
+          <a:lstStyle/>
+          <a:p>
+            <a:r>
+              <a:rPr lang="de-DE" dirty="0" smtClean="0"/>
+              <a:t>Projektplanung</a:t>
+            </a:r>
+            <a:endParaRPr lang="de-DE" dirty="0"/>
+          </a:p>
+        </p:txBody>
+      </p:sp>
+    </p:spTree>
+    <p:extLst>
+      <p:ext uri="{BB962C8B-B14F-4D97-AF65-F5344CB8AC3E}">
+        <p14:creationId xmlns:p14="http://schemas.microsoft.com/office/powerpoint/2010/main" val="3767515842"/>
+      </p:ext>
+    </p:extLst>
+  </p:cSld>
+  <p:clrMapOvr>
+    <a:masterClrMapping/>
+  </p:clrMapOvr>
+</p:sld>
+</file>
+
+<file path=ppt/slides/slide3.xml><?xml version="1.0" encoding="utf-8"?>
+<p:sld xmlns:a="http://schemas.openxmlformats.org/drawingml/2006/main" xmlns:r="http://schemas.openxmlformats.org/officeDocument/2006/relationships" xmlns:p="http://schemas.openxmlformats.org/presentationml/2006/main">
+  <p:cSld>
+    <p:spTree>
+      <p:nvGrpSpPr>
+        <p:cNvPr id="1" name=""/>
+        <p:cNvGrpSpPr/>
+        <p:nvPr/>
+      </p:nvGrpSpPr>
+      <p:grpSpPr>
+        <a:xfrm>
+          <a:off x="0" y="0"/>
+          <a:ext cx="0" cy="0"/>
+          <a:chOff x="0" y="0"/>
+          <a:chExt cx="0" cy="0"/>
+        </a:xfrm>
+      </p:grpSpPr>
+      <p:sp>
+        <p:nvSpPr>
+          <p:cNvPr id="7" name="Titel 6"/>
+          <p:cNvSpPr>
+            <a:spLocks noGrp="1"/>
+          </p:cNvSpPr>
+          <p:nvPr>
+            <p:ph type="title"/>
+          </p:nvPr>
+        </p:nvSpPr>
+        <p:spPr/>
+        <p:txBody>
+          <a:bodyPr/>
+          <a:lstStyle/>
+          <a:p>
+            <a:r>
+              <a:rPr lang="de-DE" dirty="0" smtClean="0"/>
+              <a:t>Projektplanung</a:t>
+            </a:r>
+            <a:endParaRPr lang="de-DE" dirty="0"/>
+          </a:p>
+        </p:txBody>
+      </p:sp>
+      <p:sp>
+        <p:nvSpPr>
+          <p:cNvPr id="8" name="Inhaltsplatzhalter 7"/>
+          <p:cNvSpPr>
+            <a:spLocks noGrp="1"/>
+          </p:cNvSpPr>
+          <p:nvPr>
+            <p:ph idx="1"/>
+          </p:nvPr>
+        </p:nvSpPr>
+        <p:spPr/>
+        <p:txBody>
+          <a:bodyPr/>
+          <a:lstStyle/>
+          <a:p>
+            <a:endParaRPr lang="de-DE"/>
+          </a:p>
+        </p:txBody>
+      </p:sp>
+      <p:sp>
+        <p:nvSpPr>
+          <p:cNvPr id="9" name="Inhaltsplatzhalter 8"/>
+          <p:cNvSpPr>
+            <a:spLocks noGrp="1"/>
+          </p:cNvSpPr>
+          <p:nvPr>
+            <p:ph sz="quarter" idx="12"/>
+          </p:nvPr>
+        </p:nvSpPr>
+        <p:spPr/>
+        <p:txBody>
+          <a:bodyPr/>
+          <a:lstStyle/>
+          <a:p>
+            <a:r>
+              <a:rPr lang="de-DE" dirty="0" smtClean="0"/>
+              <a:t>Gliederung</a:t>
+            </a:r>
+            <a:endParaRPr lang="de-DE" dirty="0"/>
+          </a:p>
+        </p:txBody>
+      </p:sp>
+      <p:sp>
+        <p:nvSpPr>
+          <p:cNvPr id="10" name="Inhaltsplatzhalter 9"/>
+          <p:cNvSpPr>
+            <a:spLocks noGrp="1"/>
+          </p:cNvSpPr>
+          <p:nvPr>
+            <p:ph sz="quarter" idx="13"/>
+          </p:nvPr>
+        </p:nvSpPr>
+        <p:spPr/>
+        <p:txBody>
+          <a:bodyPr/>
+          <a:lstStyle/>
+          <a:p>
+            <a:r>
+              <a:rPr lang="de-DE" dirty="0" smtClean="0"/>
+              <a:t>Projektplanung</a:t>
+            </a:r>
+            <a:endParaRPr lang="de-DE" dirty="0"/>
+          </a:p>
+        </p:txBody>
+      </p:sp>
+      <p:sp>
+        <p:nvSpPr>
+          <p:cNvPr id="11" name="Inhaltsplatzhalter 10"/>
+          <p:cNvSpPr>
+            <a:spLocks noGrp="1"/>
+          </p:cNvSpPr>
+          <p:nvPr>
+            <p:ph sz="quarter" idx="14"/>
+          </p:nvPr>
+        </p:nvSpPr>
+        <p:spPr/>
+        <p:txBody>
+          <a:bodyPr/>
+          <a:lstStyle/>
+          <a:p>
+            <a:r>
+              <a:rPr lang="de-DE" dirty="0" smtClean="0"/>
+              <a:t>Marktanalyse</a:t>
+            </a:r>
+            <a:endParaRPr lang="de-DE" dirty="0"/>
+          </a:p>
+        </p:txBody>
+      </p:sp>
+      <p:sp>
+        <p:nvSpPr>
+          <p:cNvPr id="12" name="Textplatzhalter 11"/>
+          <p:cNvSpPr>
+            <a:spLocks noGrp="1"/>
+          </p:cNvSpPr>
+          <p:nvPr>
+            <p:ph type="body" sz="quarter" idx="15"/>
+          </p:nvPr>
+        </p:nvSpPr>
+        <p:spPr/>
+        <p:txBody>
+          <a:bodyPr/>
+          <a:lstStyle/>
+          <a:p>
+            <a:endParaRPr lang="de-DE" dirty="0"/>
+          </a:p>
+        </p:txBody>
+      </p:sp>
+      <p:sp>
+        <p:nvSpPr>
+          <p:cNvPr id="13" name="Textplatzhalter 12"/>
+          <p:cNvSpPr>
+            <a:spLocks noGrp="1"/>
+          </p:cNvSpPr>
+          <p:nvPr>
+            <p:ph type="body" sz="quarter" idx="16"/>
+          </p:nvPr>
+        </p:nvSpPr>
+        <p:spPr/>
+        <p:txBody>
+          <a:bodyPr/>
+          <a:lstStyle/>
+          <a:p>
+            <a:endParaRPr lang="de-DE"/>
+          </a:p>
+        </p:txBody>
+      </p:sp>
+    </p:spTree>
+    <p:extLst>
+      <p:ext uri="{BB962C8B-B14F-4D97-AF65-F5344CB8AC3E}">
+        <p14:creationId xmlns:p14="http://schemas.microsoft.com/office/powerpoint/2010/main" val="1439029496"/>
+      </p:ext>
+    </p:extLst>
+  </p:cSld>
+  <p:clrMapOvr>
+    <a:masterClrMapping/>
+  </p:clrMapOvr>
+</p:sld>
+</file>
+
+<file path=ppt/slides/slide4.xml><?xml version="1.0" encoding="utf-8"?>
+<p:sld xmlns:a="http://schemas.openxmlformats.org/drawingml/2006/main" xmlns:r="http://schemas.openxmlformats.org/officeDocument/2006/relationships" xmlns:p="http://schemas.openxmlformats.org/presentationml/2006/main">
+  <p:cSld>
+    <p:spTree>
+      <p:nvGrpSpPr>
+        <p:cNvPr id="1" name=""/>
+        <p:cNvGrpSpPr/>
+        <p:nvPr/>
+      </p:nvGrpSpPr>
+      <p:grpSpPr>
+        <a:xfrm>
+          <a:off x="0" y="0"/>
+          <a:ext cx="0" cy="0"/>
+          <a:chOff x="0" y="0"/>
+          <a:chExt cx="0" cy="0"/>
+        </a:xfrm>
+      </p:grpSpPr>
+      <p:sp>
+        <p:nvSpPr>
+          <p:cNvPr id="2" name="Titel 1"/>
+          <p:cNvSpPr>
+            <a:spLocks noGrp="1"/>
+          </p:cNvSpPr>
+          <p:nvPr>
+            <p:ph type="title"/>
+          </p:nvPr>
+        </p:nvSpPr>
+        <p:spPr/>
+        <p:txBody>
+          <a:bodyPr/>
+          <a:lstStyle/>
+          <a:p>
+            <a:r>
+              <a:rPr lang="de-DE" dirty="0" smtClean="0"/>
+              <a:t>Marktanalyse</a:t>
+            </a:r>
+            <a:endParaRPr lang="de-DE" dirty="0"/>
+          </a:p>
+        </p:txBody>
+      </p:sp>
+      <p:sp>
+        <p:nvSpPr>
+          <p:cNvPr id="3" name="Inhaltsplatzhalter 2"/>
+          <p:cNvSpPr>
+            <a:spLocks noGrp="1"/>
+          </p:cNvSpPr>
+          <p:nvPr>
+            <p:ph idx="1"/>
+          </p:nvPr>
+        </p:nvSpPr>
+        <p:spPr/>
+        <p:txBody>
+          <a:bodyPr/>
+          <a:lstStyle/>
+          <a:p>
+            <a:endParaRPr lang="de-DE"/>
+          </a:p>
+        </p:txBody>
+      </p:sp>
+      <p:sp>
+        <p:nvSpPr>
+          <p:cNvPr id="4" name="Inhaltsplatzhalter 3"/>
+          <p:cNvSpPr>
+            <a:spLocks noGrp="1"/>
+          </p:cNvSpPr>
+          <p:nvPr>
+            <p:ph sz="quarter" idx="12"/>
+          </p:nvPr>
+        </p:nvSpPr>
+        <p:spPr/>
+        <p:txBody>
+          <a:bodyPr/>
+          <a:lstStyle/>
+          <a:p>
+            <a:r>
+              <a:rPr lang="de-DE" dirty="0" smtClean="0"/>
+              <a:t>Projektplanung</a:t>
+            </a:r>
+            <a:endParaRPr lang="de-DE" dirty="0"/>
+          </a:p>
+        </p:txBody>
+      </p:sp>
+      <p:sp>
+        <p:nvSpPr>
+          <p:cNvPr id="5" name="Inhaltsplatzhalter 4"/>
+          <p:cNvSpPr>
+            <a:spLocks noGrp="1"/>
+          </p:cNvSpPr>
+          <p:nvPr>
+            <p:ph sz="quarter" idx="13"/>
+          </p:nvPr>
+        </p:nvSpPr>
+        <p:spPr/>
+        <p:txBody>
+          <a:bodyPr/>
+          <a:lstStyle/>
+          <a:p>
+            <a:r>
+              <a:rPr lang="de-DE" dirty="0" smtClean="0"/>
+              <a:t>Marktanalyse</a:t>
+            </a:r>
+            <a:endParaRPr lang="de-DE" dirty="0"/>
+          </a:p>
+        </p:txBody>
+      </p:sp>
+      <p:sp>
+        <p:nvSpPr>
+          <p:cNvPr id="6" name="Inhaltsplatzhalter 5"/>
+          <p:cNvSpPr>
+            <a:spLocks noGrp="1"/>
+          </p:cNvSpPr>
+          <p:nvPr>
+            <p:ph sz="quarter" idx="14"/>
+          </p:nvPr>
+        </p:nvSpPr>
+        <p:spPr/>
+        <p:txBody>
+          <a:bodyPr>
+            <a:normAutofit fontScale="92500"/>
+          </a:bodyPr>
+          <a:lstStyle/>
+          <a:p>
+            <a:r>
+              <a:rPr lang="de-DE" dirty="0" smtClean="0"/>
+              <a:t>Marketingstrategie/-ziele</a:t>
+            </a:r>
+            <a:endParaRPr lang="de-DE" dirty="0"/>
+          </a:p>
+        </p:txBody>
+      </p:sp>
+      <p:sp>
+        <p:nvSpPr>
+          <p:cNvPr id="7" name="Textplatzhalter 6"/>
+          <p:cNvSpPr>
+            <a:spLocks noGrp="1"/>
+          </p:cNvSpPr>
+          <p:nvPr>
+            <p:ph type="body" sz="quarter" idx="15"/>
+          </p:nvPr>
+        </p:nvSpPr>
+        <p:spPr/>
+        <p:txBody>
+          <a:bodyPr/>
+          <a:lstStyle/>
+          <a:p>
+            <a:r>
+              <a:rPr lang="de-DE" dirty="0" smtClean="0"/>
+              <a:t>Konkurrenz</a:t>
+            </a:r>
+            <a:endParaRPr lang="de-DE" dirty="0"/>
+          </a:p>
+        </p:txBody>
+      </p:sp>
+      <p:sp>
+        <p:nvSpPr>
+          <p:cNvPr id="8" name="Textplatzhalter 7"/>
+          <p:cNvSpPr>
+            <a:spLocks noGrp="1"/>
+          </p:cNvSpPr>
+          <p:nvPr>
+            <p:ph type="body" sz="quarter" idx="16"/>
+          </p:nvPr>
+        </p:nvSpPr>
+        <p:spPr/>
+        <p:txBody>
+          <a:bodyPr/>
+          <a:lstStyle/>
+          <a:p>
+            <a:endParaRPr lang="de-DE"/>
+          </a:p>
+        </p:txBody>
+      </p:sp>
+    </p:spTree>
+    <p:extLst>
+      <p:ext uri="{BB962C8B-B14F-4D97-AF65-F5344CB8AC3E}">
+        <p14:creationId xmlns:p14="http://schemas.microsoft.com/office/powerpoint/2010/main" val="1496772943"/>
+      </p:ext>
+    </p:extLst>
+  </p:cSld>
+  <p:clrMapOvr>
+    <a:masterClrMapping/>
+  </p:clrMapOvr>
+</p:sld>
+</file>
+
+<file path=ppt/slides/slide5.xml><?xml version="1.0" encoding="utf-8"?>
+<p:sld xmlns:a="http://schemas.openxmlformats.org/drawingml/2006/main" xmlns:r="http://schemas.openxmlformats.org/officeDocument/2006/relationships" xmlns:p="http://schemas.openxmlformats.org/presentationml/2006/main">
+  <p:cSld>
+    <p:spTree>
+      <p:nvGrpSpPr>
+        <p:cNvPr id="1" name=""/>
+        <p:cNvGrpSpPr/>
+        <p:nvPr/>
+      </p:nvGrpSpPr>
+      <p:grpSpPr>
+        <a:xfrm>
+          <a:off x="0" y="0"/>
+          <a:ext cx="0" cy="0"/>
+          <a:chOff x="0" y="0"/>
+          <a:chExt cx="0" cy="0"/>
+        </a:xfrm>
+      </p:grpSpPr>
+      <p:sp>
+        <p:nvSpPr>
+          <p:cNvPr id="2" name="Titel 1"/>
+          <p:cNvSpPr>
+            <a:spLocks noGrp="1"/>
+          </p:cNvSpPr>
+          <p:nvPr>
+            <p:ph type="title"/>
+          </p:nvPr>
+        </p:nvSpPr>
+        <p:spPr/>
+        <p:txBody>
+          <a:bodyPr/>
+          <a:lstStyle/>
+          <a:p>
+            <a:r>
+              <a:rPr lang="de-DE" dirty="0" smtClean="0"/>
+              <a:t>Marktanalyse</a:t>
+            </a:r>
+            <a:endParaRPr lang="de-DE" dirty="0"/>
+          </a:p>
+        </p:txBody>
+      </p:sp>
+      <p:sp>
+        <p:nvSpPr>
+          <p:cNvPr id="3" name="Inhaltsplatzhalter 2"/>
+          <p:cNvSpPr>
+            <a:spLocks noGrp="1"/>
+          </p:cNvSpPr>
+          <p:nvPr>
+            <p:ph idx="1"/>
+          </p:nvPr>
+        </p:nvSpPr>
+        <p:spPr/>
+        <p:txBody>
+          <a:bodyPr/>
+          <a:lstStyle/>
+          <a:p>
+            <a:endParaRPr lang="de-DE"/>
+          </a:p>
+        </p:txBody>
+      </p:sp>
+      <p:sp>
+        <p:nvSpPr>
+          <p:cNvPr id="4" name="Inhaltsplatzhalter 3"/>
+          <p:cNvSpPr>
+            <a:spLocks noGrp="1"/>
+          </p:cNvSpPr>
+          <p:nvPr>
+            <p:ph sz="quarter" idx="12"/>
+          </p:nvPr>
+        </p:nvSpPr>
+        <p:spPr/>
+        <p:txBody>
+          <a:bodyPr/>
+          <a:lstStyle/>
+          <a:p>
+            <a:r>
+              <a:rPr lang="de-DE" dirty="0" smtClean="0"/>
+              <a:t>Projektplanung</a:t>
+            </a:r>
+            <a:endParaRPr lang="de-DE" dirty="0"/>
+          </a:p>
+        </p:txBody>
+      </p:sp>
+      <p:sp>
+        <p:nvSpPr>
+          <p:cNvPr id="5" name="Inhaltsplatzhalter 4"/>
+          <p:cNvSpPr>
+            <a:spLocks noGrp="1"/>
+          </p:cNvSpPr>
+          <p:nvPr>
+            <p:ph sz="quarter" idx="13"/>
+          </p:nvPr>
+        </p:nvSpPr>
+        <p:spPr/>
+        <p:txBody>
+          <a:bodyPr/>
+          <a:lstStyle/>
+          <a:p>
+            <a:r>
+              <a:rPr lang="de-DE" dirty="0" smtClean="0"/>
+              <a:t>Marktanalyse</a:t>
+            </a:r>
+            <a:endParaRPr lang="de-DE" dirty="0"/>
+          </a:p>
+        </p:txBody>
+      </p:sp>
+      <p:sp>
+        <p:nvSpPr>
+          <p:cNvPr id="6" name="Inhaltsplatzhalter 5"/>
+          <p:cNvSpPr>
+            <a:spLocks noGrp="1"/>
+          </p:cNvSpPr>
+          <p:nvPr>
+            <p:ph sz="quarter" idx="14"/>
+          </p:nvPr>
+        </p:nvSpPr>
+        <p:spPr/>
+        <p:txBody>
+          <a:bodyPr>
+            <a:normAutofit fontScale="92500"/>
+          </a:bodyPr>
+          <a:lstStyle/>
+          <a:p>
+            <a:r>
+              <a:rPr lang="de-DE" dirty="0" smtClean="0"/>
+              <a:t>Marketingstrategie/-ziele</a:t>
+            </a:r>
+            <a:endParaRPr lang="de-DE" dirty="0"/>
+          </a:p>
+        </p:txBody>
+      </p:sp>
+      <p:sp>
+        <p:nvSpPr>
+          <p:cNvPr id="7" name="Textplatzhalter 6"/>
+          <p:cNvSpPr>
+            <a:spLocks noGrp="1"/>
+          </p:cNvSpPr>
+          <p:nvPr>
+            <p:ph type="body" sz="quarter" idx="15"/>
+          </p:nvPr>
+        </p:nvSpPr>
+        <p:spPr/>
+        <p:txBody>
+          <a:bodyPr>
+            <a:normAutofit/>
+          </a:bodyPr>
+          <a:lstStyle/>
+          <a:p>
+            <a:r>
+              <a:rPr lang="de-DE" dirty="0" err="1" smtClean="0"/>
+              <a:t>Absatzmögl</a:t>
+            </a:r>
+            <a:r>
+              <a:rPr lang="de-DE" dirty="0" smtClean="0"/>
+              <a:t>.</a:t>
+            </a:r>
+            <a:endParaRPr lang="de-DE" dirty="0"/>
+          </a:p>
+        </p:txBody>
+      </p:sp>
+      <p:sp>
+        <p:nvSpPr>
+          <p:cNvPr id="8" name="Textplatzhalter 7"/>
+          <p:cNvSpPr>
+            <a:spLocks noGrp="1"/>
+          </p:cNvSpPr>
+          <p:nvPr>
+            <p:ph type="body" sz="quarter" idx="16"/>
+          </p:nvPr>
+        </p:nvSpPr>
+        <p:spPr/>
+        <p:txBody>
+          <a:bodyPr/>
+          <a:lstStyle/>
+          <a:p>
+            <a:endParaRPr lang="de-DE"/>
+          </a:p>
+        </p:txBody>
+      </p:sp>
+    </p:spTree>
+    <p:extLst>
+      <p:ext uri="{BB962C8B-B14F-4D97-AF65-F5344CB8AC3E}">
+        <p14:creationId xmlns:p14="http://schemas.microsoft.com/office/powerpoint/2010/main" val="340756330"/>
+      </p:ext>
+    </p:extLst>
+  </p:cSld>
+  <p:clrMapOvr>
+    <a:masterClrMapping/>
+  </p:clrMapOvr>
+</p:sld>
+</file>
+
+<file path=ppt/slides/slide6.xml><?xml version="1.0" encoding="utf-8"?>
+<p:sld xmlns:a="http://schemas.openxmlformats.org/drawingml/2006/main" xmlns:r="http://schemas.openxmlformats.org/officeDocument/2006/relationships" xmlns:p="http://schemas.openxmlformats.org/presentationml/2006/main">
+  <p:cSld>
+    <p:spTree>
+      <p:nvGrpSpPr>
+        <p:cNvPr id="1" name=""/>
+        <p:cNvGrpSpPr/>
+        <p:nvPr/>
+      </p:nvGrpSpPr>
+      <p:grpSpPr>
+        <a:xfrm>
+          <a:off x="0" y="0"/>
+          <a:ext cx="0" cy="0"/>
+          <a:chOff x="0" y="0"/>
+          <a:chExt cx="0" cy="0"/>
+        </a:xfrm>
+      </p:grpSpPr>
+      <p:sp>
+        <p:nvSpPr>
+          <p:cNvPr id="2" name="Titel 1"/>
+          <p:cNvSpPr>
+            <a:spLocks noGrp="1"/>
+          </p:cNvSpPr>
+          <p:nvPr>
+            <p:ph type="title"/>
+          </p:nvPr>
+        </p:nvSpPr>
+        <p:spPr/>
+        <p:txBody>
+          <a:bodyPr/>
+          <a:lstStyle/>
+          <a:p>
+            <a:r>
+              <a:rPr lang="de-DE" dirty="0" smtClean="0"/>
+              <a:t>Marktanalyse</a:t>
+            </a:r>
+            <a:endParaRPr lang="de-DE" dirty="0"/>
+          </a:p>
+        </p:txBody>
+      </p:sp>
+      <p:sp>
+        <p:nvSpPr>
+          <p:cNvPr id="3" name="Inhaltsplatzhalter 2"/>
+          <p:cNvSpPr>
+            <a:spLocks noGrp="1"/>
+          </p:cNvSpPr>
+          <p:nvPr>
+            <p:ph idx="1"/>
+          </p:nvPr>
+        </p:nvSpPr>
+        <p:spPr/>
+        <p:txBody>
+          <a:bodyPr/>
+          <a:lstStyle/>
+          <a:p>
+            <a:endParaRPr lang="de-DE"/>
+          </a:p>
+        </p:txBody>
+      </p:sp>
+      <p:sp>
+        <p:nvSpPr>
+          <p:cNvPr id="4" name="Inhaltsplatzhalter 3"/>
+          <p:cNvSpPr>
+            <a:spLocks noGrp="1"/>
+          </p:cNvSpPr>
+          <p:nvPr>
+            <p:ph sz="quarter" idx="12"/>
+          </p:nvPr>
+        </p:nvSpPr>
+        <p:spPr/>
+        <p:txBody>
+          <a:bodyPr/>
+          <a:lstStyle/>
+          <a:p>
+            <a:r>
+              <a:rPr lang="de-DE" dirty="0" smtClean="0"/>
+              <a:t>Projektplanung</a:t>
+            </a:r>
+            <a:endParaRPr lang="de-DE" dirty="0"/>
+          </a:p>
+        </p:txBody>
+      </p:sp>
+      <p:sp>
+        <p:nvSpPr>
+          <p:cNvPr id="5" name="Inhaltsplatzhalter 4"/>
+          <p:cNvSpPr>
+            <a:spLocks noGrp="1"/>
+          </p:cNvSpPr>
+          <p:nvPr>
+            <p:ph sz="quarter" idx="13"/>
+          </p:nvPr>
+        </p:nvSpPr>
+        <p:spPr/>
+        <p:txBody>
+          <a:bodyPr/>
+          <a:lstStyle/>
+          <a:p>
+            <a:r>
+              <a:rPr lang="de-DE" dirty="0" smtClean="0"/>
+              <a:t>Marktanalyse</a:t>
+            </a:r>
+            <a:endParaRPr lang="de-DE" dirty="0"/>
+          </a:p>
+        </p:txBody>
+      </p:sp>
+      <p:sp>
+        <p:nvSpPr>
+          <p:cNvPr id="6" name="Inhaltsplatzhalter 5"/>
+          <p:cNvSpPr>
+            <a:spLocks noGrp="1"/>
+          </p:cNvSpPr>
+          <p:nvPr>
+            <p:ph sz="quarter" idx="14"/>
+          </p:nvPr>
+        </p:nvSpPr>
+        <p:spPr/>
+        <p:txBody>
+          <a:bodyPr>
+            <a:normAutofit fontScale="92500"/>
+          </a:bodyPr>
+          <a:lstStyle/>
+          <a:p>
+            <a:r>
+              <a:rPr lang="de-DE" dirty="0" smtClean="0"/>
+              <a:t>Marketingstrategie/-ziele</a:t>
+            </a:r>
+            <a:endParaRPr lang="de-DE" dirty="0"/>
+          </a:p>
+        </p:txBody>
+      </p:sp>
+      <p:sp>
+        <p:nvSpPr>
+          <p:cNvPr id="7" name="Textplatzhalter 6"/>
+          <p:cNvSpPr>
+            <a:spLocks noGrp="1"/>
+          </p:cNvSpPr>
+          <p:nvPr>
+            <p:ph type="body" sz="quarter" idx="15"/>
+          </p:nvPr>
+        </p:nvSpPr>
+        <p:spPr/>
+        <p:txBody>
+          <a:bodyPr>
+            <a:normAutofit/>
+          </a:bodyPr>
+          <a:lstStyle/>
+          <a:p>
+            <a:r>
+              <a:rPr lang="de-DE" dirty="0" smtClean="0"/>
+              <a:t>Kundenkreise</a:t>
+            </a:r>
+            <a:endParaRPr lang="de-DE" dirty="0"/>
+          </a:p>
+        </p:txBody>
+      </p:sp>
+      <p:sp>
+        <p:nvSpPr>
+          <p:cNvPr id="8" name="Textplatzhalter 7"/>
+          <p:cNvSpPr>
+            <a:spLocks noGrp="1"/>
+          </p:cNvSpPr>
+          <p:nvPr>
+            <p:ph type="body" sz="quarter" idx="16"/>
+          </p:nvPr>
+        </p:nvSpPr>
+        <p:spPr/>
+        <p:txBody>
+          <a:bodyPr/>
+          <a:lstStyle/>
+          <a:p>
+            <a:endParaRPr lang="de-DE"/>
+          </a:p>
+        </p:txBody>
+      </p:sp>
+    </p:spTree>
+    <p:extLst>
+      <p:ext uri="{BB962C8B-B14F-4D97-AF65-F5344CB8AC3E}">
+        <p14:creationId xmlns:p14="http://schemas.microsoft.com/office/powerpoint/2010/main" val="3634318220"/>
+      </p:ext>
+    </p:extLst>
+  </p:cSld>
+  <p:clrMapOvr>
+    <a:masterClrMapping/>
+  </p:clrMapOvr>
+</p:sld>
+</file>
+
+<file path=ppt/slides/slide7.xml><?xml version="1.0" encoding="utf-8"?>
+<p:sld xmlns:a="http://schemas.openxmlformats.org/drawingml/2006/main" xmlns:r="http://schemas.openxmlformats.org/officeDocument/2006/relationships" xmlns:p="http://schemas.openxmlformats.org/presentationml/2006/main">
+  <p:cSld>
+    <p:spTree>
+      <p:nvGrpSpPr>
+        <p:cNvPr id="1" name=""/>
+        <p:cNvGrpSpPr/>
+        <p:nvPr/>
+      </p:nvGrpSpPr>
+      <p:grpSpPr>
+        <a:xfrm>
+          <a:off x="0" y="0"/>
+          <a:ext cx="0" cy="0"/>
+          <a:chOff x="0" y="0"/>
+          <a:chExt cx="0" cy="0"/>
+        </a:xfrm>
+      </p:grpSpPr>
+      <p:sp>
+        <p:nvSpPr>
+          <p:cNvPr id="2" name="Titel 1"/>
+          <p:cNvSpPr>
+            <a:spLocks noGrp="1"/>
+          </p:cNvSpPr>
+          <p:nvPr>
+            <p:ph type="title"/>
+          </p:nvPr>
+        </p:nvSpPr>
+        <p:spPr/>
+        <p:txBody>
+          <a:bodyPr/>
+          <a:lstStyle/>
+          <a:p>
+            <a:r>
+              <a:rPr lang="de-DE" dirty="0" smtClean="0"/>
+              <a:t>Marktanalyse</a:t>
+            </a:r>
+            <a:endParaRPr lang="de-DE" dirty="0"/>
+          </a:p>
+        </p:txBody>
+      </p:sp>
+      <p:sp>
+        <p:nvSpPr>
+          <p:cNvPr id="3" name="Inhaltsplatzhalter 2"/>
+          <p:cNvSpPr>
+            <a:spLocks noGrp="1"/>
+          </p:cNvSpPr>
+          <p:nvPr>
+            <p:ph idx="1"/>
+          </p:nvPr>
+        </p:nvSpPr>
+        <p:spPr/>
+        <p:txBody>
+          <a:bodyPr/>
+          <a:lstStyle/>
+          <a:p>
+            <a:endParaRPr lang="de-DE"/>
+          </a:p>
+        </p:txBody>
+      </p:sp>
+      <p:sp>
+        <p:nvSpPr>
+          <p:cNvPr id="4" name="Inhaltsplatzhalter 3"/>
+          <p:cNvSpPr>
+            <a:spLocks noGrp="1"/>
+          </p:cNvSpPr>
+          <p:nvPr>
+            <p:ph sz="quarter" idx="12"/>
+          </p:nvPr>
+        </p:nvSpPr>
+        <p:spPr/>
+        <p:txBody>
+          <a:bodyPr/>
+          <a:lstStyle/>
+          <a:p>
+            <a:r>
+              <a:rPr lang="de-DE" dirty="0" smtClean="0"/>
+              <a:t>Projektplanung</a:t>
+            </a:r>
+            <a:endParaRPr lang="de-DE" dirty="0"/>
+          </a:p>
+        </p:txBody>
+      </p:sp>
+      <p:sp>
+        <p:nvSpPr>
+          <p:cNvPr id="5" name="Inhaltsplatzhalter 4"/>
+          <p:cNvSpPr>
+            <a:spLocks noGrp="1"/>
+          </p:cNvSpPr>
+          <p:nvPr>
+            <p:ph sz="quarter" idx="13"/>
+          </p:nvPr>
+        </p:nvSpPr>
+        <p:spPr/>
+        <p:txBody>
+          <a:bodyPr/>
+          <a:lstStyle/>
+          <a:p>
+            <a:r>
+              <a:rPr lang="de-DE" dirty="0" smtClean="0"/>
+              <a:t>Marktanalyse</a:t>
+            </a:r>
+            <a:endParaRPr lang="de-DE" dirty="0"/>
+          </a:p>
+        </p:txBody>
+      </p:sp>
+      <p:sp>
+        <p:nvSpPr>
+          <p:cNvPr id="6" name="Inhaltsplatzhalter 5"/>
+          <p:cNvSpPr>
+            <a:spLocks noGrp="1"/>
+          </p:cNvSpPr>
+          <p:nvPr>
+            <p:ph sz="quarter" idx="14"/>
+          </p:nvPr>
+        </p:nvSpPr>
+        <p:spPr/>
+        <p:txBody>
+          <a:bodyPr>
+            <a:normAutofit fontScale="92500"/>
+          </a:bodyPr>
+          <a:lstStyle/>
+          <a:p>
+            <a:r>
+              <a:rPr lang="de-DE" dirty="0" smtClean="0"/>
+              <a:t>Marketingstrategie/-ziele</a:t>
+            </a:r>
+            <a:endParaRPr lang="de-DE" dirty="0"/>
+          </a:p>
+        </p:txBody>
+      </p:sp>
+      <p:sp>
+        <p:nvSpPr>
+          <p:cNvPr id="7" name="Textplatzhalter 6"/>
+          <p:cNvSpPr>
+            <a:spLocks noGrp="1"/>
+          </p:cNvSpPr>
+          <p:nvPr>
+            <p:ph type="body" sz="quarter" idx="15"/>
+          </p:nvPr>
+        </p:nvSpPr>
+        <p:spPr/>
+        <p:txBody>
+          <a:bodyPr>
+            <a:normAutofit/>
+          </a:bodyPr>
+          <a:lstStyle/>
+          <a:p>
+            <a:r>
+              <a:rPr lang="de-DE" dirty="0" smtClean="0"/>
+              <a:t>Risikoanalyse</a:t>
+            </a:r>
+            <a:endParaRPr lang="de-DE" dirty="0"/>
+          </a:p>
+        </p:txBody>
+      </p:sp>
+      <p:sp>
+        <p:nvSpPr>
+          <p:cNvPr id="8" name="Textplatzhalter 7"/>
+          <p:cNvSpPr>
+            <a:spLocks noGrp="1"/>
+          </p:cNvSpPr>
+          <p:nvPr>
+            <p:ph type="body" sz="quarter" idx="16"/>
+          </p:nvPr>
+        </p:nvSpPr>
+        <p:spPr/>
+        <p:txBody>
+          <a:bodyPr/>
+          <a:lstStyle/>
+          <a:p>
+            <a:endParaRPr lang="de-DE"/>
+          </a:p>
+        </p:txBody>
+      </p:sp>
+    </p:spTree>
+    <p:extLst>
+      <p:ext uri="{BB962C8B-B14F-4D97-AF65-F5344CB8AC3E}">
+        <p14:creationId xmlns:p14="http://schemas.microsoft.com/office/powerpoint/2010/main" val="4039103364"/>
+      </p:ext>
+    </p:extLst>
+  </p:cSld>
+  <p:clrMapOvr>
+    <a:masterClrMapping/>
+  </p:clrMapOvr>
+</p:sld>
+</file>
+
+<file path=ppt/slides/slide8.xml><?xml version="1.0" encoding="utf-8"?>
+<p:sld xmlns:a="http://schemas.openxmlformats.org/drawingml/2006/main" xmlns:r="http://schemas.openxmlformats.org/officeDocument/2006/relationships" xmlns:p="http://schemas.openxmlformats.org/presentationml/2006/main">
+  <p:cSld>
+    <p:spTree>
+      <p:nvGrpSpPr>
+        <p:cNvPr id="1" name=""/>
+        <p:cNvGrpSpPr/>
+        <p:nvPr/>
+      </p:nvGrpSpPr>
+      <p:grpSpPr>
+        <a:xfrm>
+          <a:off x="0" y="0"/>
+          <a:ext cx="0" cy="0"/>
+          <a:chOff x="0" y="0"/>
+          <a:chExt cx="0" cy="0"/>
+        </a:xfrm>
+      </p:grpSpPr>
+      <p:sp>
+        <p:nvSpPr>
+          <p:cNvPr id="2" name="Titel 1"/>
+          <p:cNvSpPr>
+            <a:spLocks noGrp="1"/>
+          </p:cNvSpPr>
+          <p:nvPr>
+            <p:ph type="title"/>
+          </p:nvPr>
+        </p:nvSpPr>
+        <p:spPr/>
+        <p:txBody>
+          <a:bodyPr/>
+          <a:lstStyle/>
+          <a:p>
+            <a:r>
+              <a:rPr lang="de-DE" dirty="0" smtClean="0"/>
+              <a:t>Marktanalyse</a:t>
+            </a:r>
+            <a:endParaRPr lang="de-DE" dirty="0"/>
+          </a:p>
+        </p:txBody>
+      </p:sp>
+      <p:sp>
+        <p:nvSpPr>
+          <p:cNvPr id="3" name="Inhaltsplatzhalter 2"/>
+          <p:cNvSpPr>
+            <a:spLocks noGrp="1"/>
+          </p:cNvSpPr>
+          <p:nvPr>
+            <p:ph idx="1"/>
+          </p:nvPr>
+        </p:nvSpPr>
+        <p:spPr/>
+        <p:txBody>
+          <a:bodyPr/>
+          <a:lstStyle/>
+          <a:p>
+            <a:endParaRPr lang="de-DE"/>
+          </a:p>
+        </p:txBody>
+      </p:sp>
+      <p:sp>
+        <p:nvSpPr>
+          <p:cNvPr id="4" name="Inhaltsplatzhalter 3"/>
+          <p:cNvSpPr>
+            <a:spLocks noGrp="1"/>
+          </p:cNvSpPr>
+          <p:nvPr>
+            <p:ph sz="quarter" idx="12"/>
+          </p:nvPr>
+        </p:nvSpPr>
+        <p:spPr/>
+        <p:txBody>
+          <a:bodyPr/>
+          <a:lstStyle/>
+          <a:p>
+            <a:r>
+              <a:rPr lang="de-DE" dirty="0" smtClean="0"/>
+              <a:t>Projektplanung</a:t>
+            </a:r>
+            <a:endParaRPr lang="de-DE" dirty="0"/>
+          </a:p>
+        </p:txBody>
+      </p:sp>
+      <p:sp>
+        <p:nvSpPr>
+          <p:cNvPr id="5" name="Inhaltsplatzhalter 4"/>
+          <p:cNvSpPr>
+            <a:spLocks noGrp="1"/>
+          </p:cNvSpPr>
+          <p:nvPr>
+            <p:ph sz="quarter" idx="13"/>
+          </p:nvPr>
+        </p:nvSpPr>
+        <p:spPr/>
+        <p:txBody>
+          <a:bodyPr/>
+          <a:lstStyle/>
+          <a:p>
+            <a:r>
+              <a:rPr lang="de-DE" dirty="0" smtClean="0"/>
+              <a:t>Marktanalyse</a:t>
+            </a:r>
+            <a:endParaRPr lang="de-DE" dirty="0"/>
+          </a:p>
+        </p:txBody>
+      </p:sp>
+      <p:sp>
+        <p:nvSpPr>
+          <p:cNvPr id="6" name="Inhaltsplatzhalter 5"/>
+          <p:cNvSpPr>
+            <a:spLocks noGrp="1"/>
+          </p:cNvSpPr>
+          <p:nvPr>
+            <p:ph sz="quarter" idx="14"/>
+          </p:nvPr>
+        </p:nvSpPr>
+        <p:spPr/>
+        <p:txBody>
+          <a:bodyPr>
+            <a:normAutofit fontScale="92500"/>
+          </a:bodyPr>
+          <a:lstStyle/>
+          <a:p>
+            <a:r>
+              <a:rPr lang="de-DE" dirty="0" smtClean="0"/>
+              <a:t>Marketingstrategie/-ziele</a:t>
+            </a:r>
+            <a:endParaRPr lang="de-DE" dirty="0"/>
+          </a:p>
+        </p:txBody>
+      </p:sp>
+      <p:sp>
+        <p:nvSpPr>
+          <p:cNvPr id="7" name="Textplatzhalter 6"/>
+          <p:cNvSpPr>
+            <a:spLocks noGrp="1"/>
+          </p:cNvSpPr>
+          <p:nvPr>
+            <p:ph type="body" sz="quarter" idx="15"/>
+          </p:nvPr>
+        </p:nvSpPr>
+        <p:spPr/>
+        <p:txBody>
+          <a:bodyPr>
+            <a:normAutofit fontScale="77500" lnSpcReduction="20000"/>
+          </a:bodyPr>
+          <a:lstStyle/>
+          <a:p>
+            <a:r>
+              <a:rPr lang="de-DE" dirty="0" smtClean="0"/>
+              <a:t>Zukunftsprognose</a:t>
+            </a:r>
+            <a:endParaRPr lang="de-DE" dirty="0"/>
+          </a:p>
+        </p:txBody>
+      </p:sp>
+      <p:sp>
+        <p:nvSpPr>
+          <p:cNvPr id="8" name="Textplatzhalter 7"/>
+          <p:cNvSpPr>
+            <a:spLocks noGrp="1"/>
+          </p:cNvSpPr>
+          <p:nvPr>
+            <p:ph type="body" sz="quarter" idx="16"/>
+          </p:nvPr>
+        </p:nvSpPr>
+        <p:spPr/>
+        <p:txBody>
+          <a:bodyPr/>
+          <a:lstStyle/>
+          <a:p>
+            <a:endParaRPr lang="de-DE"/>
+          </a:p>
+        </p:txBody>
+      </p:sp>
+    </p:spTree>
+    <p:extLst>
+      <p:ext uri="{BB962C8B-B14F-4D97-AF65-F5344CB8AC3E}">
+        <p14:creationId xmlns:p14="http://schemas.microsoft.com/office/powerpoint/2010/main" val="2576886053"/>
+      </p:ext>
+    </p:extLst>
+  </p:cSld>
+  <p:clrMapOvr>
+    <a:masterClrMapping/>
+  </p:clrMapOvr>
+</p:sld>
+</file>
+
+<file path=ppt/slides/slide9.xml><?xml version="1.0" encoding="utf-8"?>
+<p:sld xmlns:a="http://schemas.openxmlformats.org/drawingml/2006/main" xmlns:r="http://schemas.openxmlformats.org/officeDocument/2006/relationships" xmlns:p="http://schemas.openxmlformats.org/presentationml/2006/main">
+  <p:cSld>
+    <p:spTree>
+      <p:nvGrpSpPr>
+        <p:cNvPr id="1" name=""/>
+        <p:cNvGrpSpPr/>
+        <p:nvPr/>
+      </p:nvGrpSpPr>
+      <p:grpSpPr>
+        <a:xfrm>
+          <a:off x="0" y="0"/>
+          <a:ext cx="0" cy="0"/>
+          <a:chOff x="0" y="0"/>
+          <a:chExt cx="0" cy="0"/>
+        </a:xfrm>
+      </p:grpSpPr>
+      <p:sp>
+        <p:nvSpPr>
+          <p:cNvPr id="2" name="Titel 1"/>
+          <p:cNvSpPr>
+            <a:spLocks noGrp="1"/>
+          </p:cNvSpPr>
+          <p:nvPr>
+            <p:ph type="title"/>
+          </p:nvPr>
+        </p:nvSpPr>
+        <p:spPr/>
+        <p:txBody>
+          <a:bodyPr/>
+          <a:lstStyle/>
+          <a:p>
+            <a:r>
+              <a:rPr lang="de-DE" dirty="0" smtClean="0"/>
+              <a:t>Marktanalyse</a:t>
+            </a:r>
+            <a:endParaRPr lang="de-DE" dirty="0"/>
+          </a:p>
+        </p:txBody>
+      </p:sp>
+      <p:sp>
+        <p:nvSpPr>
+          <p:cNvPr id="3" name="Inhaltsplatzhalter 2"/>
+          <p:cNvSpPr>
+            <a:spLocks noGrp="1"/>
+          </p:cNvSpPr>
+          <p:nvPr>
+            <p:ph idx="1"/>
+          </p:nvPr>
+        </p:nvSpPr>
+        <p:spPr/>
+        <p:txBody>
+          <a:bodyPr/>
+          <a:lstStyle/>
+          <a:p>
+            <a:endParaRPr lang="de-DE"/>
+          </a:p>
+        </p:txBody>
+      </p:sp>
+      <p:sp>
+        <p:nvSpPr>
+          <p:cNvPr id="4" name="Inhaltsplatzhalter 3"/>
+          <p:cNvSpPr>
+            <a:spLocks noGrp="1"/>
+          </p:cNvSpPr>
+          <p:nvPr>
+            <p:ph sz="quarter" idx="12"/>
+          </p:nvPr>
+        </p:nvSpPr>
+        <p:spPr/>
+        <p:txBody>
+          <a:bodyPr/>
+          <a:lstStyle/>
+          <a:p>
+            <a:r>
+              <a:rPr lang="de-DE" dirty="0" smtClean="0"/>
+              <a:t>Projektplanung</a:t>
+            </a:r>
+            <a:endParaRPr lang="de-DE" dirty="0"/>
+          </a:p>
+        </p:txBody>
+      </p:sp>
+      <p:sp>
+        <p:nvSpPr>
+          <p:cNvPr id="5" name="Inhaltsplatzhalter 4"/>
+          <p:cNvSpPr>
+            <a:spLocks noGrp="1"/>
+          </p:cNvSpPr>
+          <p:nvPr>
+            <p:ph sz="quarter" idx="13"/>
+          </p:nvPr>
+        </p:nvSpPr>
+        <p:spPr/>
+        <p:txBody>
+          <a:bodyPr/>
+          <a:lstStyle/>
+          <a:p>
+            <a:r>
+              <a:rPr lang="de-DE" dirty="0" smtClean="0"/>
+              <a:t>Marktanalyse</a:t>
+            </a:r>
+            <a:endParaRPr lang="de-DE" dirty="0"/>
+          </a:p>
+        </p:txBody>
+      </p:sp>
+      <p:sp>
+        <p:nvSpPr>
+          <p:cNvPr id="6" name="Inhaltsplatzhalter 5"/>
+          <p:cNvSpPr>
+            <a:spLocks noGrp="1"/>
+          </p:cNvSpPr>
+          <p:nvPr>
+            <p:ph sz="quarter" idx="14"/>
+          </p:nvPr>
+        </p:nvSpPr>
+        <p:spPr/>
+        <p:txBody>
+          <a:bodyPr>
+            <a:normAutofit fontScale="92500"/>
+          </a:bodyPr>
+          <a:lstStyle/>
+          <a:p>
+            <a:r>
+              <a:rPr lang="de-DE" dirty="0" smtClean="0"/>
+              <a:t>Marketingstrategie/-ziele</a:t>
+            </a:r>
+            <a:endParaRPr lang="de-DE" dirty="0"/>
+          </a:p>
+        </p:txBody>
+      </p:sp>
+      <p:sp>
+        <p:nvSpPr>
+          <p:cNvPr id="7" name="Textplatzhalter 6"/>
+          <p:cNvSpPr>
+            <a:spLocks noGrp="1"/>
+          </p:cNvSpPr>
+          <p:nvPr>
+            <p:ph type="body" sz="quarter" idx="15"/>
+          </p:nvPr>
+        </p:nvSpPr>
+        <p:spPr/>
+        <p:txBody>
+          <a:bodyPr>
+            <a:normAutofit fontScale="92500"/>
+          </a:bodyPr>
+          <a:lstStyle/>
+          <a:p>
+            <a:r>
+              <a:rPr lang="de-DE" dirty="0" smtClean="0"/>
+              <a:t>Anforderungen</a:t>
+            </a:r>
+            <a:endParaRPr lang="de-DE" dirty="0"/>
+          </a:p>
+        </p:txBody>
+      </p:sp>
+      <p:sp>
+        <p:nvSpPr>
+          <p:cNvPr id="8" name="Textplatzhalter 7"/>
+          <p:cNvSpPr>
+            <a:spLocks noGrp="1"/>
+          </p:cNvSpPr>
+          <p:nvPr>
+            <p:ph type="body" sz="quarter" idx="16"/>
+          </p:nvPr>
+        </p:nvSpPr>
+        <p:spPr/>
+        <p:txBody>
+          <a:bodyPr/>
+          <a:lstStyle/>
+          <a:p>
+            <a:endParaRPr lang="de-DE"/>
+          </a:p>
+        </p:txBody>
+      </p:sp>
+    </p:spTree>
+    <p:extLst>
+      <p:ext uri="{BB962C8B-B14F-4D97-AF65-F5344CB8AC3E}">
+        <p14:creationId xmlns:p14="http://schemas.microsoft.com/office/powerpoint/2010/main" val="4248669579"/>
       </p:ext>
     </p:extLst>
   </p:cSld>
@@ -4742,7 +7482,7 @@
     </a:clrScheme>
     <a:fontScheme name="Office">
       <a:majorFont>
-        <a:latin typeface="Calibri Light" panose="020F0302020204030204"/>
+        <a:latin typeface="Calibri Light"/>
         <a:ea typeface=""/>
         <a:cs typeface=""/>
         <a:font script="Jpan" typeface="ＭＳ Ｐゴシック"/>
@@ -4777,7 +7517,7 @@
         <a:font script="Geor" typeface="Sylfaen"/>
       </a:majorFont>
       <a:minorFont>
-        <a:latin typeface="Calibri" panose="020F0502020204030204"/>
+        <a:latin typeface="Calibri"/>
         <a:ea typeface=""/>
         <a:cs typeface=""/>
         <a:font script="Jpan" typeface="ＭＳ Ｐゴシック"/>
@@ -4954,7 +7694,7 @@
   <a:extraClrSchemeLst/>
   <a:extLst>
     <a:ext uri="{05A4C25C-085E-4340-85A3-A5531E510DB2}">
-      <thm15:themeFamily xmlns:thm15="http://schemas.microsoft.com/office/thememl/2012/main" name="Office Theme" id="{62F939B6-93AF-4DB8-9C6B-D6C7DFDC589F}" vid="{4A3C46E8-61CC-4603-A589-7422A47A8E4A}"/>
+      <thm15:themeFamily xmlns:thm15="http://schemas.microsoft.com/office/thememl/2012/main" xmlns="" name="Office Theme" id="{62F939B6-93AF-4DB8-9C6B-D6C7DFDC589F}" vid="{4A3C46E8-61CC-4603-A589-7422A47A8E4A}"/>
     </a:ext>
   </a:extLst>
 </a:theme>

--- a/5_Präsentation/Projektpräsentation.pptx
+++ b/5_Präsentation/Projektpräsentation.pptx
@@ -133,7 +133,7 @@
   </p:defaultTextStyle>
   <p:extLst>
     <p:ext uri="{EFAFB233-063F-42B5-8137-9DF3F51BA10A}">
-      <p15:sldGuideLst xmlns:p15="http://schemas.microsoft.com/office/powerpoint/2012/main">
+      <p15:sldGuideLst xmlns="" xmlns:p15="http://schemas.microsoft.com/office/powerpoint/2012/main">
         <p15:guide id="1" orient="horz" pos="2183" userDrawn="1">
           <p15:clr>
             <a:srgbClr val="A4A3A4"/>
@@ -151,7 +151,7 @@
 </file>
 
 <file path=ppt/charts/chart1.xml><?xml version="1.0" encoding="utf-8"?>
-<c:chartSpace xmlns:c="http://schemas.openxmlformats.org/drawingml/2006/chart" xmlns:a="http://schemas.openxmlformats.org/drawingml/2006/main" xmlns:r="http://schemas.openxmlformats.org/officeDocument/2006/relationships" xmlns:c16r2="http://schemas.microsoft.com/office/drawing/2015/06/chart">
+<c:chartSpace xmlns:c="http://schemas.openxmlformats.org/drawingml/2006/chart" xmlns:a="http://schemas.openxmlformats.org/drawingml/2006/main" xmlns:r="http://schemas.openxmlformats.org/officeDocument/2006/relationships">
   <c:date1904 val="0"/>
   <c:lang val="de-DE"/>
   <c:roundedCorners val="0"/>
@@ -165,6 +165,7 @@
   </mc:AlternateContent>
   <c:chart>
     <c:title>
+      <c:layout/>
       <c:overlay val="0"/>
       <c:spPr>
         <a:noFill/>
@@ -263,7 +264,7 @@
             <c:showPercent val="0"/>
             <c:showBubbleSize val="0"/>
             <c:showLeaderLines val="0"/>
-            <c:extLst>
+            <c:extLst xmlns:c16r2="http://schemas.microsoft.com/office/drawing/2015/06/chart">
               <c:ext xmlns:c15="http://schemas.microsoft.com/office/drawing/2012/chart" uri="{CE6537A1-D6FC-4f65-9D91-7224C49458BB}">
                 <c15:showLeaderLines val="1"/>
                 <c15:leaderLines>
@@ -317,7 +318,7 @@
               </c:numCache>
             </c:numRef>
           </c:val>
-          <c:extLst>
+          <c:extLst xmlns:c16r2="http://schemas.microsoft.com/office/drawing/2015/06/chart">
             <c:ext xmlns:c16="http://schemas.microsoft.com/office/drawing/2014/chart" uri="{C3380CC4-5D6E-409C-BE32-E72D297353CC}">
               <c16:uniqueId val="{00000000-6FA5-426E-8BE0-659546A83F75}"/>
             </c:ext>
@@ -334,11 +335,11 @@
         </c:dLbls>
         <c:gapWidth val="444"/>
         <c:overlap val="-90"/>
-        <c:axId val="518023992"/>
-        <c:axId val="518022680"/>
+        <c:axId val="34085504"/>
+        <c:axId val="34113792"/>
       </c:barChart>
       <c:catAx>
-        <c:axId val="518023992"/>
+        <c:axId val="34085504"/>
         <c:scaling>
           <c:orientation val="minMax"/>
         </c:scaling>
@@ -395,7 +396,7 @@
             <a:endParaRPr lang="de-DE"/>
           </a:p>
         </c:txPr>
-        <c:crossAx val="518022680"/>
+        <c:crossAx val="34113792"/>
         <c:crosses val="autoZero"/>
         <c:auto val="1"/>
         <c:lblAlgn val="ctr"/>
@@ -403,7 +404,7 @@
         <c:noMultiLvlLbl val="0"/>
       </c:catAx>
       <c:valAx>
-        <c:axId val="518022680"/>
+        <c:axId val="34113792"/>
         <c:scaling>
           <c:orientation val="minMax"/>
         </c:scaling>
@@ -413,7 +414,7 @@
         <c:majorTickMark val="none"/>
         <c:minorTickMark val="none"/>
         <c:tickLblPos val="nextTo"/>
-        <c:crossAx val="518023992"/>
+        <c:crossAx val="34085504"/>
         <c:crosses val="autoZero"/>
         <c:crossBetween val="between"/>
       </c:valAx>
@@ -427,6 +428,7 @@
     </c:plotArea>
     <c:legend>
       <c:legendPos val="t"/>
+      <c:layout/>
       <c:overlay val="0"/>
       <c:spPr>
         <a:noFill/>
@@ -477,7 +479,7 @@
       <a:endParaRPr lang="de-DE"/>
     </a:p>
   </c:txPr>
-  <c:externalData r:id="rId3">
+  <c:externalData r:id="rId1">
     <c:autoUpdate val="0"/>
   </c:externalData>
 </c:chartSpace>
@@ -1946,6 +1948,13 @@
         </dgm:presLayoutVars>
       </dgm:prSet>
       <dgm:spPr/>
+      <dgm:t>
+        <a:bodyPr/>
+        <a:lstStyle/>
+        <a:p>
+          <a:endParaRPr lang="de-DE"/>
+        </a:p>
+      </dgm:t>
     </dgm:pt>
     <dgm:pt modelId="{093ECE9E-BE56-446E-AC86-697C7AA3AD8B}" type="pres">
       <dgm:prSet presAssocID="{20AA1D83-B12A-416D-BCF7-2817BFC9AA25}" presName="bullet3b" presStyleLbl="node1" presStyleIdx="1" presStyleCnt="3"/>
@@ -1962,6 +1971,13 @@
         </dgm:presLayoutVars>
       </dgm:prSet>
       <dgm:spPr/>
+      <dgm:t>
+        <a:bodyPr/>
+        <a:lstStyle/>
+        <a:p>
+          <a:endParaRPr lang="de-DE"/>
+        </a:p>
+      </dgm:t>
     </dgm:pt>
     <dgm:pt modelId="{F8A11955-2252-4939-B5DB-B40E439251AD}" type="pres">
       <dgm:prSet presAssocID="{6A901E0F-A740-4C43-96AC-FD3A538288A8}" presName="bullet3c" presStyleLbl="node1" presStyleIdx="2" presStyleCnt="3"/>
@@ -1978,6 +1994,13 @@
         </dgm:presLayoutVars>
       </dgm:prSet>
       <dgm:spPr/>
+      <dgm:t>
+        <a:bodyPr/>
+        <a:lstStyle/>
+        <a:p>
+          <a:endParaRPr lang="de-DE"/>
+        </a:p>
+      </dgm:t>
     </dgm:pt>
   </dgm:ptLst>
   <dgm:cxnLst>
@@ -2015,358 +2038,6 @@
       <dsp:cNvGrpSpPr/>
     </dsp:nvGrpSpPr>
     <dsp:grpSpPr/>
-    <dsp:sp modelId="{2C105717-CB27-4C08-882A-FB91DFAED314}">
-      <dsp:nvSpPr>
-        <dsp:cNvPr id="0" name=""/>
-        <dsp:cNvSpPr/>
-      </dsp:nvSpPr>
-      <dsp:spPr>
-        <a:xfrm>
-          <a:off x="381933" y="-74002"/>
-          <a:ext cx="6252563" cy="4328957"/>
-        </a:xfrm>
-        <a:prstGeom prst="swooshArrow">
-          <a:avLst>
-            <a:gd name="adj1" fmla="val 25000"/>
-            <a:gd name="adj2" fmla="val 25000"/>
-          </a:avLst>
-        </a:prstGeom>
-        <a:solidFill>
-          <a:srgbClr val="7030A0"/>
-        </a:solidFill>
-        <a:ln>
-          <a:noFill/>
-        </a:ln>
-        <a:effectLst/>
-      </dsp:spPr>
-      <dsp:style>
-        <a:lnRef idx="0">
-          <a:scrgbClr r="0" g="0" b="0"/>
-        </a:lnRef>
-        <a:fillRef idx="1">
-          <a:scrgbClr r="0" g="0" b="0"/>
-        </a:fillRef>
-        <a:effectRef idx="0">
-          <a:scrgbClr r="0" g="0" b="0"/>
-        </a:effectRef>
-        <a:fontRef idx="minor"/>
-      </dsp:style>
-    </dsp:sp>
-    <dsp:sp modelId="{8EF3D869-E30E-4B62-9123-076A8948CE18}">
-      <dsp:nvSpPr>
-        <dsp:cNvPr id="0" name=""/>
-        <dsp:cNvSpPr/>
-      </dsp:nvSpPr>
-      <dsp:spPr>
-        <a:xfrm>
-          <a:off x="1013023" y="2885693"/>
-          <a:ext cx="173927" cy="173927"/>
-        </a:xfrm>
-        <a:prstGeom prst="ellipse">
-          <a:avLst/>
-        </a:prstGeom>
-        <a:solidFill>
-          <a:srgbClr val="482E76"/>
-        </a:solidFill>
-        <a:ln w="19050" cap="flat" cmpd="sng" algn="ctr">
-          <a:solidFill>
-            <a:schemeClr val="lt1">
-              <a:hueOff val="0"/>
-              <a:satOff val="0"/>
-              <a:lumOff val="0"/>
-              <a:alphaOff val="0"/>
-            </a:schemeClr>
-          </a:solidFill>
-          <a:prstDash val="solid"/>
-          <a:miter lim="800000"/>
-        </a:ln>
-        <a:effectLst/>
-      </dsp:spPr>
-      <dsp:style>
-        <a:lnRef idx="3">
-          <a:scrgbClr r="0" g="0" b="0"/>
-        </a:lnRef>
-        <a:fillRef idx="1">
-          <a:scrgbClr r="0" g="0" b="0"/>
-        </a:fillRef>
-        <a:effectRef idx="1">
-          <a:scrgbClr r="0" g="0" b="0"/>
-        </a:effectRef>
-        <a:fontRef idx="minor">
-          <a:schemeClr val="lt1"/>
-        </a:fontRef>
-      </dsp:style>
-    </dsp:sp>
-    <dsp:sp modelId="{E97FD5CA-5413-4B34-A32E-E94573D81ED5}">
-      <dsp:nvSpPr>
-        <dsp:cNvPr id="0" name=""/>
-        <dsp:cNvSpPr/>
-      </dsp:nvSpPr>
-      <dsp:spPr>
-        <a:xfrm>
-          <a:off x="1425832" y="2972656"/>
-          <a:ext cx="4093989" cy="1208295"/>
-        </a:xfrm>
-        <a:prstGeom prst="rect">
-          <a:avLst/>
-        </a:prstGeom>
-        <a:noFill/>
-        <a:ln>
-          <a:noFill/>
-        </a:ln>
-        <a:effectLst/>
-      </dsp:spPr>
-      <dsp:style>
-        <a:lnRef idx="0">
-          <a:scrgbClr r="0" g="0" b="0"/>
-        </a:lnRef>
-        <a:fillRef idx="0">
-          <a:scrgbClr r="0" g="0" b="0"/>
-        </a:fillRef>
-        <a:effectRef idx="0">
-          <a:scrgbClr r="0" g="0" b="0"/>
-        </a:effectRef>
-        <a:fontRef idx="minor"/>
-      </dsp:style>
-      <dsp:txBody>
-        <a:bodyPr spcFirstLastPara="0" vert="horz" wrap="square" lIns="92161" tIns="0" rIns="0" bIns="0" numCol="1" spcCol="1270" anchor="t" anchorCtr="0">
-          <a:noAutofit/>
-        </a:bodyPr>
-        <a:lstStyle/>
-        <a:p>
-          <a:pPr marL="0" lvl="0" indent="0" algn="l" defTabSz="1066800">
-            <a:lnSpc>
-              <a:spcPct val="90000"/>
-            </a:lnSpc>
-            <a:spcBef>
-              <a:spcPct val="0"/>
-            </a:spcBef>
-            <a:spcAft>
-              <a:spcPct val="35000"/>
-            </a:spcAft>
-            <a:buNone/>
-          </a:pPr>
-          <a:r>
-            <a:rPr lang="de-DE" sz="2400" kern="1200" dirty="0"/>
-            <a:t>Sicherstellung der Validität der HTML-Seite</a:t>
-          </a:r>
-        </a:p>
-      </dsp:txBody>
-      <dsp:txXfrm>
-        <a:off x="1425832" y="2972656"/>
-        <a:ext cx="4093989" cy="1208295"/>
-      </dsp:txXfrm>
-    </dsp:sp>
-    <dsp:sp modelId="{093ECE9E-BE56-446E-AC86-697C7AA3AD8B}">
-      <dsp:nvSpPr>
-        <dsp:cNvPr id="0" name=""/>
-        <dsp:cNvSpPr/>
-      </dsp:nvSpPr>
-      <dsp:spPr>
-        <a:xfrm>
-          <a:off x="2548269" y="1749310"/>
-          <a:ext cx="314407" cy="314407"/>
-        </a:xfrm>
-        <a:prstGeom prst="ellipse">
-          <a:avLst/>
-        </a:prstGeom>
-        <a:solidFill>
-          <a:srgbClr val="482E76"/>
-        </a:solidFill>
-        <a:ln w="19050" cap="flat" cmpd="sng" algn="ctr">
-          <a:solidFill>
-            <a:schemeClr val="lt1">
-              <a:hueOff val="0"/>
-              <a:satOff val="0"/>
-              <a:lumOff val="0"/>
-              <a:alphaOff val="0"/>
-            </a:schemeClr>
-          </a:solidFill>
-          <a:prstDash val="solid"/>
-          <a:miter lim="800000"/>
-        </a:ln>
-        <a:effectLst/>
-      </dsp:spPr>
-      <dsp:style>
-        <a:lnRef idx="3">
-          <a:scrgbClr r="0" g="0" b="0"/>
-        </a:lnRef>
-        <a:fillRef idx="1">
-          <a:scrgbClr r="0" g="0" b="0"/>
-        </a:fillRef>
-        <a:effectRef idx="1">
-          <a:scrgbClr r="0" g="0" b="0"/>
-        </a:effectRef>
-        <a:fontRef idx="minor">
-          <a:schemeClr val="lt1"/>
-        </a:fontRef>
-      </dsp:style>
-    </dsp:sp>
-    <dsp:sp modelId="{88794B32-F397-47BE-9D4C-0CFDD6DD1CD9}">
-      <dsp:nvSpPr>
-        <dsp:cNvPr id="0" name=""/>
-        <dsp:cNvSpPr/>
-      </dsp:nvSpPr>
-      <dsp:spPr>
-        <a:xfrm>
-          <a:off x="197808" y="1054373"/>
-          <a:ext cx="3252537" cy="856553"/>
-        </a:xfrm>
-        <a:prstGeom prst="rect">
-          <a:avLst/>
-        </a:prstGeom>
-        <a:noFill/>
-        <a:ln>
-          <a:noFill/>
-        </a:ln>
-        <a:effectLst/>
-      </dsp:spPr>
-      <dsp:style>
-        <a:lnRef idx="0">
-          <a:scrgbClr r="0" g="0" b="0"/>
-        </a:lnRef>
-        <a:fillRef idx="0">
-          <a:scrgbClr r="0" g="0" b="0"/>
-        </a:fillRef>
-        <a:effectRef idx="0">
-          <a:scrgbClr r="0" g="0" b="0"/>
-        </a:effectRef>
-        <a:fontRef idx="minor"/>
-      </dsp:style>
-      <dsp:txBody>
-        <a:bodyPr spcFirstLastPara="0" vert="horz" wrap="square" lIns="166598" tIns="0" rIns="0" bIns="0" numCol="1" spcCol="1270" anchor="t" anchorCtr="0">
-          <a:noAutofit/>
-        </a:bodyPr>
-        <a:lstStyle/>
-        <a:p>
-          <a:pPr marL="0" lvl="0" indent="0" algn="l" defTabSz="1066800">
-            <a:lnSpc>
-              <a:spcPct val="90000"/>
-            </a:lnSpc>
-            <a:spcBef>
-              <a:spcPct val="0"/>
-            </a:spcBef>
-            <a:spcAft>
-              <a:spcPct val="35000"/>
-            </a:spcAft>
-            <a:buNone/>
-          </a:pPr>
-          <a:r>
-            <a:rPr lang="de-DE" sz="2400" i="1" kern="1200" dirty="0"/>
-            <a:t>Google-AdWords-Keyword-Tools</a:t>
-          </a:r>
-        </a:p>
-      </dsp:txBody>
-      <dsp:txXfrm>
-        <a:off x="197808" y="1054373"/>
-        <a:ext cx="3252537" cy="856553"/>
-      </dsp:txXfrm>
-    </dsp:sp>
-    <dsp:sp modelId="{F8A11955-2252-4939-B5DB-B40E439251AD}">
-      <dsp:nvSpPr>
-        <dsp:cNvPr id="0" name=""/>
-        <dsp:cNvSpPr/>
-      </dsp:nvSpPr>
-      <dsp:spPr>
-        <a:xfrm>
-          <a:off x="4394577" y="1057780"/>
-          <a:ext cx="434819" cy="434819"/>
-        </a:xfrm>
-        <a:prstGeom prst="ellipse">
-          <a:avLst/>
-        </a:prstGeom>
-        <a:solidFill>
-          <a:srgbClr val="482E76"/>
-        </a:solidFill>
-        <a:ln w="19050" cap="flat" cmpd="sng" algn="ctr">
-          <a:solidFill>
-            <a:schemeClr val="lt1">
-              <a:hueOff val="0"/>
-              <a:satOff val="0"/>
-              <a:lumOff val="0"/>
-              <a:alphaOff val="0"/>
-            </a:schemeClr>
-          </a:solidFill>
-          <a:prstDash val="solid"/>
-          <a:miter lim="800000"/>
-        </a:ln>
-        <a:effectLst/>
-      </dsp:spPr>
-      <dsp:style>
-        <a:lnRef idx="3">
-          <a:scrgbClr r="0" g="0" b="0"/>
-        </a:lnRef>
-        <a:fillRef idx="1">
-          <a:scrgbClr r="0" g="0" b="0"/>
-        </a:fillRef>
-        <a:effectRef idx="1">
-          <a:scrgbClr r="0" g="0" b="0"/>
-        </a:effectRef>
-        <a:fontRef idx="minor">
-          <a:schemeClr val="lt1"/>
-        </a:fontRef>
-      </dsp:style>
-    </dsp:sp>
-    <dsp:sp modelId="{A45B65FC-998A-4DA5-868B-C79B7C6522BA}">
-      <dsp:nvSpPr>
-        <dsp:cNvPr id="0" name=""/>
-        <dsp:cNvSpPr/>
-      </dsp:nvSpPr>
-      <dsp:spPr>
-        <a:xfrm>
-          <a:off x="3694925" y="1951099"/>
-          <a:ext cx="3381553" cy="1242736"/>
-        </a:xfrm>
-        <a:prstGeom prst="rect">
-          <a:avLst/>
-        </a:prstGeom>
-        <a:noFill/>
-        <a:ln>
-          <a:noFill/>
-        </a:ln>
-        <a:effectLst/>
-      </dsp:spPr>
-      <dsp:style>
-        <a:lnRef idx="0">
-          <a:scrgbClr r="0" g="0" b="0"/>
-        </a:lnRef>
-        <a:fillRef idx="0">
-          <a:scrgbClr r="0" g="0" b="0"/>
-        </a:fillRef>
-        <a:effectRef idx="0">
-          <a:scrgbClr r="0" g="0" b="0"/>
-        </a:effectRef>
-        <a:fontRef idx="minor"/>
-      </dsp:style>
-      <dsp:txBody>
-        <a:bodyPr spcFirstLastPara="0" vert="horz" wrap="square" lIns="230402" tIns="0" rIns="0" bIns="0" numCol="1" spcCol="1270" anchor="t" anchorCtr="0">
-          <a:noAutofit/>
-        </a:bodyPr>
-        <a:lstStyle/>
-        <a:p>
-          <a:pPr marL="0" lvl="0" indent="0" algn="l" defTabSz="1066800">
-            <a:lnSpc>
-              <a:spcPct val="90000"/>
-            </a:lnSpc>
-            <a:spcBef>
-              <a:spcPct val="0"/>
-            </a:spcBef>
-            <a:spcAft>
-              <a:spcPct val="35000"/>
-            </a:spcAft>
-            <a:buNone/>
-          </a:pPr>
-          <a:r>
-            <a:rPr lang="de-DE" sz="2400" kern="1200" dirty="0"/>
-            <a:t>Optimierung des Seiteninhalts</a:t>
-          </a:r>
-        </a:p>
-      </dsp:txBody>
-      <dsp:txXfrm>
-        <a:off x="3694925" y="1951099"/>
-        <a:ext cx="3381553" cy="1242736"/>
-      </dsp:txXfrm>
-    </dsp:sp>
   </dsp:spTree>
 </dsp:drawing>
 </file>
@@ -5132,7 +4803,7 @@
           <a:p>
             <a:fld id="{90F09366-0DA2-404A-A91F-D59506B6032C}" type="datetimeFigureOut">
               <a:rPr lang="en-US" smtClean="0"/>
-              <a:t>4/5/2016</a:t>
+              <a:t>4/6/2016</a:t>
             </a:fld>
             <a:endParaRPr lang="en-US"/>
           </a:p>
@@ -5512,7 +5183,7 @@
           <a:p>
             <a:fld id="{1E35A5A4-3185-44AB-AEEB-6B2FF51973C9}" type="datetimeFigureOut">
               <a:rPr lang="de-DE" smtClean="0"/>
-              <a:t>05.04.2016</a:t>
+              <a:t>06.04.2016</a:t>
             </a:fld>
             <a:endParaRPr lang="de-DE"/>
           </a:p>
@@ -5821,7 +5492,7 @@
           <a:p>
             <a:fld id="{1E35A5A4-3185-44AB-AEEB-6B2FF51973C9}" type="datetimeFigureOut">
               <a:rPr lang="de-DE" smtClean="0"/>
-              <a:t>05.04.2016</a:t>
+              <a:t>06.04.2016</a:t>
             </a:fld>
             <a:endParaRPr lang="de-DE"/>
           </a:p>
@@ -5989,7 +5660,7 @@
           <a:p>
             <a:fld id="{1E35A5A4-3185-44AB-AEEB-6B2FF51973C9}" type="datetimeFigureOut">
               <a:rPr lang="de-DE" smtClean="0"/>
-              <a:t>05.04.2016</a:t>
+              <a:t>06.04.2016</a:t>
             </a:fld>
             <a:endParaRPr lang="de-DE"/>
           </a:p>
@@ -6167,7 +5838,7 @@
           <a:p>
             <a:fld id="{1E35A5A4-3185-44AB-AEEB-6B2FF51973C9}" type="datetimeFigureOut">
               <a:rPr lang="de-DE" smtClean="0"/>
-              <a:t>05.04.2016</a:t>
+              <a:t>06.04.2016</a:t>
             </a:fld>
             <a:endParaRPr lang="de-DE"/>
           </a:p>
@@ -7665,7 +7336,7 @@
           <a:p>
             <a:fld id="{1E35A5A4-3185-44AB-AEEB-6B2FF51973C9}" type="datetimeFigureOut">
               <a:rPr lang="de-DE" smtClean="0"/>
-              <a:t>05.04.2016</a:t>
+              <a:t>06.04.2016</a:t>
             </a:fld>
             <a:endParaRPr lang="de-DE"/>
           </a:p>
@@ -7894,7 +7565,7 @@
           <a:p>
             <a:fld id="{1E35A5A4-3185-44AB-AEEB-6B2FF51973C9}" type="datetimeFigureOut">
               <a:rPr lang="de-DE" smtClean="0"/>
-              <a:t>05.04.2016</a:t>
+              <a:t>06.04.2016</a:t>
             </a:fld>
             <a:endParaRPr lang="de-DE"/>
           </a:p>
@@ -8258,7 +7929,7 @@
           <a:p>
             <a:fld id="{1E35A5A4-3185-44AB-AEEB-6B2FF51973C9}" type="datetimeFigureOut">
               <a:rPr lang="de-DE" smtClean="0"/>
-              <a:t>05.04.2016</a:t>
+              <a:t>06.04.2016</a:t>
             </a:fld>
             <a:endParaRPr lang="de-DE"/>
           </a:p>
@@ -8375,7 +8046,7 @@
           <a:p>
             <a:fld id="{1E35A5A4-3185-44AB-AEEB-6B2FF51973C9}" type="datetimeFigureOut">
               <a:rPr lang="de-DE" smtClean="0"/>
-              <a:t>05.04.2016</a:t>
+              <a:t>06.04.2016</a:t>
             </a:fld>
             <a:endParaRPr lang="de-DE"/>
           </a:p>
@@ -8470,7 +8141,7 @@
           <a:p>
             <a:fld id="{1E35A5A4-3185-44AB-AEEB-6B2FF51973C9}" type="datetimeFigureOut">
               <a:rPr lang="de-DE" smtClean="0"/>
-              <a:t>05.04.2016</a:t>
+              <a:t>06.04.2016</a:t>
             </a:fld>
             <a:endParaRPr lang="de-DE"/>
           </a:p>
@@ -8745,7 +8416,7 @@
           <a:p>
             <a:fld id="{1E35A5A4-3185-44AB-AEEB-6B2FF51973C9}" type="datetimeFigureOut">
               <a:rPr lang="de-DE" smtClean="0"/>
-              <a:t>05.04.2016</a:t>
+              <a:t>06.04.2016</a:t>
             </a:fld>
             <a:endParaRPr lang="de-DE"/>
           </a:p>
@@ -8956,7 +8627,7 @@
           <a:p>
             <a:fld id="{1E35A5A4-3185-44AB-AEEB-6B2FF51973C9}" type="datetimeFigureOut">
               <a:rPr lang="de-DE" smtClean="0"/>
-              <a:t>05.04.2016</a:t>
+              <a:t>06.04.2016</a:t>
             </a:fld>
             <a:endParaRPr lang="de-DE"/>
           </a:p>
@@ -9475,6 +9146,13 @@
   <p:clrMapOvr>
     <a:masterClrMapping/>
   </p:clrMapOvr>
+  <p:timing>
+    <p:tnLst>
+      <p:par>
+        <p:cTn id="1" dur="indefinite" restart="never" nodeType="tmRoot"/>
+      </p:par>
+    </p:tnLst>
+  </p:timing>
 </p:sld>
 </file>
 
@@ -12020,28 +11698,6 @@
       </p:sp>
       <p:sp>
         <p:nvSpPr>
-          <p:cNvPr id="3" name="Inhaltsplatzhalter 2"/>
-          <p:cNvSpPr>
-            <a:spLocks noGrp="1"/>
-          </p:cNvSpPr>
-          <p:nvPr>
-            <p:ph idx="1"/>
-          </p:nvPr>
-        </p:nvSpPr>
-        <p:spPr/>
-        <p:txBody>
-          <a:bodyPr/>
-          <a:lstStyle/>
-          <a:p>
-            <a:r>
-              <a:rPr lang="de-DE" dirty="0"/>
-              <a:t>HALP</a:t>
-            </a:r>
-          </a:p>
-        </p:txBody>
-      </p:sp>
-      <p:sp>
-        <p:nvSpPr>
           <p:cNvPr id="4" name="Inhaltsplatzhalter 3"/>
           <p:cNvSpPr>
             <a:spLocks noGrp="1"/>
@@ -12148,6 +11804,141 @@
           <a:lstStyle/>
           <a:p>
             <a:endParaRPr lang="de-DE"/>
+          </a:p>
+        </p:txBody>
+      </p:sp>
+      <p:pic>
+        <p:nvPicPr>
+          <p:cNvPr id="9" name="Grafik 8"/>
+          <p:cNvPicPr>
+            <a:picLocks noChangeAspect="1"/>
+          </p:cNvPicPr>
+          <p:nvPr/>
+        </p:nvPicPr>
+        <p:blipFill>
+          <a:blip r:embed="rId2" cstate="print">
+            <a:extLst>
+              <a:ext uri="{28A0092B-C50C-407E-A947-70E740481C1C}">
+                <a14:useLocalDpi xmlns:a14="http://schemas.microsoft.com/office/drawing/2010/main" val="0"/>
+              </a:ext>
+            </a:extLst>
+          </a:blip>
+          <a:stretch>
+            <a:fillRect/>
+          </a:stretch>
+        </p:blipFill>
+        <p:spPr>
+          <a:xfrm>
+            <a:off x="8020531" y="1967248"/>
+            <a:ext cx="2290134" cy="2923504"/>
+          </a:xfrm>
+          <a:prstGeom prst="rect">
+            <a:avLst/>
+          </a:prstGeom>
+        </p:spPr>
+      </p:pic>
+      <p:sp>
+        <p:nvSpPr>
+          <p:cNvPr id="10" name="Textfeld 9"/>
+          <p:cNvSpPr txBox="1"/>
+          <p:nvPr/>
+        </p:nvSpPr>
+        <p:spPr>
+          <a:xfrm>
+            <a:off x="1416682" y="2008538"/>
+            <a:ext cx="5152629" cy="3046988"/>
+          </a:xfrm>
+          <a:prstGeom prst="rect">
+            <a:avLst/>
+          </a:prstGeom>
+          <a:noFill/>
+        </p:spPr>
+        <p:txBody>
+          <a:bodyPr wrap="none" rtlCol="0">
+            <a:spAutoFit/>
+          </a:bodyPr>
+          <a:lstStyle/>
+          <a:p>
+            <a:pPr marL="285750" indent="-285750">
+              <a:buFont typeface="Arial" pitchFamily="34" charset="0"/>
+              <a:buChar char="•"/>
+            </a:pPr>
+            <a:r>
+              <a:rPr lang="de-DE" sz="2400" dirty="0" smtClean="0"/>
+              <a:t>Agile Projekte werden wichtiger</a:t>
+            </a:r>
+          </a:p>
+          <a:p>
+            <a:endParaRPr lang="de-DE" sz="2400" dirty="0"/>
+          </a:p>
+          <a:p>
+            <a:pPr marL="285750" indent="-285750">
+              <a:buFont typeface="Arial" pitchFamily="34" charset="0"/>
+              <a:buChar char="•"/>
+            </a:pPr>
+            <a:r>
+              <a:rPr lang="de-DE" sz="2400" dirty="0" smtClean="0"/>
+              <a:t>Home-Office wird </a:t>
+            </a:r>
+            <a:r>
+              <a:rPr lang="de-DE" sz="2400" dirty="0" smtClean="0"/>
+              <a:t>beliebter</a:t>
+            </a:r>
+            <a:endParaRPr lang="de-DE" sz="2400" dirty="0" smtClean="0"/>
+          </a:p>
+          <a:p>
+            <a:pPr marL="285750" indent="-285750">
+              <a:buFont typeface="Arial" pitchFamily="34" charset="0"/>
+              <a:buChar char="•"/>
+            </a:pPr>
+            <a:endParaRPr lang="de-DE" sz="2400" dirty="0"/>
+          </a:p>
+          <a:p>
+            <a:pPr marL="285750" indent="-285750">
+              <a:buFont typeface="Arial" pitchFamily="34" charset="0"/>
+              <a:buChar char="•"/>
+            </a:pPr>
+            <a:r>
+              <a:rPr lang="de-DE" sz="2400" dirty="0" smtClean="0"/>
+              <a:t>Erreichbarkeit von Projektressourcen </a:t>
+            </a:r>
+            <a:br>
+              <a:rPr lang="de-DE" sz="2400" dirty="0" smtClean="0"/>
+            </a:br>
+            <a:r>
+              <a:rPr lang="de-DE" sz="2400" dirty="0" smtClean="0"/>
+              <a:t>wird </a:t>
+            </a:r>
+            <a:r>
+              <a:rPr lang="de-DE" sz="2400" dirty="0" smtClean="0"/>
+              <a:t>wichtiger</a:t>
+            </a:r>
+          </a:p>
+          <a:p>
+            <a:pPr marL="285750" indent="-285750">
+              <a:buFont typeface="Arial" pitchFamily="34" charset="0"/>
+              <a:buChar char="•"/>
+            </a:pPr>
+            <a:endParaRPr lang="de-DE" sz="2400" dirty="0"/>
+          </a:p>
+          <a:p>
+            <a:pPr marL="342900" indent="-342900">
+              <a:buFont typeface="Wingdings" pitchFamily="2" charset="2"/>
+              <a:buChar char="Ø"/>
+            </a:pPr>
+            <a:r>
+              <a:rPr lang="de-DE" sz="2400" dirty="0" smtClean="0">
+                <a:solidFill>
+                  <a:srgbClr val="00B050"/>
+                </a:solidFill>
+              </a:rPr>
+              <a:t>Produkt hat Zukunft</a:t>
+            </a:r>
+            <a:endParaRPr lang="de-DE" sz="2400" dirty="0">
+              <a:solidFill>
+                <a:srgbClr val="00B050"/>
+              </a:solidFill>
+            </a:endParaRPr>
           </a:p>
         </p:txBody>
       </p:sp>
@@ -12161,6 +11952,13 @@
   <p:clrMapOvr>
     <a:masterClrMapping/>
   </p:clrMapOvr>
+  <p:timing>
+    <p:tnLst>
+      <p:par>
+        <p:cTn id="1" dur="indefinite" restart="never" nodeType="tmRoot"/>
+      </p:par>
+    </p:tnLst>
+  </p:timing>
 </p:sld>
 </file>
 
@@ -12791,6 +12589,13 @@
   <p:clrMapOvr>
     <a:masterClrMapping/>
   </p:clrMapOvr>
+  <p:timing>
+    <p:tnLst>
+      <p:par>
+        <p:cTn id="1" dur="indefinite" restart="never" nodeType="tmRoot"/>
+      </p:par>
+    </p:tnLst>
+  </p:timing>
 </p:sld>
 </file>
 
@@ -12973,35 +12778,35 @@
                 <a:gridCol w="1990583">
                   <a:extLst>
                     <a:ext uri="{9D8B030D-6E8A-4147-A177-3AD203B41FA5}">
-                      <a16:colId xmlns:a16="http://schemas.microsoft.com/office/drawing/2014/main" val="20000"/>
+                      <a16:colId xmlns="" xmlns:a16="http://schemas.microsoft.com/office/drawing/2014/main" val="20000"/>
                     </a:ext>
                   </a:extLst>
                 </a:gridCol>
                 <a:gridCol w="1990583">
                   <a:extLst>
                     <a:ext uri="{9D8B030D-6E8A-4147-A177-3AD203B41FA5}">
-                      <a16:colId xmlns:a16="http://schemas.microsoft.com/office/drawing/2014/main" val="20001"/>
+                      <a16:colId xmlns="" xmlns:a16="http://schemas.microsoft.com/office/drawing/2014/main" val="20001"/>
                     </a:ext>
                   </a:extLst>
                 </a:gridCol>
                 <a:gridCol w="2391059">
                   <a:extLst>
                     <a:ext uri="{9D8B030D-6E8A-4147-A177-3AD203B41FA5}">
-                      <a16:colId xmlns:a16="http://schemas.microsoft.com/office/drawing/2014/main" val="20002"/>
+                      <a16:colId xmlns="" xmlns:a16="http://schemas.microsoft.com/office/drawing/2014/main" val="20002"/>
                     </a:ext>
                   </a:extLst>
                 </a:gridCol>
                 <a:gridCol w="2545441">
                   <a:extLst>
                     <a:ext uri="{9D8B030D-6E8A-4147-A177-3AD203B41FA5}">
-                      <a16:colId xmlns:a16="http://schemas.microsoft.com/office/drawing/2014/main" val="20003"/>
+                      <a16:colId xmlns="" xmlns:a16="http://schemas.microsoft.com/office/drawing/2014/main" val="20003"/>
                     </a:ext>
                   </a:extLst>
                 </a:gridCol>
                 <a:gridCol w="1531259">
                   <a:extLst>
                     <a:ext uri="{9D8B030D-6E8A-4147-A177-3AD203B41FA5}">
-                      <a16:colId xmlns:a16="http://schemas.microsoft.com/office/drawing/2014/main" val="20004"/>
+                      <a16:colId xmlns="" xmlns:a16="http://schemas.microsoft.com/office/drawing/2014/main" val="20004"/>
                     </a:ext>
                   </a:extLst>
                 </a:gridCol>
@@ -13159,7 +12964,7 @@
                 </a:tc>
                 <a:extLst>
                   <a:ext uri="{0D108BD9-81ED-4DB2-BD59-A6C34878D82A}">
-                    <a16:rowId xmlns:a16="http://schemas.microsoft.com/office/drawing/2014/main" val="10000"/>
+                    <a16:rowId xmlns="" xmlns:a16="http://schemas.microsoft.com/office/drawing/2014/main" val="10000"/>
                   </a:ext>
                 </a:extLst>
               </a:tr>
@@ -13467,7 +13272,7 @@
                 </a:tc>
                 <a:extLst>
                   <a:ext uri="{0D108BD9-81ED-4DB2-BD59-A6C34878D82A}">
-                    <a16:rowId xmlns:a16="http://schemas.microsoft.com/office/drawing/2014/main" val="10001"/>
+                    <a16:rowId xmlns="" xmlns:a16="http://schemas.microsoft.com/office/drawing/2014/main" val="10001"/>
                   </a:ext>
                 </a:extLst>
               </a:tr>
@@ -13795,7 +13600,7 @@
                 </a:tc>
                 <a:extLst>
                   <a:ext uri="{0D108BD9-81ED-4DB2-BD59-A6C34878D82A}">
-                    <a16:rowId xmlns:a16="http://schemas.microsoft.com/office/drawing/2014/main" val="10002"/>
+                    <a16:rowId xmlns="" xmlns:a16="http://schemas.microsoft.com/office/drawing/2014/main" val="10002"/>
                   </a:ext>
                 </a:extLst>
               </a:tr>
@@ -14134,7 +13939,7 @@
                 </a:tc>
                 <a:extLst>
                   <a:ext uri="{0D108BD9-81ED-4DB2-BD59-A6C34878D82A}">
-                    <a16:rowId xmlns:a16="http://schemas.microsoft.com/office/drawing/2014/main" val="10003"/>
+                    <a16:rowId xmlns="" xmlns:a16="http://schemas.microsoft.com/office/drawing/2014/main" val="10003"/>
                   </a:ext>
                 </a:extLst>
               </a:tr>
@@ -14152,6 +13957,13 @@
   <p:clrMapOvr>
     <a:masterClrMapping/>
   </p:clrMapOvr>
+  <p:timing>
+    <p:tnLst>
+      <p:par>
+        <p:cTn id="1" dur="indefinite" restart="never" nodeType="tmRoot"/>
+      </p:par>
+    </p:tnLst>
+  </p:timing>
 </p:sld>
 </file>
 
@@ -14334,35 +14146,35 @@
                 <a:gridCol w="1990583">
                   <a:extLst>
                     <a:ext uri="{9D8B030D-6E8A-4147-A177-3AD203B41FA5}">
-                      <a16:colId xmlns:a16="http://schemas.microsoft.com/office/drawing/2014/main" val="20000"/>
+                      <a16:colId xmlns="" xmlns:a16="http://schemas.microsoft.com/office/drawing/2014/main" val="20000"/>
                     </a:ext>
                   </a:extLst>
                 </a:gridCol>
                 <a:gridCol w="1990583">
                   <a:extLst>
                     <a:ext uri="{9D8B030D-6E8A-4147-A177-3AD203B41FA5}">
-                      <a16:colId xmlns:a16="http://schemas.microsoft.com/office/drawing/2014/main" val="20001"/>
+                      <a16:colId xmlns="" xmlns:a16="http://schemas.microsoft.com/office/drawing/2014/main" val="20001"/>
                     </a:ext>
                   </a:extLst>
                 </a:gridCol>
                 <a:gridCol w="2391059">
                   <a:extLst>
                     <a:ext uri="{9D8B030D-6E8A-4147-A177-3AD203B41FA5}">
-                      <a16:colId xmlns:a16="http://schemas.microsoft.com/office/drawing/2014/main" val="20002"/>
+                      <a16:colId xmlns="" xmlns:a16="http://schemas.microsoft.com/office/drawing/2014/main" val="20002"/>
                     </a:ext>
                   </a:extLst>
                 </a:gridCol>
                 <a:gridCol w="2545441">
                   <a:extLst>
                     <a:ext uri="{9D8B030D-6E8A-4147-A177-3AD203B41FA5}">
-                      <a16:colId xmlns:a16="http://schemas.microsoft.com/office/drawing/2014/main" val="20003"/>
+                      <a16:colId xmlns="" xmlns:a16="http://schemas.microsoft.com/office/drawing/2014/main" val="20003"/>
                     </a:ext>
                   </a:extLst>
                 </a:gridCol>
                 <a:gridCol w="1531259">
                   <a:extLst>
                     <a:ext uri="{9D8B030D-6E8A-4147-A177-3AD203B41FA5}">
-                      <a16:colId xmlns:a16="http://schemas.microsoft.com/office/drawing/2014/main" val="20004"/>
+                      <a16:colId xmlns="" xmlns:a16="http://schemas.microsoft.com/office/drawing/2014/main" val="20004"/>
                     </a:ext>
                   </a:extLst>
                 </a:gridCol>
@@ -14520,7 +14332,7 @@
                 </a:tc>
                 <a:extLst>
                   <a:ext uri="{0D108BD9-81ED-4DB2-BD59-A6C34878D82A}">
-                    <a16:rowId xmlns:a16="http://schemas.microsoft.com/office/drawing/2014/main" val="10000"/>
+                    <a16:rowId xmlns="" xmlns:a16="http://schemas.microsoft.com/office/drawing/2014/main" val="10000"/>
                   </a:ext>
                 </a:extLst>
               </a:tr>
@@ -14833,7 +14645,7 @@
                 </a:tc>
                 <a:extLst>
                   <a:ext uri="{0D108BD9-81ED-4DB2-BD59-A6C34878D82A}">
-                    <a16:rowId xmlns:a16="http://schemas.microsoft.com/office/drawing/2014/main" val="10001"/>
+                    <a16:rowId xmlns="" xmlns:a16="http://schemas.microsoft.com/office/drawing/2014/main" val="10001"/>
                   </a:ext>
                 </a:extLst>
               </a:tr>
@@ -15165,7 +14977,7 @@
                 </a:tc>
                 <a:extLst>
                   <a:ext uri="{0D108BD9-81ED-4DB2-BD59-A6C34878D82A}">
-                    <a16:rowId xmlns:a16="http://schemas.microsoft.com/office/drawing/2014/main" val="10002"/>
+                    <a16:rowId xmlns="" xmlns:a16="http://schemas.microsoft.com/office/drawing/2014/main" val="10002"/>
                   </a:ext>
                 </a:extLst>
               </a:tr>
@@ -15183,6 +14995,13 @@
   <p:clrMapOvr>
     <a:masterClrMapping/>
   </p:clrMapOvr>
+  <p:timing>
+    <p:tnLst>
+      <p:par>
+        <p:cTn id="1" dur="indefinite" restart="never" nodeType="tmRoot"/>
+      </p:par>
+    </p:tnLst>
+  </p:timing>
 </p:sld>
 </file>
 
@@ -16023,6 +15842,13 @@
   <p:clrMapOvr>
     <a:masterClrMapping/>
   </p:clrMapOvr>
+  <p:timing>
+    <p:tnLst>
+      <p:par>
+        <p:cTn id="1" dur="indefinite" restart="never" nodeType="tmRoot"/>
+      </p:par>
+    </p:tnLst>
+  </p:timing>
 </p:sld>
 </file>
 
@@ -16222,6 +16048,13 @@
   <p:clrMapOvr>
     <a:masterClrMapping/>
   </p:clrMapOvr>
+  <p:timing>
+    <p:tnLst>
+      <p:par>
+        <p:cTn id="1" dur="indefinite" restart="never" nodeType="tmRoot"/>
+      </p:par>
+    </p:tnLst>
+  </p:timing>
 </p:sld>
 </file>
 
@@ -16920,6 +16753,13 @@
   <p:clrMapOvr>
     <a:masterClrMapping/>
   </p:clrMapOvr>
+  <p:timing>
+    <p:tnLst>
+      <p:par>
+        <p:cTn id="1" dur="indefinite" restart="never" nodeType="tmRoot"/>
+      </p:par>
+    </p:tnLst>
+  </p:timing>
 </p:sld>
 </file>
 
@@ -17343,6 +17183,13 @@
   <p:clrMapOvr>
     <a:masterClrMapping/>
   </p:clrMapOvr>
+  <p:timing>
+    <p:tnLst>
+      <p:par>
+        <p:cTn id="1" dur="indefinite" restart="never" nodeType="tmRoot"/>
+      </p:par>
+    </p:tnLst>
+  </p:timing>
 </p:sld>
 </file>
 
@@ -17506,6 +17353,13 @@
   <p:clrMapOvr>
     <a:masterClrMapping/>
   </p:clrMapOvr>
+  <p:timing>
+    <p:tnLst>
+      <p:par>
+        <p:cTn id="1" dur="indefinite" restart="never" nodeType="tmRoot"/>
+      </p:par>
+    </p:tnLst>
+  </p:timing>
 </p:sld>
 </file>
 
@@ -18001,6 +17855,13 @@
   <p:clrMapOvr>
     <a:masterClrMapping/>
   </p:clrMapOvr>
+  <p:timing>
+    <p:tnLst>
+      <p:par>
+        <p:cTn id="1" dur="indefinite" restart="never" nodeType="tmRoot"/>
+      </p:par>
+    </p:tnLst>
+  </p:timing>
 </p:sld>
 </file>
 
@@ -18176,14 +18037,14 @@
                 <a:gridCol w="4920344">
                   <a:extLst>
                     <a:ext uri="{9D8B030D-6E8A-4147-A177-3AD203B41FA5}">
-                      <a16:colId xmlns:a16="http://schemas.microsoft.com/office/drawing/2014/main" val="20000"/>
+                      <a16:colId xmlns="" xmlns:a16="http://schemas.microsoft.com/office/drawing/2014/main" val="20000"/>
                     </a:ext>
                   </a:extLst>
                 </a:gridCol>
                 <a:gridCol w="4920344">
                   <a:extLst>
                     <a:ext uri="{9D8B030D-6E8A-4147-A177-3AD203B41FA5}">
-                      <a16:colId xmlns:a16="http://schemas.microsoft.com/office/drawing/2014/main" val="20001"/>
+                      <a16:colId xmlns="" xmlns:a16="http://schemas.microsoft.com/office/drawing/2014/main" val="20001"/>
                     </a:ext>
                   </a:extLst>
                 </a:gridCol>
@@ -18227,7 +18088,7 @@
                 </a:tc>
                 <a:extLst>
                   <a:ext uri="{0D108BD9-81ED-4DB2-BD59-A6C34878D82A}">
-                    <a16:rowId xmlns:a16="http://schemas.microsoft.com/office/drawing/2014/main" val="10000"/>
+                    <a16:rowId xmlns="" xmlns:a16="http://schemas.microsoft.com/office/drawing/2014/main" val="10000"/>
                   </a:ext>
                 </a:extLst>
               </a:tr>
@@ -18272,7 +18133,7 @@
                 </a:tc>
                 <a:extLst>
                   <a:ext uri="{0D108BD9-81ED-4DB2-BD59-A6C34878D82A}">
-                    <a16:rowId xmlns:a16="http://schemas.microsoft.com/office/drawing/2014/main" val="10001"/>
+                    <a16:rowId xmlns="" xmlns:a16="http://schemas.microsoft.com/office/drawing/2014/main" val="10001"/>
                   </a:ext>
                 </a:extLst>
               </a:tr>
@@ -18312,7 +18173,7 @@
                 </a:tc>
                 <a:extLst>
                   <a:ext uri="{0D108BD9-81ED-4DB2-BD59-A6C34878D82A}">
-                    <a16:rowId xmlns:a16="http://schemas.microsoft.com/office/drawing/2014/main" val="10002"/>
+                    <a16:rowId xmlns="" xmlns:a16="http://schemas.microsoft.com/office/drawing/2014/main" val="10002"/>
                   </a:ext>
                 </a:extLst>
               </a:tr>
@@ -18353,7 +18214,7 @@
                 </a:tc>
                 <a:extLst>
                   <a:ext uri="{0D108BD9-81ED-4DB2-BD59-A6C34878D82A}">
-                    <a16:rowId xmlns:a16="http://schemas.microsoft.com/office/drawing/2014/main" val="10003"/>
+                    <a16:rowId xmlns="" xmlns:a16="http://schemas.microsoft.com/office/drawing/2014/main" val="10003"/>
                   </a:ext>
                 </a:extLst>
               </a:tr>
@@ -18371,6 +18232,13 @@
   <p:clrMapOvr>
     <a:masterClrMapping/>
   </p:clrMapOvr>
+  <p:timing>
+    <p:tnLst>
+      <p:par>
+        <p:cTn id="1" dur="indefinite" restart="never" nodeType="tmRoot"/>
+      </p:par>
+    </p:tnLst>
+  </p:timing>
 </p:sld>
 </file>
 
@@ -18615,6 +18483,13 @@
   <p:clrMapOvr>
     <a:masterClrMapping/>
   </p:clrMapOvr>
+  <p:timing>
+    <p:tnLst>
+      <p:par>
+        <p:cTn id="1" dur="indefinite" restart="never" nodeType="tmRoot"/>
+      </p:par>
+    </p:tnLst>
+  </p:timing>
 </p:sld>
 </file>
 
@@ -18964,6 +18839,13 @@
   <p:clrMapOvr>
     <a:masterClrMapping/>
   </p:clrMapOvr>
+  <p:timing>
+    <p:tnLst>
+      <p:par>
+        <p:cTn id="1" dur="indefinite" restart="never" nodeType="tmRoot"/>
+      </p:par>
+    </p:tnLst>
+  </p:timing>
 </p:sld>
 </file>
 
@@ -19589,6 +19471,13 @@
   <p:clrMapOvr>
     <a:masterClrMapping/>
   </p:clrMapOvr>
+  <p:timing>
+    <p:tnLst>
+      <p:par>
+        <p:cTn id="1" dur="indefinite" restart="never" nodeType="tmRoot"/>
+      </p:par>
+    </p:tnLst>
+  </p:timing>
 </p:sld>
 </file>
 
@@ -19953,6 +19842,13 @@
   <p:clrMapOvr>
     <a:masterClrMapping/>
   </p:clrMapOvr>
+  <p:timing>
+    <p:tnLst>
+      <p:par>
+        <p:cTn id="1" dur="indefinite" restart="never" nodeType="tmRoot"/>
+      </p:par>
+    </p:tnLst>
+  </p:timing>
 </p:sld>
 </file>
 
@@ -20861,6 +20757,13 @@
   <p:clrMapOvr>
     <a:masterClrMapping/>
   </p:clrMapOvr>
+  <p:timing>
+    <p:tnLst>
+      <p:par>
+        <p:cTn id="1" dur="indefinite" restart="never" nodeType="tmRoot"/>
+      </p:par>
+    </p:tnLst>
+  </p:timing>
 </p:sld>
 </file>
 
@@ -21117,6 +21020,13 @@
   <p:clrMapOvr>
     <a:masterClrMapping/>
   </p:clrMapOvr>
+  <p:timing>
+    <p:tnLst>
+      <p:par>
+        <p:cTn id="1" dur="indefinite" restart="never" nodeType="tmRoot"/>
+      </p:par>
+    </p:tnLst>
+  </p:timing>
 </p:sld>
 </file>
 
@@ -23520,6 +23430,13 @@
   <p:clrMapOvr>
     <a:masterClrMapping/>
   </p:clrMapOvr>
+  <p:timing>
+    <p:tnLst>
+      <p:par>
+        <p:cTn id="1" dur="indefinite" restart="never" nodeType="tmRoot"/>
+      </p:par>
+    </p:tnLst>
+  </p:timing>
 </p:sld>
 </file>
 
@@ -23709,6 +23626,13 @@
   <p:clrMapOvr>
     <a:masterClrMapping/>
   </p:clrMapOvr>
+  <p:timing>
+    <p:tnLst>
+      <p:par>
+        <p:cTn id="1" dur="indefinite" restart="never" nodeType="tmRoot"/>
+      </p:par>
+    </p:tnLst>
+  </p:timing>
 </p:sld>
 </file>
 
@@ -23967,7 +23891,7 @@
   <a:extraClrSchemeLst/>
   <a:extLst>
     <a:ext uri="{05A4C25C-085E-4340-85A3-A5531E510DB2}">
-      <thm15:themeFamily xmlns:thm15="http://schemas.microsoft.com/office/thememl/2012/main" name="Office Theme" id="{62F939B6-93AF-4DB8-9C6B-D6C7DFDC589F}" vid="{4A3C46E8-61CC-4603-A589-7422A47A8E4A}"/>
+      <thm15:themeFamily xmlns="" xmlns:thm15="http://schemas.microsoft.com/office/thememl/2012/main" name="Office Theme" id="{62F939B6-93AF-4DB8-9C6B-D6C7DFDC589F}" vid="{4A3C46E8-61CC-4603-A589-7422A47A8E4A}"/>
     </a:ext>
   </a:extLst>
 </a:theme>

--- a/5_Präsentation/Projektpräsentation.pptx
+++ b/5_Präsentation/Projektpräsentation.pptx
@@ -5,7 +5,7 @@
     <p:sldMasterId id="2147483648" r:id="rId1"/>
   </p:sldMasterIdLst>
   <p:notesMasterIdLst>
-    <p:notesMasterId r:id="rId27"/>
+    <p:notesMasterId r:id="rId28"/>
   </p:notesMasterIdLst>
   <p:sldIdLst>
     <p:sldId id="256" r:id="rId2"/>
@@ -19,8 +19,8 @@
     <p:sldId id="260" r:id="rId10"/>
     <p:sldId id="261" r:id="rId11"/>
     <p:sldId id="262" r:id="rId12"/>
-    <p:sldId id="263" r:id="rId13"/>
-    <p:sldId id="264" r:id="rId14"/>
+    <p:sldId id="264" r:id="rId13"/>
+    <p:sldId id="263" r:id="rId14"/>
     <p:sldId id="280" r:id="rId15"/>
     <p:sldId id="281" r:id="rId16"/>
     <p:sldId id="282" r:id="rId17"/>
@@ -32,7 +32,8 @@
     <p:sldId id="288" r:id="rId23"/>
     <p:sldId id="289" r:id="rId24"/>
     <p:sldId id="290" r:id="rId25"/>
-    <p:sldId id="291" r:id="rId26"/>
+    <p:sldId id="292" r:id="rId26"/>
+    <p:sldId id="291" r:id="rId27"/>
   </p:sldIdLst>
   <p:sldSz cx="12192000" cy="6858000"/>
   <p:notesSz cx="6858000" cy="9144000"/>
@@ -133,7 +134,7 @@
   </p:defaultTextStyle>
   <p:extLst>
     <p:ext uri="{EFAFB233-063F-42B5-8137-9DF3F51BA10A}">
-      <p15:sldGuideLst xmlns="" xmlns:p15="http://schemas.microsoft.com/office/powerpoint/2012/main">
+      <p15:sldGuideLst xmlns:p15="http://schemas.microsoft.com/office/powerpoint/2012/main" xmlns="">
         <p15:guide id="1" orient="horz" pos="2183" userDrawn="1">
           <p15:clr>
             <a:srgbClr val="A4A3A4"/>
@@ -241,7 +242,7 @@
               <a:lstStyle/>
               <a:p>
                 <a:pPr>
-                  <a:defRPr sz="1064" b="0" i="0" u="none" strike="noStrike" kern="1200" baseline="0">
+                  <a:defRPr sz="2400" b="0" i="0" u="none" strike="noStrike" kern="1200" baseline="0">
                     <a:solidFill>
                       <a:schemeClr val="tx1">
                         <a:lumMod val="50000"/>
@@ -335,11 +336,11 @@
         </c:dLbls>
         <c:gapWidth val="444"/>
         <c:overlap val="-90"/>
-        <c:axId val="34085504"/>
-        <c:axId val="34113792"/>
+        <c:axId val="31244672"/>
+        <c:axId val="31247360"/>
       </c:barChart>
       <c:catAx>
-        <c:axId val="34085504"/>
+        <c:axId val="31244672"/>
         <c:scaling>
           <c:orientation val="minMax"/>
         </c:scaling>
@@ -381,7 +382,7 @@
           <a:lstStyle/>
           <a:p>
             <a:pPr>
-              <a:defRPr sz="1064" b="0" i="0" u="none" strike="noStrike" kern="1200" cap="all" spc="120" normalizeH="0" baseline="0">
+              <a:defRPr sz="1200" b="0" i="0" u="none" strike="noStrike" kern="1200" cap="all" spc="120" normalizeH="0" baseline="0">
                 <a:solidFill>
                   <a:schemeClr val="tx1">
                     <a:lumMod val="65000"/>
@@ -396,7 +397,7 @@
             <a:endParaRPr lang="de-DE"/>
           </a:p>
         </c:txPr>
-        <c:crossAx val="34113792"/>
+        <c:crossAx val="31247360"/>
         <c:crosses val="autoZero"/>
         <c:auto val="1"/>
         <c:lblAlgn val="ctr"/>
@@ -404,7 +405,7 @@
         <c:noMultiLvlLbl val="0"/>
       </c:catAx>
       <c:valAx>
-        <c:axId val="34113792"/>
+        <c:axId val="31247360"/>
         <c:scaling>
           <c:orientation val="minMax"/>
         </c:scaling>
@@ -414,7 +415,7 @@
         <c:majorTickMark val="none"/>
         <c:minorTickMark val="none"/>
         <c:tickLblPos val="nextTo"/>
-        <c:crossAx val="34085504"/>
+        <c:crossAx val="31244672"/>
         <c:crosses val="autoZero"/>
         <c:crossBetween val="between"/>
       </c:valAx>
@@ -426,38 +427,6 @@
         <a:effectLst/>
       </c:spPr>
     </c:plotArea>
-    <c:legend>
-      <c:legendPos val="t"/>
-      <c:layout/>
-      <c:overlay val="0"/>
-      <c:spPr>
-        <a:noFill/>
-        <a:ln>
-          <a:noFill/>
-        </a:ln>
-        <a:effectLst/>
-      </c:spPr>
-      <c:txPr>
-        <a:bodyPr rot="0" spcFirstLastPara="1" vertOverflow="ellipsis" vert="horz" wrap="square" anchor="ctr" anchorCtr="1"/>
-        <a:lstStyle/>
-        <a:p>
-          <a:pPr>
-            <a:defRPr sz="1197" b="0" i="0" u="none" strike="noStrike" kern="1200" baseline="0">
-              <a:solidFill>
-                <a:schemeClr val="tx1">
-                  <a:lumMod val="65000"/>
-                  <a:lumOff val="35000"/>
-                </a:schemeClr>
-              </a:solidFill>
-              <a:latin typeface="+mn-lt"/>
-              <a:ea typeface="+mn-ea"/>
-              <a:cs typeface="+mn-cs"/>
-            </a:defRPr>
-          </a:pPr>
-          <a:endParaRPr lang="de-DE"/>
-        </a:p>
-      </c:txPr>
-    </c:legend>
     <c:plotVisOnly val="1"/>
     <c:dispBlanksAs val="gap"/>
     <c:showDLblsOverMax val="0"/>
@@ -1796,7 +1765,1017 @@
 </dgm:colorsDef>
 </file>
 
+<file path=ppt/diagrams/colors2.xml><?xml version="1.0" encoding="utf-8"?>
+<dgm:colorsDef xmlns:dgm="http://schemas.openxmlformats.org/drawingml/2006/diagram" xmlns:a="http://schemas.openxmlformats.org/drawingml/2006/main" uniqueId="urn:microsoft.com/office/officeart/2005/8/colors/accent1_2">
+  <dgm:title val=""/>
+  <dgm:desc val=""/>
+  <dgm:catLst>
+    <dgm:cat type="accent1" pri="11200"/>
+  </dgm:catLst>
+  <dgm:styleLbl name="node0">
+    <dgm:fillClrLst meth="repeat">
+      <a:schemeClr val="accent1"/>
+    </dgm:fillClrLst>
+    <dgm:linClrLst meth="repeat">
+      <a:schemeClr val="lt1"/>
+    </dgm:linClrLst>
+    <dgm:effectClrLst/>
+    <dgm:txLinClrLst/>
+    <dgm:txFillClrLst/>
+    <dgm:txEffectClrLst/>
+  </dgm:styleLbl>
+  <dgm:styleLbl name="alignNode1">
+    <dgm:fillClrLst meth="repeat">
+      <a:schemeClr val="accent1"/>
+    </dgm:fillClrLst>
+    <dgm:linClrLst meth="repeat">
+      <a:schemeClr val="accent1"/>
+    </dgm:linClrLst>
+    <dgm:effectClrLst/>
+    <dgm:txLinClrLst/>
+    <dgm:txFillClrLst/>
+    <dgm:txEffectClrLst/>
+  </dgm:styleLbl>
+  <dgm:styleLbl name="node1">
+    <dgm:fillClrLst meth="repeat">
+      <a:schemeClr val="accent1"/>
+    </dgm:fillClrLst>
+    <dgm:linClrLst meth="repeat">
+      <a:schemeClr val="lt1"/>
+    </dgm:linClrLst>
+    <dgm:effectClrLst/>
+    <dgm:txLinClrLst/>
+    <dgm:txFillClrLst/>
+    <dgm:txEffectClrLst/>
+  </dgm:styleLbl>
+  <dgm:styleLbl name="lnNode1">
+    <dgm:fillClrLst meth="repeat">
+      <a:schemeClr val="accent1"/>
+    </dgm:fillClrLst>
+    <dgm:linClrLst meth="repeat">
+      <a:schemeClr val="lt1"/>
+    </dgm:linClrLst>
+    <dgm:effectClrLst/>
+    <dgm:txLinClrLst/>
+    <dgm:txFillClrLst/>
+    <dgm:txEffectClrLst/>
+  </dgm:styleLbl>
+  <dgm:styleLbl name="vennNode1">
+    <dgm:fillClrLst meth="repeat">
+      <a:schemeClr val="accent1">
+        <a:alpha val="50000"/>
+      </a:schemeClr>
+    </dgm:fillClrLst>
+    <dgm:linClrLst meth="repeat">
+      <a:schemeClr val="lt1"/>
+    </dgm:linClrLst>
+    <dgm:effectClrLst/>
+    <dgm:txLinClrLst/>
+    <dgm:txFillClrLst/>
+    <dgm:txEffectClrLst/>
+  </dgm:styleLbl>
+  <dgm:styleLbl name="node2">
+    <dgm:fillClrLst meth="repeat">
+      <a:schemeClr val="accent1"/>
+    </dgm:fillClrLst>
+    <dgm:linClrLst meth="repeat">
+      <a:schemeClr val="lt1"/>
+    </dgm:linClrLst>
+    <dgm:effectClrLst/>
+    <dgm:txLinClrLst/>
+    <dgm:txFillClrLst/>
+    <dgm:txEffectClrLst/>
+  </dgm:styleLbl>
+  <dgm:styleLbl name="node3">
+    <dgm:fillClrLst meth="repeat">
+      <a:schemeClr val="accent1"/>
+    </dgm:fillClrLst>
+    <dgm:linClrLst meth="repeat">
+      <a:schemeClr val="lt1"/>
+    </dgm:linClrLst>
+    <dgm:effectClrLst/>
+    <dgm:txLinClrLst/>
+    <dgm:txFillClrLst/>
+    <dgm:txEffectClrLst/>
+  </dgm:styleLbl>
+  <dgm:styleLbl name="node4">
+    <dgm:fillClrLst meth="repeat">
+      <a:schemeClr val="accent1"/>
+    </dgm:fillClrLst>
+    <dgm:linClrLst meth="repeat">
+      <a:schemeClr val="lt1"/>
+    </dgm:linClrLst>
+    <dgm:effectClrLst/>
+    <dgm:txLinClrLst/>
+    <dgm:txFillClrLst/>
+    <dgm:txEffectClrLst/>
+  </dgm:styleLbl>
+  <dgm:styleLbl name="fgImgPlace1">
+    <dgm:fillClrLst meth="repeat">
+      <a:schemeClr val="accent1">
+        <a:tint val="50000"/>
+      </a:schemeClr>
+    </dgm:fillClrLst>
+    <dgm:linClrLst meth="repeat">
+      <a:schemeClr val="lt1"/>
+    </dgm:linClrLst>
+    <dgm:effectClrLst/>
+    <dgm:txLinClrLst/>
+    <dgm:txFillClrLst meth="repeat">
+      <a:schemeClr val="lt1"/>
+    </dgm:txFillClrLst>
+    <dgm:txEffectClrLst/>
+  </dgm:styleLbl>
+  <dgm:styleLbl name="alignImgPlace1">
+    <dgm:fillClrLst meth="repeat">
+      <a:schemeClr val="accent1">
+        <a:tint val="50000"/>
+      </a:schemeClr>
+    </dgm:fillClrLst>
+    <dgm:linClrLst meth="repeat">
+      <a:schemeClr val="lt1"/>
+    </dgm:linClrLst>
+    <dgm:effectClrLst/>
+    <dgm:txLinClrLst/>
+    <dgm:txFillClrLst meth="repeat">
+      <a:schemeClr val="lt1"/>
+    </dgm:txFillClrLst>
+    <dgm:txEffectClrLst/>
+  </dgm:styleLbl>
+  <dgm:styleLbl name="bgImgPlace1">
+    <dgm:fillClrLst meth="repeat">
+      <a:schemeClr val="accent1">
+        <a:tint val="50000"/>
+      </a:schemeClr>
+    </dgm:fillClrLst>
+    <dgm:linClrLst meth="repeat">
+      <a:schemeClr val="lt1"/>
+    </dgm:linClrLst>
+    <dgm:effectClrLst/>
+    <dgm:txLinClrLst/>
+    <dgm:txFillClrLst meth="repeat">
+      <a:schemeClr val="lt1"/>
+    </dgm:txFillClrLst>
+    <dgm:txEffectClrLst/>
+  </dgm:styleLbl>
+  <dgm:styleLbl name="sibTrans2D1">
+    <dgm:fillClrLst meth="repeat">
+      <a:schemeClr val="accent1">
+        <a:tint val="60000"/>
+      </a:schemeClr>
+    </dgm:fillClrLst>
+    <dgm:linClrLst meth="repeat">
+      <a:schemeClr val="accent1">
+        <a:tint val="60000"/>
+      </a:schemeClr>
+    </dgm:linClrLst>
+    <dgm:effectClrLst/>
+    <dgm:txLinClrLst/>
+    <dgm:txFillClrLst/>
+    <dgm:txEffectClrLst/>
+  </dgm:styleLbl>
+  <dgm:styleLbl name="fgSibTrans2D1">
+    <dgm:fillClrLst meth="repeat">
+      <a:schemeClr val="accent1">
+        <a:tint val="60000"/>
+      </a:schemeClr>
+    </dgm:fillClrLst>
+    <dgm:linClrLst meth="repeat">
+      <a:schemeClr val="accent1">
+        <a:tint val="60000"/>
+      </a:schemeClr>
+    </dgm:linClrLst>
+    <dgm:effectClrLst/>
+    <dgm:txLinClrLst/>
+    <dgm:txFillClrLst/>
+    <dgm:txEffectClrLst/>
+  </dgm:styleLbl>
+  <dgm:styleLbl name="bgSibTrans2D1">
+    <dgm:fillClrLst meth="repeat">
+      <a:schemeClr val="accent1">
+        <a:tint val="60000"/>
+      </a:schemeClr>
+    </dgm:fillClrLst>
+    <dgm:linClrLst meth="repeat">
+      <a:schemeClr val="accent1">
+        <a:tint val="60000"/>
+      </a:schemeClr>
+    </dgm:linClrLst>
+    <dgm:effectClrLst/>
+    <dgm:txLinClrLst/>
+    <dgm:txFillClrLst/>
+    <dgm:txEffectClrLst/>
+  </dgm:styleLbl>
+  <dgm:styleLbl name="sibTrans1D1">
+    <dgm:fillClrLst meth="repeat">
+      <a:schemeClr val="accent1"/>
+    </dgm:fillClrLst>
+    <dgm:linClrLst meth="repeat">
+      <a:schemeClr val="accent1"/>
+    </dgm:linClrLst>
+    <dgm:effectClrLst/>
+    <dgm:txLinClrLst/>
+    <dgm:txFillClrLst meth="repeat">
+      <a:schemeClr val="tx1"/>
+    </dgm:txFillClrLst>
+    <dgm:txEffectClrLst/>
+  </dgm:styleLbl>
+  <dgm:styleLbl name="callout">
+    <dgm:fillClrLst meth="repeat">
+      <a:schemeClr val="accent1"/>
+    </dgm:fillClrLst>
+    <dgm:linClrLst meth="repeat">
+      <a:schemeClr val="accent1">
+        <a:tint val="50000"/>
+      </a:schemeClr>
+    </dgm:linClrLst>
+    <dgm:effectClrLst/>
+    <dgm:txLinClrLst/>
+    <dgm:txFillClrLst meth="repeat">
+      <a:schemeClr val="tx1"/>
+    </dgm:txFillClrLst>
+    <dgm:txEffectClrLst/>
+  </dgm:styleLbl>
+  <dgm:styleLbl name="asst0">
+    <dgm:fillClrLst meth="repeat">
+      <a:schemeClr val="accent1"/>
+    </dgm:fillClrLst>
+    <dgm:linClrLst meth="repeat">
+      <a:schemeClr val="lt1"/>
+    </dgm:linClrLst>
+    <dgm:effectClrLst/>
+    <dgm:txLinClrLst/>
+    <dgm:txFillClrLst/>
+    <dgm:txEffectClrLst/>
+  </dgm:styleLbl>
+  <dgm:styleLbl name="asst1">
+    <dgm:fillClrLst meth="repeat">
+      <a:schemeClr val="accent1"/>
+    </dgm:fillClrLst>
+    <dgm:linClrLst meth="repeat">
+      <a:schemeClr val="lt1"/>
+    </dgm:linClrLst>
+    <dgm:effectClrLst/>
+    <dgm:txLinClrLst/>
+    <dgm:txFillClrLst/>
+    <dgm:txEffectClrLst/>
+  </dgm:styleLbl>
+  <dgm:styleLbl name="asst2">
+    <dgm:fillClrLst meth="repeat">
+      <a:schemeClr val="accent1"/>
+    </dgm:fillClrLst>
+    <dgm:linClrLst meth="repeat">
+      <a:schemeClr val="lt1"/>
+    </dgm:linClrLst>
+    <dgm:effectClrLst/>
+    <dgm:txLinClrLst/>
+    <dgm:txFillClrLst/>
+    <dgm:txEffectClrLst/>
+  </dgm:styleLbl>
+  <dgm:styleLbl name="asst3">
+    <dgm:fillClrLst meth="repeat">
+      <a:schemeClr val="accent1"/>
+    </dgm:fillClrLst>
+    <dgm:linClrLst meth="repeat">
+      <a:schemeClr val="lt1"/>
+    </dgm:linClrLst>
+    <dgm:effectClrLst/>
+    <dgm:txLinClrLst/>
+    <dgm:txFillClrLst/>
+    <dgm:txEffectClrLst/>
+  </dgm:styleLbl>
+  <dgm:styleLbl name="asst4">
+    <dgm:fillClrLst meth="repeat">
+      <a:schemeClr val="accent1"/>
+    </dgm:fillClrLst>
+    <dgm:linClrLst meth="repeat">
+      <a:schemeClr val="lt1"/>
+    </dgm:linClrLst>
+    <dgm:effectClrLst/>
+    <dgm:txLinClrLst/>
+    <dgm:txFillClrLst/>
+    <dgm:txEffectClrLst/>
+  </dgm:styleLbl>
+  <dgm:styleLbl name="parChTrans2D1">
+    <dgm:fillClrLst meth="repeat">
+      <a:schemeClr val="accent1">
+        <a:tint val="60000"/>
+      </a:schemeClr>
+    </dgm:fillClrLst>
+    <dgm:linClrLst meth="repeat">
+      <a:schemeClr val="accent1">
+        <a:tint val="60000"/>
+      </a:schemeClr>
+    </dgm:linClrLst>
+    <dgm:effectClrLst/>
+    <dgm:txLinClrLst/>
+    <dgm:txFillClrLst meth="repeat">
+      <a:schemeClr val="lt1"/>
+    </dgm:txFillClrLst>
+    <dgm:txEffectClrLst/>
+  </dgm:styleLbl>
+  <dgm:styleLbl name="parChTrans2D2">
+    <dgm:fillClrLst meth="repeat">
+      <a:schemeClr val="accent1"/>
+    </dgm:fillClrLst>
+    <dgm:linClrLst meth="repeat">
+      <a:schemeClr val="accent1"/>
+    </dgm:linClrLst>
+    <dgm:effectClrLst/>
+    <dgm:txLinClrLst/>
+    <dgm:txFillClrLst meth="repeat">
+      <a:schemeClr val="lt1"/>
+    </dgm:txFillClrLst>
+    <dgm:txEffectClrLst/>
+  </dgm:styleLbl>
+  <dgm:styleLbl name="parChTrans2D3">
+    <dgm:fillClrLst meth="repeat">
+      <a:schemeClr val="accent1"/>
+    </dgm:fillClrLst>
+    <dgm:linClrLst meth="repeat">
+      <a:schemeClr val="accent1"/>
+    </dgm:linClrLst>
+    <dgm:effectClrLst/>
+    <dgm:txLinClrLst/>
+    <dgm:txFillClrLst meth="repeat">
+      <a:schemeClr val="lt1"/>
+    </dgm:txFillClrLst>
+    <dgm:txEffectClrLst/>
+  </dgm:styleLbl>
+  <dgm:styleLbl name="parChTrans2D4">
+    <dgm:fillClrLst meth="repeat">
+      <a:schemeClr val="accent1"/>
+    </dgm:fillClrLst>
+    <dgm:linClrLst meth="repeat">
+      <a:schemeClr val="accent1"/>
+    </dgm:linClrLst>
+    <dgm:effectClrLst/>
+    <dgm:txLinClrLst/>
+    <dgm:txFillClrLst meth="repeat">
+      <a:schemeClr val="lt1"/>
+    </dgm:txFillClrLst>
+    <dgm:txEffectClrLst/>
+  </dgm:styleLbl>
+  <dgm:styleLbl name="parChTrans1D1">
+    <dgm:fillClrLst meth="repeat">
+      <a:schemeClr val="accent1"/>
+    </dgm:fillClrLst>
+    <dgm:linClrLst meth="repeat">
+      <a:schemeClr val="accent1">
+        <a:shade val="60000"/>
+      </a:schemeClr>
+    </dgm:linClrLst>
+    <dgm:effectClrLst/>
+    <dgm:txLinClrLst/>
+    <dgm:txFillClrLst meth="repeat">
+      <a:schemeClr val="tx1"/>
+    </dgm:txFillClrLst>
+    <dgm:txEffectClrLst/>
+  </dgm:styleLbl>
+  <dgm:styleLbl name="parChTrans1D2">
+    <dgm:fillClrLst meth="repeat">
+      <a:schemeClr val="accent1"/>
+    </dgm:fillClrLst>
+    <dgm:linClrLst meth="repeat">
+      <a:schemeClr val="accent1">
+        <a:shade val="60000"/>
+      </a:schemeClr>
+    </dgm:linClrLst>
+    <dgm:effectClrLst/>
+    <dgm:txLinClrLst/>
+    <dgm:txFillClrLst meth="repeat">
+      <a:schemeClr val="tx1"/>
+    </dgm:txFillClrLst>
+    <dgm:txEffectClrLst/>
+  </dgm:styleLbl>
+  <dgm:styleLbl name="parChTrans1D3">
+    <dgm:fillClrLst meth="repeat">
+      <a:schemeClr val="accent1"/>
+    </dgm:fillClrLst>
+    <dgm:linClrLst meth="repeat">
+      <a:schemeClr val="accent1">
+        <a:shade val="80000"/>
+      </a:schemeClr>
+    </dgm:linClrLst>
+    <dgm:effectClrLst/>
+    <dgm:txLinClrLst/>
+    <dgm:txFillClrLst meth="repeat">
+      <a:schemeClr val="tx1"/>
+    </dgm:txFillClrLst>
+    <dgm:txEffectClrLst/>
+  </dgm:styleLbl>
+  <dgm:styleLbl name="parChTrans1D4">
+    <dgm:fillClrLst meth="repeat">
+      <a:schemeClr val="accent1"/>
+    </dgm:fillClrLst>
+    <dgm:linClrLst meth="repeat">
+      <a:schemeClr val="accent1">
+        <a:shade val="80000"/>
+      </a:schemeClr>
+    </dgm:linClrLst>
+    <dgm:effectClrLst/>
+    <dgm:txLinClrLst/>
+    <dgm:txFillClrLst meth="repeat">
+      <a:schemeClr val="tx1"/>
+    </dgm:txFillClrLst>
+    <dgm:txEffectClrLst/>
+  </dgm:styleLbl>
+  <dgm:styleLbl name="fgAcc1">
+    <dgm:fillClrLst meth="repeat">
+      <a:schemeClr val="lt1">
+        <a:alpha val="90000"/>
+      </a:schemeClr>
+    </dgm:fillClrLst>
+    <dgm:linClrLst meth="repeat">
+      <a:schemeClr val="accent1"/>
+    </dgm:linClrLst>
+    <dgm:effectClrLst/>
+    <dgm:txLinClrLst/>
+    <dgm:txFillClrLst meth="repeat">
+      <a:schemeClr val="dk1"/>
+    </dgm:txFillClrLst>
+    <dgm:txEffectClrLst/>
+  </dgm:styleLbl>
+  <dgm:styleLbl name="conFgAcc1">
+    <dgm:fillClrLst meth="repeat">
+      <a:schemeClr val="lt1">
+        <a:alpha val="90000"/>
+      </a:schemeClr>
+    </dgm:fillClrLst>
+    <dgm:linClrLst meth="repeat">
+      <a:schemeClr val="accent1"/>
+    </dgm:linClrLst>
+    <dgm:effectClrLst/>
+    <dgm:txLinClrLst/>
+    <dgm:txFillClrLst meth="repeat">
+      <a:schemeClr val="dk1"/>
+    </dgm:txFillClrLst>
+    <dgm:txEffectClrLst/>
+  </dgm:styleLbl>
+  <dgm:styleLbl name="alignAcc1">
+    <dgm:fillClrLst meth="repeat">
+      <a:schemeClr val="lt1">
+        <a:alpha val="90000"/>
+      </a:schemeClr>
+    </dgm:fillClrLst>
+    <dgm:linClrLst meth="repeat">
+      <a:schemeClr val="accent1"/>
+    </dgm:linClrLst>
+    <dgm:effectClrLst/>
+    <dgm:txLinClrLst/>
+    <dgm:txFillClrLst meth="repeat">
+      <a:schemeClr val="dk1"/>
+    </dgm:txFillClrLst>
+    <dgm:txEffectClrLst/>
+  </dgm:styleLbl>
+  <dgm:styleLbl name="trAlignAcc1">
+    <dgm:fillClrLst meth="repeat">
+      <a:schemeClr val="lt1">
+        <a:alpha val="40000"/>
+      </a:schemeClr>
+    </dgm:fillClrLst>
+    <dgm:linClrLst meth="repeat">
+      <a:schemeClr val="accent1"/>
+    </dgm:linClrLst>
+    <dgm:effectClrLst/>
+    <dgm:txLinClrLst/>
+    <dgm:txFillClrLst meth="repeat">
+      <a:schemeClr val="dk1"/>
+    </dgm:txFillClrLst>
+    <dgm:txEffectClrLst/>
+  </dgm:styleLbl>
+  <dgm:styleLbl name="bgAcc1">
+    <dgm:fillClrLst meth="repeat">
+      <a:schemeClr val="lt1">
+        <a:alpha val="90000"/>
+      </a:schemeClr>
+    </dgm:fillClrLst>
+    <dgm:linClrLst meth="repeat">
+      <a:schemeClr val="accent1"/>
+    </dgm:linClrLst>
+    <dgm:effectClrLst/>
+    <dgm:txLinClrLst/>
+    <dgm:txFillClrLst meth="repeat">
+      <a:schemeClr val="dk1"/>
+    </dgm:txFillClrLst>
+    <dgm:txEffectClrLst/>
+  </dgm:styleLbl>
+  <dgm:styleLbl name="solidFgAcc1">
+    <dgm:fillClrLst meth="repeat">
+      <a:schemeClr val="lt1"/>
+    </dgm:fillClrLst>
+    <dgm:linClrLst meth="repeat">
+      <a:schemeClr val="accent1"/>
+    </dgm:linClrLst>
+    <dgm:effectClrLst/>
+    <dgm:txLinClrLst/>
+    <dgm:txFillClrLst meth="repeat">
+      <a:schemeClr val="dk1"/>
+    </dgm:txFillClrLst>
+    <dgm:txEffectClrLst/>
+  </dgm:styleLbl>
+  <dgm:styleLbl name="solidAlignAcc1">
+    <dgm:fillClrLst meth="repeat">
+      <a:schemeClr val="lt1"/>
+    </dgm:fillClrLst>
+    <dgm:linClrLst meth="repeat">
+      <a:schemeClr val="accent1"/>
+    </dgm:linClrLst>
+    <dgm:effectClrLst/>
+    <dgm:txLinClrLst/>
+    <dgm:txFillClrLst meth="repeat">
+      <a:schemeClr val="dk1"/>
+    </dgm:txFillClrLst>
+    <dgm:txEffectClrLst/>
+  </dgm:styleLbl>
+  <dgm:styleLbl name="solidBgAcc1">
+    <dgm:fillClrLst meth="repeat">
+      <a:schemeClr val="lt1"/>
+    </dgm:fillClrLst>
+    <dgm:linClrLst meth="repeat">
+      <a:schemeClr val="accent1"/>
+    </dgm:linClrLst>
+    <dgm:effectClrLst/>
+    <dgm:txLinClrLst/>
+    <dgm:txFillClrLst meth="repeat">
+      <a:schemeClr val="dk1"/>
+    </dgm:txFillClrLst>
+    <dgm:txEffectClrLst/>
+  </dgm:styleLbl>
+  <dgm:styleLbl name="fgAccFollowNode1">
+    <dgm:fillClrLst meth="repeat">
+      <a:schemeClr val="accent1">
+        <a:alpha val="90000"/>
+        <a:tint val="40000"/>
+      </a:schemeClr>
+    </dgm:fillClrLst>
+    <dgm:linClrLst meth="repeat">
+      <a:schemeClr val="accent1">
+        <a:alpha val="90000"/>
+        <a:tint val="40000"/>
+      </a:schemeClr>
+    </dgm:linClrLst>
+    <dgm:effectClrLst/>
+    <dgm:txLinClrLst/>
+    <dgm:txFillClrLst meth="repeat">
+      <a:schemeClr val="dk1"/>
+    </dgm:txFillClrLst>
+    <dgm:txEffectClrLst/>
+  </dgm:styleLbl>
+  <dgm:styleLbl name="alignAccFollowNode1">
+    <dgm:fillClrLst meth="repeat">
+      <a:schemeClr val="accent1">
+        <a:alpha val="90000"/>
+        <a:tint val="40000"/>
+      </a:schemeClr>
+    </dgm:fillClrLst>
+    <dgm:linClrLst meth="repeat">
+      <a:schemeClr val="accent1">
+        <a:alpha val="90000"/>
+        <a:tint val="40000"/>
+      </a:schemeClr>
+    </dgm:linClrLst>
+    <dgm:effectClrLst/>
+    <dgm:txLinClrLst/>
+    <dgm:txFillClrLst meth="repeat">
+      <a:schemeClr val="dk1"/>
+    </dgm:txFillClrLst>
+    <dgm:txEffectClrLst/>
+  </dgm:styleLbl>
+  <dgm:styleLbl name="bgAccFollowNode1">
+    <dgm:fillClrLst meth="repeat">
+      <a:schemeClr val="accent1">
+        <a:alpha val="90000"/>
+        <a:tint val="40000"/>
+      </a:schemeClr>
+    </dgm:fillClrLst>
+    <dgm:linClrLst meth="repeat">
+      <a:schemeClr val="accent1">
+        <a:alpha val="90000"/>
+        <a:tint val="40000"/>
+      </a:schemeClr>
+    </dgm:linClrLst>
+    <dgm:effectClrLst/>
+    <dgm:txLinClrLst/>
+    <dgm:txFillClrLst meth="repeat">
+      <a:schemeClr val="dk1"/>
+    </dgm:txFillClrLst>
+    <dgm:txEffectClrLst/>
+  </dgm:styleLbl>
+  <dgm:styleLbl name="fgAcc0">
+    <dgm:fillClrLst meth="repeat">
+      <a:schemeClr val="lt1">
+        <a:alpha val="90000"/>
+      </a:schemeClr>
+    </dgm:fillClrLst>
+    <dgm:linClrLst meth="repeat">
+      <a:schemeClr val="accent1"/>
+    </dgm:linClrLst>
+    <dgm:effectClrLst/>
+    <dgm:txLinClrLst/>
+    <dgm:txFillClrLst meth="repeat">
+      <a:schemeClr val="dk1"/>
+    </dgm:txFillClrLst>
+    <dgm:txEffectClrLst/>
+  </dgm:styleLbl>
+  <dgm:styleLbl name="fgAcc2">
+    <dgm:fillClrLst meth="repeat">
+      <a:schemeClr val="lt1">
+        <a:alpha val="90000"/>
+      </a:schemeClr>
+    </dgm:fillClrLst>
+    <dgm:linClrLst meth="repeat">
+      <a:schemeClr val="accent1"/>
+    </dgm:linClrLst>
+    <dgm:effectClrLst/>
+    <dgm:txLinClrLst/>
+    <dgm:txFillClrLst meth="repeat">
+      <a:schemeClr val="dk1"/>
+    </dgm:txFillClrLst>
+    <dgm:txEffectClrLst/>
+  </dgm:styleLbl>
+  <dgm:styleLbl name="fgAcc3">
+    <dgm:fillClrLst meth="repeat">
+      <a:schemeClr val="lt1">
+        <a:alpha val="90000"/>
+      </a:schemeClr>
+    </dgm:fillClrLst>
+    <dgm:linClrLst meth="repeat">
+      <a:schemeClr val="accent1"/>
+    </dgm:linClrLst>
+    <dgm:effectClrLst/>
+    <dgm:txLinClrLst/>
+    <dgm:txFillClrLst meth="repeat">
+      <a:schemeClr val="dk1"/>
+    </dgm:txFillClrLst>
+    <dgm:txEffectClrLst/>
+  </dgm:styleLbl>
+  <dgm:styleLbl name="fgAcc4">
+    <dgm:fillClrLst meth="repeat">
+      <a:schemeClr val="lt1">
+        <a:alpha val="90000"/>
+      </a:schemeClr>
+    </dgm:fillClrLst>
+    <dgm:linClrLst meth="repeat">
+      <a:schemeClr val="accent1"/>
+    </dgm:linClrLst>
+    <dgm:effectClrLst/>
+    <dgm:txLinClrLst/>
+    <dgm:txFillClrLst meth="repeat">
+      <a:schemeClr val="dk1"/>
+    </dgm:txFillClrLst>
+    <dgm:txEffectClrLst/>
+  </dgm:styleLbl>
+  <dgm:styleLbl name="bgShp">
+    <dgm:fillClrLst meth="repeat">
+      <a:schemeClr val="accent1">
+        <a:tint val="40000"/>
+      </a:schemeClr>
+    </dgm:fillClrLst>
+    <dgm:linClrLst meth="repeat">
+      <a:schemeClr val="accent1"/>
+    </dgm:linClrLst>
+    <dgm:effectClrLst/>
+    <dgm:txLinClrLst/>
+    <dgm:txFillClrLst meth="repeat">
+      <a:schemeClr val="dk1"/>
+    </dgm:txFillClrLst>
+    <dgm:txEffectClrLst/>
+  </dgm:styleLbl>
+  <dgm:styleLbl name="dkBgShp">
+    <dgm:fillClrLst meth="repeat">
+      <a:schemeClr val="accent1">
+        <a:shade val="80000"/>
+      </a:schemeClr>
+    </dgm:fillClrLst>
+    <dgm:linClrLst meth="repeat">
+      <a:schemeClr val="accent1"/>
+    </dgm:linClrLst>
+    <dgm:effectClrLst/>
+    <dgm:txLinClrLst/>
+    <dgm:txFillClrLst meth="repeat">
+      <a:schemeClr val="lt1"/>
+    </dgm:txFillClrLst>
+    <dgm:txEffectClrLst/>
+  </dgm:styleLbl>
+  <dgm:styleLbl name="trBgShp">
+    <dgm:fillClrLst meth="repeat">
+      <a:schemeClr val="accent1">
+        <a:tint val="50000"/>
+        <a:alpha val="40000"/>
+      </a:schemeClr>
+    </dgm:fillClrLst>
+    <dgm:linClrLst meth="repeat">
+      <a:schemeClr val="accent1"/>
+    </dgm:linClrLst>
+    <dgm:effectClrLst/>
+    <dgm:txLinClrLst/>
+    <dgm:txFillClrLst meth="repeat">
+      <a:schemeClr val="lt1"/>
+    </dgm:txFillClrLst>
+    <dgm:txEffectClrLst/>
+  </dgm:styleLbl>
+  <dgm:styleLbl name="fgShp">
+    <dgm:fillClrLst meth="repeat">
+      <a:schemeClr val="accent1">
+        <a:tint val="60000"/>
+      </a:schemeClr>
+    </dgm:fillClrLst>
+    <dgm:linClrLst meth="repeat">
+      <a:schemeClr val="lt1"/>
+    </dgm:linClrLst>
+    <dgm:effectClrLst/>
+    <dgm:txLinClrLst/>
+    <dgm:txFillClrLst meth="repeat">
+      <a:schemeClr val="dk1"/>
+    </dgm:txFillClrLst>
+    <dgm:txEffectClrLst/>
+  </dgm:styleLbl>
+  <dgm:styleLbl name="revTx">
+    <dgm:fillClrLst meth="repeat">
+      <a:schemeClr val="lt1">
+        <a:alpha val="0"/>
+      </a:schemeClr>
+    </dgm:fillClrLst>
+    <dgm:linClrLst meth="repeat">
+      <a:schemeClr val="dk1">
+        <a:alpha val="0"/>
+      </a:schemeClr>
+    </dgm:linClrLst>
+    <dgm:effectClrLst/>
+    <dgm:txLinClrLst/>
+    <dgm:txFillClrLst meth="repeat">
+      <a:schemeClr val="tx1"/>
+    </dgm:txFillClrLst>
+    <dgm:txEffectClrLst/>
+  </dgm:styleLbl>
+</dgm:colorsDef>
+</file>
+
 <file path=ppt/diagrams/data1.xml><?xml version="1.0" encoding="utf-8"?>
+<dgm:dataModel xmlns:dgm="http://schemas.openxmlformats.org/drawingml/2006/diagram" xmlns:a="http://schemas.openxmlformats.org/drawingml/2006/main">
+  <dgm:ptLst>
+    <dgm:pt modelId="{2933585F-7ADF-4BF7-A694-9D9287B85990}" type="doc">
+      <dgm:prSet loTypeId="urn:microsoft.com/office/officeart/2005/8/layout/hierarchy4" loCatId="hierarchy" qsTypeId="urn:microsoft.com/office/officeart/2005/8/quickstyle/simple1" qsCatId="simple" csTypeId="urn:microsoft.com/office/officeart/2005/8/colors/accent1_2" csCatId="accent1" phldr="1"/>
+      <dgm:spPr/>
+      <dgm:t>
+        <a:bodyPr/>
+        <a:lstStyle/>
+        <a:p>
+          <a:endParaRPr lang="de-DE"/>
+        </a:p>
+      </dgm:t>
+    </dgm:pt>
+    <dgm:pt modelId="{3260534B-2362-49D5-B603-F3C5DDA5A76E}">
+      <dgm:prSet phldrT="[Text]"/>
+      <dgm:spPr>
+        <a:solidFill>
+          <a:srgbClr val="7030A0"/>
+        </a:solidFill>
+      </dgm:spPr>
+      <dgm:t>
+        <a:bodyPr/>
+        <a:lstStyle/>
+        <a:p>
+          <a:r>
+            <a:rPr lang="de-DE" dirty="0" smtClean="0"/>
+            <a:t>Verfolgte Strategien:</a:t>
+          </a:r>
+          <a:endParaRPr lang="de-DE" dirty="0"/>
+        </a:p>
+      </dgm:t>
+    </dgm:pt>
+    <dgm:pt modelId="{C9561E18-F16A-4167-BC8E-BA0AB7857166}" type="parTrans" cxnId="{C2F9FB6F-E96D-4FF9-BA80-D3A660D8C8CF}">
+      <dgm:prSet/>
+      <dgm:spPr/>
+      <dgm:t>
+        <a:bodyPr/>
+        <a:lstStyle/>
+        <a:p>
+          <a:endParaRPr lang="de-DE"/>
+        </a:p>
+      </dgm:t>
+    </dgm:pt>
+    <dgm:pt modelId="{8AE3F457-1D99-4BD1-98C8-B37C1E33FB74}" type="sibTrans" cxnId="{C2F9FB6F-E96D-4FF9-BA80-D3A660D8C8CF}">
+      <dgm:prSet/>
+      <dgm:spPr/>
+      <dgm:t>
+        <a:bodyPr/>
+        <a:lstStyle/>
+        <a:p>
+          <a:endParaRPr lang="de-DE"/>
+        </a:p>
+      </dgm:t>
+    </dgm:pt>
+    <dgm:pt modelId="{064344BF-BF5A-48D1-A9EE-D2D6CFEE7F86}">
+      <dgm:prSet phldrT="[Text]"/>
+      <dgm:spPr>
+        <a:solidFill>
+          <a:srgbClr val="7030A0"/>
+        </a:solidFill>
+      </dgm:spPr>
+      <dgm:t>
+        <a:bodyPr/>
+        <a:lstStyle/>
+        <a:p>
+          <a:r>
+            <a:rPr lang="de-DE" dirty="0" err="1" smtClean="0"/>
+            <a:t>Floor</a:t>
+          </a:r>
+          <a:r>
+            <a:rPr lang="de-DE" dirty="0" smtClean="0"/>
+            <a:t> </a:t>
+          </a:r>
+          <a:r>
+            <a:rPr lang="de-DE" dirty="0" err="1" smtClean="0"/>
+            <a:t>Pricing</a:t>
+          </a:r>
+          <a:endParaRPr lang="de-DE" dirty="0"/>
+        </a:p>
+      </dgm:t>
+    </dgm:pt>
+    <dgm:pt modelId="{90ED5F11-6A15-466B-93E5-DDBE4C6E80E9}" type="parTrans" cxnId="{0382A2DC-181C-47FF-A0C0-091D78F99608}">
+      <dgm:prSet/>
+      <dgm:spPr/>
+      <dgm:t>
+        <a:bodyPr/>
+        <a:lstStyle/>
+        <a:p>
+          <a:endParaRPr lang="de-DE"/>
+        </a:p>
+      </dgm:t>
+    </dgm:pt>
+    <dgm:pt modelId="{D596FDCF-45E4-429A-8086-2D4BE0E173B1}" type="sibTrans" cxnId="{0382A2DC-181C-47FF-A0C0-091D78F99608}">
+      <dgm:prSet/>
+      <dgm:spPr/>
+      <dgm:t>
+        <a:bodyPr/>
+        <a:lstStyle/>
+        <a:p>
+          <a:endParaRPr lang="de-DE"/>
+        </a:p>
+      </dgm:t>
+    </dgm:pt>
+    <dgm:pt modelId="{C43F9FA7-B2D1-46B9-8994-CA436F0F3722}">
+      <dgm:prSet phldrT="[Text]"/>
+      <dgm:spPr>
+        <a:solidFill>
+          <a:srgbClr val="7030A0"/>
+        </a:solidFill>
+      </dgm:spPr>
+      <dgm:t>
+        <a:bodyPr/>
+        <a:lstStyle/>
+        <a:p>
+          <a:r>
+            <a:rPr lang="de-DE" dirty="0" smtClean="0"/>
+            <a:t>Market Penetration</a:t>
+          </a:r>
+          <a:endParaRPr lang="de-DE" dirty="0"/>
+        </a:p>
+      </dgm:t>
+    </dgm:pt>
+    <dgm:pt modelId="{4B99385F-78E0-49B6-BA54-2A13AA8C5DA4}" type="parTrans" cxnId="{AD45B809-68DA-4753-A707-21B5D1576DCF}">
+      <dgm:prSet/>
+      <dgm:spPr/>
+      <dgm:t>
+        <a:bodyPr/>
+        <a:lstStyle/>
+        <a:p>
+          <a:endParaRPr lang="de-DE"/>
+        </a:p>
+      </dgm:t>
+    </dgm:pt>
+    <dgm:pt modelId="{FC1FAEFC-3AAA-4D15-83C5-F25CAEDE3082}" type="sibTrans" cxnId="{AD45B809-68DA-4753-A707-21B5D1576DCF}">
+      <dgm:prSet/>
+      <dgm:spPr/>
+      <dgm:t>
+        <a:bodyPr/>
+        <a:lstStyle/>
+        <a:p>
+          <a:endParaRPr lang="de-DE"/>
+        </a:p>
+      </dgm:t>
+    </dgm:pt>
+    <dgm:pt modelId="{8AB41211-16A8-4D78-A15A-80184A633E8A}" type="pres">
+      <dgm:prSet presAssocID="{2933585F-7ADF-4BF7-A694-9D9287B85990}" presName="Name0" presStyleCnt="0">
+        <dgm:presLayoutVars>
+          <dgm:chPref val="1"/>
+          <dgm:dir/>
+          <dgm:animOne val="branch"/>
+          <dgm:animLvl val="lvl"/>
+          <dgm:resizeHandles/>
+        </dgm:presLayoutVars>
+      </dgm:prSet>
+      <dgm:spPr/>
+    </dgm:pt>
+    <dgm:pt modelId="{7BBF2068-F9DE-4A04-A6E7-929693ADB531}" type="pres">
+      <dgm:prSet presAssocID="{3260534B-2362-49D5-B603-F3C5DDA5A76E}" presName="vertOne" presStyleCnt="0"/>
+      <dgm:spPr/>
+    </dgm:pt>
+    <dgm:pt modelId="{E4DA8B64-0DE8-462D-AC43-066E023FA82A}" type="pres">
+      <dgm:prSet presAssocID="{3260534B-2362-49D5-B603-F3C5DDA5A76E}" presName="txOne" presStyleLbl="node0" presStyleIdx="0" presStyleCnt="1">
+        <dgm:presLayoutVars>
+          <dgm:chPref val="3"/>
+        </dgm:presLayoutVars>
+      </dgm:prSet>
+      <dgm:spPr>
+        <a:prstGeom prst="rect">
+          <a:avLst/>
+        </a:prstGeom>
+      </dgm:spPr>
+    </dgm:pt>
+    <dgm:pt modelId="{5CFC86C0-921E-4BED-A9EA-744BA1B7E448}" type="pres">
+      <dgm:prSet presAssocID="{3260534B-2362-49D5-B603-F3C5DDA5A76E}" presName="parTransOne" presStyleCnt="0"/>
+      <dgm:spPr/>
+    </dgm:pt>
+    <dgm:pt modelId="{F1ADFC1B-C361-4A83-879A-20113CA190BC}" type="pres">
+      <dgm:prSet presAssocID="{3260534B-2362-49D5-B603-F3C5DDA5A76E}" presName="horzOne" presStyleCnt="0"/>
+      <dgm:spPr/>
+    </dgm:pt>
+    <dgm:pt modelId="{EFEAD1F9-58B8-4814-8E5A-ED553A5187D1}" type="pres">
+      <dgm:prSet presAssocID="{064344BF-BF5A-48D1-A9EE-D2D6CFEE7F86}" presName="vertTwo" presStyleCnt="0"/>
+      <dgm:spPr/>
+    </dgm:pt>
+    <dgm:pt modelId="{8A5F7483-D867-4B86-97C7-A7271ADC23B2}" type="pres">
+      <dgm:prSet presAssocID="{064344BF-BF5A-48D1-A9EE-D2D6CFEE7F86}" presName="txTwo" presStyleLbl="node2" presStyleIdx="0" presStyleCnt="2">
+        <dgm:presLayoutVars>
+          <dgm:chPref val="3"/>
+        </dgm:presLayoutVars>
+      </dgm:prSet>
+      <dgm:spPr>
+        <a:prstGeom prst="rect">
+          <a:avLst/>
+        </a:prstGeom>
+      </dgm:spPr>
+      <dgm:t>
+        <a:bodyPr/>
+        <a:lstStyle/>
+        <a:p>
+          <a:endParaRPr lang="de-DE"/>
+        </a:p>
+      </dgm:t>
+    </dgm:pt>
+    <dgm:pt modelId="{348AE0C1-855D-4FF8-9B61-ABA913F31053}" type="pres">
+      <dgm:prSet presAssocID="{064344BF-BF5A-48D1-A9EE-D2D6CFEE7F86}" presName="horzTwo" presStyleCnt="0"/>
+      <dgm:spPr/>
+    </dgm:pt>
+    <dgm:pt modelId="{8E09967C-3001-462F-8A32-B9F94B386F41}" type="pres">
+      <dgm:prSet presAssocID="{D596FDCF-45E4-429A-8086-2D4BE0E173B1}" presName="sibSpaceTwo" presStyleCnt="0"/>
+      <dgm:spPr/>
+    </dgm:pt>
+    <dgm:pt modelId="{D1CE6EDB-AFC1-4846-AFBA-6B7654CC2F20}" type="pres">
+      <dgm:prSet presAssocID="{C43F9FA7-B2D1-46B9-8994-CA436F0F3722}" presName="vertTwo" presStyleCnt="0"/>
+      <dgm:spPr/>
+    </dgm:pt>
+    <dgm:pt modelId="{EBF768BA-776B-4F27-87C4-5A8712738DCE}" type="pres">
+      <dgm:prSet presAssocID="{C43F9FA7-B2D1-46B9-8994-CA436F0F3722}" presName="txTwo" presStyleLbl="node2" presStyleIdx="1" presStyleCnt="2">
+        <dgm:presLayoutVars>
+          <dgm:chPref val="3"/>
+        </dgm:presLayoutVars>
+      </dgm:prSet>
+      <dgm:spPr>
+        <a:prstGeom prst="rect">
+          <a:avLst/>
+        </a:prstGeom>
+      </dgm:spPr>
+    </dgm:pt>
+    <dgm:pt modelId="{F7626EC4-C3B4-418A-A3BF-CD947B0DA4F5}" type="pres">
+      <dgm:prSet presAssocID="{C43F9FA7-B2D1-46B9-8994-CA436F0F3722}" presName="horzTwo" presStyleCnt="0"/>
+      <dgm:spPr/>
+    </dgm:pt>
+  </dgm:ptLst>
+  <dgm:cxnLst>
+    <dgm:cxn modelId="{0382A2DC-181C-47FF-A0C0-091D78F99608}" srcId="{3260534B-2362-49D5-B603-F3C5DDA5A76E}" destId="{064344BF-BF5A-48D1-A9EE-D2D6CFEE7F86}" srcOrd="0" destOrd="0" parTransId="{90ED5F11-6A15-466B-93E5-DDBE4C6E80E9}" sibTransId="{D596FDCF-45E4-429A-8086-2D4BE0E173B1}"/>
+    <dgm:cxn modelId="{AD45B809-68DA-4753-A707-21B5D1576DCF}" srcId="{3260534B-2362-49D5-B603-F3C5DDA5A76E}" destId="{C43F9FA7-B2D1-46B9-8994-CA436F0F3722}" srcOrd="1" destOrd="0" parTransId="{4B99385F-78E0-49B6-BA54-2A13AA8C5DA4}" sibTransId="{FC1FAEFC-3AAA-4D15-83C5-F25CAEDE3082}"/>
+    <dgm:cxn modelId="{33EDCE8B-1C37-4110-83B2-645DA402F6A6}" type="presOf" srcId="{064344BF-BF5A-48D1-A9EE-D2D6CFEE7F86}" destId="{8A5F7483-D867-4B86-97C7-A7271ADC23B2}" srcOrd="0" destOrd="0" presId="urn:microsoft.com/office/officeart/2005/8/layout/hierarchy4"/>
+    <dgm:cxn modelId="{BE9129AB-9626-4D92-A695-194C9A4A9B5C}" type="presOf" srcId="{3260534B-2362-49D5-B603-F3C5DDA5A76E}" destId="{E4DA8B64-0DE8-462D-AC43-066E023FA82A}" srcOrd="0" destOrd="0" presId="urn:microsoft.com/office/officeart/2005/8/layout/hierarchy4"/>
+    <dgm:cxn modelId="{BC4A6A34-8282-45C0-97A6-1F6BDE665FAC}" type="presOf" srcId="{2933585F-7ADF-4BF7-A694-9D9287B85990}" destId="{8AB41211-16A8-4D78-A15A-80184A633E8A}" srcOrd="0" destOrd="0" presId="urn:microsoft.com/office/officeart/2005/8/layout/hierarchy4"/>
+    <dgm:cxn modelId="{C2F9FB6F-E96D-4FF9-BA80-D3A660D8C8CF}" srcId="{2933585F-7ADF-4BF7-A694-9D9287B85990}" destId="{3260534B-2362-49D5-B603-F3C5DDA5A76E}" srcOrd="0" destOrd="0" parTransId="{C9561E18-F16A-4167-BC8E-BA0AB7857166}" sibTransId="{8AE3F457-1D99-4BD1-98C8-B37C1E33FB74}"/>
+    <dgm:cxn modelId="{D41AC8DF-4C2B-411D-82A7-AC272788EA50}" type="presOf" srcId="{C43F9FA7-B2D1-46B9-8994-CA436F0F3722}" destId="{EBF768BA-776B-4F27-87C4-5A8712738DCE}" srcOrd="0" destOrd="0" presId="urn:microsoft.com/office/officeart/2005/8/layout/hierarchy4"/>
+    <dgm:cxn modelId="{94328E63-4887-4C1E-B1E3-EE61643D40DD}" type="presParOf" srcId="{8AB41211-16A8-4D78-A15A-80184A633E8A}" destId="{7BBF2068-F9DE-4A04-A6E7-929693ADB531}" srcOrd="0" destOrd="0" presId="urn:microsoft.com/office/officeart/2005/8/layout/hierarchy4"/>
+    <dgm:cxn modelId="{42F6AF6B-9B8E-43A5-A182-3DEE95EA2902}" type="presParOf" srcId="{7BBF2068-F9DE-4A04-A6E7-929693ADB531}" destId="{E4DA8B64-0DE8-462D-AC43-066E023FA82A}" srcOrd="0" destOrd="0" presId="urn:microsoft.com/office/officeart/2005/8/layout/hierarchy4"/>
+    <dgm:cxn modelId="{1B90D312-64CD-463A-9D83-F6AFA3F997A1}" type="presParOf" srcId="{7BBF2068-F9DE-4A04-A6E7-929693ADB531}" destId="{5CFC86C0-921E-4BED-A9EA-744BA1B7E448}" srcOrd="1" destOrd="0" presId="urn:microsoft.com/office/officeart/2005/8/layout/hierarchy4"/>
+    <dgm:cxn modelId="{3CA20551-7D48-4D25-BF33-518126E8612A}" type="presParOf" srcId="{7BBF2068-F9DE-4A04-A6E7-929693ADB531}" destId="{F1ADFC1B-C361-4A83-879A-20113CA190BC}" srcOrd="2" destOrd="0" presId="urn:microsoft.com/office/officeart/2005/8/layout/hierarchy4"/>
+    <dgm:cxn modelId="{116C23EE-D8F3-491E-9EC1-7E5A619E466A}" type="presParOf" srcId="{F1ADFC1B-C361-4A83-879A-20113CA190BC}" destId="{EFEAD1F9-58B8-4814-8E5A-ED553A5187D1}" srcOrd="0" destOrd="0" presId="urn:microsoft.com/office/officeart/2005/8/layout/hierarchy4"/>
+    <dgm:cxn modelId="{69727908-1DBB-473D-A106-1EFDDD37BFB2}" type="presParOf" srcId="{EFEAD1F9-58B8-4814-8E5A-ED553A5187D1}" destId="{8A5F7483-D867-4B86-97C7-A7271ADC23B2}" srcOrd="0" destOrd="0" presId="urn:microsoft.com/office/officeart/2005/8/layout/hierarchy4"/>
+    <dgm:cxn modelId="{84E92800-495A-49DE-BD92-A25B9A41F25B}" type="presParOf" srcId="{EFEAD1F9-58B8-4814-8E5A-ED553A5187D1}" destId="{348AE0C1-855D-4FF8-9B61-ABA913F31053}" srcOrd="1" destOrd="0" presId="urn:microsoft.com/office/officeart/2005/8/layout/hierarchy4"/>
+    <dgm:cxn modelId="{C37AD3E2-44FE-4C83-A135-312267D2D38B}" type="presParOf" srcId="{F1ADFC1B-C361-4A83-879A-20113CA190BC}" destId="{8E09967C-3001-462F-8A32-B9F94B386F41}" srcOrd="1" destOrd="0" presId="urn:microsoft.com/office/officeart/2005/8/layout/hierarchy4"/>
+    <dgm:cxn modelId="{AD6D639F-B0F0-4CA6-A1B4-D26FEF1C12E8}" type="presParOf" srcId="{F1ADFC1B-C361-4A83-879A-20113CA190BC}" destId="{D1CE6EDB-AFC1-4846-AFBA-6B7654CC2F20}" srcOrd="2" destOrd="0" presId="urn:microsoft.com/office/officeart/2005/8/layout/hierarchy4"/>
+    <dgm:cxn modelId="{ECABC589-FCA7-4FC5-A266-04B44988D2D5}" type="presParOf" srcId="{D1CE6EDB-AFC1-4846-AFBA-6B7654CC2F20}" destId="{EBF768BA-776B-4F27-87C4-5A8712738DCE}" srcOrd="0" destOrd="0" presId="urn:microsoft.com/office/officeart/2005/8/layout/hierarchy4"/>
+    <dgm:cxn modelId="{020734A8-FA1B-4DB3-B8A4-B830B1CD88CB}" type="presParOf" srcId="{D1CE6EDB-AFC1-4846-AFBA-6B7654CC2F20}" destId="{F7626EC4-C3B4-418A-A3BF-CD947B0DA4F5}" srcOrd="1" destOrd="0" presId="urn:microsoft.com/office/officeart/2005/8/layout/hierarchy4"/>
+  </dgm:cxnLst>
+  <dgm:bg/>
+  <dgm:whole/>
+  <dgm:extLst>
+    <a:ext uri="http://schemas.microsoft.com/office/drawing/2008/diagram">
+      <dsp:dataModelExt xmlns:dsp="http://schemas.microsoft.com/office/drawing/2008/diagram" relId="rId6" minVer="http://schemas.openxmlformats.org/drawingml/2006/diagram"/>
+    </a:ext>
+  </dgm:extLst>
+</dgm:dataModel>
+</file>
+
+<file path=ppt/diagrams/data2.xml><?xml version="1.0" encoding="utf-8"?>
 <dgm:dataModel xmlns:dgm="http://schemas.openxmlformats.org/drawingml/2006/diagram" xmlns:a="http://schemas.openxmlformats.org/drawingml/2006/main">
   <dgm:ptLst>
     <dgm:pt modelId="{4B331ADE-99F9-474A-A89A-9902D8D43452}" type="doc">
@@ -1934,7 +2913,7 @@
       <dgm:spPr/>
     </dgm:pt>
     <dgm:pt modelId="{8EF3D869-E30E-4B62-9123-076A8948CE18}" type="pres">
-      <dgm:prSet presAssocID="{D0FCAB48-853D-458F-A48E-D60FA2C5EFD7}" presName="bullet3a" presStyleLbl="node1" presStyleIdx="0" presStyleCnt="3"/>
+      <dgm:prSet presAssocID="{D0FCAB48-853D-458F-A48E-D60FA2C5EFD7}" presName="bullet3a" presStyleLbl="node1" presStyleIdx="0" presStyleCnt="3" custLinFactNeighborX="54743" custLinFactNeighborY="59238"/>
       <dgm:spPr>
         <a:solidFill>
           <a:srgbClr val="482E76"/>
@@ -2038,11 +3017,1121 @@
       <dsp:cNvGrpSpPr/>
     </dsp:nvGrpSpPr>
     <dsp:grpSpPr/>
+    <dsp:sp modelId="{E4DA8B64-0DE8-462D-AC43-066E023FA82A}">
+      <dsp:nvSpPr>
+        <dsp:cNvPr id="0" name=""/>
+        <dsp:cNvSpPr/>
+      </dsp:nvSpPr>
+      <dsp:spPr>
+        <a:xfrm>
+          <a:off x="2604" y="415"/>
+          <a:ext cx="7049551" cy="696292"/>
+        </a:xfrm>
+        <a:prstGeom prst="rect">
+          <a:avLst/>
+        </a:prstGeom>
+        <a:solidFill>
+          <a:srgbClr val="7030A0"/>
+        </a:solidFill>
+        <a:ln w="12700" cap="flat" cmpd="sng" algn="ctr">
+          <a:solidFill>
+            <a:schemeClr val="lt1">
+              <a:hueOff val="0"/>
+              <a:satOff val="0"/>
+              <a:lumOff val="0"/>
+              <a:alphaOff val="0"/>
+            </a:schemeClr>
+          </a:solidFill>
+          <a:prstDash val="solid"/>
+          <a:miter lim="800000"/>
+        </a:ln>
+        <a:effectLst/>
+      </dsp:spPr>
+      <dsp:style>
+        <a:lnRef idx="2">
+          <a:scrgbClr r="0" g="0" b="0"/>
+        </a:lnRef>
+        <a:fillRef idx="1">
+          <a:scrgbClr r="0" g="0" b="0"/>
+        </a:fillRef>
+        <a:effectRef idx="0">
+          <a:scrgbClr r="0" g="0" b="0"/>
+        </a:effectRef>
+        <a:fontRef idx="minor">
+          <a:schemeClr val="lt1"/>
+        </a:fontRef>
+      </dsp:style>
+      <dsp:txBody>
+        <a:bodyPr spcFirstLastPara="0" vert="horz" wrap="square" lIns="121920" tIns="121920" rIns="121920" bIns="121920" numCol="1" spcCol="1270" anchor="ctr" anchorCtr="0">
+          <a:noAutofit/>
+        </a:bodyPr>
+        <a:lstStyle/>
+        <a:p>
+          <a:pPr lvl="0" algn="ctr" defTabSz="1422400">
+            <a:lnSpc>
+              <a:spcPct val="90000"/>
+            </a:lnSpc>
+            <a:spcBef>
+              <a:spcPct val="0"/>
+            </a:spcBef>
+            <a:spcAft>
+              <a:spcPct val="35000"/>
+            </a:spcAft>
+          </a:pPr>
+          <a:r>
+            <a:rPr lang="de-DE" sz="3200" kern="1200" dirty="0" smtClean="0"/>
+            <a:t>Verfolgte Strategien:</a:t>
+          </a:r>
+          <a:endParaRPr lang="de-DE" sz="3200" kern="1200" dirty="0"/>
+        </a:p>
+      </dsp:txBody>
+      <dsp:txXfrm>
+        <a:off x="2604" y="415"/>
+        <a:ext cx="7049551" cy="696292"/>
+      </dsp:txXfrm>
+    </dsp:sp>
+    <dsp:sp modelId="{8A5F7483-D867-4B86-97C7-A7271ADC23B2}">
+      <dsp:nvSpPr>
+        <dsp:cNvPr id="0" name=""/>
+        <dsp:cNvSpPr/>
+      </dsp:nvSpPr>
+      <dsp:spPr>
+        <a:xfrm>
+          <a:off x="2604" y="872056"/>
+          <a:ext cx="3382702" cy="696292"/>
+        </a:xfrm>
+        <a:prstGeom prst="rect">
+          <a:avLst/>
+        </a:prstGeom>
+        <a:solidFill>
+          <a:srgbClr val="7030A0"/>
+        </a:solidFill>
+        <a:ln w="12700" cap="flat" cmpd="sng" algn="ctr">
+          <a:solidFill>
+            <a:schemeClr val="lt1">
+              <a:hueOff val="0"/>
+              <a:satOff val="0"/>
+              <a:lumOff val="0"/>
+              <a:alphaOff val="0"/>
+            </a:schemeClr>
+          </a:solidFill>
+          <a:prstDash val="solid"/>
+          <a:miter lim="800000"/>
+        </a:ln>
+        <a:effectLst/>
+      </dsp:spPr>
+      <dsp:style>
+        <a:lnRef idx="2">
+          <a:scrgbClr r="0" g="0" b="0"/>
+        </a:lnRef>
+        <a:fillRef idx="1">
+          <a:scrgbClr r="0" g="0" b="0"/>
+        </a:fillRef>
+        <a:effectRef idx="0">
+          <a:scrgbClr r="0" g="0" b="0"/>
+        </a:effectRef>
+        <a:fontRef idx="minor">
+          <a:schemeClr val="lt1"/>
+        </a:fontRef>
+      </dsp:style>
+      <dsp:txBody>
+        <a:bodyPr spcFirstLastPara="0" vert="horz" wrap="square" lIns="118110" tIns="118110" rIns="118110" bIns="118110" numCol="1" spcCol="1270" anchor="ctr" anchorCtr="0">
+          <a:noAutofit/>
+        </a:bodyPr>
+        <a:lstStyle/>
+        <a:p>
+          <a:pPr lvl="0" algn="ctr" defTabSz="1377950">
+            <a:lnSpc>
+              <a:spcPct val="90000"/>
+            </a:lnSpc>
+            <a:spcBef>
+              <a:spcPct val="0"/>
+            </a:spcBef>
+            <a:spcAft>
+              <a:spcPct val="35000"/>
+            </a:spcAft>
+          </a:pPr>
+          <a:r>
+            <a:rPr lang="de-DE" sz="3100" kern="1200" dirty="0" err="1" smtClean="0"/>
+            <a:t>Floor</a:t>
+          </a:r>
+          <a:r>
+            <a:rPr lang="de-DE" sz="3100" kern="1200" dirty="0" smtClean="0"/>
+            <a:t> </a:t>
+          </a:r>
+          <a:r>
+            <a:rPr lang="de-DE" sz="3100" kern="1200" dirty="0" err="1" smtClean="0"/>
+            <a:t>Pricing</a:t>
+          </a:r>
+          <a:endParaRPr lang="de-DE" sz="3100" kern="1200" dirty="0"/>
+        </a:p>
+      </dsp:txBody>
+      <dsp:txXfrm>
+        <a:off x="2604" y="872056"/>
+        <a:ext cx="3382702" cy="696292"/>
+      </dsp:txXfrm>
+    </dsp:sp>
+    <dsp:sp modelId="{EBF768BA-776B-4F27-87C4-5A8712738DCE}">
+      <dsp:nvSpPr>
+        <dsp:cNvPr id="0" name=""/>
+        <dsp:cNvSpPr/>
+      </dsp:nvSpPr>
+      <dsp:spPr>
+        <a:xfrm>
+          <a:off x="3669453" y="872056"/>
+          <a:ext cx="3382702" cy="696292"/>
+        </a:xfrm>
+        <a:prstGeom prst="rect">
+          <a:avLst/>
+        </a:prstGeom>
+        <a:solidFill>
+          <a:srgbClr val="7030A0"/>
+        </a:solidFill>
+        <a:ln w="12700" cap="flat" cmpd="sng" algn="ctr">
+          <a:solidFill>
+            <a:schemeClr val="lt1">
+              <a:hueOff val="0"/>
+              <a:satOff val="0"/>
+              <a:lumOff val="0"/>
+              <a:alphaOff val="0"/>
+            </a:schemeClr>
+          </a:solidFill>
+          <a:prstDash val="solid"/>
+          <a:miter lim="800000"/>
+        </a:ln>
+        <a:effectLst/>
+      </dsp:spPr>
+      <dsp:style>
+        <a:lnRef idx="2">
+          <a:scrgbClr r="0" g="0" b="0"/>
+        </a:lnRef>
+        <a:fillRef idx="1">
+          <a:scrgbClr r="0" g="0" b="0"/>
+        </a:fillRef>
+        <a:effectRef idx="0">
+          <a:scrgbClr r="0" g="0" b="0"/>
+        </a:effectRef>
+        <a:fontRef idx="minor">
+          <a:schemeClr val="lt1"/>
+        </a:fontRef>
+      </dsp:style>
+      <dsp:txBody>
+        <a:bodyPr spcFirstLastPara="0" vert="horz" wrap="square" lIns="118110" tIns="118110" rIns="118110" bIns="118110" numCol="1" spcCol="1270" anchor="ctr" anchorCtr="0">
+          <a:noAutofit/>
+        </a:bodyPr>
+        <a:lstStyle/>
+        <a:p>
+          <a:pPr lvl="0" algn="ctr" defTabSz="1377950">
+            <a:lnSpc>
+              <a:spcPct val="90000"/>
+            </a:lnSpc>
+            <a:spcBef>
+              <a:spcPct val="0"/>
+            </a:spcBef>
+            <a:spcAft>
+              <a:spcPct val="35000"/>
+            </a:spcAft>
+          </a:pPr>
+          <a:r>
+            <a:rPr lang="de-DE" sz="3100" kern="1200" dirty="0" smtClean="0"/>
+            <a:t>Market Penetration</a:t>
+          </a:r>
+          <a:endParaRPr lang="de-DE" sz="3100" kern="1200" dirty="0"/>
+        </a:p>
+      </dsp:txBody>
+      <dsp:txXfrm>
+        <a:off x="3669453" y="872056"/>
+        <a:ext cx="3382702" cy="696292"/>
+      </dsp:txXfrm>
+    </dsp:sp>
+  </dsp:spTree>
+</dsp:drawing>
+</file>
+
+<file path=ppt/diagrams/drawing2.xml><?xml version="1.0" encoding="utf-8"?>
+<dsp:drawing xmlns:dgm="http://schemas.openxmlformats.org/drawingml/2006/diagram" xmlns:dsp="http://schemas.microsoft.com/office/drawing/2008/diagram" xmlns:a="http://schemas.openxmlformats.org/drawingml/2006/main">
+  <dsp:spTree>
+    <dsp:nvGrpSpPr>
+      <dsp:cNvPr id="0" name=""/>
+      <dsp:cNvGrpSpPr/>
+    </dsp:nvGrpSpPr>
+    <dsp:grpSpPr/>
+    <dsp:sp modelId="{2C105717-CB27-4C08-882A-FB91DFAED314}">
+      <dsp:nvSpPr>
+        <dsp:cNvPr id="0" name=""/>
+        <dsp:cNvSpPr/>
+      </dsp:nvSpPr>
+      <dsp:spPr>
+        <a:xfrm>
+          <a:off x="381933" y="-74002"/>
+          <a:ext cx="6252563" cy="4328957"/>
+        </a:xfrm>
+        <a:prstGeom prst="swooshArrow">
+          <a:avLst>
+            <a:gd name="adj1" fmla="val 25000"/>
+            <a:gd name="adj2" fmla="val 25000"/>
+          </a:avLst>
+        </a:prstGeom>
+        <a:solidFill>
+          <a:srgbClr val="7030A0"/>
+        </a:solidFill>
+        <a:ln>
+          <a:noFill/>
+        </a:ln>
+        <a:effectLst/>
+      </dsp:spPr>
+      <dsp:style>
+        <a:lnRef idx="0">
+          <a:scrgbClr r="0" g="0" b="0"/>
+        </a:lnRef>
+        <a:fillRef idx="1">
+          <a:scrgbClr r="0" g="0" b="0"/>
+        </a:fillRef>
+        <a:effectRef idx="0">
+          <a:scrgbClr r="0" g="0" b="0"/>
+        </a:effectRef>
+        <a:fontRef idx="minor"/>
+      </dsp:style>
+    </dsp:sp>
+    <dsp:sp modelId="{8EF3D869-E30E-4B62-9123-076A8948CE18}">
+      <dsp:nvSpPr>
+        <dsp:cNvPr id="0" name=""/>
+        <dsp:cNvSpPr/>
+      </dsp:nvSpPr>
+      <dsp:spPr>
+        <a:xfrm>
+          <a:off x="1108236" y="2988724"/>
+          <a:ext cx="173927" cy="173927"/>
+        </a:xfrm>
+        <a:prstGeom prst="ellipse">
+          <a:avLst/>
+        </a:prstGeom>
+        <a:solidFill>
+          <a:srgbClr val="482E76"/>
+        </a:solidFill>
+        <a:ln w="19050" cap="flat" cmpd="sng" algn="ctr">
+          <a:solidFill>
+            <a:schemeClr val="lt1">
+              <a:hueOff val="0"/>
+              <a:satOff val="0"/>
+              <a:lumOff val="0"/>
+              <a:alphaOff val="0"/>
+            </a:schemeClr>
+          </a:solidFill>
+          <a:prstDash val="solid"/>
+          <a:miter lim="800000"/>
+        </a:ln>
+        <a:effectLst/>
+      </dsp:spPr>
+      <dsp:style>
+        <a:lnRef idx="3">
+          <a:scrgbClr r="0" g="0" b="0"/>
+        </a:lnRef>
+        <a:fillRef idx="1">
+          <a:scrgbClr r="0" g="0" b="0"/>
+        </a:fillRef>
+        <a:effectRef idx="1">
+          <a:scrgbClr r="0" g="0" b="0"/>
+        </a:effectRef>
+        <a:fontRef idx="minor">
+          <a:schemeClr val="lt1"/>
+        </a:fontRef>
+      </dsp:style>
+    </dsp:sp>
+    <dsp:sp modelId="{E97FD5CA-5413-4B34-A32E-E94573D81ED5}">
+      <dsp:nvSpPr>
+        <dsp:cNvPr id="0" name=""/>
+        <dsp:cNvSpPr/>
+      </dsp:nvSpPr>
+      <dsp:spPr>
+        <a:xfrm>
+          <a:off x="1425832" y="2972656"/>
+          <a:ext cx="4093989" cy="1208295"/>
+        </a:xfrm>
+        <a:prstGeom prst="rect">
+          <a:avLst/>
+        </a:prstGeom>
+        <a:noFill/>
+        <a:ln>
+          <a:noFill/>
+        </a:ln>
+        <a:effectLst/>
+      </dsp:spPr>
+      <dsp:style>
+        <a:lnRef idx="0">
+          <a:scrgbClr r="0" g="0" b="0"/>
+        </a:lnRef>
+        <a:fillRef idx="0">
+          <a:scrgbClr r="0" g="0" b="0"/>
+        </a:fillRef>
+        <a:effectRef idx="0">
+          <a:scrgbClr r="0" g="0" b="0"/>
+        </a:effectRef>
+        <a:fontRef idx="minor"/>
+      </dsp:style>
+      <dsp:txBody>
+        <a:bodyPr spcFirstLastPara="0" vert="horz" wrap="square" lIns="92161" tIns="0" rIns="0" bIns="0" numCol="1" spcCol="1270" anchor="t" anchorCtr="0">
+          <a:noAutofit/>
+        </a:bodyPr>
+        <a:lstStyle/>
+        <a:p>
+          <a:pPr lvl="0" algn="l" defTabSz="1066800">
+            <a:lnSpc>
+              <a:spcPct val="90000"/>
+            </a:lnSpc>
+            <a:spcBef>
+              <a:spcPct val="0"/>
+            </a:spcBef>
+            <a:spcAft>
+              <a:spcPct val="35000"/>
+            </a:spcAft>
+          </a:pPr>
+          <a:r>
+            <a:rPr lang="de-DE" sz="2400" kern="1200" dirty="0"/>
+            <a:t>Sicherstellung der Validität der HTML-Seite</a:t>
+          </a:r>
+        </a:p>
+      </dsp:txBody>
+      <dsp:txXfrm>
+        <a:off x="1425832" y="2972656"/>
+        <a:ext cx="4093989" cy="1208295"/>
+      </dsp:txXfrm>
+    </dsp:sp>
+    <dsp:sp modelId="{093ECE9E-BE56-446E-AC86-697C7AA3AD8B}">
+      <dsp:nvSpPr>
+        <dsp:cNvPr id="0" name=""/>
+        <dsp:cNvSpPr/>
+      </dsp:nvSpPr>
+      <dsp:spPr>
+        <a:xfrm>
+          <a:off x="2548269" y="1749310"/>
+          <a:ext cx="314407" cy="314407"/>
+        </a:xfrm>
+        <a:prstGeom prst="ellipse">
+          <a:avLst/>
+        </a:prstGeom>
+        <a:solidFill>
+          <a:srgbClr val="482E76"/>
+        </a:solidFill>
+        <a:ln w="19050" cap="flat" cmpd="sng" algn="ctr">
+          <a:solidFill>
+            <a:schemeClr val="lt1">
+              <a:hueOff val="0"/>
+              <a:satOff val="0"/>
+              <a:lumOff val="0"/>
+              <a:alphaOff val="0"/>
+            </a:schemeClr>
+          </a:solidFill>
+          <a:prstDash val="solid"/>
+          <a:miter lim="800000"/>
+        </a:ln>
+        <a:effectLst/>
+      </dsp:spPr>
+      <dsp:style>
+        <a:lnRef idx="3">
+          <a:scrgbClr r="0" g="0" b="0"/>
+        </a:lnRef>
+        <a:fillRef idx="1">
+          <a:scrgbClr r="0" g="0" b="0"/>
+        </a:fillRef>
+        <a:effectRef idx="1">
+          <a:scrgbClr r="0" g="0" b="0"/>
+        </a:effectRef>
+        <a:fontRef idx="minor">
+          <a:schemeClr val="lt1"/>
+        </a:fontRef>
+      </dsp:style>
+    </dsp:sp>
+    <dsp:sp modelId="{88794B32-F397-47BE-9D4C-0CFDD6DD1CD9}">
+      <dsp:nvSpPr>
+        <dsp:cNvPr id="0" name=""/>
+        <dsp:cNvSpPr/>
+      </dsp:nvSpPr>
+      <dsp:spPr>
+        <a:xfrm>
+          <a:off x="197808" y="1054373"/>
+          <a:ext cx="3252537" cy="856553"/>
+        </a:xfrm>
+        <a:prstGeom prst="rect">
+          <a:avLst/>
+        </a:prstGeom>
+        <a:noFill/>
+        <a:ln>
+          <a:noFill/>
+        </a:ln>
+        <a:effectLst/>
+      </dsp:spPr>
+      <dsp:style>
+        <a:lnRef idx="0">
+          <a:scrgbClr r="0" g="0" b="0"/>
+        </a:lnRef>
+        <a:fillRef idx="0">
+          <a:scrgbClr r="0" g="0" b="0"/>
+        </a:fillRef>
+        <a:effectRef idx="0">
+          <a:scrgbClr r="0" g="0" b="0"/>
+        </a:effectRef>
+        <a:fontRef idx="minor"/>
+      </dsp:style>
+      <dsp:txBody>
+        <a:bodyPr spcFirstLastPara="0" vert="horz" wrap="square" lIns="166598" tIns="0" rIns="0" bIns="0" numCol="1" spcCol="1270" anchor="t" anchorCtr="0">
+          <a:noAutofit/>
+        </a:bodyPr>
+        <a:lstStyle/>
+        <a:p>
+          <a:pPr lvl="0" algn="l" defTabSz="1066800">
+            <a:lnSpc>
+              <a:spcPct val="90000"/>
+            </a:lnSpc>
+            <a:spcBef>
+              <a:spcPct val="0"/>
+            </a:spcBef>
+            <a:spcAft>
+              <a:spcPct val="35000"/>
+            </a:spcAft>
+          </a:pPr>
+          <a:r>
+            <a:rPr lang="de-DE" sz="2400" i="1" kern="1200" dirty="0"/>
+            <a:t>Google-AdWords-Keyword-Tools</a:t>
+          </a:r>
+        </a:p>
+      </dsp:txBody>
+      <dsp:txXfrm>
+        <a:off x="197808" y="1054373"/>
+        <a:ext cx="3252537" cy="856553"/>
+      </dsp:txXfrm>
+    </dsp:sp>
+    <dsp:sp modelId="{F8A11955-2252-4939-B5DB-B40E439251AD}">
+      <dsp:nvSpPr>
+        <dsp:cNvPr id="0" name=""/>
+        <dsp:cNvSpPr/>
+      </dsp:nvSpPr>
+      <dsp:spPr>
+        <a:xfrm>
+          <a:off x="4394577" y="1057780"/>
+          <a:ext cx="434819" cy="434819"/>
+        </a:xfrm>
+        <a:prstGeom prst="ellipse">
+          <a:avLst/>
+        </a:prstGeom>
+        <a:solidFill>
+          <a:srgbClr val="482E76"/>
+        </a:solidFill>
+        <a:ln w="19050" cap="flat" cmpd="sng" algn="ctr">
+          <a:solidFill>
+            <a:schemeClr val="lt1">
+              <a:hueOff val="0"/>
+              <a:satOff val="0"/>
+              <a:lumOff val="0"/>
+              <a:alphaOff val="0"/>
+            </a:schemeClr>
+          </a:solidFill>
+          <a:prstDash val="solid"/>
+          <a:miter lim="800000"/>
+        </a:ln>
+        <a:effectLst/>
+      </dsp:spPr>
+      <dsp:style>
+        <a:lnRef idx="3">
+          <a:scrgbClr r="0" g="0" b="0"/>
+        </a:lnRef>
+        <a:fillRef idx="1">
+          <a:scrgbClr r="0" g="0" b="0"/>
+        </a:fillRef>
+        <a:effectRef idx="1">
+          <a:scrgbClr r="0" g="0" b="0"/>
+        </a:effectRef>
+        <a:fontRef idx="minor">
+          <a:schemeClr val="lt1"/>
+        </a:fontRef>
+      </dsp:style>
+    </dsp:sp>
+    <dsp:sp modelId="{A45B65FC-998A-4DA5-868B-C79B7C6522BA}">
+      <dsp:nvSpPr>
+        <dsp:cNvPr id="0" name=""/>
+        <dsp:cNvSpPr/>
+      </dsp:nvSpPr>
+      <dsp:spPr>
+        <a:xfrm>
+          <a:off x="3694925" y="1951099"/>
+          <a:ext cx="3381553" cy="1242736"/>
+        </a:xfrm>
+        <a:prstGeom prst="rect">
+          <a:avLst/>
+        </a:prstGeom>
+        <a:noFill/>
+        <a:ln>
+          <a:noFill/>
+        </a:ln>
+        <a:effectLst/>
+      </dsp:spPr>
+      <dsp:style>
+        <a:lnRef idx="0">
+          <a:scrgbClr r="0" g="0" b="0"/>
+        </a:lnRef>
+        <a:fillRef idx="0">
+          <a:scrgbClr r="0" g="0" b="0"/>
+        </a:fillRef>
+        <a:effectRef idx="0">
+          <a:scrgbClr r="0" g="0" b="0"/>
+        </a:effectRef>
+        <a:fontRef idx="minor"/>
+      </dsp:style>
+      <dsp:txBody>
+        <a:bodyPr spcFirstLastPara="0" vert="horz" wrap="square" lIns="230402" tIns="0" rIns="0" bIns="0" numCol="1" spcCol="1270" anchor="t" anchorCtr="0">
+          <a:noAutofit/>
+        </a:bodyPr>
+        <a:lstStyle/>
+        <a:p>
+          <a:pPr lvl="0" algn="l" defTabSz="1066800">
+            <a:lnSpc>
+              <a:spcPct val="90000"/>
+            </a:lnSpc>
+            <a:spcBef>
+              <a:spcPct val="0"/>
+            </a:spcBef>
+            <a:spcAft>
+              <a:spcPct val="35000"/>
+            </a:spcAft>
+          </a:pPr>
+          <a:r>
+            <a:rPr lang="de-DE" sz="2400" kern="1200" dirty="0"/>
+            <a:t>Optimierung des Seiteninhalts</a:t>
+          </a:r>
+        </a:p>
+      </dsp:txBody>
+      <dsp:txXfrm>
+        <a:off x="3694925" y="1951099"/>
+        <a:ext cx="3381553" cy="1242736"/>
+      </dsp:txXfrm>
+    </dsp:sp>
   </dsp:spTree>
 </dsp:drawing>
 </file>
 
 <file path=ppt/diagrams/layout1.xml><?xml version="1.0" encoding="utf-8"?>
+<dgm:layoutDef xmlns:dgm="http://schemas.openxmlformats.org/drawingml/2006/diagram" xmlns:a="http://schemas.openxmlformats.org/drawingml/2006/main" uniqueId="urn:microsoft.com/office/officeart/2005/8/layout/hierarchy4">
+  <dgm:title val=""/>
+  <dgm:desc val=""/>
+  <dgm:catLst>
+    <dgm:cat type="hierarchy" pri="4000"/>
+    <dgm:cat type="list" pri="24000"/>
+    <dgm:cat type="relationship" pri="10000"/>
+  </dgm:catLst>
+  <dgm:sampData>
+    <dgm:dataModel>
+      <dgm:ptLst>
+        <dgm:pt modelId="0" type="doc"/>
+        <dgm:pt modelId="1">
+          <dgm:prSet phldr="1"/>
+        </dgm:pt>
+        <dgm:pt modelId="2">
+          <dgm:prSet phldr="1"/>
+        </dgm:pt>
+        <dgm:pt modelId="21">
+          <dgm:prSet phldr="1"/>
+        </dgm:pt>
+        <dgm:pt modelId="22">
+          <dgm:prSet phldr="1"/>
+        </dgm:pt>
+        <dgm:pt modelId="3">
+          <dgm:prSet phldr="1"/>
+        </dgm:pt>
+        <dgm:pt modelId="31">
+          <dgm:prSet phldr="1"/>
+        </dgm:pt>
+      </dgm:ptLst>
+      <dgm:cxnLst>
+        <dgm:cxn modelId="4" srcId="0" destId="1" srcOrd="0" destOrd="0"/>
+        <dgm:cxn modelId="5" srcId="1" destId="2" srcOrd="0" destOrd="0"/>
+        <dgm:cxn modelId="6" srcId="1" destId="3" srcOrd="1" destOrd="0"/>
+        <dgm:cxn modelId="23" srcId="2" destId="21" srcOrd="0" destOrd="0"/>
+        <dgm:cxn modelId="24" srcId="2" destId="22" srcOrd="1" destOrd="0"/>
+        <dgm:cxn modelId="33" srcId="3" destId="31" srcOrd="0" destOrd="0"/>
+      </dgm:cxnLst>
+      <dgm:bg/>
+      <dgm:whole/>
+    </dgm:dataModel>
+  </dgm:sampData>
+  <dgm:styleData>
+    <dgm:dataModel>
+      <dgm:ptLst>
+        <dgm:pt modelId="0" type="doc"/>
+        <dgm:pt modelId="1"/>
+        <dgm:pt modelId="11"/>
+        <dgm:pt modelId="12"/>
+      </dgm:ptLst>
+      <dgm:cxnLst>
+        <dgm:cxn modelId="2" srcId="0" destId="1" srcOrd="0" destOrd="0"/>
+        <dgm:cxn modelId="13" srcId="1" destId="11" srcOrd="0" destOrd="0"/>
+        <dgm:cxn modelId="14" srcId="1" destId="12" srcOrd="1" destOrd="0"/>
+      </dgm:cxnLst>
+      <dgm:bg/>
+      <dgm:whole/>
+    </dgm:dataModel>
+  </dgm:styleData>
+  <dgm:clrData>
+    <dgm:dataModel>
+      <dgm:ptLst>
+        <dgm:pt modelId="0" type="doc"/>
+        <dgm:pt modelId="1"/>
+        <dgm:pt modelId="2"/>
+        <dgm:pt modelId="21"/>
+        <dgm:pt modelId="211"/>
+        <dgm:pt modelId="3"/>
+        <dgm:pt modelId="31"/>
+        <dgm:pt modelId="311"/>
+      </dgm:ptLst>
+      <dgm:cxnLst>
+        <dgm:cxn modelId="4" srcId="0" destId="1" srcOrd="0" destOrd="0"/>
+        <dgm:cxn modelId="5" srcId="1" destId="2" srcOrd="0" destOrd="0"/>
+        <dgm:cxn modelId="6" srcId="1" destId="3" srcOrd="1" destOrd="0"/>
+        <dgm:cxn modelId="23" srcId="2" destId="21" srcOrd="0" destOrd="0"/>
+        <dgm:cxn modelId="24" srcId="21" destId="211" srcOrd="0" destOrd="0"/>
+        <dgm:cxn modelId="33" srcId="3" destId="31" srcOrd="0" destOrd="0"/>
+        <dgm:cxn modelId="34" srcId="31" destId="311" srcOrd="0" destOrd="0"/>
+      </dgm:cxnLst>
+      <dgm:bg/>
+      <dgm:whole/>
+    </dgm:dataModel>
+  </dgm:clrData>
+  <dgm:layoutNode name="Name0">
+    <dgm:varLst>
+      <dgm:chPref val="1"/>
+      <dgm:dir/>
+      <dgm:animOne val="branch"/>
+      <dgm:animLvl val="lvl"/>
+      <dgm:resizeHandles/>
+    </dgm:varLst>
+    <dgm:choose name="Name1">
+      <dgm:if name="Name2" func="var" arg="dir" op="equ" val="norm">
+        <dgm:alg type="lin">
+          <dgm:param type="linDir" val="fromL"/>
+          <dgm:param type="nodeVertAlign" val="t"/>
+        </dgm:alg>
+      </dgm:if>
+      <dgm:else name="Name3">
+        <dgm:alg type="lin">
+          <dgm:param type="linDir" val="fromR"/>
+          <dgm:param type="nodeVertAlign" val="t"/>
+        </dgm:alg>
+      </dgm:else>
+    </dgm:choose>
+    <dgm:shape xmlns:r="http://schemas.openxmlformats.org/officeDocument/2006/relationships" r:blip="">
+      <dgm:adjLst/>
+    </dgm:shape>
+    <dgm:presOf/>
+    <dgm:constrLst>
+      <dgm:constr type="w" for="ch" forName="vertOne" refType="w"/>
+      <dgm:constr type="w" for="des" forName="horzOne" refType="w"/>
+      <dgm:constr type="w" for="des" forName="txOne" refType="w"/>
+      <dgm:constr type="w" for="des" forName="vertTwo" refType="w"/>
+      <dgm:constr type="w" for="des" forName="horzTwo" refType="w"/>
+      <dgm:constr type="w" for="des" forName="txTwo" refType="w"/>
+      <dgm:constr type="w" for="des" forName="vertThree" refType="w"/>
+      <dgm:constr type="w" for="des" forName="horzThree" refType="w"/>
+      <dgm:constr type="w" for="des" forName="txThree" refType="w"/>
+      <dgm:constr type="w" for="des" forName="vertFour" refType="w"/>
+      <dgm:constr type="w" for="des" forName="horzFour" refType="w"/>
+      <dgm:constr type="w" for="des" forName="txFour" refType="w"/>
+      <dgm:constr type="h" for="des" ptType="node" op="equ"/>
+      <dgm:constr type="h" for="des" forName="txOne" refType="h"/>
+      <dgm:constr type="userH" for="des" ptType="node" refType="h" refFor="des" refForName="txOne"/>
+      <dgm:constr type="primFontSz" for="des" forName="txOne" val="65"/>
+      <dgm:constr type="primFontSz" for="des" forName="txTwo" val="65"/>
+      <dgm:constr type="primFontSz" for="des" forName="txTwo" refType="primFontSz" refFor="des" refForName="txOne" op="lte"/>
+      <dgm:constr type="primFontSz" for="des" forName="txThree" val="65"/>
+      <dgm:constr type="primFontSz" for="des" forName="txThree" refType="primFontSz" refFor="des" refForName="txOne" op="lte"/>
+      <dgm:constr type="primFontSz" for="des" forName="txThree" refType="primFontSz" refFor="des" refForName="txTwo" op="lte"/>
+      <dgm:constr type="primFontSz" for="des" forName="txFour" val="65"/>
+      <dgm:constr type="primFontSz" for="des" forName="txFour" refType="primFontSz" refFor="des" refForName="txOne" op="lte"/>
+      <dgm:constr type="primFontSz" for="des" forName="txFour" refType="primFontSz" refFor="des" refForName="txTwo" op="lte"/>
+      <dgm:constr type="primFontSz" for="des" forName="txFour" refType="primFontSz" refFor="des" refForName="txThree" op="lte"/>
+      <dgm:constr type="w" for="des" forName="sibSpaceOne" refType="w" fact="0.168"/>
+      <dgm:constr type="w" for="des" forName="sibSpaceTwo" refType="w" refFor="des" refForName="sibSpaceOne" op="equ" fact="0.5"/>
+      <dgm:constr type="w" for="des" forName="sibSpaceThree" refType="w" refFor="des" refForName="sibSpaceTwo" op="equ" fact="0.5"/>
+      <dgm:constr type="w" for="des" forName="sibSpaceFour" refType="w" refFor="des" refForName="sibSpaceThree" op="equ" fact="0.5"/>
+      <dgm:constr type="h" for="des" forName="parTransOne" refType="w" fact="0.056"/>
+      <dgm:constr type="h" for="des" forName="parTransTwo" refType="h" refFor="des" refForName="parTransOne" op="equ"/>
+      <dgm:constr type="h" for="des" forName="parTransThree" refType="h" refFor="des" refForName="parTransTwo" op="equ"/>
+      <dgm:constr type="h" for="des" forName="parTransFour" refType="h" refFor="des" refForName="parTransThree" op="equ"/>
+    </dgm:constrLst>
+    <dgm:ruleLst/>
+    <dgm:forEach name="Name4" axis="ch" ptType="node">
+      <dgm:layoutNode name="vertOne">
+        <dgm:alg type="lin">
+          <dgm:param type="linDir" val="fromT"/>
+        </dgm:alg>
+        <dgm:shape xmlns:r="http://schemas.openxmlformats.org/officeDocument/2006/relationships" r:blip="">
+          <dgm:adjLst/>
+        </dgm:shape>
+        <dgm:presOf/>
+        <dgm:constrLst>
+          <dgm:constr type="w" for="ch" forName="txOne" refType="w" refFor="ch" refForName="horzOne" op="gte"/>
+        </dgm:constrLst>
+        <dgm:ruleLst/>
+        <dgm:layoutNode name="txOne" styleLbl="node0">
+          <dgm:varLst>
+            <dgm:chPref val="3"/>
+          </dgm:varLst>
+          <dgm:alg type="tx"/>
+          <dgm:shape xmlns:r="http://schemas.openxmlformats.org/officeDocument/2006/relationships" type="roundRect" r:blip="">
+            <dgm:adjLst>
+              <dgm:adj idx="1" val="0.1"/>
+            </dgm:adjLst>
+          </dgm:shape>
+          <dgm:presOf axis="self"/>
+          <dgm:constrLst>
+            <dgm:constr type="tMarg" refType="primFontSz" fact="0.3"/>
+            <dgm:constr type="bMarg" refType="primFontSz" fact="0.3"/>
+            <dgm:constr type="lMarg" refType="primFontSz" fact="0.3"/>
+            <dgm:constr type="rMarg" refType="primFontSz" fact="0.3"/>
+          </dgm:constrLst>
+          <dgm:ruleLst>
+            <dgm:rule type="primFontSz" val="5" fact="NaN" max="NaN"/>
+          </dgm:ruleLst>
+        </dgm:layoutNode>
+        <dgm:choose name="Name5">
+          <dgm:if name="Name6" axis="des" ptType="node" func="cnt" op="gt" val="0">
+            <dgm:layoutNode name="parTransOne">
+              <dgm:alg type="sp"/>
+              <dgm:shape xmlns:r="http://schemas.openxmlformats.org/officeDocument/2006/relationships" r:blip="">
+                <dgm:adjLst/>
+              </dgm:shape>
+              <dgm:presOf/>
+              <dgm:constrLst/>
+              <dgm:ruleLst/>
+            </dgm:layoutNode>
+          </dgm:if>
+          <dgm:else name="Name7"/>
+        </dgm:choose>
+        <dgm:layoutNode name="horzOne">
+          <dgm:choose name="Name8">
+            <dgm:if name="Name9" func="var" arg="dir" op="equ" val="norm">
+              <dgm:alg type="lin">
+                <dgm:param type="linDir" val="fromL"/>
+                <dgm:param type="nodeVertAlign" val="t"/>
+              </dgm:alg>
+            </dgm:if>
+            <dgm:else name="Name10">
+              <dgm:alg type="lin">
+                <dgm:param type="linDir" val="fromR"/>
+                <dgm:param type="nodeVertAlign" val="t"/>
+              </dgm:alg>
+            </dgm:else>
+          </dgm:choose>
+          <dgm:shape xmlns:r="http://schemas.openxmlformats.org/officeDocument/2006/relationships" r:blip="">
+            <dgm:adjLst/>
+          </dgm:shape>
+          <dgm:presOf/>
+          <dgm:constrLst/>
+          <dgm:ruleLst>
+            <dgm:rule type="w" val="INF" fact="NaN" max="NaN"/>
+          </dgm:ruleLst>
+          <dgm:forEach name="Name11" axis="ch" ptType="node">
+            <dgm:layoutNode name="vertTwo">
+              <dgm:alg type="lin">
+                <dgm:param type="linDir" val="fromT"/>
+              </dgm:alg>
+              <dgm:shape xmlns:r="http://schemas.openxmlformats.org/officeDocument/2006/relationships" r:blip="">
+                <dgm:adjLst/>
+              </dgm:shape>
+              <dgm:presOf/>
+              <dgm:constrLst>
+                <dgm:constr type="w" for="ch" forName="txTwo" refType="w" refFor="ch" refForName="horzTwo" op="gte"/>
+              </dgm:constrLst>
+              <dgm:ruleLst/>
+              <dgm:layoutNode name="txTwo">
+                <dgm:varLst>
+                  <dgm:chPref val="3"/>
+                </dgm:varLst>
+                <dgm:alg type="tx"/>
+                <dgm:shape xmlns:r="http://schemas.openxmlformats.org/officeDocument/2006/relationships" type="roundRect" r:blip="">
+                  <dgm:adjLst>
+                    <dgm:adj idx="1" val="0.1"/>
+                  </dgm:adjLst>
+                </dgm:shape>
+                <dgm:presOf axis="self"/>
+                <dgm:constrLst>
+                  <dgm:constr type="userH"/>
+                  <dgm:constr type="h" refType="userH"/>
+                  <dgm:constr type="tMarg" refType="primFontSz" fact="0.3"/>
+                  <dgm:constr type="bMarg" refType="primFontSz" fact="0.3"/>
+                  <dgm:constr type="lMarg" refType="primFontSz" fact="0.3"/>
+                  <dgm:constr type="rMarg" refType="primFontSz" fact="0.3"/>
+                </dgm:constrLst>
+                <dgm:ruleLst>
+                  <dgm:rule type="primFontSz" val="5" fact="NaN" max="NaN"/>
+                </dgm:ruleLst>
+              </dgm:layoutNode>
+              <dgm:choose name="Name12">
+                <dgm:if name="Name13" axis="des" ptType="node" func="cnt" op="gt" val="0">
+                  <dgm:layoutNode name="parTransTwo">
+                    <dgm:alg type="sp"/>
+                    <dgm:shape xmlns:r="http://schemas.openxmlformats.org/officeDocument/2006/relationships" r:blip="">
+                      <dgm:adjLst/>
+                    </dgm:shape>
+                    <dgm:presOf/>
+                    <dgm:constrLst/>
+                    <dgm:ruleLst/>
+                  </dgm:layoutNode>
+                </dgm:if>
+                <dgm:else name="Name14"/>
+              </dgm:choose>
+              <dgm:layoutNode name="horzTwo">
+                <dgm:choose name="Name15">
+                  <dgm:if name="Name16" func="var" arg="dir" op="equ" val="norm">
+                    <dgm:alg type="lin">
+                      <dgm:param type="linDir" val="fromL"/>
+                      <dgm:param type="nodeVertAlign" val="t"/>
+                    </dgm:alg>
+                  </dgm:if>
+                  <dgm:else name="Name17">
+                    <dgm:alg type="lin">
+                      <dgm:param type="linDir" val="fromR"/>
+                      <dgm:param type="nodeVertAlign" val="t"/>
+                    </dgm:alg>
+                  </dgm:else>
+                </dgm:choose>
+                <dgm:shape xmlns:r="http://schemas.openxmlformats.org/officeDocument/2006/relationships" r:blip="">
+                  <dgm:adjLst/>
+                </dgm:shape>
+                <dgm:presOf/>
+                <dgm:constrLst/>
+                <dgm:ruleLst>
+                  <dgm:rule type="w" val="INF" fact="NaN" max="NaN"/>
+                </dgm:ruleLst>
+                <dgm:forEach name="Name18" axis="ch" ptType="node">
+                  <dgm:layoutNode name="vertThree">
+                    <dgm:alg type="lin">
+                      <dgm:param type="linDir" val="fromT"/>
+                    </dgm:alg>
+                    <dgm:shape xmlns:r="http://schemas.openxmlformats.org/officeDocument/2006/relationships" r:blip="">
+                      <dgm:adjLst/>
+                    </dgm:shape>
+                    <dgm:presOf/>
+                    <dgm:constrLst>
+                      <dgm:constr type="w" for="ch" forName="txThree" refType="w" refFor="ch" refForName="horzThree" op="gte"/>
+                    </dgm:constrLst>
+                    <dgm:ruleLst/>
+                    <dgm:layoutNode name="txThree">
+                      <dgm:varLst>
+                        <dgm:chPref val="3"/>
+                      </dgm:varLst>
+                      <dgm:alg type="tx"/>
+                      <dgm:shape xmlns:r="http://schemas.openxmlformats.org/officeDocument/2006/relationships" type="roundRect" r:blip="">
+                        <dgm:adjLst>
+                          <dgm:adj idx="1" val="0.1"/>
+                        </dgm:adjLst>
+                      </dgm:shape>
+                      <dgm:presOf axis="self"/>
+                      <dgm:constrLst>
+                        <dgm:constr type="userH"/>
+                        <dgm:constr type="h" refType="userH"/>
+                        <dgm:constr type="tMarg" refType="primFontSz" fact="0.3"/>
+                        <dgm:constr type="bMarg" refType="primFontSz" fact="0.3"/>
+                        <dgm:constr type="lMarg" refType="primFontSz" fact="0.3"/>
+                        <dgm:constr type="rMarg" refType="primFontSz" fact="0.3"/>
+                      </dgm:constrLst>
+                      <dgm:ruleLst>
+                        <dgm:rule type="primFontSz" val="5" fact="NaN" max="NaN"/>
+                      </dgm:ruleLst>
+                    </dgm:layoutNode>
+                    <dgm:choose name="Name19">
+                      <dgm:if name="Name20" axis="des" ptType="node" func="cnt" op="gt" val="0">
+                        <dgm:layoutNode name="parTransThree">
+                          <dgm:alg type="sp"/>
+                          <dgm:shape xmlns:r="http://schemas.openxmlformats.org/officeDocument/2006/relationships" r:blip="">
+                            <dgm:adjLst/>
+                          </dgm:shape>
+                          <dgm:presOf/>
+                          <dgm:constrLst/>
+                          <dgm:ruleLst/>
+                        </dgm:layoutNode>
+                      </dgm:if>
+                      <dgm:else name="Name21"/>
+                    </dgm:choose>
+                    <dgm:layoutNode name="horzThree">
+                      <dgm:choose name="Name22">
+                        <dgm:if name="Name23" func="var" arg="dir" op="equ" val="norm">
+                          <dgm:alg type="lin">
+                            <dgm:param type="linDir" val="fromL"/>
+                            <dgm:param type="nodeVertAlign" val="t"/>
+                          </dgm:alg>
+                        </dgm:if>
+                        <dgm:else name="Name24">
+                          <dgm:alg type="lin">
+                            <dgm:param type="linDir" val="fromR"/>
+                            <dgm:param type="nodeVertAlign" val="t"/>
+                          </dgm:alg>
+                        </dgm:else>
+                      </dgm:choose>
+                      <dgm:shape xmlns:r="http://schemas.openxmlformats.org/officeDocument/2006/relationships" r:blip="">
+                        <dgm:adjLst/>
+                      </dgm:shape>
+                      <dgm:presOf/>
+                      <dgm:constrLst/>
+                      <dgm:ruleLst>
+                        <dgm:rule type="w" val="INF" fact="NaN" max="NaN"/>
+                      </dgm:ruleLst>
+                      <dgm:forEach name="repeat" axis="ch" ptType="node">
+                        <dgm:layoutNode name="vertFour">
+                          <dgm:varLst>
+                            <dgm:chPref val="3"/>
+                          </dgm:varLst>
+                          <dgm:alg type="lin">
+                            <dgm:param type="linDir" val="fromT"/>
+                          </dgm:alg>
+                          <dgm:shape xmlns:r="http://schemas.openxmlformats.org/officeDocument/2006/relationships" r:blip="">
+                            <dgm:adjLst/>
+                          </dgm:shape>
+                          <dgm:presOf/>
+                          <dgm:constrLst>
+                            <dgm:constr type="w" for="ch" forName="txFour" refType="w" refFor="ch" refForName="horzFour" op="gte"/>
+                          </dgm:constrLst>
+                          <dgm:ruleLst/>
+                          <dgm:layoutNode name="txFour">
+                            <dgm:varLst>
+                              <dgm:chPref val="3"/>
+                            </dgm:varLst>
+                            <dgm:alg type="tx"/>
+                            <dgm:shape xmlns:r="http://schemas.openxmlformats.org/officeDocument/2006/relationships" type="roundRect" r:blip="">
+                              <dgm:adjLst>
+                                <dgm:adj idx="1" val="0.1"/>
+                              </dgm:adjLst>
+                            </dgm:shape>
+                            <dgm:presOf axis="self"/>
+                            <dgm:constrLst>
+                              <dgm:constr type="userH"/>
+                              <dgm:constr type="h" refType="userH"/>
+                              <dgm:constr type="tMarg" refType="primFontSz" fact="0.3"/>
+                              <dgm:constr type="bMarg" refType="primFontSz" fact="0.3"/>
+                              <dgm:constr type="lMarg" refType="primFontSz" fact="0.3"/>
+                              <dgm:constr type="rMarg" refType="primFontSz" fact="0.3"/>
+                            </dgm:constrLst>
+                            <dgm:ruleLst>
+                              <dgm:rule type="primFontSz" val="5" fact="NaN" max="NaN"/>
+                            </dgm:ruleLst>
+                          </dgm:layoutNode>
+                          <dgm:choose name="Name25">
+                            <dgm:if name="Name26" axis="des" ptType="node" func="cnt" op="gt" val="0">
+                              <dgm:layoutNode name="parTransFour">
+                                <dgm:alg type="sp"/>
+                                <dgm:shape xmlns:r="http://schemas.openxmlformats.org/officeDocument/2006/relationships" r:blip="">
+                                  <dgm:adjLst/>
+                                </dgm:shape>
+                                <dgm:presOf/>
+                                <dgm:constrLst/>
+                                <dgm:ruleLst/>
+                              </dgm:layoutNode>
+                            </dgm:if>
+                            <dgm:else name="Name27"/>
+                          </dgm:choose>
+                          <dgm:layoutNode name="horzFour">
+                            <dgm:choose name="Name28">
+                              <dgm:if name="Name29" func="var" arg="dir" op="equ" val="norm">
+                                <dgm:alg type="lin">
+                                  <dgm:param type="linDir" val="fromL"/>
+                                  <dgm:param type="nodeVertAlign" val="t"/>
+                                </dgm:alg>
+                              </dgm:if>
+                              <dgm:else name="Name30">
+                                <dgm:alg type="lin">
+                                  <dgm:param type="linDir" val="fromR"/>
+                                  <dgm:param type="nodeVertAlign" val="t"/>
+                                </dgm:alg>
+                              </dgm:else>
+                            </dgm:choose>
+                            <dgm:shape xmlns:r="http://schemas.openxmlformats.org/officeDocument/2006/relationships" r:blip="">
+                              <dgm:adjLst/>
+                            </dgm:shape>
+                            <dgm:presOf/>
+                            <dgm:constrLst/>
+                            <dgm:ruleLst>
+                              <dgm:rule type="w" val="INF" fact="NaN" max="NaN"/>
+                            </dgm:ruleLst>
+                            <dgm:forEach name="Name31" ref="repeat"/>
+                          </dgm:layoutNode>
+                        </dgm:layoutNode>
+                        <dgm:choose name="Name32">
+                          <dgm:if name="Name33" axis="self" ptType="node" func="revPos" op="gte" val="2">
+                            <dgm:forEach name="Name34" axis="followSib" ptType="sibTrans" cnt="1">
+                              <dgm:layoutNode name="sibSpaceFour">
+                                <dgm:alg type="sp"/>
+                                <dgm:shape xmlns:r="http://schemas.openxmlformats.org/officeDocument/2006/relationships" r:blip="">
+                                  <dgm:adjLst/>
+                                </dgm:shape>
+                                <dgm:presOf/>
+                                <dgm:constrLst/>
+                                <dgm:ruleLst/>
+                              </dgm:layoutNode>
+                            </dgm:forEach>
+                          </dgm:if>
+                          <dgm:else name="Name35"/>
+                        </dgm:choose>
+                      </dgm:forEach>
+                    </dgm:layoutNode>
+                  </dgm:layoutNode>
+                  <dgm:choose name="Name36">
+                    <dgm:if name="Name37" axis="self" ptType="node" func="revPos" op="gte" val="2">
+                      <dgm:forEach name="Name38" axis="followSib" ptType="sibTrans" cnt="1">
+                        <dgm:layoutNode name="sibSpaceThree">
+                          <dgm:alg type="sp"/>
+                          <dgm:shape xmlns:r="http://schemas.openxmlformats.org/officeDocument/2006/relationships" r:blip="">
+                            <dgm:adjLst/>
+                          </dgm:shape>
+                          <dgm:presOf/>
+                          <dgm:constrLst/>
+                          <dgm:ruleLst/>
+                        </dgm:layoutNode>
+                      </dgm:forEach>
+                    </dgm:if>
+                    <dgm:else name="Name39"/>
+                  </dgm:choose>
+                </dgm:forEach>
+              </dgm:layoutNode>
+            </dgm:layoutNode>
+            <dgm:choose name="Name40">
+              <dgm:if name="Name41" axis="self" ptType="node" func="revPos" op="gte" val="2">
+                <dgm:forEach name="Name42" axis="followSib" ptType="sibTrans" cnt="1">
+                  <dgm:layoutNode name="sibSpaceTwo">
+                    <dgm:alg type="sp"/>
+                    <dgm:shape xmlns:r="http://schemas.openxmlformats.org/officeDocument/2006/relationships" r:blip="">
+                      <dgm:adjLst/>
+                    </dgm:shape>
+                    <dgm:presOf/>
+                    <dgm:constrLst/>
+                    <dgm:ruleLst/>
+                  </dgm:layoutNode>
+                </dgm:forEach>
+              </dgm:if>
+              <dgm:else name="Name43"/>
+            </dgm:choose>
+          </dgm:forEach>
+        </dgm:layoutNode>
+      </dgm:layoutNode>
+      <dgm:choose name="Name44">
+        <dgm:if name="Name45" axis="self" ptType="node" func="revPos" op="gte" val="2">
+          <dgm:forEach name="Name46" axis="followSib" ptType="sibTrans" cnt="1">
+            <dgm:layoutNode name="sibSpaceOne">
+              <dgm:alg type="sp"/>
+              <dgm:shape xmlns:r="http://schemas.openxmlformats.org/officeDocument/2006/relationships" r:blip="">
+                <dgm:adjLst/>
+              </dgm:shape>
+              <dgm:presOf/>
+              <dgm:constrLst/>
+              <dgm:ruleLst/>
+            </dgm:layoutNode>
+          </dgm:forEach>
+        </dgm:if>
+        <dgm:else name="Name47"/>
+      </dgm:choose>
+    </dgm:forEach>
+  </dgm:layoutNode>
+</dgm:layoutDef>
+</file>
+
+<file path=ppt/diagrams/layout2.xml><?xml version="1.0" encoding="utf-8"?>
 <dgm:layoutDef xmlns:dgm="http://schemas.openxmlformats.org/drawingml/2006/diagram" xmlns:a="http://schemas.openxmlformats.org/drawingml/2006/main" uniqueId="urn:microsoft.com/office/officeart/2005/8/layout/arrow2">
   <dgm:title val=""/>
   <dgm:desc val=""/>
@@ -3688,6 +5777,1040 @@
 </file>
 
 <file path=ppt/diagrams/quickStyle1.xml><?xml version="1.0" encoding="utf-8"?>
+<dgm:styleDef xmlns:dgm="http://schemas.openxmlformats.org/drawingml/2006/diagram" xmlns:a="http://schemas.openxmlformats.org/drawingml/2006/main" uniqueId="urn:microsoft.com/office/officeart/2005/8/quickstyle/simple1">
+  <dgm:title val=""/>
+  <dgm:desc val=""/>
+  <dgm:catLst>
+    <dgm:cat type="simple" pri="10100"/>
+  </dgm:catLst>
+  <dgm:scene3d>
+    <a:camera prst="orthographicFront"/>
+    <a:lightRig rig="threePt" dir="t"/>
+  </dgm:scene3d>
+  <dgm:styleLbl name="node0">
+    <dgm:scene3d>
+      <a:camera prst="orthographicFront"/>
+      <a:lightRig rig="threePt" dir="t"/>
+    </dgm:scene3d>
+    <dgm:sp3d/>
+    <dgm:txPr/>
+    <dgm:style>
+      <a:lnRef idx="2">
+        <a:scrgbClr r="0" g="0" b="0"/>
+      </a:lnRef>
+      <a:fillRef idx="1">
+        <a:scrgbClr r="0" g="0" b="0"/>
+      </a:fillRef>
+      <a:effectRef idx="0">
+        <a:scrgbClr r="0" g="0" b="0"/>
+      </a:effectRef>
+      <a:fontRef idx="minor">
+        <a:schemeClr val="lt1"/>
+      </a:fontRef>
+    </dgm:style>
+  </dgm:styleLbl>
+  <dgm:styleLbl name="lnNode1">
+    <dgm:scene3d>
+      <a:camera prst="orthographicFront"/>
+      <a:lightRig rig="threePt" dir="t"/>
+    </dgm:scene3d>
+    <dgm:sp3d/>
+    <dgm:txPr/>
+    <dgm:style>
+      <a:lnRef idx="2">
+        <a:scrgbClr r="0" g="0" b="0"/>
+      </a:lnRef>
+      <a:fillRef idx="1">
+        <a:scrgbClr r="0" g="0" b="0"/>
+      </a:fillRef>
+      <a:effectRef idx="0">
+        <a:scrgbClr r="0" g="0" b="0"/>
+      </a:effectRef>
+      <a:fontRef idx="minor">
+        <a:schemeClr val="lt1"/>
+      </a:fontRef>
+    </dgm:style>
+  </dgm:styleLbl>
+  <dgm:styleLbl name="vennNode1">
+    <dgm:scene3d>
+      <a:camera prst="orthographicFront"/>
+      <a:lightRig rig="threePt" dir="t"/>
+    </dgm:scene3d>
+    <dgm:sp3d/>
+    <dgm:txPr/>
+    <dgm:style>
+      <a:lnRef idx="2">
+        <a:scrgbClr r="0" g="0" b="0"/>
+      </a:lnRef>
+      <a:fillRef idx="1">
+        <a:scrgbClr r="0" g="0" b="0"/>
+      </a:fillRef>
+      <a:effectRef idx="0">
+        <a:scrgbClr r="0" g="0" b="0"/>
+      </a:effectRef>
+      <a:fontRef idx="minor">
+        <a:schemeClr val="tx1"/>
+      </a:fontRef>
+    </dgm:style>
+  </dgm:styleLbl>
+  <dgm:styleLbl name="alignNode1">
+    <dgm:scene3d>
+      <a:camera prst="orthographicFront"/>
+      <a:lightRig rig="threePt" dir="t"/>
+    </dgm:scene3d>
+    <dgm:sp3d/>
+    <dgm:txPr/>
+    <dgm:style>
+      <a:lnRef idx="2">
+        <a:scrgbClr r="0" g="0" b="0"/>
+      </a:lnRef>
+      <a:fillRef idx="1">
+        <a:scrgbClr r="0" g="0" b="0"/>
+      </a:fillRef>
+      <a:effectRef idx="0">
+        <a:scrgbClr r="0" g="0" b="0"/>
+      </a:effectRef>
+      <a:fontRef idx="minor">
+        <a:schemeClr val="lt1"/>
+      </a:fontRef>
+    </dgm:style>
+  </dgm:styleLbl>
+  <dgm:styleLbl name="node1">
+    <dgm:scene3d>
+      <a:camera prst="orthographicFront"/>
+      <a:lightRig rig="threePt" dir="t"/>
+    </dgm:scene3d>
+    <dgm:sp3d/>
+    <dgm:txPr/>
+    <dgm:style>
+      <a:lnRef idx="2">
+        <a:scrgbClr r="0" g="0" b="0"/>
+      </a:lnRef>
+      <a:fillRef idx="1">
+        <a:scrgbClr r="0" g="0" b="0"/>
+      </a:fillRef>
+      <a:effectRef idx="0">
+        <a:scrgbClr r="0" g="0" b="0"/>
+      </a:effectRef>
+      <a:fontRef idx="minor">
+        <a:schemeClr val="lt1"/>
+      </a:fontRef>
+    </dgm:style>
+  </dgm:styleLbl>
+  <dgm:styleLbl name="node2">
+    <dgm:scene3d>
+      <a:camera prst="orthographicFront"/>
+      <a:lightRig rig="threePt" dir="t"/>
+    </dgm:scene3d>
+    <dgm:sp3d/>
+    <dgm:txPr/>
+    <dgm:style>
+      <a:lnRef idx="2">
+        <a:scrgbClr r="0" g="0" b="0"/>
+      </a:lnRef>
+      <a:fillRef idx="1">
+        <a:scrgbClr r="0" g="0" b="0"/>
+      </a:fillRef>
+      <a:effectRef idx="0">
+        <a:scrgbClr r="0" g="0" b="0"/>
+      </a:effectRef>
+      <a:fontRef idx="minor">
+        <a:schemeClr val="lt1"/>
+      </a:fontRef>
+    </dgm:style>
+  </dgm:styleLbl>
+  <dgm:styleLbl name="node3">
+    <dgm:scene3d>
+      <a:camera prst="orthographicFront"/>
+      <a:lightRig rig="threePt" dir="t"/>
+    </dgm:scene3d>
+    <dgm:sp3d/>
+    <dgm:txPr/>
+    <dgm:style>
+      <a:lnRef idx="2">
+        <a:scrgbClr r="0" g="0" b="0"/>
+      </a:lnRef>
+      <a:fillRef idx="1">
+        <a:scrgbClr r="0" g="0" b="0"/>
+      </a:fillRef>
+      <a:effectRef idx="0">
+        <a:scrgbClr r="0" g="0" b="0"/>
+      </a:effectRef>
+      <a:fontRef idx="minor">
+        <a:schemeClr val="lt1"/>
+      </a:fontRef>
+    </dgm:style>
+  </dgm:styleLbl>
+  <dgm:styleLbl name="node4">
+    <dgm:scene3d>
+      <a:camera prst="orthographicFront"/>
+      <a:lightRig rig="threePt" dir="t"/>
+    </dgm:scene3d>
+    <dgm:sp3d/>
+    <dgm:txPr/>
+    <dgm:style>
+      <a:lnRef idx="2">
+        <a:scrgbClr r="0" g="0" b="0"/>
+      </a:lnRef>
+      <a:fillRef idx="1">
+        <a:scrgbClr r="0" g="0" b="0"/>
+      </a:fillRef>
+      <a:effectRef idx="0">
+        <a:scrgbClr r="0" g="0" b="0"/>
+      </a:effectRef>
+      <a:fontRef idx="minor">
+        <a:schemeClr val="lt1"/>
+      </a:fontRef>
+    </dgm:style>
+  </dgm:styleLbl>
+  <dgm:styleLbl name="fgImgPlace1">
+    <dgm:scene3d>
+      <a:camera prst="orthographicFront"/>
+      <a:lightRig rig="threePt" dir="t"/>
+    </dgm:scene3d>
+    <dgm:sp3d/>
+    <dgm:txPr/>
+    <dgm:style>
+      <a:lnRef idx="2">
+        <a:scrgbClr r="0" g="0" b="0"/>
+      </a:lnRef>
+      <a:fillRef idx="1">
+        <a:scrgbClr r="0" g="0" b="0"/>
+      </a:fillRef>
+      <a:effectRef idx="0">
+        <a:scrgbClr r="0" g="0" b="0"/>
+      </a:effectRef>
+      <a:fontRef idx="minor"/>
+    </dgm:style>
+  </dgm:styleLbl>
+  <dgm:styleLbl name="alignImgPlace1">
+    <dgm:scene3d>
+      <a:camera prst="orthographicFront"/>
+      <a:lightRig rig="threePt" dir="t"/>
+    </dgm:scene3d>
+    <dgm:sp3d/>
+    <dgm:txPr/>
+    <dgm:style>
+      <a:lnRef idx="2">
+        <a:scrgbClr r="0" g="0" b="0"/>
+      </a:lnRef>
+      <a:fillRef idx="1">
+        <a:scrgbClr r="0" g="0" b="0"/>
+      </a:fillRef>
+      <a:effectRef idx="0">
+        <a:scrgbClr r="0" g="0" b="0"/>
+      </a:effectRef>
+      <a:fontRef idx="minor"/>
+    </dgm:style>
+  </dgm:styleLbl>
+  <dgm:styleLbl name="bgImgPlace1">
+    <dgm:scene3d>
+      <a:camera prst="orthographicFront"/>
+      <a:lightRig rig="threePt" dir="t"/>
+    </dgm:scene3d>
+    <dgm:sp3d/>
+    <dgm:txPr/>
+    <dgm:style>
+      <a:lnRef idx="2">
+        <a:scrgbClr r="0" g="0" b="0"/>
+      </a:lnRef>
+      <a:fillRef idx="1">
+        <a:scrgbClr r="0" g="0" b="0"/>
+      </a:fillRef>
+      <a:effectRef idx="0">
+        <a:scrgbClr r="0" g="0" b="0"/>
+      </a:effectRef>
+      <a:fontRef idx="minor"/>
+    </dgm:style>
+  </dgm:styleLbl>
+  <dgm:styleLbl name="sibTrans2D1">
+    <dgm:scene3d>
+      <a:camera prst="orthographicFront"/>
+      <a:lightRig rig="threePt" dir="t"/>
+    </dgm:scene3d>
+    <dgm:sp3d/>
+    <dgm:txPr/>
+    <dgm:style>
+      <a:lnRef idx="0">
+        <a:scrgbClr r="0" g="0" b="0"/>
+      </a:lnRef>
+      <a:fillRef idx="1">
+        <a:scrgbClr r="0" g="0" b="0"/>
+      </a:fillRef>
+      <a:effectRef idx="0">
+        <a:scrgbClr r="0" g="0" b="0"/>
+      </a:effectRef>
+      <a:fontRef idx="minor">
+        <a:schemeClr val="lt1"/>
+      </a:fontRef>
+    </dgm:style>
+  </dgm:styleLbl>
+  <dgm:styleLbl name="fgSibTrans2D1">
+    <dgm:scene3d>
+      <a:camera prst="orthographicFront"/>
+      <a:lightRig rig="threePt" dir="t"/>
+    </dgm:scene3d>
+    <dgm:sp3d/>
+    <dgm:txPr/>
+    <dgm:style>
+      <a:lnRef idx="0">
+        <a:scrgbClr r="0" g="0" b="0"/>
+      </a:lnRef>
+      <a:fillRef idx="1">
+        <a:scrgbClr r="0" g="0" b="0"/>
+      </a:fillRef>
+      <a:effectRef idx="0">
+        <a:scrgbClr r="0" g="0" b="0"/>
+      </a:effectRef>
+      <a:fontRef idx="minor">
+        <a:schemeClr val="lt1"/>
+      </a:fontRef>
+    </dgm:style>
+  </dgm:styleLbl>
+  <dgm:styleLbl name="bgSibTrans2D1">
+    <dgm:scene3d>
+      <a:camera prst="orthographicFront"/>
+      <a:lightRig rig="threePt" dir="t"/>
+    </dgm:scene3d>
+    <dgm:sp3d/>
+    <dgm:txPr/>
+    <dgm:style>
+      <a:lnRef idx="0">
+        <a:scrgbClr r="0" g="0" b="0"/>
+      </a:lnRef>
+      <a:fillRef idx="1">
+        <a:scrgbClr r="0" g="0" b="0"/>
+      </a:fillRef>
+      <a:effectRef idx="0">
+        <a:scrgbClr r="0" g="0" b="0"/>
+      </a:effectRef>
+      <a:fontRef idx="minor">
+        <a:schemeClr val="lt1"/>
+      </a:fontRef>
+    </dgm:style>
+  </dgm:styleLbl>
+  <dgm:styleLbl name="sibTrans1D1">
+    <dgm:scene3d>
+      <a:camera prst="orthographicFront"/>
+      <a:lightRig rig="threePt" dir="t"/>
+    </dgm:scene3d>
+    <dgm:sp3d/>
+    <dgm:txPr/>
+    <dgm:style>
+      <a:lnRef idx="1">
+        <a:scrgbClr r="0" g="0" b="0"/>
+      </a:lnRef>
+      <a:fillRef idx="0">
+        <a:scrgbClr r="0" g="0" b="0"/>
+      </a:fillRef>
+      <a:effectRef idx="0">
+        <a:scrgbClr r="0" g="0" b="0"/>
+      </a:effectRef>
+      <a:fontRef idx="minor"/>
+    </dgm:style>
+  </dgm:styleLbl>
+  <dgm:styleLbl name="callout">
+    <dgm:scene3d>
+      <a:camera prst="orthographicFront"/>
+      <a:lightRig rig="threePt" dir="t"/>
+    </dgm:scene3d>
+    <dgm:sp3d/>
+    <dgm:txPr/>
+    <dgm:style>
+      <a:lnRef idx="2">
+        <a:scrgbClr r="0" g="0" b="0"/>
+      </a:lnRef>
+      <a:fillRef idx="1">
+        <a:scrgbClr r="0" g="0" b="0"/>
+      </a:fillRef>
+      <a:effectRef idx="0">
+        <a:scrgbClr r="0" g="0" b="0"/>
+      </a:effectRef>
+      <a:fontRef idx="minor"/>
+    </dgm:style>
+  </dgm:styleLbl>
+  <dgm:styleLbl name="asst0">
+    <dgm:scene3d>
+      <a:camera prst="orthographicFront"/>
+      <a:lightRig rig="threePt" dir="t"/>
+    </dgm:scene3d>
+    <dgm:sp3d/>
+    <dgm:txPr/>
+    <dgm:style>
+      <a:lnRef idx="2">
+        <a:scrgbClr r="0" g="0" b="0"/>
+      </a:lnRef>
+      <a:fillRef idx="1">
+        <a:scrgbClr r="0" g="0" b="0"/>
+      </a:fillRef>
+      <a:effectRef idx="0">
+        <a:scrgbClr r="0" g="0" b="0"/>
+      </a:effectRef>
+      <a:fontRef idx="minor">
+        <a:schemeClr val="lt1"/>
+      </a:fontRef>
+    </dgm:style>
+  </dgm:styleLbl>
+  <dgm:styleLbl name="asst1">
+    <dgm:scene3d>
+      <a:camera prst="orthographicFront"/>
+      <a:lightRig rig="threePt" dir="t"/>
+    </dgm:scene3d>
+    <dgm:sp3d/>
+    <dgm:txPr/>
+    <dgm:style>
+      <a:lnRef idx="2">
+        <a:scrgbClr r="0" g="0" b="0"/>
+      </a:lnRef>
+      <a:fillRef idx="1">
+        <a:scrgbClr r="0" g="0" b="0"/>
+      </a:fillRef>
+      <a:effectRef idx="0">
+        <a:scrgbClr r="0" g="0" b="0"/>
+      </a:effectRef>
+      <a:fontRef idx="minor">
+        <a:schemeClr val="lt1"/>
+      </a:fontRef>
+    </dgm:style>
+  </dgm:styleLbl>
+  <dgm:styleLbl name="asst2">
+    <dgm:scene3d>
+      <a:camera prst="orthographicFront"/>
+      <a:lightRig rig="threePt" dir="t"/>
+    </dgm:scene3d>
+    <dgm:sp3d/>
+    <dgm:txPr/>
+    <dgm:style>
+      <a:lnRef idx="2">
+        <a:scrgbClr r="0" g="0" b="0"/>
+      </a:lnRef>
+      <a:fillRef idx="1">
+        <a:scrgbClr r="0" g="0" b="0"/>
+      </a:fillRef>
+      <a:effectRef idx="0">
+        <a:scrgbClr r="0" g="0" b="0"/>
+      </a:effectRef>
+      <a:fontRef idx="minor">
+        <a:schemeClr val="lt1"/>
+      </a:fontRef>
+    </dgm:style>
+  </dgm:styleLbl>
+  <dgm:styleLbl name="asst3">
+    <dgm:scene3d>
+      <a:camera prst="orthographicFront"/>
+      <a:lightRig rig="threePt" dir="t"/>
+    </dgm:scene3d>
+    <dgm:sp3d/>
+    <dgm:txPr/>
+    <dgm:style>
+      <a:lnRef idx="2">
+        <a:scrgbClr r="0" g="0" b="0"/>
+      </a:lnRef>
+      <a:fillRef idx="1">
+        <a:scrgbClr r="0" g="0" b="0"/>
+      </a:fillRef>
+      <a:effectRef idx="0">
+        <a:scrgbClr r="0" g="0" b="0"/>
+      </a:effectRef>
+      <a:fontRef idx="minor">
+        <a:schemeClr val="lt1"/>
+      </a:fontRef>
+    </dgm:style>
+  </dgm:styleLbl>
+  <dgm:styleLbl name="asst4">
+    <dgm:scene3d>
+      <a:camera prst="orthographicFront"/>
+      <a:lightRig rig="threePt" dir="t"/>
+    </dgm:scene3d>
+    <dgm:sp3d/>
+    <dgm:txPr/>
+    <dgm:style>
+      <a:lnRef idx="2">
+        <a:scrgbClr r="0" g="0" b="0"/>
+      </a:lnRef>
+      <a:fillRef idx="1">
+        <a:scrgbClr r="0" g="0" b="0"/>
+      </a:fillRef>
+      <a:effectRef idx="0">
+        <a:scrgbClr r="0" g="0" b="0"/>
+      </a:effectRef>
+      <a:fontRef idx="minor">
+        <a:schemeClr val="lt1"/>
+      </a:fontRef>
+    </dgm:style>
+  </dgm:styleLbl>
+  <dgm:styleLbl name="parChTrans2D1">
+    <dgm:scene3d>
+      <a:camera prst="orthographicFront"/>
+      <a:lightRig rig="threePt" dir="t"/>
+    </dgm:scene3d>
+    <dgm:sp3d/>
+    <dgm:txPr/>
+    <dgm:style>
+      <a:lnRef idx="2">
+        <a:scrgbClr r="0" g="0" b="0"/>
+      </a:lnRef>
+      <a:fillRef idx="1">
+        <a:scrgbClr r="0" g="0" b="0"/>
+      </a:fillRef>
+      <a:effectRef idx="0">
+        <a:scrgbClr r="0" g="0" b="0"/>
+      </a:effectRef>
+      <a:fontRef idx="minor">
+        <a:schemeClr val="lt1"/>
+      </a:fontRef>
+    </dgm:style>
+  </dgm:styleLbl>
+  <dgm:styleLbl name="parChTrans2D2">
+    <dgm:scene3d>
+      <a:camera prst="orthographicFront"/>
+      <a:lightRig rig="threePt" dir="t"/>
+    </dgm:scene3d>
+    <dgm:sp3d/>
+    <dgm:txPr/>
+    <dgm:style>
+      <a:lnRef idx="2">
+        <a:scrgbClr r="0" g="0" b="0"/>
+      </a:lnRef>
+      <a:fillRef idx="1">
+        <a:scrgbClr r="0" g="0" b="0"/>
+      </a:fillRef>
+      <a:effectRef idx="0">
+        <a:scrgbClr r="0" g="0" b="0"/>
+      </a:effectRef>
+      <a:fontRef idx="minor">
+        <a:schemeClr val="lt1"/>
+      </a:fontRef>
+    </dgm:style>
+  </dgm:styleLbl>
+  <dgm:styleLbl name="parChTrans2D3">
+    <dgm:scene3d>
+      <a:camera prst="orthographicFront"/>
+      <a:lightRig rig="threePt" dir="t"/>
+    </dgm:scene3d>
+    <dgm:sp3d/>
+    <dgm:txPr/>
+    <dgm:style>
+      <a:lnRef idx="2">
+        <a:scrgbClr r="0" g="0" b="0"/>
+      </a:lnRef>
+      <a:fillRef idx="1">
+        <a:scrgbClr r="0" g="0" b="0"/>
+      </a:fillRef>
+      <a:effectRef idx="0">
+        <a:scrgbClr r="0" g="0" b="0"/>
+      </a:effectRef>
+      <a:fontRef idx="minor">
+        <a:schemeClr val="lt1"/>
+      </a:fontRef>
+    </dgm:style>
+  </dgm:styleLbl>
+  <dgm:styleLbl name="parChTrans2D4">
+    <dgm:scene3d>
+      <a:camera prst="orthographicFront"/>
+      <a:lightRig rig="threePt" dir="t"/>
+    </dgm:scene3d>
+    <dgm:sp3d/>
+    <dgm:txPr/>
+    <dgm:style>
+      <a:lnRef idx="2">
+        <a:scrgbClr r="0" g="0" b="0"/>
+      </a:lnRef>
+      <a:fillRef idx="1">
+        <a:scrgbClr r="0" g="0" b="0"/>
+      </a:fillRef>
+      <a:effectRef idx="0">
+        <a:scrgbClr r="0" g="0" b="0"/>
+      </a:effectRef>
+      <a:fontRef idx="minor">
+        <a:schemeClr val="lt1"/>
+      </a:fontRef>
+    </dgm:style>
+  </dgm:styleLbl>
+  <dgm:styleLbl name="parChTrans1D1">
+    <dgm:scene3d>
+      <a:camera prst="orthographicFront"/>
+      <a:lightRig rig="threePt" dir="t"/>
+    </dgm:scene3d>
+    <dgm:sp3d/>
+    <dgm:txPr/>
+    <dgm:style>
+      <a:lnRef idx="2">
+        <a:scrgbClr r="0" g="0" b="0"/>
+      </a:lnRef>
+      <a:fillRef idx="0">
+        <a:scrgbClr r="0" g="0" b="0"/>
+      </a:fillRef>
+      <a:effectRef idx="0">
+        <a:scrgbClr r="0" g="0" b="0"/>
+      </a:effectRef>
+      <a:fontRef idx="minor"/>
+    </dgm:style>
+  </dgm:styleLbl>
+  <dgm:styleLbl name="parChTrans1D2">
+    <dgm:scene3d>
+      <a:camera prst="orthographicFront"/>
+      <a:lightRig rig="threePt" dir="t"/>
+    </dgm:scene3d>
+    <dgm:sp3d/>
+    <dgm:txPr/>
+    <dgm:style>
+      <a:lnRef idx="2">
+        <a:scrgbClr r="0" g="0" b="0"/>
+      </a:lnRef>
+      <a:fillRef idx="0">
+        <a:scrgbClr r="0" g="0" b="0"/>
+      </a:fillRef>
+      <a:effectRef idx="0">
+        <a:scrgbClr r="0" g="0" b="0"/>
+      </a:effectRef>
+      <a:fontRef idx="minor"/>
+    </dgm:style>
+  </dgm:styleLbl>
+  <dgm:styleLbl name="parChTrans1D3">
+    <dgm:scene3d>
+      <a:camera prst="orthographicFront"/>
+      <a:lightRig rig="threePt" dir="t"/>
+    </dgm:scene3d>
+    <dgm:sp3d/>
+    <dgm:txPr/>
+    <dgm:style>
+      <a:lnRef idx="2">
+        <a:scrgbClr r="0" g="0" b="0"/>
+      </a:lnRef>
+      <a:fillRef idx="0">
+        <a:scrgbClr r="0" g="0" b="0"/>
+      </a:fillRef>
+      <a:effectRef idx="0">
+        <a:scrgbClr r="0" g="0" b="0"/>
+      </a:effectRef>
+      <a:fontRef idx="minor"/>
+    </dgm:style>
+  </dgm:styleLbl>
+  <dgm:styleLbl name="parChTrans1D4">
+    <dgm:scene3d>
+      <a:camera prst="orthographicFront"/>
+      <a:lightRig rig="threePt" dir="t"/>
+    </dgm:scene3d>
+    <dgm:sp3d/>
+    <dgm:txPr/>
+    <dgm:style>
+      <a:lnRef idx="2">
+        <a:scrgbClr r="0" g="0" b="0"/>
+      </a:lnRef>
+      <a:fillRef idx="0">
+        <a:scrgbClr r="0" g="0" b="0"/>
+      </a:fillRef>
+      <a:effectRef idx="0">
+        <a:scrgbClr r="0" g="0" b="0"/>
+      </a:effectRef>
+      <a:fontRef idx="minor"/>
+    </dgm:style>
+  </dgm:styleLbl>
+  <dgm:styleLbl name="fgAcc1">
+    <dgm:scene3d>
+      <a:camera prst="orthographicFront"/>
+      <a:lightRig rig="threePt" dir="t"/>
+    </dgm:scene3d>
+    <dgm:sp3d/>
+    <dgm:txPr/>
+    <dgm:style>
+      <a:lnRef idx="2">
+        <a:scrgbClr r="0" g="0" b="0"/>
+      </a:lnRef>
+      <a:fillRef idx="1">
+        <a:scrgbClr r="0" g="0" b="0"/>
+      </a:fillRef>
+      <a:effectRef idx="0">
+        <a:scrgbClr r="0" g="0" b="0"/>
+      </a:effectRef>
+      <a:fontRef idx="minor"/>
+    </dgm:style>
+  </dgm:styleLbl>
+  <dgm:styleLbl name="conFgAcc1">
+    <dgm:scene3d>
+      <a:camera prst="orthographicFront"/>
+      <a:lightRig rig="threePt" dir="t"/>
+    </dgm:scene3d>
+    <dgm:sp3d/>
+    <dgm:txPr/>
+    <dgm:style>
+      <a:lnRef idx="2">
+        <a:scrgbClr r="0" g="0" b="0"/>
+      </a:lnRef>
+      <a:fillRef idx="1">
+        <a:scrgbClr r="0" g="0" b="0"/>
+      </a:fillRef>
+      <a:effectRef idx="0">
+        <a:scrgbClr r="0" g="0" b="0"/>
+      </a:effectRef>
+      <a:fontRef idx="minor"/>
+    </dgm:style>
+  </dgm:styleLbl>
+  <dgm:styleLbl name="alignAcc1">
+    <dgm:scene3d>
+      <a:camera prst="orthographicFront"/>
+      <a:lightRig rig="threePt" dir="t"/>
+    </dgm:scene3d>
+    <dgm:sp3d/>
+    <dgm:txPr/>
+    <dgm:style>
+      <a:lnRef idx="2">
+        <a:scrgbClr r="0" g="0" b="0"/>
+      </a:lnRef>
+      <a:fillRef idx="1">
+        <a:scrgbClr r="0" g="0" b="0"/>
+      </a:fillRef>
+      <a:effectRef idx="0">
+        <a:scrgbClr r="0" g="0" b="0"/>
+      </a:effectRef>
+      <a:fontRef idx="minor"/>
+    </dgm:style>
+  </dgm:styleLbl>
+  <dgm:styleLbl name="trAlignAcc1">
+    <dgm:scene3d>
+      <a:camera prst="orthographicFront"/>
+      <a:lightRig rig="threePt" dir="t"/>
+    </dgm:scene3d>
+    <dgm:sp3d/>
+    <dgm:txPr/>
+    <dgm:style>
+      <a:lnRef idx="1">
+        <a:scrgbClr r="0" g="0" b="0"/>
+      </a:lnRef>
+      <a:fillRef idx="1">
+        <a:scrgbClr r="0" g="0" b="0"/>
+      </a:fillRef>
+      <a:effectRef idx="0">
+        <a:scrgbClr r="0" g="0" b="0"/>
+      </a:effectRef>
+      <a:fontRef idx="minor"/>
+    </dgm:style>
+  </dgm:styleLbl>
+  <dgm:styleLbl name="bgAcc1">
+    <dgm:scene3d>
+      <a:camera prst="orthographicFront"/>
+      <a:lightRig rig="threePt" dir="t"/>
+    </dgm:scene3d>
+    <dgm:sp3d/>
+    <dgm:txPr/>
+    <dgm:style>
+      <a:lnRef idx="2">
+        <a:scrgbClr r="0" g="0" b="0"/>
+      </a:lnRef>
+      <a:fillRef idx="1">
+        <a:scrgbClr r="0" g="0" b="0"/>
+      </a:fillRef>
+      <a:effectRef idx="0">
+        <a:scrgbClr r="0" g="0" b="0"/>
+      </a:effectRef>
+      <a:fontRef idx="minor"/>
+    </dgm:style>
+  </dgm:styleLbl>
+  <dgm:styleLbl name="solidFgAcc1">
+    <dgm:scene3d>
+      <a:camera prst="orthographicFront"/>
+      <a:lightRig rig="threePt" dir="t"/>
+    </dgm:scene3d>
+    <dgm:sp3d/>
+    <dgm:txPr/>
+    <dgm:style>
+      <a:lnRef idx="2">
+        <a:scrgbClr r="0" g="0" b="0"/>
+      </a:lnRef>
+      <a:fillRef idx="1">
+        <a:scrgbClr r="0" g="0" b="0"/>
+      </a:fillRef>
+      <a:effectRef idx="0">
+        <a:scrgbClr r="0" g="0" b="0"/>
+      </a:effectRef>
+      <a:fontRef idx="minor"/>
+    </dgm:style>
+  </dgm:styleLbl>
+  <dgm:styleLbl name="solidAlignAcc1">
+    <dgm:scene3d>
+      <a:camera prst="orthographicFront"/>
+      <a:lightRig rig="threePt" dir="t"/>
+    </dgm:scene3d>
+    <dgm:sp3d/>
+    <dgm:txPr/>
+    <dgm:style>
+      <a:lnRef idx="2">
+        <a:scrgbClr r="0" g="0" b="0"/>
+      </a:lnRef>
+      <a:fillRef idx="1">
+        <a:scrgbClr r="0" g="0" b="0"/>
+      </a:fillRef>
+      <a:effectRef idx="0">
+        <a:scrgbClr r="0" g="0" b="0"/>
+      </a:effectRef>
+      <a:fontRef idx="minor"/>
+    </dgm:style>
+  </dgm:styleLbl>
+  <dgm:styleLbl name="solidBgAcc1">
+    <dgm:scene3d>
+      <a:camera prst="orthographicFront"/>
+      <a:lightRig rig="threePt" dir="t"/>
+    </dgm:scene3d>
+    <dgm:sp3d/>
+    <dgm:txPr/>
+    <dgm:style>
+      <a:lnRef idx="2">
+        <a:scrgbClr r="0" g="0" b="0"/>
+      </a:lnRef>
+      <a:fillRef idx="1">
+        <a:scrgbClr r="0" g="0" b="0"/>
+      </a:fillRef>
+      <a:effectRef idx="0">
+        <a:scrgbClr r="0" g="0" b="0"/>
+      </a:effectRef>
+      <a:fontRef idx="minor"/>
+    </dgm:style>
+  </dgm:styleLbl>
+  <dgm:styleLbl name="fgAccFollowNode1">
+    <dgm:scene3d>
+      <a:camera prst="orthographicFront"/>
+      <a:lightRig rig="threePt" dir="t"/>
+    </dgm:scene3d>
+    <dgm:sp3d/>
+    <dgm:txPr/>
+    <dgm:style>
+      <a:lnRef idx="2">
+        <a:scrgbClr r="0" g="0" b="0"/>
+      </a:lnRef>
+      <a:fillRef idx="1">
+        <a:scrgbClr r="0" g="0" b="0"/>
+      </a:fillRef>
+      <a:effectRef idx="0">
+        <a:scrgbClr r="0" g="0" b="0"/>
+      </a:effectRef>
+      <a:fontRef idx="minor"/>
+    </dgm:style>
+  </dgm:styleLbl>
+  <dgm:styleLbl name="alignAccFollowNode1">
+    <dgm:scene3d>
+      <a:camera prst="orthographicFront"/>
+      <a:lightRig rig="threePt" dir="t"/>
+    </dgm:scene3d>
+    <dgm:sp3d/>
+    <dgm:txPr/>
+    <dgm:style>
+      <a:lnRef idx="2">
+        <a:scrgbClr r="0" g="0" b="0"/>
+      </a:lnRef>
+      <a:fillRef idx="1">
+        <a:scrgbClr r="0" g="0" b="0"/>
+      </a:fillRef>
+      <a:effectRef idx="0">
+        <a:scrgbClr r="0" g="0" b="0"/>
+      </a:effectRef>
+      <a:fontRef idx="minor"/>
+    </dgm:style>
+  </dgm:styleLbl>
+  <dgm:styleLbl name="bgAccFollowNode1">
+    <dgm:scene3d>
+      <a:camera prst="orthographicFront"/>
+      <a:lightRig rig="threePt" dir="t"/>
+    </dgm:scene3d>
+    <dgm:sp3d/>
+    <dgm:txPr/>
+    <dgm:style>
+      <a:lnRef idx="2">
+        <a:scrgbClr r="0" g="0" b="0"/>
+      </a:lnRef>
+      <a:fillRef idx="1">
+        <a:scrgbClr r="0" g="0" b="0"/>
+      </a:fillRef>
+      <a:effectRef idx="0">
+        <a:scrgbClr r="0" g="0" b="0"/>
+      </a:effectRef>
+      <a:fontRef idx="minor"/>
+    </dgm:style>
+  </dgm:styleLbl>
+  <dgm:styleLbl name="fgAcc0">
+    <dgm:scene3d>
+      <a:camera prst="orthographicFront"/>
+      <a:lightRig rig="threePt" dir="t"/>
+    </dgm:scene3d>
+    <dgm:sp3d/>
+    <dgm:txPr/>
+    <dgm:style>
+      <a:lnRef idx="2">
+        <a:scrgbClr r="0" g="0" b="0"/>
+      </a:lnRef>
+      <a:fillRef idx="1">
+        <a:scrgbClr r="0" g="0" b="0"/>
+      </a:fillRef>
+      <a:effectRef idx="0">
+        <a:scrgbClr r="0" g="0" b="0"/>
+      </a:effectRef>
+      <a:fontRef idx="minor"/>
+    </dgm:style>
+  </dgm:styleLbl>
+  <dgm:styleLbl name="fgAcc2">
+    <dgm:scene3d>
+      <a:camera prst="orthographicFront"/>
+      <a:lightRig rig="threePt" dir="t"/>
+    </dgm:scene3d>
+    <dgm:sp3d/>
+    <dgm:txPr/>
+    <dgm:style>
+      <a:lnRef idx="2">
+        <a:scrgbClr r="0" g="0" b="0"/>
+      </a:lnRef>
+      <a:fillRef idx="1">
+        <a:scrgbClr r="0" g="0" b="0"/>
+      </a:fillRef>
+      <a:effectRef idx="0">
+        <a:scrgbClr r="0" g="0" b="0"/>
+      </a:effectRef>
+      <a:fontRef idx="minor"/>
+    </dgm:style>
+  </dgm:styleLbl>
+  <dgm:styleLbl name="fgAcc3">
+    <dgm:scene3d>
+      <a:camera prst="orthographicFront"/>
+      <a:lightRig rig="threePt" dir="t"/>
+    </dgm:scene3d>
+    <dgm:sp3d/>
+    <dgm:txPr/>
+    <dgm:style>
+      <a:lnRef idx="2">
+        <a:scrgbClr r="0" g="0" b="0"/>
+      </a:lnRef>
+      <a:fillRef idx="1">
+        <a:scrgbClr r="0" g="0" b="0"/>
+      </a:fillRef>
+      <a:effectRef idx="0">
+        <a:scrgbClr r="0" g="0" b="0"/>
+      </a:effectRef>
+      <a:fontRef idx="minor"/>
+    </dgm:style>
+  </dgm:styleLbl>
+  <dgm:styleLbl name="fgAcc4">
+    <dgm:scene3d>
+      <a:camera prst="orthographicFront"/>
+      <a:lightRig rig="threePt" dir="t"/>
+    </dgm:scene3d>
+    <dgm:sp3d/>
+    <dgm:txPr/>
+    <dgm:style>
+      <a:lnRef idx="2">
+        <a:scrgbClr r="0" g="0" b="0"/>
+      </a:lnRef>
+      <a:fillRef idx="1">
+        <a:scrgbClr r="0" g="0" b="0"/>
+      </a:fillRef>
+      <a:effectRef idx="0">
+        <a:scrgbClr r="0" g="0" b="0"/>
+      </a:effectRef>
+      <a:fontRef idx="minor"/>
+    </dgm:style>
+  </dgm:styleLbl>
+  <dgm:styleLbl name="bgShp">
+    <dgm:scene3d>
+      <a:camera prst="orthographicFront"/>
+      <a:lightRig rig="threePt" dir="t"/>
+    </dgm:scene3d>
+    <dgm:sp3d/>
+    <dgm:txPr/>
+    <dgm:style>
+      <a:lnRef idx="0">
+        <a:scrgbClr r="0" g="0" b="0"/>
+      </a:lnRef>
+      <a:fillRef idx="1">
+        <a:scrgbClr r="0" g="0" b="0"/>
+      </a:fillRef>
+      <a:effectRef idx="0">
+        <a:scrgbClr r="0" g="0" b="0"/>
+      </a:effectRef>
+      <a:fontRef idx="minor"/>
+    </dgm:style>
+  </dgm:styleLbl>
+  <dgm:styleLbl name="dkBgShp">
+    <dgm:scene3d>
+      <a:camera prst="orthographicFront"/>
+      <a:lightRig rig="threePt" dir="t"/>
+    </dgm:scene3d>
+    <dgm:sp3d/>
+    <dgm:txPr/>
+    <dgm:style>
+      <a:lnRef idx="0">
+        <a:scrgbClr r="0" g="0" b="0"/>
+      </a:lnRef>
+      <a:fillRef idx="1">
+        <a:scrgbClr r="0" g="0" b="0"/>
+      </a:fillRef>
+      <a:effectRef idx="0">
+        <a:scrgbClr r="0" g="0" b="0"/>
+      </a:effectRef>
+      <a:fontRef idx="minor"/>
+    </dgm:style>
+  </dgm:styleLbl>
+  <dgm:styleLbl name="trBgShp">
+    <dgm:scene3d>
+      <a:camera prst="orthographicFront"/>
+      <a:lightRig rig="threePt" dir="t"/>
+    </dgm:scene3d>
+    <dgm:sp3d/>
+    <dgm:txPr/>
+    <dgm:style>
+      <a:lnRef idx="0">
+        <a:scrgbClr r="0" g="0" b="0"/>
+      </a:lnRef>
+      <a:fillRef idx="1">
+        <a:scrgbClr r="0" g="0" b="0"/>
+      </a:fillRef>
+      <a:effectRef idx="0">
+        <a:scrgbClr r="0" g="0" b="0"/>
+      </a:effectRef>
+      <a:fontRef idx="minor"/>
+    </dgm:style>
+  </dgm:styleLbl>
+  <dgm:styleLbl name="fgShp">
+    <dgm:scene3d>
+      <a:camera prst="orthographicFront"/>
+      <a:lightRig rig="threePt" dir="t"/>
+    </dgm:scene3d>
+    <dgm:sp3d/>
+    <dgm:txPr/>
+    <dgm:style>
+      <a:lnRef idx="2">
+        <a:scrgbClr r="0" g="0" b="0"/>
+      </a:lnRef>
+      <a:fillRef idx="1">
+        <a:scrgbClr r="0" g="0" b="0"/>
+      </a:fillRef>
+      <a:effectRef idx="0">
+        <a:scrgbClr r="0" g="0" b="0"/>
+      </a:effectRef>
+      <a:fontRef idx="minor"/>
+    </dgm:style>
+  </dgm:styleLbl>
+  <dgm:styleLbl name="revTx">
+    <dgm:scene3d>
+      <a:camera prst="orthographicFront"/>
+      <a:lightRig rig="threePt" dir="t"/>
+    </dgm:scene3d>
+    <dgm:sp3d/>
+    <dgm:txPr/>
+    <dgm:style>
+      <a:lnRef idx="0">
+        <a:scrgbClr r="0" g="0" b="0"/>
+      </a:lnRef>
+      <a:fillRef idx="0">
+        <a:scrgbClr r="0" g="0" b="0"/>
+      </a:fillRef>
+      <a:effectRef idx="0">
+        <a:scrgbClr r="0" g="0" b="0"/>
+      </a:effectRef>
+      <a:fontRef idx="minor"/>
+    </dgm:style>
+  </dgm:styleLbl>
+</dgm:styleDef>
+</file>
+
+<file path=ppt/diagrams/quickStyle2.xml><?xml version="1.0" encoding="utf-8"?>
 <dgm:styleDef xmlns:dgm="http://schemas.openxmlformats.org/drawingml/2006/diagram" xmlns:a="http://schemas.openxmlformats.org/drawingml/2006/main" uniqueId="urn:microsoft.com/office/officeart/2005/8/quickstyle/simple2">
   <dgm:title val=""/>
   <dgm:desc val=""/>
@@ -9302,7 +12425,11 @@
           <a:bodyPr/>
           <a:lstStyle/>
           <a:p>
-            <a:endParaRPr lang="de-DE"/>
+            <a:r>
+              <a:rPr lang="de-DE" dirty="0" smtClean="0"/>
+              <a:t>1/1</a:t>
+            </a:r>
+            <a:endParaRPr lang="de-DE" dirty="0"/>
           </a:p>
         </p:txBody>
       </p:sp>
@@ -10188,7 +13315,11 @@
           <a:bodyPr/>
           <a:lstStyle/>
           <a:p>
-            <a:endParaRPr lang="de-DE"/>
+            <a:r>
+              <a:rPr lang="de-DE" dirty="0" smtClean="0"/>
+              <a:t>1/1</a:t>
+            </a:r>
+            <a:endParaRPr lang="de-DE" dirty="0"/>
           </a:p>
         </p:txBody>
       </p:sp>
@@ -11676,6 +14807,162 @@
       </p:grpSpPr>
       <p:sp>
         <p:nvSpPr>
+          <p:cNvPr id="17" name="Diagonal liegende Ecken des Rechtecks schneiden 16"/>
+          <p:cNvSpPr/>
+          <p:nvPr/>
+        </p:nvSpPr>
+        <p:spPr>
+          <a:xfrm>
+            <a:off x="7331899" y="2873976"/>
+            <a:ext cx="2714329" cy="671354"/>
+          </a:xfrm>
+          <a:prstGeom prst="snip2DiagRect">
+            <a:avLst/>
+          </a:prstGeom>
+          <a:solidFill>
+            <a:srgbClr val="7030A0"/>
+          </a:solidFill>
+          <a:ln>
+            <a:solidFill>
+              <a:schemeClr val="bg1"/>
+            </a:solidFill>
+          </a:ln>
+        </p:spPr>
+        <p:style>
+          <a:lnRef idx="2">
+            <a:schemeClr val="accent1">
+              <a:shade val="50000"/>
+            </a:schemeClr>
+          </a:lnRef>
+          <a:fillRef idx="1">
+            <a:schemeClr val="accent1"/>
+          </a:fillRef>
+          <a:effectRef idx="0">
+            <a:schemeClr val="accent1"/>
+          </a:effectRef>
+          <a:fontRef idx="minor">
+            <a:schemeClr val="lt1"/>
+          </a:fontRef>
+        </p:style>
+        <p:txBody>
+          <a:bodyPr rtlCol="0" anchor="ctr"/>
+          <a:lstStyle/>
+          <a:p>
+            <a:pPr algn="ctr"/>
+            <a:r>
+              <a:rPr lang="de-DE" sz="2400" dirty="0"/>
+              <a:t>Scrum-Prozess</a:t>
+            </a:r>
+            <a:endParaRPr lang="de-DE" dirty="0"/>
+          </a:p>
+        </p:txBody>
+      </p:sp>
+      <p:sp>
+        <p:nvSpPr>
+          <p:cNvPr id="18" name="Diagonal liegende Ecken des Rechtecks schneiden 17"/>
+          <p:cNvSpPr/>
+          <p:nvPr/>
+        </p:nvSpPr>
+        <p:spPr>
+          <a:xfrm>
+            <a:off x="4644947" y="2746491"/>
+            <a:ext cx="2714328" cy="671354"/>
+          </a:xfrm>
+          <a:prstGeom prst="snip2DiagRect">
+            <a:avLst/>
+          </a:prstGeom>
+          <a:solidFill>
+            <a:srgbClr val="7030A0"/>
+          </a:solidFill>
+          <a:ln>
+            <a:solidFill>
+              <a:schemeClr val="bg1"/>
+            </a:solidFill>
+          </a:ln>
+        </p:spPr>
+        <p:style>
+          <a:lnRef idx="2">
+            <a:schemeClr val="accent1">
+              <a:shade val="50000"/>
+            </a:schemeClr>
+          </a:lnRef>
+          <a:fillRef idx="1">
+            <a:schemeClr val="accent1"/>
+          </a:fillRef>
+          <a:effectRef idx="0">
+            <a:schemeClr val="accent1"/>
+          </a:effectRef>
+          <a:fontRef idx="minor">
+            <a:schemeClr val="lt1"/>
+          </a:fontRef>
+        </p:style>
+        <p:txBody>
+          <a:bodyPr rtlCol="0" anchor="ctr"/>
+          <a:lstStyle/>
+          <a:p>
+            <a:pPr algn="ctr"/>
+            <a:r>
+              <a:rPr lang="de-DE" sz="2400" dirty="0"/>
+              <a:t>Intuitives Design</a:t>
+            </a:r>
+            <a:endParaRPr lang="de-DE" dirty="0"/>
+          </a:p>
+        </p:txBody>
+      </p:sp>
+      <p:sp>
+        <p:nvSpPr>
+          <p:cNvPr id="16" name="Diagonal liegende Ecken des Rechtecks schneiden 15"/>
+          <p:cNvSpPr/>
+          <p:nvPr/>
+        </p:nvSpPr>
+        <p:spPr>
+          <a:xfrm>
+            <a:off x="1930619" y="2629531"/>
+            <a:ext cx="2714328" cy="671354"/>
+          </a:xfrm>
+          <a:prstGeom prst="snip2DiagRect">
+            <a:avLst/>
+          </a:prstGeom>
+          <a:solidFill>
+            <a:srgbClr val="7030A0"/>
+          </a:solidFill>
+          <a:ln>
+            <a:solidFill>
+              <a:schemeClr val="bg1"/>
+            </a:solidFill>
+          </a:ln>
+        </p:spPr>
+        <p:style>
+          <a:lnRef idx="2">
+            <a:schemeClr val="accent1">
+              <a:shade val="50000"/>
+            </a:schemeClr>
+          </a:lnRef>
+          <a:fillRef idx="1">
+            <a:schemeClr val="accent1"/>
+          </a:fillRef>
+          <a:effectRef idx="0">
+            <a:schemeClr val="accent1"/>
+          </a:effectRef>
+          <a:fontRef idx="minor">
+            <a:schemeClr val="lt1"/>
+          </a:fontRef>
+        </p:style>
+        <p:txBody>
+          <a:bodyPr rtlCol="0" anchor="ctr"/>
+          <a:lstStyle/>
+          <a:p>
+            <a:pPr algn="ctr"/>
+            <a:r>
+              <a:rPr lang="de-DE" sz="2400" dirty="0"/>
+              <a:t>Kostenlos</a:t>
+            </a:r>
+            <a:endParaRPr lang="de-DE" dirty="0"/>
+          </a:p>
+        </p:txBody>
+      </p:sp>
+      <p:sp>
+        <p:nvSpPr>
           <p:cNvPr id="2" name="Titel 1"/>
           <p:cNvSpPr>
             <a:spLocks noGrp="1"/>
@@ -11777,13 +15064,13 @@
         <p:spPr/>
         <p:txBody>
           <a:bodyPr>
-            <a:normAutofit fontScale="77500" lnSpcReduction="20000"/>
+            <a:normAutofit fontScale="92500"/>
           </a:bodyPr>
           <a:lstStyle/>
           <a:p>
             <a:r>
               <a:rPr lang="de-DE" dirty="0"/>
-              <a:t>Zukunftsprognose</a:t>
+              <a:t>Anforderungen</a:t>
             </a:r>
           </a:p>
         </p:txBody>
@@ -11803,149 +15090,329 @@
           <a:bodyPr/>
           <a:lstStyle/>
           <a:p>
-            <a:endParaRPr lang="de-DE"/>
-          </a:p>
-        </p:txBody>
-      </p:sp>
-      <p:pic>
-        <p:nvPicPr>
-          <p:cNvPr id="9" name="Grafik 8"/>
-          <p:cNvPicPr>
-            <a:picLocks noChangeAspect="1"/>
-          </p:cNvPicPr>
+            <a:r>
+              <a:rPr lang="de-DE" dirty="0" smtClean="0"/>
+              <a:t>1/1</a:t>
+            </a:r>
+            <a:endParaRPr lang="de-DE" dirty="0"/>
+          </a:p>
+        </p:txBody>
+      </p:sp>
+      <p:sp>
+        <p:nvSpPr>
+          <p:cNvPr id="9" name="Diagonal liegende Ecken des Rechtecks schneiden 8"/>
+          <p:cNvSpPr/>
           <p:nvPr/>
-        </p:nvPicPr>
-        <p:blipFill>
-          <a:blip r:embed="rId2" cstate="print">
-            <a:extLst>
-              <a:ext uri="{28A0092B-C50C-407E-A947-70E740481C1C}">
-                <a14:useLocalDpi xmlns:a14="http://schemas.microsoft.com/office/drawing/2010/main" val="0"/>
-              </a:ext>
-            </a:extLst>
-          </a:blip>
-          <a:stretch>
-            <a:fillRect/>
-          </a:stretch>
-        </p:blipFill>
+        </p:nvSpPr>
         <p:spPr>
           <a:xfrm>
-            <a:off x="8020531" y="1967248"/>
-            <a:ext cx="2290134" cy="2923504"/>
+            <a:off x="2038196" y="3301665"/>
+            <a:ext cx="2714328" cy="671354"/>
           </a:xfrm>
-          <a:prstGeom prst="rect">
+          <a:prstGeom prst="snip2DiagRect">
             <a:avLst/>
           </a:prstGeom>
+          <a:solidFill>
+            <a:srgbClr val="7030A0"/>
+          </a:solidFill>
+          <a:ln>
+            <a:solidFill>
+              <a:schemeClr val="bg1"/>
+            </a:solidFill>
+          </a:ln>
         </p:spPr>
-      </p:pic>
-      <p:sp>
-        <p:nvSpPr>
-          <p:cNvPr id="10" name="Textfeld 9"/>
-          <p:cNvSpPr txBox="1"/>
+        <p:style>
+          <a:lnRef idx="2">
+            <a:schemeClr val="accent1">
+              <a:shade val="50000"/>
+            </a:schemeClr>
+          </a:lnRef>
+          <a:fillRef idx="1">
+            <a:schemeClr val="accent1"/>
+          </a:fillRef>
+          <a:effectRef idx="0">
+            <a:schemeClr val="accent1"/>
+          </a:effectRef>
+          <a:fontRef idx="minor">
+            <a:schemeClr val="lt1"/>
+          </a:fontRef>
+        </p:style>
+        <p:txBody>
+          <a:bodyPr rtlCol="0" anchor="ctr"/>
+          <a:lstStyle/>
+          <a:p>
+            <a:pPr algn="ctr"/>
+            <a:r>
+              <a:rPr lang="de-DE" sz="2400" dirty="0"/>
+              <a:t>Hohe Verfügbarkeit</a:t>
+            </a:r>
+          </a:p>
+        </p:txBody>
+      </p:sp>
+      <p:sp>
+        <p:nvSpPr>
+          <p:cNvPr id="10" name="Diagonal liegende Ecken des Rechtecks schneiden 9"/>
+          <p:cNvSpPr/>
           <p:nvPr/>
         </p:nvSpPr>
         <p:spPr>
           <a:xfrm>
-            <a:off x="1416682" y="2008538"/>
-            <a:ext cx="5152629" cy="3046988"/>
+            <a:off x="7439476" y="3537145"/>
+            <a:ext cx="2714329" cy="671354"/>
           </a:xfrm>
-          <a:prstGeom prst="rect">
+          <a:prstGeom prst="snip2DiagRect">
             <a:avLst/>
           </a:prstGeom>
-          <a:noFill/>
+          <a:solidFill>
+            <a:srgbClr val="7030A0"/>
+          </a:solidFill>
+          <a:ln>
+            <a:solidFill>
+              <a:schemeClr val="bg1"/>
+            </a:solidFill>
+          </a:ln>
         </p:spPr>
-        <p:txBody>
-          <a:bodyPr wrap="none" rtlCol="0">
-            <a:spAutoFit/>
-          </a:bodyPr>
-          <a:lstStyle/>
-          <a:p>
-            <a:pPr marL="285750" indent="-285750">
-              <a:buFont typeface="Arial" pitchFamily="34" charset="0"/>
-              <a:buChar char="•"/>
-            </a:pPr>
-            <a:r>
-              <a:rPr lang="de-DE" sz="2400" dirty="0" smtClean="0"/>
-              <a:t>Agile Projekte werden wichtiger</a:t>
-            </a:r>
-          </a:p>
-          <a:p>
-            <a:endParaRPr lang="de-DE" sz="2400" dirty="0"/>
-          </a:p>
-          <a:p>
-            <a:pPr marL="285750" indent="-285750">
-              <a:buFont typeface="Arial" pitchFamily="34" charset="0"/>
-              <a:buChar char="•"/>
-            </a:pPr>
-            <a:r>
-              <a:rPr lang="de-DE" sz="2400" dirty="0" smtClean="0"/>
-              <a:t>Home-Office wird </a:t>
-            </a:r>
-            <a:r>
-              <a:rPr lang="de-DE" sz="2400" dirty="0" smtClean="0"/>
-              <a:t>beliebter</a:t>
-            </a:r>
-            <a:endParaRPr lang="de-DE" sz="2400" dirty="0" smtClean="0"/>
-          </a:p>
-          <a:p>
-            <a:pPr marL="285750" indent="-285750">
-              <a:buFont typeface="Arial" pitchFamily="34" charset="0"/>
-              <a:buChar char="•"/>
-            </a:pPr>
-            <a:endParaRPr lang="de-DE" sz="2400" dirty="0"/>
-          </a:p>
-          <a:p>
-            <a:pPr marL="285750" indent="-285750">
-              <a:buFont typeface="Arial" pitchFamily="34" charset="0"/>
-              <a:buChar char="•"/>
-            </a:pPr>
-            <a:r>
-              <a:rPr lang="de-DE" sz="2400" dirty="0" smtClean="0"/>
-              <a:t>Erreichbarkeit von Projektressourcen </a:t>
-            </a:r>
-            <a:br>
-              <a:rPr lang="de-DE" sz="2400" dirty="0" smtClean="0"/>
-            </a:br>
-            <a:r>
-              <a:rPr lang="de-DE" sz="2400" dirty="0" smtClean="0"/>
-              <a:t>wird </a:t>
-            </a:r>
-            <a:r>
-              <a:rPr lang="de-DE" sz="2400" dirty="0" smtClean="0"/>
-              <a:t>wichtiger</a:t>
-            </a:r>
-          </a:p>
-          <a:p>
-            <a:pPr marL="285750" indent="-285750">
-              <a:buFont typeface="Arial" pitchFamily="34" charset="0"/>
-              <a:buChar char="•"/>
-            </a:pPr>
-            <a:endParaRPr lang="de-DE" sz="2400" dirty="0"/>
-          </a:p>
-          <a:p>
-            <a:pPr marL="342900" indent="-342900">
-              <a:buFont typeface="Wingdings" pitchFamily="2" charset="2"/>
-              <a:buChar char="Ø"/>
-            </a:pPr>
-            <a:r>
-              <a:rPr lang="de-DE" sz="2400" dirty="0" smtClean="0">
-                <a:solidFill>
-                  <a:srgbClr val="00B050"/>
-                </a:solidFill>
-              </a:rPr>
-              <a:t>Produkt hat Zukunft</a:t>
-            </a:r>
-            <a:endParaRPr lang="de-DE" sz="2400" dirty="0">
-              <a:solidFill>
-                <a:srgbClr val="00B050"/>
-              </a:solidFill>
-            </a:endParaRPr>
+        <p:style>
+          <a:lnRef idx="2">
+            <a:schemeClr val="accent1">
+              <a:shade val="50000"/>
+            </a:schemeClr>
+          </a:lnRef>
+          <a:fillRef idx="1">
+            <a:schemeClr val="accent1"/>
+          </a:fillRef>
+          <a:effectRef idx="0">
+            <a:schemeClr val="accent1"/>
+          </a:effectRef>
+          <a:fontRef idx="minor">
+            <a:schemeClr val="lt1"/>
+          </a:fontRef>
+        </p:style>
+        <p:txBody>
+          <a:bodyPr rtlCol="0" anchor="ctr"/>
+          <a:lstStyle/>
+          <a:p>
+            <a:pPr algn="ctr"/>
+            <a:r>
+              <a:rPr lang="de-DE" sz="2400" dirty="0"/>
+              <a:t>Projektverwaltung</a:t>
+            </a:r>
+            <a:endParaRPr lang="de-DE" dirty="0"/>
+          </a:p>
+        </p:txBody>
+      </p:sp>
+      <p:sp>
+        <p:nvSpPr>
+          <p:cNvPr id="11" name="Diagonal liegende Ecken des Rechtecks schneiden 10"/>
+          <p:cNvSpPr/>
+          <p:nvPr/>
+        </p:nvSpPr>
+        <p:spPr>
+          <a:xfrm>
+            <a:off x="4752524" y="3418625"/>
+            <a:ext cx="2714328" cy="671354"/>
+          </a:xfrm>
+          <a:prstGeom prst="snip2DiagRect">
+            <a:avLst/>
+          </a:prstGeom>
+          <a:solidFill>
+            <a:srgbClr val="7030A0"/>
+          </a:solidFill>
+          <a:ln>
+            <a:solidFill>
+              <a:schemeClr val="bg1"/>
+            </a:solidFill>
+          </a:ln>
+        </p:spPr>
+        <p:style>
+          <a:lnRef idx="2">
+            <a:schemeClr val="accent1">
+              <a:shade val="50000"/>
+            </a:schemeClr>
+          </a:lnRef>
+          <a:fillRef idx="1">
+            <a:schemeClr val="accent1"/>
+          </a:fillRef>
+          <a:effectRef idx="0">
+            <a:schemeClr val="accent1"/>
+          </a:effectRef>
+          <a:fontRef idx="minor">
+            <a:schemeClr val="lt1"/>
+          </a:fontRef>
+        </p:style>
+        <p:txBody>
+          <a:bodyPr rtlCol="0" anchor="ctr"/>
+          <a:lstStyle/>
+          <a:p>
+            <a:pPr algn="ctr"/>
+            <a:r>
+              <a:rPr lang="de-DE" sz="2400" dirty="0"/>
+              <a:t>Account-System</a:t>
+            </a:r>
+            <a:endParaRPr lang="de-DE" dirty="0"/>
+          </a:p>
+        </p:txBody>
+      </p:sp>
+      <p:sp>
+        <p:nvSpPr>
+          <p:cNvPr id="13" name="Diagonal liegende Ecken des Rechtecks schneiden 12"/>
+          <p:cNvSpPr/>
+          <p:nvPr/>
+        </p:nvSpPr>
+        <p:spPr>
+          <a:xfrm>
+            <a:off x="2145772" y="3973019"/>
+            <a:ext cx="2714328" cy="671354"/>
+          </a:xfrm>
+          <a:prstGeom prst="snip2DiagRect">
+            <a:avLst/>
+          </a:prstGeom>
+          <a:solidFill>
+            <a:srgbClr val="7030A0"/>
+          </a:solidFill>
+          <a:ln>
+            <a:solidFill>
+              <a:schemeClr val="bg1"/>
+            </a:solidFill>
+          </a:ln>
+        </p:spPr>
+        <p:style>
+          <a:lnRef idx="2">
+            <a:schemeClr val="accent1">
+              <a:shade val="50000"/>
+            </a:schemeClr>
+          </a:lnRef>
+          <a:fillRef idx="1">
+            <a:schemeClr val="accent1"/>
+          </a:fillRef>
+          <a:effectRef idx="0">
+            <a:schemeClr val="accent1"/>
+          </a:effectRef>
+          <a:fontRef idx="minor">
+            <a:schemeClr val="lt1"/>
+          </a:fontRef>
+        </p:style>
+        <p:txBody>
+          <a:bodyPr rtlCol="0" anchor="ctr"/>
+          <a:lstStyle/>
+          <a:p>
+            <a:pPr algn="ctr"/>
+            <a:r>
+              <a:rPr lang="de-DE" sz="2400" dirty="0"/>
+              <a:t>Rechteverwaltung</a:t>
+            </a:r>
+            <a:endParaRPr lang="de-DE" dirty="0"/>
+          </a:p>
+        </p:txBody>
+      </p:sp>
+      <p:sp>
+        <p:nvSpPr>
+          <p:cNvPr id="14" name="Diagonal liegende Ecken des Rechtecks schneiden 13"/>
+          <p:cNvSpPr/>
+          <p:nvPr/>
+        </p:nvSpPr>
+        <p:spPr>
+          <a:xfrm>
+            <a:off x="7547052" y="4208499"/>
+            <a:ext cx="2714329" cy="671354"/>
+          </a:xfrm>
+          <a:prstGeom prst="snip2DiagRect">
+            <a:avLst/>
+          </a:prstGeom>
+          <a:solidFill>
+            <a:srgbClr val="7030A0"/>
+          </a:solidFill>
+          <a:ln>
+            <a:solidFill>
+              <a:schemeClr val="bg1"/>
+            </a:solidFill>
+          </a:ln>
+        </p:spPr>
+        <p:style>
+          <a:lnRef idx="2">
+            <a:schemeClr val="accent1">
+              <a:shade val="50000"/>
+            </a:schemeClr>
+          </a:lnRef>
+          <a:fillRef idx="1">
+            <a:schemeClr val="accent1"/>
+          </a:fillRef>
+          <a:effectRef idx="0">
+            <a:schemeClr val="accent1"/>
+          </a:effectRef>
+          <a:fontRef idx="minor">
+            <a:schemeClr val="lt1"/>
+          </a:fontRef>
+        </p:style>
+        <p:txBody>
+          <a:bodyPr rtlCol="0" anchor="ctr"/>
+          <a:lstStyle/>
+          <a:p>
+            <a:pPr algn="ctr"/>
+            <a:r>
+              <a:rPr lang="de-DE" sz="2400" dirty="0"/>
+              <a:t>Enterprise Version</a:t>
+            </a:r>
+            <a:endParaRPr lang="de-DE" dirty="0"/>
+          </a:p>
+        </p:txBody>
+      </p:sp>
+      <p:sp>
+        <p:nvSpPr>
+          <p:cNvPr id="15" name="Diagonal liegende Ecken des Rechtecks schneiden 14"/>
+          <p:cNvSpPr/>
+          <p:nvPr/>
+        </p:nvSpPr>
+        <p:spPr>
+          <a:xfrm>
+            <a:off x="4860100" y="4089979"/>
+            <a:ext cx="2714328" cy="671354"/>
+          </a:xfrm>
+          <a:prstGeom prst="snip2DiagRect">
+            <a:avLst/>
+          </a:prstGeom>
+          <a:solidFill>
+            <a:srgbClr val="7030A0"/>
+          </a:solidFill>
+          <a:ln>
+            <a:solidFill>
+              <a:schemeClr val="bg1"/>
+            </a:solidFill>
+          </a:ln>
+        </p:spPr>
+        <p:style>
+          <a:lnRef idx="2">
+            <a:schemeClr val="accent1">
+              <a:shade val="50000"/>
+            </a:schemeClr>
+          </a:lnRef>
+          <a:fillRef idx="1">
+            <a:schemeClr val="accent1"/>
+          </a:fillRef>
+          <a:effectRef idx="0">
+            <a:schemeClr val="accent1"/>
+          </a:effectRef>
+          <a:fontRef idx="minor">
+            <a:schemeClr val="lt1"/>
+          </a:fontRef>
+        </p:style>
+        <p:txBody>
+          <a:bodyPr rtlCol="0" anchor="ctr"/>
+          <a:lstStyle/>
+          <a:p>
+            <a:pPr algn="ctr"/>
+            <a:r>
+              <a:rPr lang="de-DE" sz="2400" dirty="0"/>
+              <a:t>Dashboard</a:t>
+            </a:r>
+            <a:endParaRPr lang="de-DE" dirty="0"/>
           </a:p>
         </p:txBody>
       </p:sp>
     </p:spTree>
     <p:extLst>
       <p:ext uri="{BB962C8B-B14F-4D97-AF65-F5344CB8AC3E}">
-        <p14:creationId xmlns:p14="http://schemas.microsoft.com/office/powerpoint/2010/main" val="2576886053"/>
+        <p14:creationId xmlns:p14="http://schemas.microsoft.com/office/powerpoint/2010/main" val="4248669579"/>
       </p:ext>
     </p:extLst>
   </p:cSld>
@@ -11981,162 +15448,6 @@
       </p:grpSpPr>
       <p:sp>
         <p:nvSpPr>
-          <p:cNvPr id="17" name="Diagonal liegende Ecken des Rechtecks schneiden 16"/>
-          <p:cNvSpPr/>
-          <p:nvPr/>
-        </p:nvSpPr>
-        <p:spPr>
-          <a:xfrm>
-            <a:off x="7331899" y="2873976"/>
-            <a:ext cx="2714329" cy="671354"/>
-          </a:xfrm>
-          <a:prstGeom prst="snip2DiagRect">
-            <a:avLst/>
-          </a:prstGeom>
-          <a:solidFill>
-            <a:srgbClr val="7030A0"/>
-          </a:solidFill>
-          <a:ln>
-            <a:solidFill>
-              <a:schemeClr val="bg1"/>
-            </a:solidFill>
-          </a:ln>
-        </p:spPr>
-        <p:style>
-          <a:lnRef idx="2">
-            <a:schemeClr val="accent1">
-              <a:shade val="50000"/>
-            </a:schemeClr>
-          </a:lnRef>
-          <a:fillRef idx="1">
-            <a:schemeClr val="accent1"/>
-          </a:fillRef>
-          <a:effectRef idx="0">
-            <a:schemeClr val="accent1"/>
-          </a:effectRef>
-          <a:fontRef idx="minor">
-            <a:schemeClr val="lt1"/>
-          </a:fontRef>
-        </p:style>
-        <p:txBody>
-          <a:bodyPr rtlCol="0" anchor="ctr"/>
-          <a:lstStyle/>
-          <a:p>
-            <a:pPr algn="ctr"/>
-            <a:r>
-              <a:rPr lang="de-DE" sz="2400" dirty="0"/>
-              <a:t>Scrum-Prozess</a:t>
-            </a:r>
-            <a:endParaRPr lang="de-DE" dirty="0"/>
-          </a:p>
-        </p:txBody>
-      </p:sp>
-      <p:sp>
-        <p:nvSpPr>
-          <p:cNvPr id="18" name="Diagonal liegende Ecken des Rechtecks schneiden 17"/>
-          <p:cNvSpPr/>
-          <p:nvPr/>
-        </p:nvSpPr>
-        <p:spPr>
-          <a:xfrm>
-            <a:off x="4644947" y="2746491"/>
-            <a:ext cx="2714328" cy="671354"/>
-          </a:xfrm>
-          <a:prstGeom prst="snip2DiagRect">
-            <a:avLst/>
-          </a:prstGeom>
-          <a:solidFill>
-            <a:srgbClr val="7030A0"/>
-          </a:solidFill>
-          <a:ln>
-            <a:solidFill>
-              <a:schemeClr val="bg1"/>
-            </a:solidFill>
-          </a:ln>
-        </p:spPr>
-        <p:style>
-          <a:lnRef idx="2">
-            <a:schemeClr val="accent1">
-              <a:shade val="50000"/>
-            </a:schemeClr>
-          </a:lnRef>
-          <a:fillRef idx="1">
-            <a:schemeClr val="accent1"/>
-          </a:fillRef>
-          <a:effectRef idx="0">
-            <a:schemeClr val="accent1"/>
-          </a:effectRef>
-          <a:fontRef idx="minor">
-            <a:schemeClr val="lt1"/>
-          </a:fontRef>
-        </p:style>
-        <p:txBody>
-          <a:bodyPr rtlCol="0" anchor="ctr"/>
-          <a:lstStyle/>
-          <a:p>
-            <a:pPr algn="ctr"/>
-            <a:r>
-              <a:rPr lang="de-DE" sz="2400" dirty="0"/>
-              <a:t>Intuitives Design</a:t>
-            </a:r>
-            <a:endParaRPr lang="de-DE" dirty="0"/>
-          </a:p>
-        </p:txBody>
-      </p:sp>
-      <p:sp>
-        <p:nvSpPr>
-          <p:cNvPr id="16" name="Diagonal liegende Ecken des Rechtecks schneiden 15"/>
-          <p:cNvSpPr/>
-          <p:nvPr/>
-        </p:nvSpPr>
-        <p:spPr>
-          <a:xfrm>
-            <a:off x="1930619" y="2629531"/>
-            <a:ext cx="2714328" cy="671354"/>
-          </a:xfrm>
-          <a:prstGeom prst="snip2DiagRect">
-            <a:avLst/>
-          </a:prstGeom>
-          <a:solidFill>
-            <a:srgbClr val="7030A0"/>
-          </a:solidFill>
-          <a:ln>
-            <a:solidFill>
-              <a:schemeClr val="bg1"/>
-            </a:solidFill>
-          </a:ln>
-        </p:spPr>
-        <p:style>
-          <a:lnRef idx="2">
-            <a:schemeClr val="accent1">
-              <a:shade val="50000"/>
-            </a:schemeClr>
-          </a:lnRef>
-          <a:fillRef idx="1">
-            <a:schemeClr val="accent1"/>
-          </a:fillRef>
-          <a:effectRef idx="0">
-            <a:schemeClr val="accent1"/>
-          </a:effectRef>
-          <a:fontRef idx="minor">
-            <a:schemeClr val="lt1"/>
-          </a:fontRef>
-        </p:style>
-        <p:txBody>
-          <a:bodyPr rtlCol="0" anchor="ctr"/>
-          <a:lstStyle/>
-          <a:p>
-            <a:pPr algn="ctr"/>
-            <a:r>
-              <a:rPr lang="de-DE" sz="2400" dirty="0"/>
-              <a:t>Kostenlos</a:t>
-            </a:r>
-            <a:endParaRPr lang="de-DE" dirty="0"/>
-          </a:p>
-        </p:txBody>
-      </p:sp>
-      <p:sp>
-        <p:nvSpPr>
           <p:cNvPr id="2" name="Titel 1"/>
           <p:cNvSpPr>
             <a:spLocks noGrp="1"/>
@@ -12238,13 +15549,13 @@
         <p:spPr/>
         <p:txBody>
           <a:bodyPr>
-            <a:normAutofit fontScale="92500"/>
+            <a:normAutofit fontScale="77500" lnSpcReduction="20000"/>
           </a:bodyPr>
           <a:lstStyle/>
           <a:p>
             <a:r>
               <a:rPr lang="de-DE" dirty="0"/>
-              <a:t>Anforderungen</a:t>
+              <a:t>Zukunftsprognose</a:t>
             </a:r>
           </a:p>
         </p:txBody>
@@ -12264,325 +15575,144 @@
           <a:bodyPr/>
           <a:lstStyle/>
           <a:p>
-            <a:endParaRPr lang="de-DE"/>
-          </a:p>
-        </p:txBody>
-      </p:sp>
-      <p:sp>
-        <p:nvSpPr>
-          <p:cNvPr id="9" name="Diagonal liegende Ecken des Rechtecks schneiden 8"/>
-          <p:cNvSpPr/>
+            <a:r>
+              <a:rPr lang="de-DE" dirty="0" smtClean="0"/>
+              <a:t>1/1</a:t>
+            </a:r>
+            <a:endParaRPr lang="de-DE" dirty="0"/>
+          </a:p>
+        </p:txBody>
+      </p:sp>
+      <p:pic>
+        <p:nvPicPr>
+          <p:cNvPr id="9" name="Grafik 8"/>
+          <p:cNvPicPr>
+            <a:picLocks noChangeAspect="1"/>
+          </p:cNvPicPr>
           <p:nvPr/>
-        </p:nvSpPr>
+        </p:nvPicPr>
+        <p:blipFill>
+          <a:blip r:embed="rId2" cstate="print">
+            <a:extLst>
+              <a:ext uri="{28A0092B-C50C-407E-A947-70E740481C1C}">
+                <a14:useLocalDpi xmlns:a14="http://schemas.microsoft.com/office/drawing/2010/main" val="0"/>
+              </a:ext>
+            </a:extLst>
+          </a:blip>
+          <a:stretch>
+            <a:fillRect/>
+          </a:stretch>
+        </p:blipFill>
         <p:spPr>
           <a:xfrm>
-            <a:off x="2038196" y="3301665"/>
-            <a:ext cx="2714328" cy="671354"/>
+            <a:off x="8020531" y="1967248"/>
+            <a:ext cx="2290134" cy="2923504"/>
           </a:xfrm>
-          <a:prstGeom prst="snip2DiagRect">
+          <a:prstGeom prst="rect">
             <a:avLst/>
           </a:prstGeom>
-          <a:solidFill>
-            <a:srgbClr val="7030A0"/>
-          </a:solidFill>
-          <a:ln>
-            <a:solidFill>
-              <a:schemeClr val="bg1"/>
-            </a:solidFill>
-          </a:ln>
         </p:spPr>
-        <p:style>
-          <a:lnRef idx="2">
-            <a:schemeClr val="accent1">
-              <a:shade val="50000"/>
-            </a:schemeClr>
-          </a:lnRef>
-          <a:fillRef idx="1">
-            <a:schemeClr val="accent1"/>
-          </a:fillRef>
-          <a:effectRef idx="0">
-            <a:schemeClr val="accent1"/>
-          </a:effectRef>
-          <a:fontRef idx="minor">
-            <a:schemeClr val="lt1"/>
-          </a:fontRef>
-        </p:style>
-        <p:txBody>
-          <a:bodyPr rtlCol="0" anchor="ctr"/>
-          <a:lstStyle/>
-          <a:p>
-            <a:pPr algn="ctr"/>
-            <a:r>
-              <a:rPr lang="de-DE" sz="2400" dirty="0"/>
-              <a:t>Hohe Verfügbarkeit</a:t>
-            </a:r>
-          </a:p>
-        </p:txBody>
-      </p:sp>
-      <p:sp>
-        <p:nvSpPr>
-          <p:cNvPr id="10" name="Diagonal liegende Ecken des Rechtecks schneiden 9"/>
-          <p:cNvSpPr/>
+      </p:pic>
+      <p:sp>
+        <p:nvSpPr>
+          <p:cNvPr id="10" name="Textfeld 9"/>
+          <p:cNvSpPr txBox="1"/>
           <p:nvPr/>
         </p:nvSpPr>
         <p:spPr>
           <a:xfrm>
-            <a:off x="7439476" y="3537145"/>
-            <a:ext cx="2714329" cy="671354"/>
+            <a:off x="1416682" y="2008538"/>
+            <a:ext cx="5152629" cy="3046988"/>
           </a:xfrm>
-          <a:prstGeom prst="snip2DiagRect">
+          <a:prstGeom prst="rect">
             <a:avLst/>
           </a:prstGeom>
-          <a:solidFill>
-            <a:srgbClr val="7030A0"/>
-          </a:solidFill>
-          <a:ln>
-            <a:solidFill>
-              <a:schemeClr val="bg1"/>
-            </a:solidFill>
-          </a:ln>
+          <a:noFill/>
         </p:spPr>
-        <p:style>
-          <a:lnRef idx="2">
-            <a:schemeClr val="accent1">
-              <a:shade val="50000"/>
-            </a:schemeClr>
-          </a:lnRef>
-          <a:fillRef idx="1">
-            <a:schemeClr val="accent1"/>
-          </a:fillRef>
-          <a:effectRef idx="0">
-            <a:schemeClr val="accent1"/>
-          </a:effectRef>
-          <a:fontRef idx="minor">
-            <a:schemeClr val="lt1"/>
-          </a:fontRef>
-        </p:style>
-        <p:txBody>
-          <a:bodyPr rtlCol="0" anchor="ctr"/>
-          <a:lstStyle/>
-          <a:p>
-            <a:pPr algn="ctr"/>
-            <a:r>
-              <a:rPr lang="de-DE" sz="2400" dirty="0"/>
-              <a:t>Projektverwaltung</a:t>
-            </a:r>
-            <a:endParaRPr lang="de-DE" dirty="0"/>
-          </a:p>
-        </p:txBody>
-      </p:sp>
-      <p:sp>
-        <p:nvSpPr>
-          <p:cNvPr id="11" name="Diagonal liegende Ecken des Rechtecks schneiden 10"/>
-          <p:cNvSpPr/>
-          <p:nvPr/>
-        </p:nvSpPr>
-        <p:spPr>
-          <a:xfrm>
-            <a:off x="4752524" y="3418625"/>
-            <a:ext cx="2714328" cy="671354"/>
-          </a:xfrm>
-          <a:prstGeom prst="snip2DiagRect">
-            <a:avLst/>
-          </a:prstGeom>
-          <a:solidFill>
-            <a:srgbClr val="7030A0"/>
-          </a:solidFill>
-          <a:ln>
-            <a:solidFill>
-              <a:schemeClr val="bg1"/>
-            </a:solidFill>
-          </a:ln>
-        </p:spPr>
-        <p:style>
-          <a:lnRef idx="2">
-            <a:schemeClr val="accent1">
-              <a:shade val="50000"/>
-            </a:schemeClr>
-          </a:lnRef>
-          <a:fillRef idx="1">
-            <a:schemeClr val="accent1"/>
-          </a:fillRef>
-          <a:effectRef idx="0">
-            <a:schemeClr val="accent1"/>
-          </a:effectRef>
-          <a:fontRef idx="minor">
-            <a:schemeClr val="lt1"/>
-          </a:fontRef>
-        </p:style>
-        <p:txBody>
-          <a:bodyPr rtlCol="0" anchor="ctr"/>
-          <a:lstStyle/>
-          <a:p>
-            <a:pPr algn="ctr"/>
-            <a:r>
-              <a:rPr lang="de-DE" sz="2400" dirty="0"/>
-              <a:t>Account-System</a:t>
-            </a:r>
-            <a:endParaRPr lang="de-DE" dirty="0"/>
-          </a:p>
-        </p:txBody>
-      </p:sp>
-      <p:sp>
-        <p:nvSpPr>
-          <p:cNvPr id="13" name="Diagonal liegende Ecken des Rechtecks schneiden 12"/>
-          <p:cNvSpPr/>
-          <p:nvPr/>
-        </p:nvSpPr>
-        <p:spPr>
-          <a:xfrm>
-            <a:off x="2145772" y="3973019"/>
-            <a:ext cx="2714328" cy="671354"/>
-          </a:xfrm>
-          <a:prstGeom prst="snip2DiagRect">
-            <a:avLst/>
-          </a:prstGeom>
-          <a:solidFill>
-            <a:srgbClr val="7030A0"/>
-          </a:solidFill>
-          <a:ln>
-            <a:solidFill>
-              <a:schemeClr val="bg1"/>
-            </a:solidFill>
-          </a:ln>
-        </p:spPr>
-        <p:style>
-          <a:lnRef idx="2">
-            <a:schemeClr val="accent1">
-              <a:shade val="50000"/>
-            </a:schemeClr>
-          </a:lnRef>
-          <a:fillRef idx="1">
-            <a:schemeClr val="accent1"/>
-          </a:fillRef>
-          <a:effectRef idx="0">
-            <a:schemeClr val="accent1"/>
-          </a:effectRef>
-          <a:fontRef idx="minor">
-            <a:schemeClr val="lt1"/>
-          </a:fontRef>
-        </p:style>
-        <p:txBody>
-          <a:bodyPr rtlCol="0" anchor="ctr"/>
-          <a:lstStyle/>
-          <a:p>
-            <a:pPr algn="ctr"/>
-            <a:r>
-              <a:rPr lang="de-DE" sz="2400" dirty="0"/>
-              <a:t>Rechteverwaltung</a:t>
-            </a:r>
-            <a:endParaRPr lang="de-DE" dirty="0"/>
-          </a:p>
-        </p:txBody>
-      </p:sp>
-      <p:sp>
-        <p:nvSpPr>
-          <p:cNvPr id="14" name="Diagonal liegende Ecken des Rechtecks schneiden 13"/>
-          <p:cNvSpPr/>
-          <p:nvPr/>
-        </p:nvSpPr>
-        <p:spPr>
-          <a:xfrm>
-            <a:off x="7547052" y="4208499"/>
-            <a:ext cx="2714329" cy="671354"/>
-          </a:xfrm>
-          <a:prstGeom prst="snip2DiagRect">
-            <a:avLst/>
-          </a:prstGeom>
-          <a:solidFill>
-            <a:srgbClr val="7030A0"/>
-          </a:solidFill>
-          <a:ln>
-            <a:solidFill>
-              <a:schemeClr val="bg1"/>
-            </a:solidFill>
-          </a:ln>
-        </p:spPr>
-        <p:style>
-          <a:lnRef idx="2">
-            <a:schemeClr val="accent1">
-              <a:shade val="50000"/>
-            </a:schemeClr>
-          </a:lnRef>
-          <a:fillRef idx="1">
-            <a:schemeClr val="accent1"/>
-          </a:fillRef>
-          <a:effectRef idx="0">
-            <a:schemeClr val="accent1"/>
-          </a:effectRef>
-          <a:fontRef idx="minor">
-            <a:schemeClr val="lt1"/>
-          </a:fontRef>
-        </p:style>
-        <p:txBody>
-          <a:bodyPr rtlCol="0" anchor="ctr"/>
-          <a:lstStyle/>
-          <a:p>
-            <a:pPr algn="ctr"/>
-            <a:r>
-              <a:rPr lang="de-DE" sz="2400" dirty="0"/>
-              <a:t>Enterprise Version</a:t>
-            </a:r>
-            <a:endParaRPr lang="de-DE" dirty="0"/>
-          </a:p>
-        </p:txBody>
-      </p:sp>
-      <p:sp>
-        <p:nvSpPr>
-          <p:cNvPr id="15" name="Diagonal liegende Ecken des Rechtecks schneiden 14"/>
-          <p:cNvSpPr/>
-          <p:nvPr/>
-        </p:nvSpPr>
-        <p:spPr>
-          <a:xfrm>
-            <a:off x="4860100" y="4089979"/>
-            <a:ext cx="2714328" cy="671354"/>
-          </a:xfrm>
-          <a:prstGeom prst="snip2DiagRect">
-            <a:avLst/>
-          </a:prstGeom>
-          <a:solidFill>
-            <a:srgbClr val="7030A0"/>
-          </a:solidFill>
-          <a:ln>
-            <a:solidFill>
-              <a:schemeClr val="bg1"/>
-            </a:solidFill>
-          </a:ln>
-        </p:spPr>
-        <p:style>
-          <a:lnRef idx="2">
-            <a:schemeClr val="accent1">
-              <a:shade val="50000"/>
-            </a:schemeClr>
-          </a:lnRef>
-          <a:fillRef idx="1">
-            <a:schemeClr val="accent1"/>
-          </a:fillRef>
-          <a:effectRef idx="0">
-            <a:schemeClr val="accent1"/>
-          </a:effectRef>
-          <a:fontRef idx="minor">
-            <a:schemeClr val="lt1"/>
-          </a:fontRef>
-        </p:style>
-        <p:txBody>
-          <a:bodyPr rtlCol="0" anchor="ctr"/>
-          <a:lstStyle/>
-          <a:p>
-            <a:pPr algn="ctr"/>
-            <a:r>
-              <a:rPr lang="de-DE" sz="2400" dirty="0"/>
-              <a:t>Dashboard</a:t>
-            </a:r>
-            <a:endParaRPr lang="de-DE" dirty="0"/>
+        <p:txBody>
+          <a:bodyPr wrap="none" rtlCol="0">
+            <a:spAutoFit/>
+          </a:bodyPr>
+          <a:lstStyle/>
+          <a:p>
+            <a:pPr marL="285750" indent="-285750">
+              <a:buFont typeface="Arial" pitchFamily="34" charset="0"/>
+              <a:buChar char="•"/>
+            </a:pPr>
+            <a:r>
+              <a:rPr lang="de-DE" sz="2400" dirty="0" smtClean="0"/>
+              <a:t>Agile Projekte werden wichtiger</a:t>
+            </a:r>
+          </a:p>
+          <a:p>
+            <a:endParaRPr lang="de-DE" sz="2400" dirty="0"/>
+          </a:p>
+          <a:p>
+            <a:pPr marL="285750" indent="-285750">
+              <a:buFont typeface="Arial" pitchFamily="34" charset="0"/>
+              <a:buChar char="•"/>
+            </a:pPr>
+            <a:r>
+              <a:rPr lang="de-DE" sz="2400" dirty="0" smtClean="0"/>
+              <a:t>Home-Office wird beliebter</a:t>
+            </a:r>
+          </a:p>
+          <a:p>
+            <a:pPr marL="285750" indent="-285750">
+              <a:buFont typeface="Arial" pitchFamily="34" charset="0"/>
+              <a:buChar char="•"/>
+            </a:pPr>
+            <a:endParaRPr lang="de-DE" sz="2400" dirty="0"/>
+          </a:p>
+          <a:p>
+            <a:pPr marL="285750" indent="-285750">
+              <a:buFont typeface="Arial" pitchFamily="34" charset="0"/>
+              <a:buChar char="•"/>
+            </a:pPr>
+            <a:r>
+              <a:rPr lang="de-DE" sz="2400" dirty="0" smtClean="0"/>
+              <a:t>Erreichbarkeit von Projektressourcen </a:t>
+            </a:r>
+            <a:br>
+              <a:rPr lang="de-DE" sz="2400" dirty="0" smtClean="0"/>
+            </a:br>
+            <a:r>
+              <a:rPr lang="de-DE" sz="2400" dirty="0" smtClean="0"/>
+              <a:t>wird wichtiger</a:t>
+            </a:r>
+          </a:p>
+          <a:p>
+            <a:pPr marL="285750" indent="-285750">
+              <a:buFont typeface="Arial" pitchFamily="34" charset="0"/>
+              <a:buChar char="•"/>
+            </a:pPr>
+            <a:endParaRPr lang="de-DE" sz="2400" dirty="0"/>
+          </a:p>
+          <a:p>
+            <a:pPr marL="342900" indent="-342900">
+              <a:buFont typeface="Wingdings" pitchFamily="2" charset="2"/>
+              <a:buChar char="Ø"/>
+            </a:pPr>
+            <a:r>
+              <a:rPr lang="de-DE" sz="2400" dirty="0" smtClean="0">
+                <a:solidFill>
+                  <a:srgbClr val="00B050"/>
+                </a:solidFill>
+              </a:rPr>
+              <a:t>Produkt hat Zukunft</a:t>
+            </a:r>
+            <a:endParaRPr lang="de-DE" sz="2400" dirty="0">
+              <a:solidFill>
+                <a:srgbClr val="00B050"/>
+              </a:solidFill>
+            </a:endParaRPr>
           </a:p>
         </p:txBody>
       </p:sp>
     </p:spTree>
     <p:extLst>
       <p:ext uri="{BB962C8B-B14F-4D97-AF65-F5344CB8AC3E}">
-        <p14:creationId xmlns:p14="http://schemas.microsoft.com/office/powerpoint/2010/main" val="4248669579"/>
+        <p14:creationId xmlns:p14="http://schemas.microsoft.com/office/powerpoint/2010/main" val="2576886053"/>
       </p:ext>
     </p:extLst>
   </p:cSld>
@@ -12778,35 +15908,35 @@
                 <a:gridCol w="1990583">
                   <a:extLst>
                     <a:ext uri="{9D8B030D-6E8A-4147-A177-3AD203B41FA5}">
-                      <a16:colId xmlns="" xmlns:a16="http://schemas.microsoft.com/office/drawing/2014/main" val="20000"/>
+                      <a16:colId xmlns:a16="http://schemas.microsoft.com/office/drawing/2014/main" xmlns="" val="20000"/>
                     </a:ext>
                   </a:extLst>
                 </a:gridCol>
                 <a:gridCol w="1990583">
                   <a:extLst>
                     <a:ext uri="{9D8B030D-6E8A-4147-A177-3AD203B41FA5}">
-                      <a16:colId xmlns="" xmlns:a16="http://schemas.microsoft.com/office/drawing/2014/main" val="20001"/>
+                      <a16:colId xmlns:a16="http://schemas.microsoft.com/office/drawing/2014/main" xmlns="" val="20001"/>
                     </a:ext>
                   </a:extLst>
                 </a:gridCol>
                 <a:gridCol w="2391059">
                   <a:extLst>
                     <a:ext uri="{9D8B030D-6E8A-4147-A177-3AD203B41FA5}">
-                      <a16:colId xmlns="" xmlns:a16="http://schemas.microsoft.com/office/drawing/2014/main" val="20002"/>
+                      <a16:colId xmlns:a16="http://schemas.microsoft.com/office/drawing/2014/main" xmlns="" val="20002"/>
                     </a:ext>
                   </a:extLst>
                 </a:gridCol>
                 <a:gridCol w="2545441">
                   <a:extLst>
                     <a:ext uri="{9D8B030D-6E8A-4147-A177-3AD203B41FA5}">
-                      <a16:colId xmlns="" xmlns:a16="http://schemas.microsoft.com/office/drawing/2014/main" val="20003"/>
+                      <a16:colId xmlns:a16="http://schemas.microsoft.com/office/drawing/2014/main" xmlns="" val="20003"/>
                     </a:ext>
                   </a:extLst>
                 </a:gridCol>
                 <a:gridCol w="1531259">
                   <a:extLst>
                     <a:ext uri="{9D8B030D-6E8A-4147-A177-3AD203B41FA5}">
-                      <a16:colId xmlns="" xmlns:a16="http://schemas.microsoft.com/office/drawing/2014/main" val="20004"/>
+                      <a16:colId xmlns:a16="http://schemas.microsoft.com/office/drawing/2014/main" xmlns="" val="20004"/>
                     </a:ext>
                   </a:extLst>
                 </a:gridCol>
@@ -12964,7 +16094,7 @@
                 </a:tc>
                 <a:extLst>
                   <a:ext uri="{0D108BD9-81ED-4DB2-BD59-A6C34878D82A}">
-                    <a16:rowId xmlns="" xmlns:a16="http://schemas.microsoft.com/office/drawing/2014/main" val="10000"/>
+                    <a16:rowId xmlns:a16="http://schemas.microsoft.com/office/drawing/2014/main" xmlns="" val="10000"/>
                   </a:ext>
                 </a:extLst>
               </a:tr>
@@ -13272,7 +16402,7 @@
                 </a:tc>
                 <a:extLst>
                   <a:ext uri="{0D108BD9-81ED-4DB2-BD59-A6C34878D82A}">
-                    <a16:rowId xmlns="" xmlns:a16="http://schemas.microsoft.com/office/drawing/2014/main" val="10001"/>
+                    <a16:rowId xmlns:a16="http://schemas.microsoft.com/office/drawing/2014/main" xmlns="" val="10001"/>
                   </a:ext>
                 </a:extLst>
               </a:tr>
@@ -13600,7 +16730,7 @@
                 </a:tc>
                 <a:extLst>
                   <a:ext uri="{0D108BD9-81ED-4DB2-BD59-A6C34878D82A}">
-                    <a16:rowId xmlns="" xmlns:a16="http://schemas.microsoft.com/office/drawing/2014/main" val="10002"/>
+                    <a16:rowId xmlns:a16="http://schemas.microsoft.com/office/drawing/2014/main" xmlns="" val="10002"/>
                   </a:ext>
                 </a:extLst>
               </a:tr>
@@ -13939,7 +17069,7 @@
                 </a:tc>
                 <a:extLst>
                   <a:ext uri="{0D108BD9-81ED-4DB2-BD59-A6C34878D82A}">
-                    <a16:rowId xmlns="" xmlns:a16="http://schemas.microsoft.com/office/drawing/2014/main" val="10003"/>
+                    <a16:rowId xmlns:a16="http://schemas.microsoft.com/office/drawing/2014/main" xmlns="" val="10003"/>
                   </a:ext>
                 </a:extLst>
               </a:tr>
@@ -14146,35 +17276,35 @@
                 <a:gridCol w="1990583">
                   <a:extLst>
                     <a:ext uri="{9D8B030D-6E8A-4147-A177-3AD203B41FA5}">
-                      <a16:colId xmlns="" xmlns:a16="http://schemas.microsoft.com/office/drawing/2014/main" val="20000"/>
+                      <a16:colId xmlns:a16="http://schemas.microsoft.com/office/drawing/2014/main" xmlns="" val="20000"/>
                     </a:ext>
                   </a:extLst>
                 </a:gridCol>
                 <a:gridCol w="1990583">
                   <a:extLst>
                     <a:ext uri="{9D8B030D-6E8A-4147-A177-3AD203B41FA5}">
-                      <a16:colId xmlns="" xmlns:a16="http://schemas.microsoft.com/office/drawing/2014/main" val="20001"/>
+                      <a16:colId xmlns:a16="http://schemas.microsoft.com/office/drawing/2014/main" xmlns="" val="20001"/>
                     </a:ext>
                   </a:extLst>
                 </a:gridCol>
                 <a:gridCol w="2391059">
                   <a:extLst>
                     <a:ext uri="{9D8B030D-6E8A-4147-A177-3AD203B41FA5}">
-                      <a16:colId xmlns="" xmlns:a16="http://schemas.microsoft.com/office/drawing/2014/main" val="20002"/>
+                      <a16:colId xmlns:a16="http://schemas.microsoft.com/office/drawing/2014/main" xmlns="" val="20002"/>
                     </a:ext>
                   </a:extLst>
                 </a:gridCol>
                 <a:gridCol w="2545441">
                   <a:extLst>
                     <a:ext uri="{9D8B030D-6E8A-4147-A177-3AD203B41FA5}">
-                      <a16:colId xmlns="" xmlns:a16="http://schemas.microsoft.com/office/drawing/2014/main" val="20003"/>
+                      <a16:colId xmlns:a16="http://schemas.microsoft.com/office/drawing/2014/main" xmlns="" val="20003"/>
                     </a:ext>
                   </a:extLst>
                 </a:gridCol>
                 <a:gridCol w="1531259">
                   <a:extLst>
                     <a:ext uri="{9D8B030D-6E8A-4147-A177-3AD203B41FA5}">
-                      <a16:colId xmlns="" xmlns:a16="http://schemas.microsoft.com/office/drawing/2014/main" val="20004"/>
+                      <a16:colId xmlns:a16="http://schemas.microsoft.com/office/drawing/2014/main" xmlns="" val="20004"/>
                     </a:ext>
                   </a:extLst>
                 </a:gridCol>
@@ -14332,7 +17462,7 @@
                 </a:tc>
                 <a:extLst>
                   <a:ext uri="{0D108BD9-81ED-4DB2-BD59-A6C34878D82A}">
-                    <a16:rowId xmlns="" xmlns:a16="http://schemas.microsoft.com/office/drawing/2014/main" val="10000"/>
+                    <a16:rowId xmlns:a16="http://schemas.microsoft.com/office/drawing/2014/main" xmlns="" val="10000"/>
                   </a:ext>
                 </a:extLst>
               </a:tr>
@@ -14645,7 +17775,7 @@
                 </a:tc>
                 <a:extLst>
                   <a:ext uri="{0D108BD9-81ED-4DB2-BD59-A6C34878D82A}">
-                    <a16:rowId xmlns="" xmlns:a16="http://schemas.microsoft.com/office/drawing/2014/main" val="10001"/>
+                    <a16:rowId xmlns:a16="http://schemas.microsoft.com/office/drawing/2014/main" xmlns="" val="10001"/>
                   </a:ext>
                 </a:extLst>
               </a:tr>
@@ -14977,7 +18107,7 @@
                 </a:tc>
                 <a:extLst>
                   <a:ext uri="{0D108BD9-81ED-4DB2-BD59-A6C34878D82A}">
-                    <a16:rowId xmlns="" xmlns:a16="http://schemas.microsoft.com/office/drawing/2014/main" val="10002"/>
+                    <a16:rowId xmlns:a16="http://schemas.microsoft.com/office/drawing/2014/main" xmlns="" val="10002"/>
                   </a:ext>
                 </a:extLst>
               </a:tr>
@@ -15153,7 +18283,11 @@
           <a:bodyPr/>
           <a:lstStyle/>
           <a:p>
-            <a:endParaRPr lang="de-DE"/>
+            <a:r>
+              <a:rPr lang="de-DE" dirty="0" smtClean="0"/>
+              <a:t>1/1</a:t>
+            </a:r>
+            <a:endParaRPr lang="de-DE" dirty="0"/>
           </a:p>
         </p:txBody>
       </p:sp>
@@ -15165,7 +18299,7 @@
         </p:nvSpPr>
         <p:spPr>
           <a:xfrm>
-            <a:off x="928914" y="2046507"/>
+            <a:off x="928914" y="1827564"/>
             <a:ext cx="1988457" cy="841829"/>
           </a:xfrm>
           <a:prstGeom prst="rect">
@@ -15214,7 +18348,7 @@
         </p:nvSpPr>
         <p:spPr>
           <a:xfrm>
-            <a:off x="2917370" y="2177138"/>
+            <a:off x="2917370" y="1958195"/>
             <a:ext cx="2119087" cy="580565"/>
           </a:xfrm>
           <a:prstGeom prst="rightArrow">
@@ -15254,157 +18388,13 @@
       </p:sp>
       <p:sp>
         <p:nvSpPr>
-          <p:cNvPr id="14" name="Rechteck 13"/>
-          <p:cNvSpPr/>
-          <p:nvPr/>
-        </p:nvSpPr>
-        <p:spPr>
-          <a:xfrm>
-            <a:off x="5036457" y="2046505"/>
-            <a:ext cx="6284686" cy="841829"/>
-          </a:xfrm>
-          <a:prstGeom prst="rect">
-            <a:avLst/>
-          </a:prstGeom>
-          <a:solidFill>
-            <a:srgbClr val="7030A0"/>
-          </a:solidFill>
-          <a:ln>
-            <a:noFill/>
-          </a:ln>
-        </p:spPr>
-        <p:style>
-          <a:lnRef idx="2">
-            <a:schemeClr val="accent1">
-              <a:shade val="50000"/>
-            </a:schemeClr>
-          </a:lnRef>
-          <a:fillRef idx="1">
-            <a:schemeClr val="accent1"/>
-          </a:fillRef>
-          <a:effectRef idx="0">
-            <a:schemeClr val="accent1"/>
-          </a:effectRef>
-          <a:fontRef idx="minor">
-            <a:schemeClr val="lt1"/>
-          </a:fontRef>
-        </p:style>
-        <p:txBody>
-          <a:bodyPr rtlCol="0" anchor="ctr"/>
-          <a:lstStyle/>
-          <a:p>
-            <a:pPr algn="ctr"/>
-            <a:r>
-              <a:rPr lang="de-DE" sz="2800" dirty="0"/>
-              <a:t>Bereitstellung des Produkts für </a:t>
-            </a:r>
-            <a:r>
-              <a:rPr lang="de-DE" sz="2800" dirty="0" err="1"/>
-              <a:t>öffentl</a:t>
-            </a:r>
-            <a:r>
-              <a:rPr lang="de-DE" sz="2800" dirty="0"/>
-              <a:t>. Einrichtungen</a:t>
-            </a:r>
-          </a:p>
-        </p:txBody>
-      </p:sp>
-      <p:sp>
-        <p:nvSpPr>
-          <p:cNvPr id="15" name="Textfeld 14"/>
-          <p:cNvSpPr txBox="1"/>
-          <p:nvPr/>
-        </p:nvSpPr>
-        <p:spPr>
-          <a:xfrm>
-            <a:off x="1381166" y="1584839"/>
-            <a:ext cx="859531" cy="461665"/>
-          </a:xfrm>
-          <a:prstGeom prst="rect">
-            <a:avLst/>
-          </a:prstGeom>
-          <a:noFill/>
-        </p:spPr>
-        <p:txBody>
-          <a:bodyPr wrap="none" rtlCol="0">
-            <a:spAutoFit/>
-          </a:bodyPr>
-          <a:lstStyle/>
-          <a:p>
-            <a:r>
-              <a:rPr lang="de-DE" sz="2400" dirty="0"/>
-              <a:t>Ziele:</a:t>
-            </a:r>
-          </a:p>
-        </p:txBody>
-      </p:sp>
-      <p:sp>
-        <p:nvSpPr>
-          <p:cNvPr id="16" name="Textfeld 15"/>
-          <p:cNvSpPr txBox="1"/>
-          <p:nvPr/>
-        </p:nvSpPr>
-        <p:spPr>
-          <a:xfrm>
-            <a:off x="2910116" y="1584840"/>
-            <a:ext cx="2351413" cy="461665"/>
-          </a:xfrm>
-          <a:prstGeom prst="rect">
-            <a:avLst/>
-          </a:prstGeom>
-          <a:noFill/>
-        </p:spPr>
-        <p:txBody>
-          <a:bodyPr wrap="none" rtlCol="0">
-            <a:spAutoFit/>
-          </a:bodyPr>
-          <a:lstStyle/>
-          <a:p>
-            <a:r>
-              <a:rPr lang="de-DE" sz="2400" dirty="0"/>
-              <a:t>erreichbar durch</a:t>
-            </a:r>
-          </a:p>
-        </p:txBody>
-      </p:sp>
-      <p:sp>
-        <p:nvSpPr>
-          <p:cNvPr id="17" name="Textfeld 16"/>
-          <p:cNvSpPr txBox="1"/>
-          <p:nvPr/>
-        </p:nvSpPr>
-        <p:spPr>
-          <a:xfrm>
-            <a:off x="7409038" y="1530960"/>
-            <a:ext cx="1539524" cy="461665"/>
-          </a:xfrm>
-          <a:prstGeom prst="rect">
-            <a:avLst/>
-          </a:prstGeom>
-          <a:noFill/>
-        </p:spPr>
-        <p:txBody>
-          <a:bodyPr wrap="none" rtlCol="0">
-            <a:spAutoFit/>
-          </a:bodyPr>
-          <a:lstStyle/>
-          <a:p>
-            <a:r>
-              <a:rPr lang="de-DE" sz="2400" dirty="0"/>
-              <a:t>Strategien:</a:t>
-            </a:r>
-          </a:p>
-        </p:txBody>
-      </p:sp>
-      <p:sp>
-        <p:nvSpPr>
           <p:cNvPr id="18" name="Rechteck 17"/>
           <p:cNvSpPr/>
           <p:nvPr/>
         </p:nvSpPr>
         <p:spPr>
           <a:xfrm>
-            <a:off x="921660" y="3113289"/>
+            <a:off x="921660" y="2984499"/>
             <a:ext cx="1988457" cy="841829"/>
           </a:xfrm>
           <a:prstGeom prst="rect">
@@ -15453,7 +18443,7 @@
         </p:nvSpPr>
         <p:spPr>
           <a:xfrm>
-            <a:off x="2910116" y="3243920"/>
+            <a:off x="2910116" y="3115130"/>
             <a:ext cx="2119087" cy="580565"/>
           </a:xfrm>
           <a:prstGeom prst="rightArrow">
@@ -15493,62 +18483,13 @@
       </p:sp>
       <p:sp>
         <p:nvSpPr>
-          <p:cNvPr id="20" name="Rechteck 19"/>
-          <p:cNvSpPr/>
-          <p:nvPr/>
-        </p:nvSpPr>
-        <p:spPr>
-          <a:xfrm>
-            <a:off x="5029203" y="3113287"/>
-            <a:ext cx="6284686" cy="841829"/>
-          </a:xfrm>
-          <a:prstGeom prst="rect">
-            <a:avLst/>
-          </a:prstGeom>
-          <a:solidFill>
-            <a:srgbClr val="7030A0"/>
-          </a:solidFill>
-          <a:ln>
-            <a:noFill/>
-          </a:ln>
-        </p:spPr>
-        <p:style>
-          <a:lnRef idx="2">
-            <a:schemeClr val="accent1">
-              <a:shade val="50000"/>
-            </a:schemeClr>
-          </a:lnRef>
-          <a:fillRef idx="1">
-            <a:schemeClr val="accent1"/>
-          </a:fillRef>
-          <a:effectRef idx="0">
-            <a:schemeClr val="accent1"/>
-          </a:effectRef>
-          <a:fontRef idx="minor">
-            <a:schemeClr val="lt1"/>
-          </a:fontRef>
-        </p:style>
-        <p:txBody>
-          <a:bodyPr rtlCol="0" anchor="ctr"/>
-          <a:lstStyle/>
-          <a:p>
-            <a:pPr algn="ctr"/>
-            <a:r>
-              <a:rPr lang="de-DE" sz="2800" dirty="0"/>
-              <a:t>Suchmaschinenoptimierung</a:t>
-            </a:r>
-          </a:p>
-        </p:txBody>
-      </p:sp>
-      <p:sp>
-        <p:nvSpPr>
           <p:cNvPr id="21" name="Rechteck 20"/>
           <p:cNvSpPr/>
           <p:nvPr/>
         </p:nvSpPr>
         <p:spPr>
           <a:xfrm>
-            <a:off x="921660" y="4172811"/>
+            <a:off x="921660" y="4095537"/>
             <a:ext cx="1988457" cy="841829"/>
           </a:xfrm>
           <a:prstGeom prst="rect">
@@ -15597,7 +18538,7 @@
         </p:nvSpPr>
         <p:spPr>
           <a:xfrm>
-            <a:off x="2910116" y="4303442"/>
+            <a:off x="2910116" y="4226168"/>
             <a:ext cx="2119087" cy="580565"/>
           </a:xfrm>
           <a:prstGeom prst="rightArrow">
@@ -15632,59 +18573,6 @@
           <a:p>
             <a:pPr algn="ctr"/>
             <a:endParaRPr lang="de-DE"/>
-          </a:p>
-        </p:txBody>
-      </p:sp>
-      <p:sp>
-        <p:nvSpPr>
-          <p:cNvPr id="23" name="Rechteck 22"/>
-          <p:cNvSpPr/>
-          <p:nvPr/>
-        </p:nvSpPr>
-        <p:spPr>
-          <a:xfrm>
-            <a:off x="5029203" y="4172809"/>
-            <a:ext cx="6284686" cy="841829"/>
-          </a:xfrm>
-          <a:prstGeom prst="rect">
-            <a:avLst/>
-          </a:prstGeom>
-          <a:solidFill>
-            <a:srgbClr val="7030A0"/>
-          </a:solidFill>
-          <a:ln>
-            <a:noFill/>
-          </a:ln>
-        </p:spPr>
-        <p:style>
-          <a:lnRef idx="2">
-            <a:schemeClr val="accent1">
-              <a:shade val="50000"/>
-            </a:schemeClr>
-          </a:lnRef>
-          <a:fillRef idx="1">
-            <a:schemeClr val="accent1"/>
-          </a:fillRef>
-          <a:effectRef idx="0">
-            <a:schemeClr val="accent1"/>
-          </a:effectRef>
-          <a:fontRef idx="minor">
-            <a:schemeClr val="lt1"/>
-          </a:fontRef>
-        </p:style>
-        <p:txBody>
-          <a:bodyPr rtlCol="0" anchor="ctr"/>
-          <a:lstStyle/>
-          <a:p>
-            <a:pPr algn="ctr"/>
-            <a:r>
-              <a:rPr lang="de-DE" sz="2800" dirty="0" err="1"/>
-              <a:t>Social</a:t>
-            </a:r>
-            <a:r>
-              <a:rPr lang="de-DE" sz="2800" dirty="0"/>
-              <a:t> Media-Präsenz, Werbepartner in Printmedien</a:t>
-            </a:r>
           </a:p>
         </p:txBody>
       </p:sp>
@@ -15785,16 +18673,16 @@
       </p:sp>
       <p:sp>
         <p:nvSpPr>
-          <p:cNvPr id="26" name="Rechteck 25"/>
+          <p:cNvPr id="9" name="Abgerundetes Rechteck 8"/>
           <p:cNvSpPr/>
           <p:nvPr/>
         </p:nvSpPr>
         <p:spPr>
           <a:xfrm>
-            <a:off x="5043717" y="5203303"/>
+            <a:off x="5043717" y="1827564"/>
             <a:ext cx="6284686" cy="841829"/>
           </a:xfrm>
-          <a:prstGeom prst="rect">
+          <a:prstGeom prst="roundRect">
             <a:avLst/>
           </a:prstGeom>
           <a:solidFill>
@@ -15827,8 +18715,170 @@
             <a:pPr algn="ctr"/>
             <a:r>
               <a:rPr lang="de-DE" sz="2800" dirty="0"/>
+              <a:t>Bereitstellung des Produkts für </a:t>
+            </a:r>
+            <a:r>
+              <a:rPr lang="de-DE" sz="2800" dirty="0" err="1"/>
+              <a:t>öffentl</a:t>
+            </a:r>
+            <a:r>
+              <a:rPr lang="de-DE" sz="2800" dirty="0"/>
+              <a:t>. Einrichtungen</a:t>
+            </a:r>
+          </a:p>
+        </p:txBody>
+      </p:sp>
+      <p:sp>
+        <p:nvSpPr>
+          <p:cNvPr id="27" name="Abgerundetes Rechteck 26"/>
+          <p:cNvSpPr/>
+          <p:nvPr/>
+        </p:nvSpPr>
+        <p:spPr>
+          <a:xfrm>
+            <a:off x="5043717" y="2984499"/>
+            <a:ext cx="6284686" cy="841829"/>
+          </a:xfrm>
+          <a:prstGeom prst="roundRect">
+            <a:avLst/>
+          </a:prstGeom>
+          <a:solidFill>
+            <a:srgbClr val="7030A0"/>
+          </a:solidFill>
+          <a:ln>
+            <a:noFill/>
+          </a:ln>
+        </p:spPr>
+        <p:style>
+          <a:lnRef idx="2">
+            <a:schemeClr val="accent1">
+              <a:shade val="50000"/>
+            </a:schemeClr>
+          </a:lnRef>
+          <a:fillRef idx="1">
+            <a:schemeClr val="accent1"/>
+          </a:fillRef>
+          <a:effectRef idx="0">
+            <a:schemeClr val="accent1"/>
+          </a:effectRef>
+          <a:fontRef idx="minor">
+            <a:schemeClr val="lt1"/>
+          </a:fontRef>
+        </p:style>
+        <p:txBody>
+          <a:bodyPr rtlCol="0" anchor="ctr"/>
+          <a:lstStyle/>
+          <a:p>
+            <a:pPr algn="ctr"/>
+            <a:r>
+              <a:rPr lang="de-DE" sz="2800" dirty="0" smtClean="0"/>
+              <a:t>Suchmaschinenoptimierung</a:t>
+            </a:r>
+            <a:endParaRPr lang="de-DE" sz="2800" dirty="0"/>
+          </a:p>
+        </p:txBody>
+      </p:sp>
+      <p:sp>
+        <p:nvSpPr>
+          <p:cNvPr id="28" name="Abgerundetes Rechteck 27"/>
+          <p:cNvSpPr/>
+          <p:nvPr/>
+        </p:nvSpPr>
+        <p:spPr>
+          <a:xfrm>
+            <a:off x="5043717" y="4095537"/>
+            <a:ext cx="6284686" cy="841829"/>
+          </a:xfrm>
+          <a:prstGeom prst="roundRect">
+            <a:avLst/>
+          </a:prstGeom>
+          <a:solidFill>
+            <a:srgbClr val="7030A0"/>
+          </a:solidFill>
+          <a:ln>
+            <a:noFill/>
+          </a:ln>
+        </p:spPr>
+        <p:style>
+          <a:lnRef idx="2">
+            <a:schemeClr val="accent1">
+              <a:shade val="50000"/>
+            </a:schemeClr>
+          </a:lnRef>
+          <a:fillRef idx="1">
+            <a:schemeClr val="accent1"/>
+          </a:fillRef>
+          <a:effectRef idx="0">
+            <a:schemeClr val="accent1"/>
+          </a:effectRef>
+          <a:fontRef idx="minor">
+            <a:schemeClr val="lt1"/>
+          </a:fontRef>
+        </p:style>
+        <p:txBody>
+          <a:bodyPr rtlCol="0" anchor="ctr"/>
+          <a:lstStyle/>
+          <a:p>
+            <a:pPr algn="ctr"/>
+            <a:r>
+              <a:rPr lang="de-DE" sz="2800" dirty="0" err="1" smtClean="0"/>
+              <a:t>Social</a:t>
+            </a:r>
+            <a:r>
+              <a:rPr lang="de-DE" sz="2800" dirty="0" smtClean="0"/>
+              <a:t> Media-Präsenz, Werbung in Printmedien</a:t>
+            </a:r>
+            <a:endParaRPr lang="de-DE" sz="2800" dirty="0"/>
+          </a:p>
+        </p:txBody>
+      </p:sp>
+      <p:sp>
+        <p:nvSpPr>
+          <p:cNvPr id="30" name="Abgerundetes Rechteck 29"/>
+          <p:cNvSpPr/>
+          <p:nvPr/>
+        </p:nvSpPr>
+        <p:spPr>
+          <a:xfrm>
+            <a:off x="5043717" y="5203303"/>
+            <a:ext cx="6284686" cy="841829"/>
+          </a:xfrm>
+          <a:prstGeom prst="roundRect">
+            <a:avLst/>
+          </a:prstGeom>
+          <a:solidFill>
+            <a:srgbClr val="7030A0"/>
+          </a:solidFill>
+          <a:ln>
+            <a:noFill/>
+          </a:ln>
+        </p:spPr>
+        <p:style>
+          <a:lnRef idx="2">
+            <a:schemeClr val="accent1">
+              <a:shade val="50000"/>
+            </a:schemeClr>
+          </a:lnRef>
+          <a:fillRef idx="1">
+            <a:schemeClr val="accent1"/>
+          </a:fillRef>
+          <a:effectRef idx="0">
+            <a:schemeClr val="accent1"/>
+          </a:effectRef>
+          <a:fontRef idx="minor">
+            <a:schemeClr val="lt1"/>
+          </a:fontRef>
+        </p:style>
+        <p:txBody>
+          <a:bodyPr rtlCol="0" anchor="ctr"/>
+          <a:lstStyle/>
+          <a:p>
+            <a:pPr algn="ctr"/>
+            <a:r>
+              <a:rPr lang="de-DE" sz="2800" dirty="0"/>
               <a:t>Trennung von kostenloser und Enterprise-Version</a:t>
             </a:r>
+            <a:endParaRPr lang="de-DE" sz="2800" dirty="0"/>
           </a:p>
         </p:txBody>
       </p:sp>
@@ -16936,7 +19986,7 @@
         </p:blipFill>
         <p:spPr>
           <a:xfrm>
-            <a:off x="507990" y="1872343"/>
+            <a:off x="289047" y="2245834"/>
             <a:ext cx="5715000" cy="3810000"/>
           </a:xfrm>
           <a:prstGeom prst="rect">
@@ -16966,7 +20016,7 @@
         </p:blipFill>
         <p:spPr>
           <a:xfrm>
-            <a:off x="2831982" y="2952569"/>
+            <a:off x="2613039" y="3326060"/>
             <a:ext cx="1067015" cy="1649548"/>
           </a:xfrm>
           <a:prstGeom prst="rect">
@@ -16974,55 +20024,6 @@
           </a:prstGeom>
         </p:spPr>
       </p:pic>
-      <p:sp>
-        <p:nvSpPr>
-          <p:cNvPr id="11" name="Pfeil nach rechts 10"/>
-          <p:cNvSpPr/>
-          <p:nvPr/>
-        </p:nvSpPr>
-        <p:spPr>
-          <a:xfrm>
-            <a:off x="4978403" y="2718887"/>
-            <a:ext cx="2235200" cy="1825171"/>
-          </a:xfrm>
-          <a:prstGeom prst="rightArrow">
-            <a:avLst/>
-          </a:prstGeom>
-          <a:solidFill>
-            <a:srgbClr val="7030A0"/>
-          </a:solidFill>
-          <a:ln>
-            <a:noFill/>
-          </a:ln>
-        </p:spPr>
-        <p:style>
-          <a:lnRef idx="2">
-            <a:schemeClr val="accent1">
-              <a:shade val="50000"/>
-            </a:schemeClr>
-          </a:lnRef>
-          <a:fillRef idx="1">
-            <a:schemeClr val="accent1"/>
-          </a:fillRef>
-          <a:effectRef idx="0">
-            <a:schemeClr val="accent1"/>
-          </a:effectRef>
-          <a:fontRef idx="minor">
-            <a:schemeClr val="lt1"/>
-          </a:fontRef>
-        </p:style>
-        <p:txBody>
-          <a:bodyPr rtlCol="0" anchor="ctr"/>
-          <a:lstStyle/>
-          <a:p>
-            <a:pPr algn="ctr"/>
-            <a:r>
-              <a:rPr lang="de-DE" sz="2800" dirty="0"/>
-              <a:t>Bei Bedarf</a:t>
-            </a:r>
-          </a:p>
-        </p:txBody>
-      </p:sp>
       <p:pic>
         <p:nvPicPr>
           <p:cNvPr id="12" name="Grafik 11"/>
@@ -17045,7 +20046,7 @@
         </p:blipFill>
         <p:spPr>
           <a:xfrm>
-            <a:off x="7547432" y="1872343"/>
+            <a:off x="7547432" y="2387503"/>
             <a:ext cx="3424465" cy="3424465"/>
           </a:xfrm>
           <a:prstGeom prst="rect">
@@ -17075,7 +20076,7 @@
         </p:blipFill>
         <p:spPr>
           <a:xfrm>
-            <a:off x="9714826" y="2306500"/>
+            <a:off x="9714826" y="2821660"/>
             <a:ext cx="533508" cy="824774"/>
           </a:xfrm>
           <a:prstGeom prst="rect">
@@ -17105,7 +20106,7 @@
         </p:blipFill>
         <p:spPr>
           <a:xfrm>
-            <a:off x="9714826" y="3364956"/>
+            <a:off x="9714826" y="3880116"/>
             <a:ext cx="533508" cy="824774"/>
           </a:xfrm>
           <a:prstGeom prst="rect">
@@ -17135,7 +20136,7 @@
         </p:blipFill>
         <p:spPr>
           <a:xfrm>
-            <a:off x="8357740" y="3777343"/>
+            <a:off x="8357740" y="4292503"/>
             <a:ext cx="533508" cy="824774"/>
           </a:xfrm>
           <a:prstGeom prst="rect">
@@ -17165,7 +20166,7 @@
         </p:blipFill>
         <p:spPr>
           <a:xfrm>
-            <a:off x="8198083" y="2479583"/>
+            <a:off x="8198083" y="2994743"/>
             <a:ext cx="533508" cy="824774"/>
           </a:xfrm>
           <a:prstGeom prst="rect">
@@ -17173,6 +20174,56 @@
           </a:prstGeom>
         </p:spPr>
       </p:pic>
+      <p:sp>
+        <p:nvSpPr>
+          <p:cNvPr id="17" name="Pfeil nach rechts 16"/>
+          <p:cNvSpPr/>
+          <p:nvPr/>
+        </p:nvSpPr>
+        <p:spPr>
+          <a:xfrm>
+            <a:off x="4223667" y="3250282"/>
+            <a:ext cx="3309257" cy="1715290"/>
+          </a:xfrm>
+          <a:prstGeom prst="rightArrow">
+            <a:avLst/>
+          </a:prstGeom>
+          <a:solidFill>
+            <a:srgbClr val="7030A0"/>
+          </a:solidFill>
+          <a:ln>
+            <a:noFill/>
+          </a:ln>
+        </p:spPr>
+        <p:style>
+          <a:lnRef idx="2">
+            <a:schemeClr val="accent1">
+              <a:shade val="50000"/>
+            </a:schemeClr>
+          </a:lnRef>
+          <a:fillRef idx="1">
+            <a:schemeClr val="accent1"/>
+          </a:fillRef>
+          <a:effectRef idx="0">
+            <a:schemeClr val="accent1"/>
+          </a:effectRef>
+          <a:fontRef idx="minor">
+            <a:schemeClr val="lt1"/>
+          </a:fontRef>
+        </p:style>
+        <p:txBody>
+          <a:bodyPr rtlCol="0" anchor="ctr"/>
+          <a:lstStyle/>
+          <a:p>
+            <a:pPr algn="ctr"/>
+            <a:r>
+              <a:rPr lang="de-DE" sz="2800" dirty="0" smtClean="0"/>
+              <a:t>Bei Bedarf</a:t>
+            </a:r>
+            <a:endParaRPr lang="de-DE" sz="2800" dirty="0"/>
+          </a:p>
+        </p:txBody>
+      </p:sp>
     </p:spTree>
     <p:extLst>
       <p:ext uri="{BB962C8B-B14F-4D97-AF65-F5344CB8AC3E}">
@@ -17245,32 +20296,57 @@
         <p:spPr/>
         <p:txBody>
           <a:bodyPr>
-            <a:normAutofit/>
+            <a:normAutofit fontScale="92500" lnSpcReduction="20000"/>
           </a:bodyPr>
           <a:lstStyle/>
           <a:p>
             <a:r>
+              <a:rPr lang="de-DE" dirty="0" smtClean="0"/>
+              <a:t>Projektplanung</a:t>
+            </a:r>
+          </a:p>
+          <a:p>
+            <a:endParaRPr lang="de-DE" dirty="0"/>
+          </a:p>
+          <a:p>
+            <a:r>
+              <a:rPr lang="de-DE" dirty="0" smtClean="0"/>
+              <a:t>Marktanalyse</a:t>
+            </a:r>
+          </a:p>
+          <a:p>
+            <a:endParaRPr lang="de-DE" dirty="0"/>
+          </a:p>
+          <a:p>
+            <a:r>
               <a:rPr lang="de-DE" dirty="0"/>
-              <a:t>Projektplanung</a:t>
-            </a:r>
-          </a:p>
-          <a:p>
-            <a:r>
-              <a:rPr lang="de-DE" dirty="0"/>
-              <a:t>Marktanalyse</a:t>
-            </a:r>
-          </a:p>
-          <a:p>
-            <a:r>
-              <a:rPr lang="de-DE" dirty="0"/>
-              <a:t>Marketingstrategie/-ziele</a:t>
-            </a:r>
-          </a:p>
-          <a:p>
-            <a:r>
-              <a:rPr lang="de-DE" dirty="0"/>
+              <a:t>Marketingstrategie/-</a:t>
+            </a:r>
+            <a:r>
+              <a:rPr lang="de-DE" dirty="0" smtClean="0"/>
+              <a:t>ziele</a:t>
+            </a:r>
+          </a:p>
+          <a:p>
+            <a:endParaRPr lang="de-DE" dirty="0"/>
+          </a:p>
+          <a:p>
+            <a:r>
+              <a:rPr lang="de-DE" dirty="0" smtClean="0"/>
               <a:t>Marketingmix</a:t>
             </a:r>
+          </a:p>
+          <a:p>
+            <a:endParaRPr lang="de-DE" dirty="0"/>
+          </a:p>
+          <a:p>
+            <a:r>
+              <a:rPr lang="de-DE" dirty="0" smtClean="0"/>
+              <a:t>Probleme bei der Durchführung</a:t>
+            </a:r>
+          </a:p>
+          <a:p>
+            <a:endParaRPr lang="de-DE" dirty="0"/>
           </a:p>
           <a:p>
             <a:r>
@@ -18009,7 +21085,11 @@
           <a:bodyPr/>
           <a:lstStyle/>
           <a:p>
-            <a:endParaRPr lang="de-DE"/>
+            <a:r>
+              <a:rPr lang="de-DE" dirty="0" smtClean="0"/>
+              <a:t>1/1</a:t>
+            </a:r>
+            <a:endParaRPr lang="de-DE" dirty="0"/>
           </a:p>
         </p:txBody>
       </p:sp>
@@ -18020,11 +21100,15 @@
             <a:graphicFrameLocks noGrp="1"/>
           </p:cNvGraphicFramePr>
           <p:nvPr>
-            <p:extLst/>
+            <p:extLst>
+              <p:ext uri="{D42A27DB-BD31-4B8C-83A1-F6EECF244321}">
+                <p14:modId xmlns:p14="http://schemas.microsoft.com/office/powerpoint/2010/main" val="2026480001"/>
+              </p:ext>
+            </p:extLst>
           </p:nvPr>
         </p:nvGraphicFramePr>
         <p:xfrm>
-          <a:off x="1175657" y="2236894"/>
+          <a:off x="1175657" y="1863403"/>
           <a:ext cx="9840688" cy="2384212"/>
         </p:xfrm>
         <a:graphic>
@@ -18037,14 +21121,14 @@
                 <a:gridCol w="4920344">
                   <a:extLst>
                     <a:ext uri="{9D8B030D-6E8A-4147-A177-3AD203B41FA5}">
-                      <a16:colId xmlns="" xmlns:a16="http://schemas.microsoft.com/office/drawing/2014/main" val="20000"/>
+                      <a16:colId xmlns:a16="http://schemas.microsoft.com/office/drawing/2014/main" xmlns="" val="20000"/>
                     </a:ext>
                   </a:extLst>
                 </a:gridCol>
                 <a:gridCol w="4920344">
                   <a:extLst>
                     <a:ext uri="{9D8B030D-6E8A-4147-A177-3AD203B41FA5}">
-                      <a16:colId xmlns="" xmlns:a16="http://schemas.microsoft.com/office/drawing/2014/main" val="20001"/>
+                      <a16:colId xmlns:a16="http://schemas.microsoft.com/office/drawing/2014/main" xmlns="" val="20001"/>
                     </a:ext>
                   </a:extLst>
                 </a:gridCol>
@@ -18088,7 +21172,7 @@
                 </a:tc>
                 <a:extLst>
                   <a:ext uri="{0D108BD9-81ED-4DB2-BD59-A6C34878D82A}">
-                    <a16:rowId xmlns="" xmlns:a16="http://schemas.microsoft.com/office/drawing/2014/main" val="10000"/>
+                    <a16:rowId xmlns:a16="http://schemas.microsoft.com/office/drawing/2014/main" xmlns="" val="10000"/>
                   </a:ext>
                 </a:extLst>
               </a:tr>
@@ -18133,7 +21217,7 @@
                 </a:tc>
                 <a:extLst>
                   <a:ext uri="{0D108BD9-81ED-4DB2-BD59-A6C34878D82A}">
-                    <a16:rowId xmlns="" xmlns:a16="http://schemas.microsoft.com/office/drawing/2014/main" val="10001"/>
+                    <a16:rowId xmlns:a16="http://schemas.microsoft.com/office/drawing/2014/main" xmlns="" val="10001"/>
                   </a:ext>
                 </a:extLst>
               </a:tr>
@@ -18173,7 +21257,7 @@
                 </a:tc>
                 <a:extLst>
                   <a:ext uri="{0D108BD9-81ED-4DB2-BD59-A6C34878D82A}">
-                    <a16:rowId xmlns="" xmlns:a16="http://schemas.microsoft.com/office/drawing/2014/main" val="10002"/>
+                    <a16:rowId xmlns:a16="http://schemas.microsoft.com/office/drawing/2014/main" xmlns="" val="10002"/>
                   </a:ext>
                 </a:extLst>
               </a:tr>
@@ -18214,11 +21298,33 @@
                 </a:tc>
                 <a:extLst>
                   <a:ext uri="{0D108BD9-81ED-4DB2-BD59-A6C34878D82A}">
-                    <a16:rowId xmlns="" xmlns:a16="http://schemas.microsoft.com/office/drawing/2014/main" val="10003"/>
+                    <a16:rowId xmlns:a16="http://schemas.microsoft.com/office/drawing/2014/main" xmlns="" val="10003"/>
                   </a:ext>
                 </a:extLst>
               </a:tr>
             </a:tbl>
+          </a:graphicData>
+        </a:graphic>
+      </p:graphicFrame>
+      <p:graphicFrame>
+        <p:nvGraphicFramePr>
+          <p:cNvPr id="3" name="Diagramm 2"/>
+          <p:cNvGraphicFramePr/>
+          <p:nvPr>
+            <p:extLst>
+              <p:ext uri="{D42A27DB-BD31-4B8C-83A1-F6EECF244321}">
+                <p14:modId xmlns:p14="http://schemas.microsoft.com/office/powerpoint/2010/main" val="1847582465"/>
+              </p:ext>
+            </p:extLst>
+          </p:nvPr>
+        </p:nvGraphicFramePr>
+        <p:xfrm>
+          <a:off x="2568620" y="4407039"/>
+          <a:ext cx="7054760" cy="1568764"/>
+        </p:xfrm>
+        <a:graphic>
+          <a:graphicData uri="http://schemas.openxmlformats.org/drawingml/2006/diagram">
+            <dgm:relIds xmlns:dgm="http://schemas.openxmlformats.org/drawingml/2006/diagram" xmlns:r="http://schemas.openxmlformats.org/officeDocument/2006/relationships" r:dm="rId2" r:lo="rId3" r:qs="rId4" r:cs="rId5"/>
           </a:graphicData>
         </a:graphic>
       </p:graphicFrame>
@@ -18417,7 +21523,7 @@
         </p:blipFill>
         <p:spPr>
           <a:xfrm>
-            <a:off x="880938" y="1535029"/>
+            <a:off x="2671102" y="1741091"/>
             <a:ext cx="2476295" cy="1561455"/>
           </a:xfrm>
           <a:prstGeom prst="rect">
@@ -18430,7 +21536,11 @@
           <p:cNvPr id="16" name="Diagramm 15"/>
           <p:cNvGraphicFramePr/>
           <p:nvPr>
-            <p:extLst/>
+            <p:extLst>
+              <p:ext uri="{D42A27DB-BD31-4B8C-83A1-F6EECF244321}">
+                <p14:modId xmlns:p14="http://schemas.microsoft.com/office/powerpoint/2010/main" val="4092025186"/>
+              </p:ext>
+            </p:extLst>
           </p:nvPr>
         </p:nvGraphicFramePr>
         <p:xfrm>
@@ -18443,36 +21553,6 @@
           </a:graphicData>
         </a:graphic>
       </p:graphicFrame>
-      <p:sp>
-        <p:nvSpPr>
-          <p:cNvPr id="17" name="Textfeld 16"/>
-          <p:cNvSpPr txBox="1"/>
-          <p:nvPr/>
-        </p:nvSpPr>
-        <p:spPr>
-          <a:xfrm>
-            <a:off x="4218596" y="1393371"/>
-            <a:ext cx="3754810" cy="461665"/>
-          </a:xfrm>
-          <a:prstGeom prst="rect">
-            <a:avLst/>
-          </a:prstGeom>
-          <a:noFill/>
-        </p:spPr>
-        <p:txBody>
-          <a:bodyPr wrap="none" rtlCol="0">
-            <a:spAutoFit/>
-          </a:bodyPr>
-          <a:lstStyle/>
-          <a:p>
-            <a:pPr algn="ctr"/>
-            <a:r>
-              <a:rPr lang="de-DE" sz="2400" dirty="0"/>
-              <a:t>Suchmaschinenoptimierung</a:t>
-            </a:r>
-          </a:p>
-        </p:txBody>
-      </p:sp>
     </p:spTree>
     <p:extLst>
       <p:ext uri="{BB962C8B-B14F-4D97-AF65-F5344CB8AC3E}">
@@ -18642,39 +21722,6 @@
             <a:r>
               <a:rPr lang="de-DE" dirty="0"/>
               <a:t>2/3</a:t>
-            </a:r>
-          </a:p>
-        </p:txBody>
-      </p:sp>
-      <p:sp>
-        <p:nvSpPr>
-          <p:cNvPr id="9" name="Textfeld 8"/>
-          <p:cNvSpPr txBox="1"/>
-          <p:nvPr/>
-        </p:nvSpPr>
-        <p:spPr>
-          <a:xfrm>
-            <a:off x="3779276" y="1378861"/>
-            <a:ext cx="4633448" cy="461665"/>
-          </a:xfrm>
-          <a:prstGeom prst="rect">
-            <a:avLst/>
-          </a:prstGeom>
-          <a:noFill/>
-        </p:spPr>
-        <p:txBody>
-          <a:bodyPr wrap="none" rtlCol="0">
-            <a:spAutoFit/>
-          </a:bodyPr>
-          <a:lstStyle/>
-          <a:p>
-            <a:r>
-              <a:rPr lang="de-DE" sz="2400" dirty="0" err="1"/>
-              <a:t>Social</a:t>
-            </a:r>
-            <a:r>
-              <a:rPr lang="de-DE" sz="2400" dirty="0"/>
-              <a:t> Media/Printmedien - Präsenz</a:t>
             </a:r>
           </a:p>
         </p:txBody>
@@ -18950,9 +21997,10 @@
           <a:lstStyle/>
           <a:p>
             <a:r>
-              <a:rPr lang="de-DE" dirty="0"/>
-              <a:t>Fazit</a:t>
-            </a:r>
+              <a:rPr lang="de-DE" dirty="0" smtClean="0"/>
+              <a:t>Probleme Durchführung</a:t>
+            </a:r>
+            <a:endParaRPr lang="de-DE" dirty="0"/>
           </a:p>
         </p:txBody>
       </p:sp>
@@ -19010,10 +22058,10 @@
         </p:nvGrpSpPr>
         <p:grpSpPr>
           <a:xfrm>
-            <a:off x="1364338" y="2042009"/>
-            <a:ext cx="1873975" cy="2962664"/>
-            <a:chOff x="1059544" y="2336805"/>
-            <a:chExt cx="1873975" cy="2962664"/>
+            <a:off x="1279291" y="2042009"/>
+            <a:ext cx="2056910" cy="2962664"/>
+            <a:chOff x="974497" y="2336805"/>
+            <a:chExt cx="2056910" cy="2962664"/>
           </a:xfrm>
         </p:grpSpPr>
         <p:grpSp>
@@ -19099,8 +22147,8 @@
           </p:nvSpPr>
           <p:spPr>
             <a:xfrm>
-              <a:off x="1059544" y="2336805"/>
-              <a:ext cx="1873975" cy="461665"/>
+              <a:off x="974497" y="2336805"/>
+              <a:ext cx="2056910" cy="523220"/>
             </a:xfrm>
             <a:prstGeom prst="rect">
               <a:avLst/>
@@ -19114,9 +22162,10 @@
             <a:lstStyle/>
             <a:p>
               <a:r>
-                <a:rPr lang="de-DE" sz="2400" dirty="0"/>
-                <a:t>Initialversion:</a:t>
+                <a:rPr lang="de-DE" sz="2800" dirty="0" smtClean="0"/>
+                <a:t>Initialversion</a:t>
               </a:r>
+              <a:endParaRPr lang="de-DE" sz="2800" dirty="0"/>
             </a:p>
           </p:txBody>
         </p:sp>
@@ -19405,14 +22454,14 @@
       </p:grpSp>
       <p:sp>
         <p:nvSpPr>
-          <p:cNvPr id="20" name="Textfeld 19"/>
+          <p:cNvPr id="21" name="Textfeld 20"/>
           <p:cNvSpPr txBox="1"/>
           <p:nvPr/>
         </p:nvSpPr>
         <p:spPr>
           <a:xfrm>
-            <a:off x="4272126" y="2042009"/>
-            <a:ext cx="1471878" cy="461665"/>
+            <a:off x="6973369" y="2045809"/>
+            <a:ext cx="3804375" cy="523220"/>
           </a:xfrm>
           <a:prstGeom prst="rect">
             <a:avLst/>
@@ -19426,36 +22475,7 @@
           <a:lstStyle/>
           <a:p>
             <a:r>
-              <a:rPr lang="de-DE" sz="2400" dirty="0"/>
-              <a:t>bei Bedarf</a:t>
-            </a:r>
-          </a:p>
-        </p:txBody>
-      </p:sp>
-      <p:sp>
-        <p:nvSpPr>
-          <p:cNvPr id="21" name="Textfeld 20"/>
-          <p:cNvSpPr txBox="1"/>
-          <p:nvPr/>
-        </p:nvSpPr>
-        <p:spPr>
-          <a:xfrm>
-            <a:off x="7233985" y="2042007"/>
-            <a:ext cx="3283143" cy="461665"/>
-          </a:xfrm>
-          <a:prstGeom prst="rect">
-            <a:avLst/>
-          </a:prstGeom>
-          <a:noFill/>
-        </p:spPr>
-        <p:txBody>
-          <a:bodyPr wrap="none" rtlCol="0">
-            <a:spAutoFit/>
-          </a:bodyPr>
-          <a:lstStyle/>
-          <a:p>
-            <a:r>
-              <a:rPr lang="de-DE" sz="2400" dirty="0"/>
+              <a:rPr lang="de-DE" sz="2800" dirty="0"/>
               <a:t>Lokalisation und Support</a:t>
             </a:r>
           </a:p>
@@ -19514,9 +22534,10 @@
           <a:lstStyle/>
           <a:p>
             <a:r>
-              <a:rPr lang="de-DE" dirty="0"/>
-              <a:t>Fazit</a:t>
-            </a:r>
+              <a:rPr lang="de-DE" dirty="0" smtClean="0"/>
+              <a:t>Probleme bei der Durchführung</a:t>
+            </a:r>
+            <a:endParaRPr lang="de-DE" dirty="0"/>
           </a:p>
         </p:txBody>
       </p:sp>
@@ -19536,9 +22557,10 @@
           <a:lstStyle/>
           <a:p>
             <a:r>
-              <a:rPr lang="de-DE" dirty="0"/>
+              <a:rPr lang="de-DE" dirty="0" smtClean="0"/>
               <a:t>Marketingmix</a:t>
             </a:r>
+            <a:endParaRPr lang="de-DE" dirty="0"/>
           </a:p>
         </p:txBody>
       </p:sp>
@@ -19554,13 +22576,24 @@
         </p:nvSpPr>
         <p:spPr/>
         <p:txBody>
-          <a:bodyPr/>
-          <a:lstStyle/>
-          <a:p>
+          <a:bodyPr>
+            <a:normAutofit/>
+          </a:bodyPr>
+          <a:lstStyle/>
+          <a:p>
+            <a:r>
+              <a:rPr lang="de-DE" dirty="0" smtClean="0"/>
+              <a:t>Probleme </a:t>
+            </a:r>
             <a:r>
               <a:rPr lang="de-DE" dirty="0"/>
-              <a:t>Fazit</a:t>
-            </a:r>
+              <a:t>D</a:t>
+            </a:r>
+            <a:r>
+              <a:rPr lang="de-DE" dirty="0" smtClean="0"/>
+              <a:t>urchführung</a:t>
+            </a:r>
+            <a:endParaRPr lang="de-DE" dirty="0"/>
           </a:p>
         </p:txBody>
       </p:sp>
@@ -19579,7 +22612,11 @@
           <a:bodyPr/>
           <a:lstStyle/>
           <a:p>
-            <a:endParaRPr lang="de-DE"/>
+            <a:r>
+              <a:rPr lang="de-DE" dirty="0" smtClean="0"/>
+              <a:t>Fazit</a:t>
+            </a:r>
+            <a:endParaRPr lang="de-DE" dirty="0"/>
           </a:p>
         </p:txBody>
       </p:sp>
@@ -19598,7 +22635,7 @@
           <a:bodyPr/>
           <a:lstStyle/>
           <a:p>
-            <a:endParaRPr lang="de-DE" dirty="0"/>
+            <a:endParaRPr lang="de-DE"/>
           </a:p>
         </p:txBody>
       </p:sp>
@@ -19617,7 +22654,357 @@
           <a:bodyPr/>
           <a:lstStyle/>
           <a:p>
+            <a:r>
+              <a:rPr lang="de-DE" dirty="0" smtClean="0"/>
+              <a:t>1/1</a:t>
+            </a:r>
+            <a:endParaRPr lang="de-DE" dirty="0"/>
+          </a:p>
+        </p:txBody>
+      </p:sp>
+      <p:pic>
+        <p:nvPicPr>
+          <p:cNvPr id="13" name="Grafik 12"/>
+          <p:cNvPicPr>
+            <a:picLocks noChangeAspect="1"/>
+          </p:cNvPicPr>
+          <p:nvPr/>
+        </p:nvPicPr>
+        <p:blipFill>
+          <a:blip r:embed="rId2">
+            <a:extLst>
+              <a:ext uri="{28A0092B-C50C-407E-A947-70E740481C1C}">
+                <a14:useLocalDpi xmlns:a14="http://schemas.microsoft.com/office/drawing/2010/main" val="0"/>
+              </a:ext>
+            </a:extLst>
+          </a:blip>
+          <a:stretch>
+            <a:fillRect/>
+          </a:stretch>
+        </p:blipFill>
+        <p:spPr>
+          <a:xfrm>
+            <a:off x="868516" y="2078060"/>
+            <a:ext cx="2249242" cy="2249242"/>
+          </a:xfrm>
+          <a:prstGeom prst="rect">
+            <a:avLst/>
+          </a:prstGeom>
+        </p:spPr>
+      </p:pic>
+      <p:sp>
+        <p:nvSpPr>
+          <p:cNvPr id="14" name="Textfeld 13"/>
+          <p:cNvSpPr txBox="1"/>
+          <p:nvPr/>
+        </p:nvSpPr>
+        <p:spPr>
+          <a:xfrm>
+            <a:off x="917810" y="4317375"/>
+            <a:ext cx="2150653" cy="523220"/>
+          </a:xfrm>
+          <a:prstGeom prst="rect">
+            <a:avLst/>
+          </a:prstGeom>
+          <a:noFill/>
+        </p:spPr>
+        <p:txBody>
+          <a:bodyPr wrap="none" rtlCol="0">
+            <a:spAutoFit/>
+          </a:bodyPr>
+          <a:lstStyle/>
+          <a:p>
+            <a:r>
+              <a:rPr lang="de-DE" sz="2800" dirty="0" smtClean="0"/>
+              <a:t>Krankheitsfall</a:t>
+            </a:r>
+            <a:endParaRPr lang="de-DE" sz="2800" dirty="0"/>
+          </a:p>
+        </p:txBody>
+      </p:sp>
+      <p:pic>
+        <p:nvPicPr>
+          <p:cNvPr id="15" name="Grafik 14"/>
+          <p:cNvPicPr>
+            <a:picLocks noChangeAspect="1"/>
+          </p:cNvPicPr>
+          <p:nvPr/>
+        </p:nvPicPr>
+        <p:blipFill>
+          <a:blip r:embed="rId3" cstate="print">
+            <a:extLst>
+              <a:ext uri="{28A0092B-C50C-407E-A947-70E740481C1C}">
+                <a14:useLocalDpi xmlns:a14="http://schemas.microsoft.com/office/drawing/2010/main" val="0"/>
+              </a:ext>
+            </a:extLst>
+          </a:blip>
+          <a:stretch>
+            <a:fillRect/>
+          </a:stretch>
+        </p:blipFill>
+        <p:spPr>
+          <a:xfrm>
+            <a:off x="4587026" y="2053913"/>
+            <a:ext cx="3017949" cy="2263462"/>
+          </a:xfrm>
+          <a:prstGeom prst="rect">
+            <a:avLst/>
+          </a:prstGeom>
+        </p:spPr>
+      </p:pic>
+      <p:sp>
+        <p:nvSpPr>
+          <p:cNvPr id="16" name="Textfeld 15"/>
+          <p:cNvSpPr txBox="1"/>
+          <p:nvPr/>
+        </p:nvSpPr>
+        <p:spPr>
+          <a:xfrm>
+            <a:off x="5324731" y="4317375"/>
+            <a:ext cx="1542538" cy="523220"/>
+          </a:xfrm>
+          <a:prstGeom prst="rect">
+            <a:avLst/>
+          </a:prstGeom>
+          <a:noFill/>
+        </p:spPr>
+        <p:txBody>
+          <a:bodyPr wrap="none" rtlCol="0">
+            <a:spAutoFit/>
+          </a:bodyPr>
+          <a:lstStyle/>
+          <a:p>
+            <a:r>
+              <a:rPr lang="de-DE" sz="2800" dirty="0" smtClean="0"/>
+              <a:t>Zeitdruck</a:t>
+            </a:r>
+            <a:endParaRPr lang="de-DE" sz="2800" dirty="0"/>
+          </a:p>
+        </p:txBody>
+      </p:sp>
+      <p:pic>
+        <p:nvPicPr>
+          <p:cNvPr id="17" name="Grafik 16"/>
+          <p:cNvPicPr>
+            <a:picLocks noChangeAspect="1"/>
+          </p:cNvPicPr>
+          <p:nvPr/>
+        </p:nvPicPr>
+        <p:blipFill>
+          <a:blip r:embed="rId4">
+            <a:extLst>
+              <a:ext uri="{28A0092B-C50C-407E-A947-70E740481C1C}">
+                <a14:useLocalDpi xmlns:a14="http://schemas.microsoft.com/office/drawing/2010/main" val="0"/>
+              </a:ext>
+            </a:extLst>
+          </a:blip>
+          <a:stretch>
+            <a:fillRect/>
+          </a:stretch>
+        </p:blipFill>
+        <p:spPr>
+          <a:xfrm>
+            <a:off x="8615283" y="2078060"/>
+            <a:ext cx="2653763" cy="2251464"/>
+          </a:xfrm>
+          <a:prstGeom prst="rect">
+            <a:avLst/>
+          </a:prstGeom>
+        </p:spPr>
+      </p:pic>
+      <p:sp>
+        <p:nvSpPr>
+          <p:cNvPr id="18" name="Textfeld 17"/>
+          <p:cNvSpPr txBox="1"/>
+          <p:nvPr/>
+        </p:nvSpPr>
+        <p:spPr>
+          <a:xfrm>
+            <a:off x="8615283" y="4329524"/>
+            <a:ext cx="2576603" cy="523220"/>
+          </a:xfrm>
+          <a:prstGeom prst="rect">
+            <a:avLst/>
+          </a:prstGeom>
+          <a:noFill/>
+        </p:spPr>
+        <p:txBody>
+          <a:bodyPr wrap="none" rtlCol="0">
+            <a:spAutoFit/>
+          </a:bodyPr>
+          <a:lstStyle/>
+          <a:p>
+            <a:r>
+              <a:rPr lang="de-DE" sz="2800" dirty="0" smtClean="0"/>
+              <a:t>Planänderungen</a:t>
+            </a:r>
+            <a:endParaRPr lang="de-DE" sz="2800" dirty="0"/>
+          </a:p>
+        </p:txBody>
+      </p:sp>
+    </p:spTree>
+    <p:extLst>
+      <p:ext uri="{BB962C8B-B14F-4D97-AF65-F5344CB8AC3E}">
+        <p14:creationId xmlns:p14="http://schemas.microsoft.com/office/powerpoint/2010/main" val="3695447348"/>
+      </p:ext>
+    </p:extLst>
+  </p:cSld>
+  <p:clrMapOvr>
+    <a:masterClrMapping/>
+  </p:clrMapOvr>
+  <p:timing>
+    <p:tnLst>
+      <p:par>
+        <p:cTn id="1" dur="indefinite" restart="never" nodeType="tmRoot"/>
+      </p:par>
+    </p:tnLst>
+  </p:timing>
+</p:sld>
+</file>
+
+<file path=ppt/slides/slide26.xml><?xml version="1.0" encoding="utf-8"?>
+<p:sld xmlns:a="http://schemas.openxmlformats.org/drawingml/2006/main" xmlns:r="http://schemas.openxmlformats.org/officeDocument/2006/relationships" xmlns:p="http://schemas.openxmlformats.org/presentationml/2006/main">
+  <p:cSld>
+    <p:spTree>
+      <p:nvGrpSpPr>
+        <p:cNvPr id="1" name=""/>
+        <p:cNvGrpSpPr/>
+        <p:nvPr/>
+      </p:nvGrpSpPr>
+      <p:grpSpPr>
+        <a:xfrm>
+          <a:off x="0" y="0"/>
+          <a:ext cx="0" cy="0"/>
+          <a:chOff x="0" y="0"/>
+          <a:chExt cx="0" cy="0"/>
+        </a:xfrm>
+      </p:grpSpPr>
+      <p:sp>
+        <p:nvSpPr>
+          <p:cNvPr id="2" name="Titel 1"/>
+          <p:cNvSpPr>
+            <a:spLocks noGrp="1"/>
+          </p:cNvSpPr>
+          <p:nvPr>
+            <p:ph type="title"/>
+          </p:nvPr>
+        </p:nvSpPr>
+        <p:spPr/>
+        <p:txBody>
+          <a:bodyPr/>
+          <a:lstStyle/>
+          <a:p>
+            <a:r>
+              <a:rPr lang="de-DE" dirty="0" smtClean="0"/>
+              <a:t>Fazit</a:t>
+            </a:r>
+            <a:endParaRPr lang="de-DE" dirty="0"/>
+          </a:p>
+        </p:txBody>
+      </p:sp>
+      <p:sp>
+        <p:nvSpPr>
+          <p:cNvPr id="4" name="Inhaltsplatzhalter 3"/>
+          <p:cNvSpPr>
+            <a:spLocks noGrp="1"/>
+          </p:cNvSpPr>
+          <p:nvPr>
+            <p:ph sz="quarter" idx="12"/>
+          </p:nvPr>
+        </p:nvSpPr>
+        <p:spPr/>
+        <p:txBody>
+          <a:bodyPr/>
+          <a:lstStyle/>
+          <a:p>
+            <a:r>
+              <a:rPr lang="de-DE" dirty="0" smtClean="0"/>
+              <a:t>Probleme Durchführung</a:t>
+            </a:r>
+            <a:endParaRPr lang="de-DE" dirty="0"/>
+          </a:p>
+        </p:txBody>
+      </p:sp>
+      <p:sp>
+        <p:nvSpPr>
+          <p:cNvPr id="5" name="Inhaltsplatzhalter 4"/>
+          <p:cNvSpPr>
+            <a:spLocks noGrp="1"/>
+          </p:cNvSpPr>
+          <p:nvPr>
+            <p:ph sz="quarter" idx="13"/>
+          </p:nvPr>
+        </p:nvSpPr>
+        <p:spPr/>
+        <p:txBody>
+          <a:bodyPr/>
+          <a:lstStyle/>
+          <a:p>
+            <a:r>
+              <a:rPr lang="de-DE" dirty="0"/>
+              <a:t>Fazit</a:t>
+            </a:r>
+          </a:p>
+        </p:txBody>
+      </p:sp>
+      <p:sp>
+        <p:nvSpPr>
+          <p:cNvPr id="6" name="Inhaltsplatzhalter 5"/>
+          <p:cNvSpPr>
+            <a:spLocks noGrp="1"/>
+          </p:cNvSpPr>
+          <p:nvPr>
+            <p:ph sz="quarter" idx="14"/>
+          </p:nvPr>
+        </p:nvSpPr>
+        <p:spPr/>
+        <p:txBody>
+          <a:bodyPr/>
+          <a:lstStyle/>
+          <a:p>
             <a:endParaRPr lang="de-DE"/>
+          </a:p>
+        </p:txBody>
+      </p:sp>
+      <p:sp>
+        <p:nvSpPr>
+          <p:cNvPr id="7" name="Textplatzhalter 6"/>
+          <p:cNvSpPr>
+            <a:spLocks noGrp="1"/>
+          </p:cNvSpPr>
+          <p:nvPr>
+            <p:ph type="body" sz="quarter" idx="15"/>
+          </p:nvPr>
+        </p:nvSpPr>
+        <p:spPr/>
+        <p:txBody>
+          <a:bodyPr/>
+          <a:lstStyle/>
+          <a:p>
+            <a:endParaRPr lang="de-DE" dirty="0"/>
+          </a:p>
+        </p:txBody>
+      </p:sp>
+      <p:sp>
+        <p:nvSpPr>
+          <p:cNvPr id="8" name="Textplatzhalter 7"/>
+          <p:cNvSpPr>
+            <a:spLocks noGrp="1"/>
+          </p:cNvSpPr>
+          <p:nvPr>
+            <p:ph type="body" sz="quarter" idx="16"/>
+          </p:nvPr>
+        </p:nvSpPr>
+        <p:spPr/>
+        <p:txBody>
+          <a:bodyPr/>
+          <a:lstStyle/>
+          <a:p>
+            <a:r>
+              <a:rPr lang="de-DE" dirty="0" smtClean="0"/>
+              <a:t>1/1</a:t>
+            </a:r>
+            <a:endParaRPr lang="de-DE" dirty="0"/>
           </a:p>
         </p:txBody>
       </p:sp>
@@ -23147,7 +26534,11 @@
           <a:bodyPr/>
           <a:lstStyle/>
           <a:p>
-            <a:endParaRPr lang="de-DE"/>
+            <a:r>
+              <a:rPr lang="de-DE" dirty="0" smtClean="0"/>
+              <a:t>1/1</a:t>
+            </a:r>
+            <a:endParaRPr lang="de-DE" dirty="0"/>
           </a:p>
         </p:txBody>
       </p:sp>
@@ -23382,7 +26773,7 @@
         </p:blipFill>
         <p:spPr>
           <a:xfrm>
-            <a:off x="4474704" y="4126724"/>
+            <a:off x="2855205" y="4873699"/>
             <a:ext cx="600900" cy="854852"/>
           </a:xfrm>
           <a:prstGeom prst="rect">
@@ -23420,6 +26811,126 @@
           </a:prstGeom>
         </p:spPr>
       </p:pic>
+      <p:pic>
+        <p:nvPicPr>
+          <p:cNvPr id="16" name="Grafik 15"/>
+          <p:cNvPicPr>
+            <a:picLocks noChangeAspect="1"/>
+          </p:cNvPicPr>
+          <p:nvPr/>
+        </p:nvPicPr>
+        <p:blipFill>
+          <a:blip r:embed="rId6" cstate="print">
+            <a:extLst>
+              <a:ext uri="{28A0092B-C50C-407E-A947-70E740481C1C}">
+                <a14:useLocalDpi xmlns:a14="http://schemas.microsoft.com/office/drawing/2010/main" val="0"/>
+              </a:ext>
+            </a:extLst>
+          </a:blip>
+          <a:stretch>
+            <a:fillRect/>
+          </a:stretch>
+        </p:blipFill>
+        <p:spPr>
+          <a:xfrm>
+            <a:off x="2426298" y="3761861"/>
+            <a:ext cx="857815" cy="857815"/>
+          </a:xfrm>
+          <a:prstGeom prst="rect">
+            <a:avLst/>
+          </a:prstGeom>
+        </p:spPr>
+      </p:pic>
+      <p:pic>
+        <p:nvPicPr>
+          <p:cNvPr id="3" name="Grafik 2"/>
+          <p:cNvPicPr>
+            <a:picLocks noChangeAspect="1"/>
+          </p:cNvPicPr>
+          <p:nvPr/>
+        </p:nvPicPr>
+        <p:blipFill>
+          <a:blip r:embed="rId7">
+            <a:extLst>
+              <a:ext uri="{28A0092B-C50C-407E-A947-70E740481C1C}">
+                <a14:useLocalDpi xmlns:a14="http://schemas.microsoft.com/office/drawing/2010/main" val="0"/>
+              </a:ext>
+            </a:extLst>
+          </a:blip>
+          <a:stretch>
+            <a:fillRect/>
+          </a:stretch>
+        </p:blipFill>
+        <p:spPr>
+          <a:xfrm>
+            <a:off x="3398609" y="4190768"/>
+            <a:ext cx="1751392" cy="418938"/>
+          </a:xfrm>
+          <a:prstGeom prst="rect">
+            <a:avLst/>
+          </a:prstGeom>
+        </p:spPr>
+      </p:pic>
+      <p:pic>
+        <p:nvPicPr>
+          <p:cNvPr id="17" name="Grafik 16"/>
+          <p:cNvPicPr>
+            <a:picLocks noChangeAspect="1"/>
+          </p:cNvPicPr>
+          <p:nvPr/>
+        </p:nvPicPr>
+        <p:blipFill>
+          <a:blip r:embed="rId8">
+            <a:extLst>
+              <a:ext uri="{28A0092B-C50C-407E-A947-70E740481C1C}">
+                <a14:useLocalDpi xmlns:a14="http://schemas.microsoft.com/office/drawing/2010/main" val="0"/>
+              </a:ext>
+            </a:extLst>
+          </a:blip>
+          <a:stretch>
+            <a:fillRect/>
+          </a:stretch>
+        </p:blipFill>
+        <p:spPr>
+          <a:xfrm>
+            <a:off x="5765578" y="4981576"/>
+            <a:ext cx="1670646" cy="866261"/>
+          </a:xfrm>
+          <a:prstGeom prst="rect">
+            <a:avLst/>
+          </a:prstGeom>
+        </p:spPr>
+      </p:pic>
+      <p:pic>
+        <p:nvPicPr>
+          <p:cNvPr id="18" name="Grafik 17"/>
+          <p:cNvPicPr>
+            <a:picLocks noChangeAspect="1"/>
+          </p:cNvPicPr>
+          <p:nvPr/>
+        </p:nvPicPr>
+        <p:blipFill>
+          <a:blip r:embed="rId9" cstate="print">
+            <a:extLst>
+              <a:ext uri="{28A0092B-C50C-407E-A947-70E740481C1C}">
+                <a14:useLocalDpi xmlns:a14="http://schemas.microsoft.com/office/drawing/2010/main" val="0"/>
+              </a:ext>
+            </a:extLst>
+          </a:blip>
+          <a:stretch>
+            <a:fillRect/>
+          </a:stretch>
+        </p:blipFill>
+        <p:spPr>
+          <a:xfrm>
+            <a:off x="5285005" y="4169218"/>
+            <a:ext cx="1745524" cy="704481"/>
+          </a:xfrm>
+          <a:prstGeom prst="rect">
+            <a:avLst/>
+          </a:prstGeom>
+        </p:spPr>
+      </p:pic>
     </p:spTree>
     <p:extLst>
       <p:ext uri="{BB962C8B-B14F-4D97-AF65-F5344CB8AC3E}">
@@ -23433,7 +26944,282 @@
   <p:timing>
     <p:tnLst>
       <p:par>
-        <p:cTn id="1" dur="indefinite" restart="never" nodeType="tmRoot"/>
+        <p:cTn id="1" dur="indefinite" restart="never" nodeType="tmRoot">
+          <p:childTnLst>
+            <p:seq concurrent="1" nextAc="seek">
+              <p:cTn id="2" dur="indefinite" nodeType="mainSeq">
+                <p:childTnLst>
+                  <p:par>
+                    <p:cTn id="3" fill="hold">
+                      <p:stCondLst>
+                        <p:cond delay="indefinite"/>
+                      </p:stCondLst>
+                      <p:childTnLst>
+                        <p:par>
+                          <p:cTn id="4" fill="hold">
+                            <p:stCondLst>
+                              <p:cond delay="0"/>
+                            </p:stCondLst>
+                            <p:childTnLst>
+                              <p:par>
+                                <p:cTn id="5" presetID="1" presetClass="entr" presetSubtype="0" fill="hold" nodeType="clickEffect">
+                                  <p:stCondLst>
+                                    <p:cond delay="0"/>
+                                  </p:stCondLst>
+                                  <p:childTnLst>
+                                    <p:set>
+                                      <p:cBhvr>
+                                        <p:cTn id="6" dur="1" fill="hold">
+                                          <p:stCondLst>
+                                            <p:cond delay="0"/>
+                                          </p:stCondLst>
+                                        </p:cTn>
+                                        <p:tgtEl>
+                                          <p:spTgt spid="12"/>
+                                        </p:tgtEl>
+                                        <p:attrNameLst>
+                                          <p:attrName>style.visibility</p:attrName>
+                                        </p:attrNameLst>
+                                      </p:cBhvr>
+                                      <p:to>
+                                        <p:strVal val="visible"/>
+                                      </p:to>
+                                    </p:set>
+                                  </p:childTnLst>
+                                </p:cTn>
+                              </p:par>
+                              <p:par>
+                                <p:cTn id="7" presetID="1" presetClass="entr" presetSubtype="0" fill="hold" nodeType="withEffect">
+                                  <p:stCondLst>
+                                    <p:cond delay="250"/>
+                                  </p:stCondLst>
+                                  <p:childTnLst>
+                                    <p:set>
+                                      <p:cBhvr>
+                                        <p:cTn id="8" dur="1" fill="hold">
+                                          <p:stCondLst>
+                                            <p:cond delay="0"/>
+                                          </p:stCondLst>
+                                        </p:cTn>
+                                        <p:tgtEl>
+                                          <p:spTgt spid="16"/>
+                                        </p:tgtEl>
+                                        <p:attrNameLst>
+                                          <p:attrName>style.visibility</p:attrName>
+                                        </p:attrNameLst>
+                                      </p:cBhvr>
+                                      <p:to>
+                                        <p:strVal val="visible"/>
+                                      </p:to>
+                                    </p:set>
+                                  </p:childTnLst>
+                                </p:cTn>
+                              </p:par>
+                              <p:par>
+                                <p:cTn id="9" presetID="1" presetClass="entr" presetSubtype="0" fill="hold" nodeType="withEffect">
+                                  <p:stCondLst>
+                                    <p:cond delay="500"/>
+                                  </p:stCondLst>
+                                  <p:childTnLst>
+                                    <p:set>
+                                      <p:cBhvr>
+                                        <p:cTn id="10" dur="1" fill="hold">
+                                          <p:stCondLst>
+                                            <p:cond delay="0"/>
+                                          </p:stCondLst>
+                                        </p:cTn>
+                                        <p:tgtEl>
+                                          <p:spTgt spid="3"/>
+                                        </p:tgtEl>
+                                        <p:attrNameLst>
+                                          <p:attrName>style.visibility</p:attrName>
+                                        </p:attrNameLst>
+                                      </p:cBhvr>
+                                      <p:to>
+                                        <p:strVal val="visible"/>
+                                      </p:to>
+                                    </p:set>
+                                  </p:childTnLst>
+                                </p:cTn>
+                              </p:par>
+                              <p:par>
+                                <p:cTn id="11" presetID="1" presetClass="entr" presetSubtype="0" fill="hold" nodeType="withEffect">
+                                  <p:stCondLst>
+                                    <p:cond delay="1000"/>
+                                  </p:stCondLst>
+                                  <p:childTnLst>
+                                    <p:set>
+                                      <p:cBhvr>
+                                        <p:cTn id="12" dur="1" fill="hold">
+                                          <p:stCondLst>
+                                            <p:cond delay="0"/>
+                                          </p:stCondLst>
+                                        </p:cTn>
+                                        <p:tgtEl>
+                                          <p:spTgt spid="14"/>
+                                        </p:tgtEl>
+                                        <p:attrNameLst>
+                                          <p:attrName>style.visibility</p:attrName>
+                                        </p:attrNameLst>
+                                      </p:cBhvr>
+                                      <p:to>
+                                        <p:strVal val="visible"/>
+                                      </p:to>
+                                    </p:set>
+                                  </p:childTnLst>
+                                </p:cTn>
+                              </p:par>
+                              <p:par>
+                                <p:cTn id="13" presetID="1" presetClass="entr" presetSubtype="0" fill="hold" nodeType="withEffect">
+                                  <p:stCondLst>
+                                    <p:cond delay="1500"/>
+                                  </p:stCondLst>
+                                  <p:childTnLst>
+                                    <p:set>
+                                      <p:cBhvr>
+                                        <p:cTn id="14" dur="1" fill="hold">
+                                          <p:stCondLst>
+                                            <p:cond delay="0"/>
+                                          </p:stCondLst>
+                                        </p:cTn>
+                                        <p:tgtEl>
+                                          <p:spTgt spid="15"/>
+                                        </p:tgtEl>
+                                        <p:attrNameLst>
+                                          <p:attrName>style.visibility</p:attrName>
+                                        </p:attrNameLst>
+                                      </p:cBhvr>
+                                      <p:to>
+                                        <p:strVal val="visible"/>
+                                      </p:to>
+                                    </p:set>
+                                  </p:childTnLst>
+                                </p:cTn>
+                              </p:par>
+                              <p:par>
+                                <p:cTn id="15" presetID="1" presetClass="entr" presetSubtype="0" fill="hold" nodeType="withEffect">
+                                  <p:stCondLst>
+                                    <p:cond delay="750"/>
+                                  </p:stCondLst>
+                                  <p:childTnLst>
+                                    <p:set>
+                                      <p:cBhvr>
+                                        <p:cTn id="16" dur="1" fill="hold">
+                                          <p:stCondLst>
+                                            <p:cond delay="0"/>
+                                          </p:stCondLst>
+                                        </p:cTn>
+                                        <p:tgtEl>
+                                          <p:spTgt spid="18"/>
+                                        </p:tgtEl>
+                                        <p:attrNameLst>
+                                          <p:attrName>style.visibility</p:attrName>
+                                        </p:attrNameLst>
+                                      </p:cBhvr>
+                                      <p:to>
+                                        <p:strVal val="visible"/>
+                                      </p:to>
+                                    </p:set>
+                                  </p:childTnLst>
+                                </p:cTn>
+                              </p:par>
+                              <p:par>
+                                <p:cTn id="17" presetID="1" presetClass="entr" presetSubtype="0" fill="hold" nodeType="withEffect">
+                                  <p:stCondLst>
+                                    <p:cond delay="1250"/>
+                                  </p:stCondLst>
+                                  <p:childTnLst>
+                                    <p:set>
+                                      <p:cBhvr>
+                                        <p:cTn id="18" dur="1" fill="hold">
+                                          <p:stCondLst>
+                                            <p:cond delay="0"/>
+                                          </p:stCondLst>
+                                        </p:cTn>
+                                        <p:tgtEl>
+                                          <p:spTgt spid="17"/>
+                                        </p:tgtEl>
+                                        <p:attrNameLst>
+                                          <p:attrName>style.visibility</p:attrName>
+                                        </p:attrNameLst>
+                                      </p:cBhvr>
+                                      <p:to>
+                                        <p:strVal val="visible"/>
+                                      </p:to>
+                                    </p:set>
+                                  </p:childTnLst>
+                                </p:cTn>
+                              </p:par>
+                            </p:childTnLst>
+                          </p:cTn>
+                        </p:par>
+                      </p:childTnLst>
+                    </p:cTn>
+                  </p:par>
+                  <p:par>
+                    <p:cTn id="19" fill="hold">
+                      <p:stCondLst>
+                        <p:cond delay="indefinite"/>
+                      </p:stCondLst>
+                      <p:childTnLst>
+                        <p:par>
+                          <p:cTn id="20" fill="hold">
+                            <p:stCondLst>
+                              <p:cond delay="0"/>
+                            </p:stCondLst>
+                            <p:childTnLst>
+                              <p:par>
+                                <p:cTn id="21" presetID="1" presetClass="entr" presetSubtype="0" fill="hold" nodeType="clickEffect">
+                                  <p:stCondLst>
+                                    <p:cond delay="0"/>
+                                  </p:stCondLst>
+                                  <p:childTnLst>
+                                    <p:set>
+                                      <p:cBhvr>
+                                        <p:cTn id="22" dur="1" fill="hold">
+                                          <p:stCondLst>
+                                            <p:cond delay="0"/>
+                                          </p:stCondLst>
+                                        </p:cTn>
+                                        <p:tgtEl>
+                                          <p:spTgt spid="13"/>
+                                        </p:tgtEl>
+                                        <p:attrNameLst>
+                                          <p:attrName>style.visibility</p:attrName>
+                                        </p:attrNameLst>
+                                      </p:cBhvr>
+                                      <p:to>
+                                        <p:strVal val="visible"/>
+                                      </p:to>
+                                    </p:set>
+                                  </p:childTnLst>
+                                </p:cTn>
+                              </p:par>
+                            </p:childTnLst>
+                          </p:cTn>
+                        </p:par>
+                      </p:childTnLst>
+                    </p:cTn>
+                  </p:par>
+                </p:childTnLst>
+              </p:cTn>
+              <p:prevCondLst>
+                <p:cond evt="onPrev" delay="0">
+                  <p:tgtEl>
+                    <p:sldTgt/>
+                  </p:tgtEl>
+                </p:cond>
+              </p:prevCondLst>
+              <p:nextCondLst>
+                <p:cond evt="onNext" delay="0">
+                  <p:tgtEl>
+                    <p:sldTgt/>
+                  </p:tgtEl>
+                </p:cond>
+              </p:nextCondLst>
+            </p:seq>
+          </p:childTnLst>
+        </p:cTn>
       </p:par>
     </p:tnLst>
   </p:timing>
@@ -23590,6 +27376,10 @@
           <a:bodyPr/>
           <a:lstStyle/>
           <a:p>
+            <a:r>
+              <a:rPr lang="de-DE" dirty="0" smtClean="0"/>
+              <a:t>1/1</a:t>
+            </a:r>
             <a:endParaRPr lang="de-DE" dirty="0"/>
           </a:p>
         </p:txBody>
@@ -23601,7 +27391,7 @@
           <p:nvPr>
             <p:extLst>
               <p:ext uri="{D42A27DB-BD31-4B8C-83A1-F6EECF244321}">
-                <p14:modId xmlns:p14="http://schemas.microsoft.com/office/powerpoint/2010/main" val="2276660544"/>
+                <p14:modId xmlns:p14="http://schemas.microsoft.com/office/powerpoint/2010/main" val="3395414375"/>
               </p:ext>
             </p:extLst>
           </p:nvPr>
@@ -23891,7 +27681,7 @@
   <a:extraClrSchemeLst/>
   <a:extLst>
     <a:ext uri="{05A4C25C-085E-4340-85A3-A5531E510DB2}">
-      <thm15:themeFamily xmlns="" xmlns:thm15="http://schemas.microsoft.com/office/thememl/2012/main" name="Office Theme" id="{62F939B6-93AF-4DB8-9C6B-D6C7DFDC589F}" vid="{4A3C46E8-61CC-4603-A589-7422A47A8E4A}"/>
+      <thm15:themeFamily xmlns:thm15="http://schemas.microsoft.com/office/thememl/2012/main" xmlns="" name="Office Theme" id="{62F939B6-93AF-4DB8-9C6B-D6C7DFDC589F}" vid="{4A3C46E8-61CC-4603-A589-7422A47A8E4A}"/>
     </a:ext>
   </a:extLst>
 </a:theme>

--- a/5_Präsentation/Projektpräsentation.pptx
+++ b/5_Präsentation/Projektpräsentation.pptx
@@ -131,7 +131,7 @@
   </p:defaultTextStyle>
   <p:extLst>
     <p:ext uri="{EFAFB233-063F-42B5-8137-9DF3F51BA10A}">
-      <p15:sldGuideLst xmlns="" xmlns:p15="http://schemas.microsoft.com/office/powerpoint/2012/main">
+      <p15:sldGuideLst xmlns:p15="http://schemas.microsoft.com/office/powerpoint/2012/main">
         <p15:guide id="1" orient="horz" pos="2183" userDrawn="1">
           <p15:clr>
             <a:srgbClr val="A4A3A4"/>
@@ -149,7 +149,7 @@
 </file>
 
 <file path=ppt/charts/chart1.xml><?xml version="1.0" encoding="utf-8"?>
-<c:chartSpace xmlns:c="http://schemas.openxmlformats.org/drawingml/2006/chart" xmlns:a="http://schemas.openxmlformats.org/drawingml/2006/main" xmlns:r="http://schemas.openxmlformats.org/officeDocument/2006/relationships">
+<c:chartSpace xmlns:c="http://schemas.openxmlformats.org/drawingml/2006/chart" xmlns:a="http://schemas.openxmlformats.org/drawingml/2006/main" xmlns:r="http://schemas.openxmlformats.org/officeDocument/2006/relationships" xmlns:c16r2="http://schemas.microsoft.com/office/drawing/2015/06/chart">
   <c:date1904 val="0"/>
   <c:lang val="de-DE"/>
   <c:roundedCorners val="0"/>
@@ -163,7 +163,6 @@
   </mc:AlternateContent>
   <c:chart>
     <c:title>
-      <c:layout/>
       <c:overlay val="0"/>
       <c:spPr>
         <a:noFill/>
@@ -262,7 +261,7 @@
             <c:showPercent val="0"/>
             <c:showBubbleSize val="0"/>
             <c:showLeaderLines val="0"/>
-            <c:extLst xmlns:c16r2="http://schemas.microsoft.com/office/drawing/2015/06/chart">
+            <c:extLst>
               <c:ext xmlns:c15="http://schemas.microsoft.com/office/drawing/2012/chart" uri="{CE6537A1-D6FC-4f65-9D91-7224C49458BB}">
                 <c15:showLeaderLines val="1"/>
                 <c15:leaderLines>
@@ -316,7 +315,7 @@
               </c:numCache>
             </c:numRef>
           </c:val>
-          <c:extLst xmlns:c16r2="http://schemas.microsoft.com/office/drawing/2015/06/chart">
+          <c:extLst>
             <c:ext xmlns:c16="http://schemas.microsoft.com/office/drawing/2014/chart" uri="{C3380CC4-5D6E-409C-BE32-E72D297353CC}">
               <c16:uniqueId val="{00000000-6FA5-426E-8BE0-659546A83F75}"/>
             </c:ext>
@@ -445,7 +444,7 @@
       <a:endParaRPr lang="de-DE"/>
     </a:p>
   </c:txPr>
-  <c:externalData r:id="rId1">
+  <c:externalData r:id="rId3">
     <c:autoUpdate val="0"/>
   </c:externalData>
 </c:chartSpace>
@@ -2535,10 +2534,9 @@
         <a:lstStyle/>
         <a:p>
           <a:r>
-            <a:rPr lang="de-DE" dirty="0" smtClean="0"/>
+            <a:rPr lang="de-DE" dirty="0"/>
             <a:t>Verfolgte Strategien:</a:t>
           </a:r>
-          <a:endParaRPr lang="de-DE" dirty="0"/>
         </a:p>
       </dgm:t>
     </dgm:pt>
@@ -2576,15 +2574,15 @@
         <a:lstStyle/>
         <a:p>
           <a:r>
-            <a:rPr lang="de-DE" dirty="0" err="1" smtClean="0"/>
+            <a:rPr lang="de-DE" dirty="0" err="1"/>
             <a:t>Floor</a:t>
           </a:r>
           <a:r>
-            <a:rPr lang="de-DE" dirty="0" smtClean="0"/>
+            <a:rPr lang="de-DE" dirty="0"/>
             <a:t> </a:t>
           </a:r>
           <a:r>
-            <a:rPr lang="de-DE" dirty="0" err="1" smtClean="0"/>
+            <a:rPr lang="de-DE" dirty="0" err="1"/>
             <a:t>Pricing</a:t>
           </a:r>
           <a:endParaRPr lang="de-DE" dirty="0"/>
@@ -2625,10 +2623,9 @@
         <a:lstStyle/>
         <a:p>
           <a:r>
-            <a:rPr lang="de-DE" dirty="0" smtClean="0"/>
+            <a:rPr lang="de-DE" dirty="0"/>
             <a:t>Market Penetration</a:t>
           </a:r>
-          <a:endParaRPr lang="de-DE" dirty="0"/>
         </a:p>
       </dgm:t>
     </dgm:pt>
@@ -2665,13 +2662,6 @@
         </dgm:presLayoutVars>
       </dgm:prSet>
       <dgm:spPr/>
-      <dgm:t>
-        <a:bodyPr/>
-        <a:lstStyle/>
-        <a:p>
-          <a:endParaRPr lang="de-DE"/>
-        </a:p>
-      </dgm:t>
     </dgm:pt>
     <dgm:pt modelId="{7BBF2068-F9DE-4A04-A6E7-929693ADB531}" type="pres">
       <dgm:prSet presAssocID="{3260534B-2362-49D5-B603-F3C5DDA5A76E}" presName="vertOne" presStyleCnt="0"/>
@@ -2688,13 +2678,6 @@
           <a:avLst/>
         </a:prstGeom>
       </dgm:spPr>
-      <dgm:t>
-        <a:bodyPr/>
-        <a:lstStyle/>
-        <a:p>
-          <a:endParaRPr lang="de-DE"/>
-        </a:p>
-      </dgm:t>
     </dgm:pt>
     <dgm:pt modelId="{5CFC86C0-921E-4BED-A9EA-744BA1B7E448}" type="pres">
       <dgm:prSet presAssocID="{3260534B-2362-49D5-B603-F3C5DDA5A76E}" presName="parTransOne" presStyleCnt="0"/>
@@ -2719,13 +2702,6 @@
           <a:avLst/>
         </a:prstGeom>
       </dgm:spPr>
-      <dgm:t>
-        <a:bodyPr/>
-        <a:lstStyle/>
-        <a:p>
-          <a:endParaRPr lang="de-DE"/>
-        </a:p>
-      </dgm:t>
     </dgm:pt>
     <dgm:pt modelId="{348AE0C1-855D-4FF8-9B61-ABA913F31053}" type="pres">
       <dgm:prSet presAssocID="{064344BF-BF5A-48D1-A9EE-D2D6CFEE7F86}" presName="horzTwo" presStyleCnt="0"/>
@@ -2750,13 +2726,6 @@
           <a:avLst/>
         </a:prstGeom>
       </dgm:spPr>
-      <dgm:t>
-        <a:bodyPr/>
-        <a:lstStyle/>
-        <a:p>
-          <a:endParaRPr lang="de-DE"/>
-        </a:p>
-      </dgm:t>
     </dgm:pt>
     <dgm:pt modelId="{F7626EC4-C3B4-418A-A3BF-CD947B0DA4F5}" type="pres">
       <dgm:prSet presAssocID="{C43F9FA7-B2D1-46B9-8994-CA436F0F3722}" presName="horzTwo" presStyleCnt="0"/>
@@ -2945,13 +2914,6 @@
         </dgm:presLayoutVars>
       </dgm:prSet>
       <dgm:spPr/>
-      <dgm:t>
-        <a:bodyPr/>
-        <a:lstStyle/>
-        <a:p>
-          <a:endParaRPr lang="de-DE"/>
-        </a:p>
-      </dgm:t>
     </dgm:pt>
     <dgm:pt modelId="{093ECE9E-BE56-446E-AC86-697C7AA3AD8B}" type="pres">
       <dgm:prSet presAssocID="{20AA1D83-B12A-416D-BCF7-2817BFC9AA25}" presName="bullet3b" presStyleLbl="node1" presStyleIdx="1" presStyleCnt="3"/>
@@ -2968,13 +2930,6 @@
         </dgm:presLayoutVars>
       </dgm:prSet>
       <dgm:spPr/>
-      <dgm:t>
-        <a:bodyPr/>
-        <a:lstStyle/>
-        <a:p>
-          <a:endParaRPr lang="de-DE"/>
-        </a:p>
-      </dgm:t>
     </dgm:pt>
     <dgm:pt modelId="{F8A11955-2252-4939-B5DB-B40E439251AD}" type="pres">
       <dgm:prSet presAssocID="{6A901E0F-A740-4C43-96AC-FD3A538288A8}" presName="bullet3c" presStyleLbl="node1" presStyleIdx="2" presStyleCnt="3"/>
@@ -2991,13 +2946,6 @@
         </dgm:presLayoutVars>
       </dgm:prSet>
       <dgm:spPr/>
-      <dgm:t>
-        <a:bodyPr/>
-        <a:lstStyle/>
-        <a:p>
-          <a:endParaRPr lang="de-DE"/>
-        </a:p>
-      </dgm:t>
     </dgm:pt>
   </dgm:ptLst>
   <dgm:cxnLst>
@@ -3085,7 +3033,7 @@
         </a:bodyPr>
         <a:lstStyle/>
         <a:p>
-          <a:pPr lvl="0" algn="ctr" defTabSz="1422400">
+          <a:pPr marL="0" lvl="0" indent="0" algn="ctr" defTabSz="1422400">
             <a:lnSpc>
               <a:spcPct val="90000"/>
             </a:lnSpc>
@@ -3095,12 +3043,12 @@
             <a:spcAft>
               <a:spcPct val="35000"/>
             </a:spcAft>
+            <a:buNone/>
           </a:pPr>
           <a:r>
-            <a:rPr lang="de-DE" sz="3200" kern="1200" dirty="0" smtClean="0"/>
+            <a:rPr lang="de-DE" sz="3200" kern="1200" dirty="0"/>
             <a:t>Verfolgte Strategien:</a:t>
           </a:r>
-          <a:endParaRPr lang="de-DE" sz="3200" kern="1200" dirty="0"/>
         </a:p>
       </dsp:txBody>
       <dsp:txXfrm>
@@ -3158,7 +3106,7 @@
         </a:bodyPr>
         <a:lstStyle/>
         <a:p>
-          <a:pPr lvl="0" algn="ctr" defTabSz="1377950">
+          <a:pPr marL="0" lvl="0" indent="0" algn="ctr" defTabSz="1377950">
             <a:lnSpc>
               <a:spcPct val="90000"/>
             </a:lnSpc>
@@ -3168,17 +3116,18 @@
             <a:spcAft>
               <a:spcPct val="35000"/>
             </a:spcAft>
+            <a:buNone/>
           </a:pPr>
           <a:r>
-            <a:rPr lang="de-DE" sz="3100" kern="1200" dirty="0" err="1" smtClean="0"/>
+            <a:rPr lang="de-DE" sz="3100" kern="1200" dirty="0" err="1"/>
             <a:t>Floor</a:t>
           </a:r>
           <a:r>
-            <a:rPr lang="de-DE" sz="3100" kern="1200" dirty="0" smtClean="0"/>
+            <a:rPr lang="de-DE" sz="3100" kern="1200" dirty="0"/>
             <a:t> </a:t>
           </a:r>
           <a:r>
-            <a:rPr lang="de-DE" sz="3100" kern="1200" dirty="0" err="1" smtClean="0"/>
+            <a:rPr lang="de-DE" sz="3100" kern="1200" dirty="0" err="1"/>
             <a:t>Pricing</a:t>
           </a:r>
           <a:endParaRPr lang="de-DE" sz="3100" kern="1200" dirty="0"/>
@@ -3239,7 +3188,7 @@
         </a:bodyPr>
         <a:lstStyle/>
         <a:p>
-          <a:pPr lvl="0" algn="ctr" defTabSz="1377950">
+          <a:pPr marL="0" lvl="0" indent="0" algn="ctr" defTabSz="1377950">
             <a:lnSpc>
               <a:spcPct val="90000"/>
             </a:lnSpc>
@@ -3249,12 +3198,12 @@
             <a:spcAft>
               <a:spcPct val="35000"/>
             </a:spcAft>
+            <a:buNone/>
           </a:pPr>
           <a:r>
-            <a:rPr lang="de-DE" sz="3100" kern="1200" dirty="0" smtClean="0"/>
+            <a:rPr lang="de-DE" sz="3100" kern="1200" dirty="0"/>
             <a:t>Market Penetration</a:t>
           </a:r>
-          <a:endParaRPr lang="de-DE" sz="3100" kern="1200" dirty="0"/>
         </a:p>
       </dsp:txBody>
       <dsp:txXfrm>
@@ -3393,7 +3342,7 @@
         </a:bodyPr>
         <a:lstStyle/>
         <a:p>
-          <a:pPr lvl="0" algn="l" defTabSz="1066800">
+          <a:pPr marL="0" lvl="0" indent="0" algn="l" defTabSz="1066800">
             <a:lnSpc>
               <a:spcPct val="90000"/>
             </a:lnSpc>
@@ -3403,6 +3352,7 @@
             <a:spcAft>
               <a:spcPct val="35000"/>
             </a:spcAft>
+            <a:buNone/>
           </a:pPr>
           <a:r>
             <a:rPr lang="de-DE" sz="2400" kern="1200" dirty="0"/>
@@ -3497,7 +3447,7 @@
         </a:bodyPr>
         <a:lstStyle/>
         <a:p>
-          <a:pPr lvl="0" algn="l" defTabSz="1066800">
+          <a:pPr marL="0" lvl="0" indent="0" algn="l" defTabSz="1066800">
             <a:lnSpc>
               <a:spcPct val="90000"/>
             </a:lnSpc>
@@ -3507,6 +3457,7 @@
             <a:spcAft>
               <a:spcPct val="35000"/>
             </a:spcAft>
+            <a:buNone/>
           </a:pPr>
           <a:r>
             <a:rPr lang="de-DE" sz="2400" i="1" kern="1200" dirty="0"/>
@@ -3601,7 +3552,7 @@
         </a:bodyPr>
         <a:lstStyle/>
         <a:p>
-          <a:pPr lvl="0" algn="l" defTabSz="1066800">
+          <a:pPr marL="0" lvl="0" indent="0" algn="l" defTabSz="1066800">
             <a:lnSpc>
               <a:spcPct val="90000"/>
             </a:lnSpc>
@@ -3611,6 +3562,7 @@
             <a:spcAft>
               <a:spcPct val="35000"/>
             </a:spcAft>
+            <a:buNone/>
           </a:pPr>
           <a:r>
             <a:rPr lang="de-DE" sz="2400" kern="1200" dirty="0"/>
@@ -7944,7 +7896,7 @@
           <a:p>
             <a:fld id="{90F09366-0DA2-404A-A91F-D59506B6032C}" type="datetimeFigureOut">
               <a:rPr lang="en-US" smtClean="0"/>
-              <a:t>4/6/2016</a:t>
+              <a:t>4/7/2016</a:t>
             </a:fld>
             <a:endParaRPr lang="en-US"/>
           </a:p>
@@ -8324,7 +8276,7 @@
           <a:p>
             <a:fld id="{1E35A5A4-3185-44AB-AEEB-6B2FF51973C9}" type="datetimeFigureOut">
               <a:rPr lang="de-DE" smtClean="0"/>
-              <a:t>06.04.2016</a:t>
+              <a:t>07.04.2016</a:t>
             </a:fld>
             <a:endParaRPr lang="de-DE"/>
           </a:p>
@@ -8633,7 +8585,7 @@
           <a:p>
             <a:fld id="{1E35A5A4-3185-44AB-AEEB-6B2FF51973C9}" type="datetimeFigureOut">
               <a:rPr lang="de-DE" smtClean="0"/>
-              <a:t>06.04.2016</a:t>
+              <a:t>07.04.2016</a:t>
             </a:fld>
             <a:endParaRPr lang="de-DE"/>
           </a:p>
@@ -8801,7 +8753,7 @@
           <a:p>
             <a:fld id="{1E35A5A4-3185-44AB-AEEB-6B2FF51973C9}" type="datetimeFigureOut">
               <a:rPr lang="de-DE" smtClean="0"/>
-              <a:t>06.04.2016</a:t>
+              <a:t>07.04.2016</a:t>
             </a:fld>
             <a:endParaRPr lang="de-DE"/>
           </a:p>
@@ -8979,7 +8931,7 @@
           <a:p>
             <a:fld id="{1E35A5A4-3185-44AB-AEEB-6B2FF51973C9}" type="datetimeFigureOut">
               <a:rPr lang="de-DE" smtClean="0"/>
-              <a:t>06.04.2016</a:t>
+              <a:t>07.04.2016</a:t>
             </a:fld>
             <a:endParaRPr lang="de-DE"/>
           </a:p>
@@ -10477,7 +10429,7 @@
           <a:p>
             <a:fld id="{1E35A5A4-3185-44AB-AEEB-6B2FF51973C9}" type="datetimeFigureOut">
               <a:rPr lang="de-DE" smtClean="0"/>
-              <a:t>06.04.2016</a:t>
+              <a:t>07.04.2016</a:t>
             </a:fld>
             <a:endParaRPr lang="de-DE"/>
           </a:p>
@@ -10706,7 +10658,7 @@
           <a:p>
             <a:fld id="{1E35A5A4-3185-44AB-AEEB-6B2FF51973C9}" type="datetimeFigureOut">
               <a:rPr lang="de-DE" smtClean="0"/>
-              <a:t>06.04.2016</a:t>
+              <a:t>07.04.2016</a:t>
             </a:fld>
             <a:endParaRPr lang="de-DE"/>
           </a:p>
@@ -11070,7 +11022,7 @@
           <a:p>
             <a:fld id="{1E35A5A4-3185-44AB-AEEB-6B2FF51973C9}" type="datetimeFigureOut">
               <a:rPr lang="de-DE" smtClean="0"/>
-              <a:t>06.04.2016</a:t>
+              <a:t>07.04.2016</a:t>
             </a:fld>
             <a:endParaRPr lang="de-DE"/>
           </a:p>
@@ -11187,7 +11139,7 @@
           <a:p>
             <a:fld id="{1E35A5A4-3185-44AB-AEEB-6B2FF51973C9}" type="datetimeFigureOut">
               <a:rPr lang="de-DE" smtClean="0"/>
-              <a:t>06.04.2016</a:t>
+              <a:t>07.04.2016</a:t>
             </a:fld>
             <a:endParaRPr lang="de-DE"/>
           </a:p>
@@ -11282,7 +11234,7 @@
           <a:p>
             <a:fld id="{1E35A5A4-3185-44AB-AEEB-6B2FF51973C9}" type="datetimeFigureOut">
               <a:rPr lang="de-DE" smtClean="0"/>
-              <a:t>06.04.2016</a:t>
+              <a:t>07.04.2016</a:t>
             </a:fld>
             <a:endParaRPr lang="de-DE"/>
           </a:p>
@@ -11557,7 +11509,7 @@
           <a:p>
             <a:fld id="{1E35A5A4-3185-44AB-AEEB-6B2FF51973C9}" type="datetimeFigureOut">
               <a:rPr lang="de-DE" smtClean="0"/>
-              <a:t>06.04.2016</a:t>
+              <a:t>07.04.2016</a:t>
             </a:fld>
             <a:endParaRPr lang="de-DE"/>
           </a:p>
@@ -11768,7 +11720,7 @@
           <a:p>
             <a:fld id="{1E35A5A4-3185-44AB-AEEB-6B2FF51973C9}" type="datetimeFigureOut">
               <a:rPr lang="de-DE" smtClean="0"/>
-              <a:t>06.04.2016</a:t>
+              <a:t>07.04.2016</a:t>
             </a:fld>
             <a:endParaRPr lang="de-DE"/>
           </a:p>
@@ -12287,13 +12239,6 @@
   <p:clrMapOvr>
     <a:masterClrMapping/>
   </p:clrMapOvr>
-  <p:timing>
-    <p:tnLst>
-      <p:par>
-        <p:cTn id="1" dur="indefinite" restart="never" nodeType="tmRoot"/>
-      </p:par>
-    </p:tnLst>
-  </p:timing>
 </p:sld>
 </file>
 
@@ -12600,10 +12545,9 @@
           <a:lstStyle/>
           <a:p>
             <a:r>
-              <a:rPr lang="de-DE" dirty="0" smtClean="0"/>
+              <a:rPr lang="de-DE" dirty="0"/>
               <a:t>1/1</a:t>
             </a:r>
-            <a:endParaRPr lang="de-DE" dirty="0"/>
           </a:p>
         </p:txBody>
       </p:sp>
@@ -12928,13 +12872,6 @@
   <p:clrMapOvr>
     <a:masterClrMapping/>
   </p:clrMapOvr>
-  <p:timing>
-    <p:tnLst>
-      <p:par>
-        <p:cTn id="1" dur="indefinite" restart="never" nodeType="tmRoot"/>
-      </p:par>
-    </p:tnLst>
-  </p:timing>
 </p:sld>
 </file>
 
@@ -13085,10 +13022,9 @@
           <a:lstStyle/>
           <a:p>
             <a:r>
-              <a:rPr lang="de-DE" dirty="0" smtClean="0"/>
+              <a:rPr lang="de-DE" dirty="0"/>
               <a:t>1/1</a:t>
             </a:r>
-            <a:endParaRPr lang="de-DE" dirty="0"/>
           </a:p>
         </p:txBody>
       </p:sp>
@@ -13149,7 +13085,7 @@
               <a:buChar char="•"/>
             </a:pPr>
             <a:r>
-              <a:rPr lang="de-DE" sz="2400" dirty="0" smtClean="0"/>
+              <a:rPr lang="de-DE" sz="2400" dirty="0"/>
               <a:t>Agile Projekte werden wichtiger</a:t>
             </a:r>
           </a:p>
@@ -13162,7 +13098,7 @@
               <a:buChar char="•"/>
             </a:pPr>
             <a:r>
-              <a:rPr lang="de-DE" sz="2400" dirty="0" smtClean="0"/>
+              <a:rPr lang="de-DE" sz="2400" dirty="0"/>
               <a:t>Home-Office wird beliebter</a:t>
             </a:r>
           </a:p>
@@ -13179,14 +13115,14 @@
               <a:buChar char="•"/>
             </a:pPr>
             <a:r>
-              <a:rPr lang="de-DE" sz="2400" dirty="0" smtClean="0"/>
+              <a:rPr lang="de-DE" sz="2400" dirty="0"/>
               <a:t>Erreichbarkeit von Projektressourcen </a:t>
             </a:r>
             <a:br>
-              <a:rPr lang="de-DE" sz="2400" dirty="0" smtClean="0"/>
+              <a:rPr lang="de-DE" sz="2400" dirty="0"/>
             </a:br>
             <a:r>
-              <a:rPr lang="de-DE" sz="2400" dirty="0" smtClean="0"/>
+              <a:rPr lang="de-DE" sz="2400" dirty="0"/>
               <a:t>wird wichtiger</a:t>
             </a:r>
           </a:p>
@@ -13203,18 +13139,13 @@
               <a:buChar char="Ø"/>
             </a:pPr>
             <a:r>
-              <a:rPr lang="de-DE" sz="2400" dirty="0" smtClean="0">
+              <a:rPr lang="de-DE" sz="2400" dirty="0">
                 <a:solidFill>
                   <a:srgbClr val="00B050"/>
                 </a:solidFill>
               </a:rPr>
               <a:t>Produkt hat Zukunft</a:t>
             </a:r>
-            <a:endParaRPr lang="de-DE" sz="2400" dirty="0">
-              <a:solidFill>
-                <a:srgbClr val="00B050"/>
-              </a:solidFill>
-            </a:endParaRPr>
           </a:p>
         </p:txBody>
       </p:sp>
@@ -13228,13 +13159,6 @@
   <p:clrMapOvr>
     <a:masterClrMapping/>
   </p:clrMapOvr>
-  <p:timing>
-    <p:tnLst>
-      <p:par>
-        <p:cTn id="1" dur="indefinite" restart="never" nodeType="tmRoot"/>
-      </p:par>
-    </p:tnLst>
-  </p:timing>
 </p:sld>
 </file>
 
@@ -13284,35 +13208,35 @@
                 <a:gridCol w="1986852">
                   <a:extLst>
                     <a:ext uri="{9D8B030D-6E8A-4147-A177-3AD203B41FA5}">
-                      <a16:colId xmlns="" xmlns:a16="http://schemas.microsoft.com/office/drawing/2014/main" val="20000"/>
+                      <a16:colId xmlns:a16="http://schemas.microsoft.com/office/drawing/2014/main" val="20000"/>
                     </a:ext>
                   </a:extLst>
                 </a:gridCol>
                 <a:gridCol w="1986852">
                   <a:extLst>
                     <a:ext uri="{9D8B030D-6E8A-4147-A177-3AD203B41FA5}">
-                      <a16:colId xmlns="" xmlns:a16="http://schemas.microsoft.com/office/drawing/2014/main" val="20001"/>
+                      <a16:colId xmlns:a16="http://schemas.microsoft.com/office/drawing/2014/main" val="20001"/>
                     </a:ext>
                   </a:extLst>
                 </a:gridCol>
                 <a:gridCol w="2386577">
                   <a:extLst>
                     <a:ext uri="{9D8B030D-6E8A-4147-A177-3AD203B41FA5}">
-                      <a16:colId xmlns="" xmlns:a16="http://schemas.microsoft.com/office/drawing/2014/main" val="20002"/>
+                      <a16:colId xmlns:a16="http://schemas.microsoft.com/office/drawing/2014/main" val="20002"/>
                     </a:ext>
                   </a:extLst>
                 </a:gridCol>
                 <a:gridCol w="2540669">
                   <a:extLst>
                     <a:ext uri="{9D8B030D-6E8A-4147-A177-3AD203B41FA5}">
-                      <a16:colId xmlns="" xmlns:a16="http://schemas.microsoft.com/office/drawing/2014/main" val="20003"/>
+                      <a16:colId xmlns:a16="http://schemas.microsoft.com/office/drawing/2014/main" val="20003"/>
                     </a:ext>
                   </a:extLst>
                 </a:gridCol>
                 <a:gridCol w="1528389">
                   <a:extLst>
                     <a:ext uri="{9D8B030D-6E8A-4147-A177-3AD203B41FA5}">
-                      <a16:colId xmlns="" xmlns:a16="http://schemas.microsoft.com/office/drawing/2014/main" val="20004"/>
+                      <a16:colId xmlns:a16="http://schemas.microsoft.com/office/drawing/2014/main" val="20004"/>
                     </a:ext>
                   </a:extLst>
                 </a:gridCol>
@@ -13648,7 +13572,7 @@
                 </a:tc>
                 <a:extLst>
                   <a:ext uri="{0D108BD9-81ED-4DB2-BD59-A6C34878D82A}">
-                    <a16:rowId xmlns="" xmlns:a16="http://schemas.microsoft.com/office/drawing/2014/main" val="10003"/>
+                    <a16:rowId xmlns:a16="http://schemas.microsoft.com/office/drawing/2014/main" val="10003"/>
                   </a:ext>
                 </a:extLst>
               </a:tr>
@@ -13685,35 +13609,35 @@
                 <a:gridCol w="1989330">
                   <a:extLst>
                     <a:ext uri="{9D8B030D-6E8A-4147-A177-3AD203B41FA5}">
-                      <a16:colId xmlns="" xmlns:a16="http://schemas.microsoft.com/office/drawing/2014/main" val="20000"/>
+                      <a16:colId xmlns:a16="http://schemas.microsoft.com/office/drawing/2014/main" val="20000"/>
                     </a:ext>
                   </a:extLst>
                 </a:gridCol>
                 <a:gridCol w="1989330">
                   <a:extLst>
                     <a:ext uri="{9D8B030D-6E8A-4147-A177-3AD203B41FA5}">
-                      <a16:colId xmlns="" xmlns:a16="http://schemas.microsoft.com/office/drawing/2014/main" val="20001"/>
+                      <a16:colId xmlns:a16="http://schemas.microsoft.com/office/drawing/2014/main" val="20001"/>
                     </a:ext>
                   </a:extLst>
                 </a:gridCol>
                 <a:gridCol w="2389554">
                   <a:extLst>
                     <a:ext uri="{9D8B030D-6E8A-4147-A177-3AD203B41FA5}">
-                      <a16:colId xmlns="" xmlns:a16="http://schemas.microsoft.com/office/drawing/2014/main" val="20002"/>
+                      <a16:colId xmlns:a16="http://schemas.microsoft.com/office/drawing/2014/main" val="20002"/>
                     </a:ext>
                   </a:extLst>
                 </a:gridCol>
                 <a:gridCol w="2543839">
                   <a:extLst>
                     <a:ext uri="{9D8B030D-6E8A-4147-A177-3AD203B41FA5}">
-                      <a16:colId xmlns="" xmlns:a16="http://schemas.microsoft.com/office/drawing/2014/main" val="20003"/>
+                      <a16:colId xmlns:a16="http://schemas.microsoft.com/office/drawing/2014/main" val="20003"/>
                     </a:ext>
                   </a:extLst>
                 </a:gridCol>
                 <a:gridCol w="1530295">
                   <a:extLst>
                     <a:ext uri="{9D8B030D-6E8A-4147-A177-3AD203B41FA5}">
-                      <a16:colId xmlns="" xmlns:a16="http://schemas.microsoft.com/office/drawing/2014/main" val="20004"/>
+                      <a16:colId xmlns:a16="http://schemas.microsoft.com/office/drawing/2014/main" val="20004"/>
                     </a:ext>
                   </a:extLst>
                 </a:gridCol>
@@ -14028,7 +13952,7 @@
                 </a:tc>
                 <a:extLst>
                   <a:ext uri="{0D108BD9-81ED-4DB2-BD59-A6C34878D82A}">
-                    <a16:rowId xmlns="" xmlns:a16="http://schemas.microsoft.com/office/drawing/2014/main" val="10001"/>
+                    <a16:rowId xmlns:a16="http://schemas.microsoft.com/office/drawing/2014/main" val="10001"/>
                   </a:ext>
                 </a:extLst>
               </a:tr>
@@ -14064,35 +13988,35 @@
                 <a:gridCol w="1986852">
                   <a:extLst>
                     <a:ext uri="{9D8B030D-6E8A-4147-A177-3AD203B41FA5}">
-                      <a16:colId xmlns="" xmlns:a16="http://schemas.microsoft.com/office/drawing/2014/main" val="20000"/>
+                      <a16:colId xmlns:a16="http://schemas.microsoft.com/office/drawing/2014/main" val="20000"/>
                     </a:ext>
                   </a:extLst>
                 </a:gridCol>
                 <a:gridCol w="1986852">
                   <a:extLst>
                     <a:ext uri="{9D8B030D-6E8A-4147-A177-3AD203B41FA5}">
-                      <a16:colId xmlns="" xmlns:a16="http://schemas.microsoft.com/office/drawing/2014/main" val="20001"/>
+                      <a16:colId xmlns:a16="http://schemas.microsoft.com/office/drawing/2014/main" val="20001"/>
                     </a:ext>
                   </a:extLst>
                 </a:gridCol>
                 <a:gridCol w="2386577">
                   <a:extLst>
                     <a:ext uri="{9D8B030D-6E8A-4147-A177-3AD203B41FA5}">
-                      <a16:colId xmlns="" xmlns:a16="http://schemas.microsoft.com/office/drawing/2014/main" val="20002"/>
+                      <a16:colId xmlns:a16="http://schemas.microsoft.com/office/drawing/2014/main" val="20002"/>
                     </a:ext>
                   </a:extLst>
                 </a:gridCol>
                 <a:gridCol w="2540669">
                   <a:extLst>
                     <a:ext uri="{9D8B030D-6E8A-4147-A177-3AD203B41FA5}">
-                      <a16:colId xmlns="" xmlns:a16="http://schemas.microsoft.com/office/drawing/2014/main" val="20003"/>
+                      <a16:colId xmlns:a16="http://schemas.microsoft.com/office/drawing/2014/main" val="20003"/>
                     </a:ext>
                   </a:extLst>
                 </a:gridCol>
                 <a:gridCol w="1528389">
                   <a:extLst>
                     <a:ext uri="{9D8B030D-6E8A-4147-A177-3AD203B41FA5}">
-                      <a16:colId xmlns="" xmlns:a16="http://schemas.microsoft.com/office/drawing/2014/main" val="20004"/>
+                      <a16:colId xmlns:a16="http://schemas.microsoft.com/office/drawing/2014/main" val="20004"/>
                     </a:ext>
                   </a:extLst>
                 </a:gridCol>
@@ -14113,16 +14037,12 @@
                         <a:t> </a:t>
                       </a:r>
                       <a:r>
-                        <a:rPr lang="de-DE" sz="2000" b="1" baseline="0" dirty="0" smtClean="0"/>
+                        <a:rPr lang="de-DE" sz="2000" b="1" baseline="0" dirty="0"/>
                         <a:t>Suchbegriff „Scrum Tool“ </a:t>
                       </a:r>
                       <a:r>
-                        <a:rPr lang="de-DE" sz="2000" baseline="0" dirty="0" smtClean="0"/>
-                        <a:t>bei </a:t>
-                      </a:r>
-                      <a:r>
                         <a:rPr lang="de-DE" sz="2000" baseline="0" dirty="0"/>
-                        <a:t>Google zu finden</a:t>
+                        <a:t>bei Google zu finden</a:t>
                       </a:r>
                       <a:endParaRPr lang="de-DE" sz="2000" dirty="0"/>
                     </a:p>
@@ -14212,7 +14132,7 @@
                 </a:tc>
                 <a:extLst>
                   <a:ext uri="{0D108BD9-81ED-4DB2-BD59-A6C34878D82A}">
-                    <a16:rowId xmlns="" xmlns:a16="http://schemas.microsoft.com/office/drawing/2014/main" val="10002"/>
+                    <a16:rowId xmlns:a16="http://schemas.microsoft.com/office/drawing/2014/main" val="10002"/>
                   </a:ext>
                 </a:extLst>
               </a:tr>
@@ -14432,35 +14352,35 @@
                 <a:gridCol w="1990583">
                   <a:extLst>
                     <a:ext uri="{9D8B030D-6E8A-4147-A177-3AD203B41FA5}">
-                      <a16:colId xmlns="" xmlns:a16="http://schemas.microsoft.com/office/drawing/2014/main" val="20000"/>
+                      <a16:colId xmlns:a16="http://schemas.microsoft.com/office/drawing/2014/main" val="20000"/>
                     </a:ext>
                   </a:extLst>
                 </a:gridCol>
                 <a:gridCol w="1990583">
                   <a:extLst>
                     <a:ext uri="{9D8B030D-6E8A-4147-A177-3AD203B41FA5}">
-                      <a16:colId xmlns="" xmlns:a16="http://schemas.microsoft.com/office/drawing/2014/main" val="20001"/>
+                      <a16:colId xmlns:a16="http://schemas.microsoft.com/office/drawing/2014/main" val="20001"/>
                     </a:ext>
                   </a:extLst>
                 </a:gridCol>
                 <a:gridCol w="2391059">
                   <a:extLst>
                     <a:ext uri="{9D8B030D-6E8A-4147-A177-3AD203B41FA5}">
-                      <a16:colId xmlns="" xmlns:a16="http://schemas.microsoft.com/office/drawing/2014/main" val="20002"/>
+                      <a16:colId xmlns:a16="http://schemas.microsoft.com/office/drawing/2014/main" val="20002"/>
                     </a:ext>
                   </a:extLst>
                 </a:gridCol>
                 <a:gridCol w="2545441">
                   <a:extLst>
                     <a:ext uri="{9D8B030D-6E8A-4147-A177-3AD203B41FA5}">
-                      <a16:colId xmlns="" xmlns:a16="http://schemas.microsoft.com/office/drawing/2014/main" val="20003"/>
+                      <a16:colId xmlns:a16="http://schemas.microsoft.com/office/drawing/2014/main" val="20003"/>
                     </a:ext>
                   </a:extLst>
                 </a:gridCol>
                 <a:gridCol w="1531259">
                   <a:extLst>
                     <a:ext uri="{9D8B030D-6E8A-4147-A177-3AD203B41FA5}">
-                      <a16:colId xmlns="" xmlns:a16="http://schemas.microsoft.com/office/drawing/2014/main" val="20004"/>
+                      <a16:colId xmlns:a16="http://schemas.microsoft.com/office/drawing/2014/main" val="20004"/>
                     </a:ext>
                   </a:extLst>
                 </a:gridCol>
@@ -14618,7 +14538,7 @@
                 </a:tc>
                 <a:extLst>
                   <a:ext uri="{0D108BD9-81ED-4DB2-BD59-A6C34878D82A}">
-                    <a16:rowId xmlns="" xmlns:a16="http://schemas.microsoft.com/office/drawing/2014/main" val="10000"/>
+                    <a16:rowId xmlns:a16="http://schemas.microsoft.com/office/drawing/2014/main" val="10000"/>
                   </a:ext>
                 </a:extLst>
               </a:tr>
@@ -14654,35 +14574,35 @@
                 <a:gridCol w="1990972">
                   <a:extLst>
                     <a:ext uri="{9D8B030D-6E8A-4147-A177-3AD203B41FA5}">
-                      <a16:colId xmlns="" xmlns:a16="http://schemas.microsoft.com/office/drawing/2014/main" val="20000"/>
+                      <a16:colId xmlns:a16="http://schemas.microsoft.com/office/drawing/2014/main" val="20000"/>
                     </a:ext>
                   </a:extLst>
                 </a:gridCol>
                 <a:gridCol w="1990972">
                   <a:extLst>
                     <a:ext uri="{9D8B030D-6E8A-4147-A177-3AD203B41FA5}">
-                      <a16:colId xmlns="" xmlns:a16="http://schemas.microsoft.com/office/drawing/2014/main" val="20001"/>
+                      <a16:colId xmlns:a16="http://schemas.microsoft.com/office/drawing/2014/main" val="20001"/>
                     </a:ext>
                   </a:extLst>
                 </a:gridCol>
                 <a:gridCol w="2391526">
                   <a:extLst>
                     <a:ext uri="{9D8B030D-6E8A-4147-A177-3AD203B41FA5}">
-                      <a16:colId xmlns="" xmlns:a16="http://schemas.microsoft.com/office/drawing/2014/main" val="20002"/>
+                      <a16:colId xmlns:a16="http://schemas.microsoft.com/office/drawing/2014/main" val="20002"/>
                     </a:ext>
                   </a:extLst>
                 </a:gridCol>
                 <a:gridCol w="2545938">
                   <a:extLst>
                     <a:ext uri="{9D8B030D-6E8A-4147-A177-3AD203B41FA5}">
-                      <a16:colId xmlns="" xmlns:a16="http://schemas.microsoft.com/office/drawing/2014/main" val="20003"/>
+                      <a16:colId xmlns:a16="http://schemas.microsoft.com/office/drawing/2014/main" val="20003"/>
                     </a:ext>
                   </a:extLst>
                 </a:gridCol>
                 <a:gridCol w="1531558">
                   <a:extLst>
                     <a:ext uri="{9D8B030D-6E8A-4147-A177-3AD203B41FA5}">
-                      <a16:colId xmlns="" xmlns:a16="http://schemas.microsoft.com/office/drawing/2014/main" val="20004"/>
+                      <a16:colId xmlns:a16="http://schemas.microsoft.com/office/drawing/2014/main" val="20004"/>
                     </a:ext>
                   </a:extLst>
                 </a:gridCol>
@@ -15002,7 +14922,7 @@
                 </a:tc>
                 <a:extLst>
                   <a:ext uri="{0D108BD9-81ED-4DB2-BD59-A6C34878D82A}">
-                    <a16:rowId xmlns="" xmlns:a16="http://schemas.microsoft.com/office/drawing/2014/main" val="10001"/>
+                    <a16:rowId xmlns:a16="http://schemas.microsoft.com/office/drawing/2014/main" val="10001"/>
                   </a:ext>
                 </a:extLst>
               </a:tr>
@@ -15038,35 +14958,35 @@
                 <a:gridCol w="1990583">
                   <a:extLst>
                     <a:ext uri="{9D8B030D-6E8A-4147-A177-3AD203B41FA5}">
-                      <a16:colId xmlns="" xmlns:a16="http://schemas.microsoft.com/office/drawing/2014/main" val="20000"/>
+                      <a16:colId xmlns:a16="http://schemas.microsoft.com/office/drawing/2014/main" val="20000"/>
                     </a:ext>
                   </a:extLst>
                 </a:gridCol>
                 <a:gridCol w="1990583">
                   <a:extLst>
                     <a:ext uri="{9D8B030D-6E8A-4147-A177-3AD203B41FA5}">
-                      <a16:colId xmlns="" xmlns:a16="http://schemas.microsoft.com/office/drawing/2014/main" val="20001"/>
+                      <a16:colId xmlns:a16="http://schemas.microsoft.com/office/drawing/2014/main" val="20001"/>
                     </a:ext>
                   </a:extLst>
                 </a:gridCol>
                 <a:gridCol w="2391059">
                   <a:extLst>
                     <a:ext uri="{9D8B030D-6E8A-4147-A177-3AD203B41FA5}">
-                      <a16:colId xmlns="" xmlns:a16="http://schemas.microsoft.com/office/drawing/2014/main" val="20002"/>
+                      <a16:colId xmlns:a16="http://schemas.microsoft.com/office/drawing/2014/main" val="20002"/>
                     </a:ext>
                   </a:extLst>
                 </a:gridCol>
                 <a:gridCol w="2545441">
                   <a:extLst>
                     <a:ext uri="{9D8B030D-6E8A-4147-A177-3AD203B41FA5}">
-                      <a16:colId xmlns="" xmlns:a16="http://schemas.microsoft.com/office/drawing/2014/main" val="20003"/>
+                      <a16:colId xmlns:a16="http://schemas.microsoft.com/office/drawing/2014/main" val="20003"/>
                     </a:ext>
                   </a:extLst>
                 </a:gridCol>
                 <a:gridCol w="1531259">
                   <a:extLst>
                     <a:ext uri="{9D8B030D-6E8A-4147-A177-3AD203B41FA5}">
-                      <a16:colId xmlns="" xmlns:a16="http://schemas.microsoft.com/office/drawing/2014/main" val="20004"/>
+                      <a16:colId xmlns:a16="http://schemas.microsoft.com/office/drawing/2014/main" val="20004"/>
                     </a:ext>
                   </a:extLst>
                 </a:gridCol>
@@ -15079,19 +14999,19 @@
                     <a:p>
                       <a:pPr algn="ctr"/>
                       <a:r>
-                        <a:rPr lang="de-DE" sz="2000" b="1" dirty="0" smtClean="0"/>
+                        <a:rPr lang="de-DE" sz="2000" b="1" dirty="0"/>
                         <a:t>Lizensierung</a:t>
                       </a:r>
                       <a:r>
-                        <a:rPr lang="de-DE" sz="2000" b="1" baseline="0" dirty="0" smtClean="0"/>
+                        <a:rPr lang="de-DE" sz="2000" b="1" baseline="0" dirty="0"/>
                         <a:t>/ Installation</a:t>
                       </a:r>
                       <a:r>
-                        <a:rPr lang="de-DE" sz="2000" baseline="0" dirty="0" smtClean="0"/>
+                        <a:rPr lang="de-DE" sz="2000" baseline="0" dirty="0"/>
                         <a:t> in </a:t>
                       </a:r>
                       <a:r>
-                        <a:rPr lang="de-DE" sz="2000" b="1" baseline="0" dirty="0" smtClean="0"/>
+                        <a:rPr lang="de-DE" sz="2000" b="1" baseline="0" dirty="0"/>
                         <a:t>Unternehmen</a:t>
                       </a:r>
                       <a:endParaRPr lang="de-DE" sz="2000" b="1" dirty="0"/>
@@ -15122,22 +15042,22 @@
                         <a:defRPr/>
                       </a:pPr>
                       <a:r>
-                        <a:rPr lang="de-DE" sz="2000" b="0" dirty="0" smtClean="0"/>
+                        <a:rPr lang="de-DE" sz="2000" b="0" dirty="0"/>
                         <a:t>Für</a:t>
                       </a:r>
                       <a:r>
-                        <a:rPr lang="de-DE" sz="2000" b="0" baseline="0" dirty="0" smtClean="0"/>
+                        <a:rPr lang="de-DE" sz="2000" b="0" baseline="0" dirty="0"/>
                         <a:t> </a:t>
                       </a:r>
                       <a:r>
-                        <a:rPr lang="de-DE" sz="2000" b="1" baseline="0" dirty="0" smtClean="0"/>
+                        <a:rPr lang="de-DE" sz="2000" b="1" baseline="0" dirty="0"/>
                         <a:t>eine Firma</a:t>
                       </a:r>
                       <a:r>
-                        <a:rPr lang="de-DE" sz="2000" b="0" baseline="0" dirty="0" smtClean="0"/>
+                        <a:rPr lang="de-DE" sz="2000" b="0" baseline="0" dirty="0"/>
                         <a:t> geplant</a:t>
                       </a:r>
-                      <a:endParaRPr lang="de-DE" sz="2000" b="0" dirty="0" smtClean="0"/>
+                      <a:endParaRPr lang="de-DE" sz="2000" b="0" dirty="0"/>
                     </a:p>
                     <a:p>
                       <a:pPr algn="ctr"/>
@@ -15153,26 +15073,26 @@
                     <a:p>
                       <a:pPr algn="ctr"/>
                       <a:r>
-                        <a:rPr lang="de-DE" sz="2000" b="0" dirty="0" smtClean="0"/>
+                        <a:rPr lang="de-DE" sz="2000" b="0" dirty="0"/>
                         <a:t>Meilenstein</a:t>
                       </a:r>
                     </a:p>
                     <a:p>
                       <a:pPr algn="ctr"/>
                       <a:r>
-                        <a:rPr lang="de-DE" sz="2000" b="1" dirty="0" smtClean="0"/>
+                        <a:rPr lang="de-DE" sz="2000" b="1" dirty="0"/>
                         <a:t>Akzeptanz</a:t>
                       </a:r>
                       <a:r>
-                        <a:rPr lang="de-DE" sz="2000" b="0" dirty="0" smtClean="0"/>
+                        <a:rPr lang="de-DE" sz="2000" b="0" dirty="0"/>
                         <a:t> im</a:t>
                       </a:r>
                       <a:r>
-                        <a:rPr lang="de-DE" sz="2000" b="0" baseline="0" dirty="0" smtClean="0"/>
+                        <a:rPr lang="de-DE" sz="2000" b="0" baseline="0" dirty="0"/>
                         <a:t> </a:t>
                       </a:r>
                       <a:r>
-                        <a:rPr lang="de-DE" sz="2000" b="1" baseline="0" dirty="0" smtClean="0"/>
+                        <a:rPr lang="de-DE" sz="2000" b="1" baseline="0" dirty="0"/>
                         <a:t>Gewerbe</a:t>
                       </a:r>
                       <a:endParaRPr lang="de-DE" sz="2000" b="1" dirty="0"/>
@@ -15187,14 +15107,13 @@
                     <a:p>
                       <a:pPr algn="ctr"/>
                       <a:r>
-                        <a:rPr lang="de-DE" sz="2000" dirty="0" smtClean="0"/>
+                        <a:rPr lang="de-DE" sz="2000" dirty="0"/>
                         <a:t>Nur </a:t>
                       </a:r>
                       <a:r>
-                        <a:rPr lang="de-DE" sz="2000" b="1" dirty="0" smtClean="0"/>
+                        <a:rPr lang="de-DE" sz="2000" b="1" dirty="0"/>
                         <a:t>eine Firma</a:t>
                       </a:r>
-                      <a:endParaRPr lang="de-DE" sz="2000" b="1" dirty="0"/>
                     </a:p>
                   </a:txBody>
                   <a:tcPr/>
@@ -15206,17 +15125,16 @@
                     <a:p>
                       <a:pPr algn="ctr"/>
                       <a:r>
-                        <a:rPr lang="de-DE" sz="2000" b="1" dirty="0" smtClean="0"/>
+                        <a:rPr lang="de-DE" sz="2000" b="1" dirty="0"/>
                         <a:t>Im ersten Jahr</a:t>
                       </a:r>
-                      <a:endParaRPr lang="de-DE" sz="2000" b="1" dirty="0"/>
                     </a:p>
                   </a:txBody>
                   <a:tcPr/>
                 </a:tc>
                 <a:extLst>
                   <a:ext uri="{0D108BD9-81ED-4DB2-BD59-A6C34878D82A}">
-                    <a16:rowId xmlns="" xmlns:a16="http://schemas.microsoft.com/office/drawing/2014/main" val="10001"/>
+                    <a16:rowId xmlns:a16="http://schemas.microsoft.com/office/drawing/2014/main" val="10001"/>
                   </a:ext>
                 </a:extLst>
               </a:tr>
@@ -15869,10 +15787,9 @@
           <a:lstStyle/>
           <a:p>
             <a:r>
-              <a:rPr lang="de-DE" dirty="0" smtClean="0"/>
+              <a:rPr lang="de-DE" dirty="0"/>
               <a:t>1/1</a:t>
             </a:r>
-            <a:endParaRPr lang="de-DE" dirty="0"/>
           </a:p>
         </p:txBody>
       </p:sp>
@@ -16356,10 +16273,9 @@
           <a:p>
             <a:pPr algn="ctr"/>
             <a:r>
-              <a:rPr lang="de-DE" sz="2800" dirty="0" smtClean="0"/>
+              <a:rPr lang="de-DE" sz="2800" dirty="0"/>
               <a:t>Suchmaschinenoptimierung</a:t>
             </a:r>
-            <a:endParaRPr lang="de-DE" sz="2800" dirty="0"/>
           </a:p>
         </p:txBody>
       </p:sp>
@@ -16406,14 +16322,13 @@
           <a:p>
             <a:pPr algn="ctr"/>
             <a:r>
-              <a:rPr lang="de-DE" sz="2800" dirty="0" err="1" smtClean="0"/>
+              <a:rPr lang="de-DE" sz="2800" dirty="0" err="1"/>
               <a:t>Social</a:t>
             </a:r>
             <a:r>
-              <a:rPr lang="de-DE" sz="2800" dirty="0" smtClean="0"/>
+              <a:rPr lang="de-DE" sz="2800" dirty="0"/>
               <a:t> Media-Präsenz, Werbung in Printmedien</a:t>
             </a:r>
-            <a:endParaRPr lang="de-DE" sz="2800" dirty="0"/>
           </a:p>
         </p:txBody>
       </p:sp>
@@ -16858,41 +16773,6 @@
       </p:sp>
       <p:sp>
         <p:nvSpPr>
-          <p:cNvPr id="3" name="Inhaltsplatzhalter 2"/>
-          <p:cNvSpPr>
-            <a:spLocks noGrp="1"/>
-          </p:cNvSpPr>
-          <p:nvPr>
-            <p:ph idx="1"/>
-          </p:nvPr>
-        </p:nvSpPr>
-        <p:spPr/>
-        <p:txBody>
-          <a:bodyPr/>
-          <a:lstStyle/>
-          <a:p>
-            <a:r>
-              <a:rPr lang="de-DE" dirty="0"/>
-              <a:t>Insert Dashboard </a:t>
-            </a:r>
-            <a:r>
-              <a:rPr lang="de-DE" dirty="0" err="1"/>
-              <a:t>Pic</a:t>
-            </a:r>
-            <a:r>
-              <a:rPr lang="de-DE" dirty="0"/>
-              <a:t> </a:t>
-            </a:r>
-            <a:r>
-              <a:rPr lang="de-DE" dirty="0" err="1"/>
-              <a:t>here</a:t>
-            </a:r>
-            <a:endParaRPr lang="de-DE" dirty="0"/>
-          </a:p>
-        </p:txBody>
-      </p:sp>
-      <p:sp>
-        <p:nvSpPr>
           <p:cNvPr id="4" name="Inhaltsplatzhalter 3"/>
           <p:cNvSpPr>
             <a:spLocks noGrp="1"/>
@@ -17003,6 +16883,36 @@
           </a:p>
         </p:txBody>
       </p:sp>
+      <p:pic>
+        <p:nvPicPr>
+          <p:cNvPr id="10" name="Grafik 9"/>
+          <p:cNvPicPr>
+            <a:picLocks noChangeAspect="1"/>
+          </p:cNvPicPr>
+          <p:nvPr/>
+        </p:nvPicPr>
+        <p:blipFill>
+          <a:blip r:embed="rId2">
+            <a:extLst>
+              <a:ext uri="{28A0092B-C50C-407E-A947-70E740481C1C}">
+                <a14:useLocalDpi xmlns:a14="http://schemas.microsoft.com/office/drawing/2010/main" val="0"/>
+              </a:ext>
+            </a:extLst>
+          </a:blip>
+          <a:stretch>
+            <a:fillRect/>
+          </a:stretch>
+        </p:blipFill>
+        <p:spPr>
+          <a:xfrm>
+            <a:off x="1362222" y="1566508"/>
+            <a:ext cx="9467557" cy="4522232"/>
+          </a:xfrm>
+          <a:prstGeom prst="rect">
+            <a:avLst/>
+          </a:prstGeom>
+        </p:spPr>
+      </p:pic>
     </p:spTree>
     <p:extLst>
       <p:ext uri="{BB962C8B-B14F-4D97-AF65-F5344CB8AC3E}">
@@ -17013,13 +16923,6 @@
   <p:clrMapOvr>
     <a:masterClrMapping/>
   </p:clrMapOvr>
-  <p:timing>
-    <p:tnLst>
-      <p:par>
-        <p:cTn id="1" dur="indefinite" restart="never" nodeType="tmRoot"/>
-      </p:par>
-    </p:tnLst>
-  </p:timing>
 </p:sld>
 </file>
 
@@ -17718,13 +17621,6 @@
   <p:clrMapOvr>
     <a:masterClrMapping/>
   </p:clrMapOvr>
-  <p:timing>
-    <p:tnLst>
-      <p:par>
-        <p:cTn id="1" dur="indefinite" restart="never" nodeType="tmRoot"/>
-      </p:par>
-    </p:tnLst>
-  </p:timing>
 </p:sld>
 </file>
 
@@ -18132,10 +18028,9 @@
           <a:p>
             <a:pPr algn="ctr"/>
             <a:r>
-              <a:rPr lang="de-DE" sz="2800" dirty="0" smtClean="0"/>
+              <a:rPr lang="de-DE" sz="2800" dirty="0"/>
               <a:t>Bei Bedarf</a:t>
             </a:r>
-            <a:endParaRPr lang="de-DE" sz="2800" dirty="0"/>
           </a:p>
         </p:txBody>
       </p:sp>
@@ -18149,13 +18044,6 @@
   <p:clrMapOvr>
     <a:masterClrMapping/>
   </p:clrMapOvr>
-  <p:timing>
-    <p:tnLst>
-      <p:par>
-        <p:cTn id="1" dur="indefinite" restart="never" nodeType="tmRoot"/>
-      </p:par>
-    </p:tnLst>
-  </p:timing>
 </p:sld>
 </file>
 
@@ -18651,13 +18539,6 @@
   <p:clrMapOvr>
     <a:masterClrMapping/>
   </p:clrMapOvr>
-  <p:timing>
-    <p:tnLst>
-      <p:par>
-        <p:cTn id="1" dur="indefinite" restart="never" nodeType="tmRoot"/>
-      </p:par>
-    </p:tnLst>
-  </p:timing>
 </p:sld>
 </file>
 
@@ -18806,10 +18687,9 @@
           <a:lstStyle/>
           <a:p>
             <a:r>
-              <a:rPr lang="de-DE" dirty="0" smtClean="0"/>
+              <a:rPr lang="de-DE" dirty="0"/>
               <a:t>1/1</a:t>
             </a:r>
-            <a:endParaRPr lang="de-DE" dirty="0"/>
           </a:p>
         </p:txBody>
       </p:sp>
@@ -18841,14 +18721,14 @@
                 <a:gridCol w="4920344">
                   <a:extLst>
                     <a:ext uri="{9D8B030D-6E8A-4147-A177-3AD203B41FA5}">
-                      <a16:colId xmlns="" xmlns:a16="http://schemas.microsoft.com/office/drawing/2014/main" val="20000"/>
+                      <a16:colId xmlns:a16="http://schemas.microsoft.com/office/drawing/2014/main" val="20000"/>
                     </a:ext>
                   </a:extLst>
                 </a:gridCol>
                 <a:gridCol w="4920344">
                   <a:extLst>
                     <a:ext uri="{9D8B030D-6E8A-4147-A177-3AD203B41FA5}">
-                      <a16:colId xmlns="" xmlns:a16="http://schemas.microsoft.com/office/drawing/2014/main" val="20001"/>
+                      <a16:colId xmlns:a16="http://schemas.microsoft.com/office/drawing/2014/main" val="20001"/>
                     </a:ext>
                   </a:extLst>
                 </a:gridCol>
@@ -18892,7 +18772,7 @@
                 </a:tc>
                 <a:extLst>
                   <a:ext uri="{0D108BD9-81ED-4DB2-BD59-A6C34878D82A}">
-                    <a16:rowId xmlns="" xmlns:a16="http://schemas.microsoft.com/office/drawing/2014/main" val="10000"/>
+                    <a16:rowId xmlns:a16="http://schemas.microsoft.com/office/drawing/2014/main" val="10000"/>
                   </a:ext>
                 </a:extLst>
               </a:tr>
@@ -18937,7 +18817,7 @@
                 </a:tc>
                 <a:extLst>
                   <a:ext uri="{0D108BD9-81ED-4DB2-BD59-A6C34878D82A}">
-                    <a16:rowId xmlns="" xmlns:a16="http://schemas.microsoft.com/office/drawing/2014/main" val="10001"/>
+                    <a16:rowId xmlns:a16="http://schemas.microsoft.com/office/drawing/2014/main" val="10001"/>
                   </a:ext>
                 </a:extLst>
               </a:tr>
@@ -18977,7 +18857,7 @@
                 </a:tc>
                 <a:extLst>
                   <a:ext uri="{0D108BD9-81ED-4DB2-BD59-A6C34878D82A}">
-                    <a16:rowId xmlns="" xmlns:a16="http://schemas.microsoft.com/office/drawing/2014/main" val="10002"/>
+                    <a16:rowId xmlns:a16="http://schemas.microsoft.com/office/drawing/2014/main" val="10002"/>
                   </a:ext>
                 </a:extLst>
               </a:tr>
@@ -19018,7 +18898,7 @@
                 </a:tc>
                 <a:extLst>
                   <a:ext uri="{0D108BD9-81ED-4DB2-BD59-A6C34878D82A}">
-                    <a16:rowId xmlns="" xmlns:a16="http://schemas.microsoft.com/office/drawing/2014/main" val="10003"/>
+                    <a16:rowId xmlns:a16="http://schemas.microsoft.com/office/drawing/2014/main" val="10003"/>
                   </a:ext>
                 </a:extLst>
               </a:tr>
@@ -19584,13 +19464,6 @@
   <p:clrMapOvr>
     <a:masterClrMapping/>
   </p:clrMapOvr>
-  <p:timing>
-    <p:tnLst>
-      <p:par>
-        <p:cTn id="1" dur="indefinite" restart="never" nodeType="tmRoot"/>
-      </p:par>
-    </p:tnLst>
-  </p:timing>
 </p:sld>
 </file>
 
@@ -19651,7 +19524,7 @@
           <a:lstStyle/>
           <a:p>
             <a:r>
-              <a:rPr lang="de-DE" dirty="0" smtClean="0"/>
+              <a:rPr lang="de-DE" dirty="0"/>
               <a:t>Projektplanung</a:t>
             </a:r>
           </a:p>
@@ -19660,7 +19533,7 @@
           </a:p>
           <a:p>
             <a:r>
-              <a:rPr lang="de-DE" dirty="0" smtClean="0"/>
+              <a:rPr lang="de-DE" dirty="0"/>
               <a:t>Marktanalyse</a:t>
             </a:r>
           </a:p>
@@ -19670,11 +19543,7 @@
           <a:p>
             <a:r>
               <a:rPr lang="de-DE" dirty="0"/>
-              <a:t>Marketingstrategie/-</a:t>
-            </a:r>
-            <a:r>
-              <a:rPr lang="de-DE" dirty="0" smtClean="0"/>
-              <a:t>ziele</a:t>
+              <a:t>Marketingstrategie/-ziele</a:t>
             </a:r>
           </a:p>
           <a:p>
@@ -19682,7 +19551,7 @@
           </a:p>
           <a:p>
             <a:r>
-              <a:rPr lang="de-DE" dirty="0" smtClean="0"/>
+              <a:rPr lang="de-DE" dirty="0"/>
               <a:t>Marketingmix</a:t>
             </a:r>
           </a:p>
@@ -19691,7 +19560,7 @@
           </a:p>
           <a:p>
             <a:r>
-              <a:rPr lang="de-DE" dirty="0" smtClean="0"/>
+              <a:rPr lang="de-DE" dirty="0"/>
               <a:t>Probleme bei der Durchführung</a:t>
             </a:r>
           </a:p>
@@ -19779,13 +19648,6 @@
   <p:clrMapOvr>
     <a:masterClrMapping/>
   </p:clrMapOvr>
-  <p:timing>
-    <p:tnLst>
-      <p:par>
-        <p:cTn id="1" dur="indefinite" restart="never" nodeType="tmRoot"/>
-      </p:par>
-    </p:tnLst>
-  </p:timing>
 </p:sld>
 </file>
 
@@ -20102,13 +19964,6 @@
   <p:clrMapOvr>
     <a:masterClrMapping/>
   </p:clrMapOvr>
-  <p:timing>
-    <p:tnLst>
-      <p:par>
-        <p:cTn id="1" dur="indefinite" restart="never" nodeType="tmRoot"/>
-      </p:par>
-    </p:tnLst>
-  </p:timing>
 </p:sld>
 </file>
 
@@ -20213,10 +20068,9 @@
           <a:lstStyle/>
           <a:p>
             <a:r>
-              <a:rPr lang="de-DE" dirty="0" smtClean="0"/>
+              <a:rPr lang="de-DE" dirty="0"/>
               <a:t>Probleme Durchführung</a:t>
             </a:r>
-            <a:endParaRPr lang="de-DE" dirty="0"/>
           </a:p>
         </p:txBody>
       </p:sp>
@@ -20378,10 +20232,9 @@
             <a:lstStyle/>
             <a:p>
               <a:r>
-                <a:rPr lang="de-DE" sz="2800" dirty="0" smtClean="0"/>
+                <a:rPr lang="de-DE" sz="2800" dirty="0"/>
                 <a:t>Initialversion</a:t>
               </a:r>
-              <a:endParaRPr lang="de-DE" sz="2800" dirty="0"/>
             </a:p>
           </p:txBody>
         </p:sp>
@@ -20707,13 +20560,6 @@
   <p:clrMapOvr>
     <a:masterClrMapping/>
   </p:clrMapOvr>
-  <p:timing>
-    <p:tnLst>
-      <p:par>
-        <p:cTn id="1" dur="indefinite" restart="never" nodeType="tmRoot"/>
-      </p:par>
-    </p:tnLst>
-  </p:timing>
 </p:sld>
 </file>
 
@@ -20750,10 +20596,9 @@
           <a:lstStyle/>
           <a:p>
             <a:r>
-              <a:rPr lang="de-DE" dirty="0" smtClean="0"/>
+              <a:rPr lang="de-DE" dirty="0"/>
               <a:t>Probleme bei der Durchführung</a:t>
             </a:r>
-            <a:endParaRPr lang="de-DE" dirty="0"/>
           </a:p>
         </p:txBody>
       </p:sp>
@@ -20773,10 +20618,9 @@
           <a:lstStyle/>
           <a:p>
             <a:r>
-              <a:rPr lang="de-DE" dirty="0" smtClean="0"/>
+              <a:rPr lang="de-DE" dirty="0"/>
               <a:t>Marketingmix</a:t>
             </a:r>
-            <a:endParaRPr lang="de-DE" dirty="0"/>
           </a:p>
         </p:txBody>
       </p:sp>
@@ -20798,18 +20642,9 @@
           <a:lstStyle/>
           <a:p>
             <a:r>
-              <a:rPr lang="de-DE" dirty="0" smtClean="0"/>
-              <a:t>Probleme </a:t>
-            </a:r>
-            <a:r>
               <a:rPr lang="de-DE" dirty="0"/>
-              <a:t>D</a:t>
-            </a:r>
-            <a:r>
-              <a:rPr lang="de-DE" dirty="0" smtClean="0"/>
-              <a:t>urchführung</a:t>
-            </a:r>
-            <a:endParaRPr lang="de-DE" dirty="0"/>
+              <a:t>Probleme Durchführung</a:t>
+            </a:r>
           </a:p>
         </p:txBody>
       </p:sp>
@@ -20829,10 +20664,9 @@
           <a:lstStyle/>
           <a:p>
             <a:r>
-              <a:rPr lang="de-DE" dirty="0" smtClean="0"/>
+              <a:rPr lang="de-DE" dirty="0"/>
               <a:t>Fazit</a:t>
             </a:r>
-            <a:endParaRPr lang="de-DE" dirty="0"/>
           </a:p>
         </p:txBody>
       </p:sp>
@@ -20871,10 +20705,9 @@
           <a:lstStyle/>
           <a:p>
             <a:r>
-              <a:rPr lang="de-DE" dirty="0" smtClean="0"/>
+              <a:rPr lang="de-DE" dirty="0"/>
               <a:t>1/1</a:t>
             </a:r>
-            <a:endParaRPr lang="de-DE" dirty="0"/>
           </a:p>
         </p:txBody>
       </p:sp>
@@ -20931,10 +20764,9 @@
           <a:lstStyle/>
           <a:p>
             <a:r>
-              <a:rPr lang="de-DE" sz="2800" dirty="0" smtClean="0"/>
+              <a:rPr lang="de-DE" sz="2800" dirty="0"/>
               <a:t>Krankheitsfall</a:t>
             </a:r>
-            <a:endParaRPr lang="de-DE" sz="2800" dirty="0"/>
           </a:p>
         </p:txBody>
       </p:sp>
@@ -20991,10 +20823,9 @@
           <a:lstStyle/>
           <a:p>
             <a:r>
-              <a:rPr lang="de-DE" sz="2800" dirty="0" smtClean="0"/>
+              <a:rPr lang="de-DE" sz="2800" dirty="0"/>
               <a:t>Zeitdruck</a:t>
             </a:r>
-            <a:endParaRPr lang="de-DE" sz="2800" dirty="0"/>
           </a:p>
         </p:txBody>
       </p:sp>
@@ -21051,10 +20882,9 @@
           <a:lstStyle/>
           <a:p>
             <a:r>
-              <a:rPr lang="de-DE" sz="2800" dirty="0" smtClean="0"/>
+              <a:rPr lang="de-DE" sz="2800" dirty="0"/>
               <a:t>Planänderungen</a:t>
             </a:r>
-            <a:endParaRPr lang="de-DE" sz="2800" dirty="0"/>
           </a:p>
         </p:txBody>
       </p:sp>
@@ -21068,13 +20898,6 @@
   <p:clrMapOvr>
     <a:masterClrMapping/>
   </p:clrMapOvr>
-  <p:timing>
-    <p:tnLst>
-      <p:par>
-        <p:cTn id="1" dur="indefinite" restart="never" nodeType="tmRoot"/>
-      </p:par>
-    </p:tnLst>
-  </p:timing>
 </p:sld>
 </file>
 
@@ -21111,10 +20934,9 @@
           <a:lstStyle/>
           <a:p>
             <a:r>
-              <a:rPr lang="de-DE" dirty="0" smtClean="0"/>
+              <a:rPr lang="de-DE" dirty="0"/>
               <a:t>Fazit</a:t>
             </a:r>
-            <a:endParaRPr lang="de-DE" dirty="0"/>
           </a:p>
         </p:txBody>
       </p:sp>
@@ -21134,10 +20956,9 @@
           <a:lstStyle/>
           <a:p>
             <a:r>
-              <a:rPr lang="de-DE" dirty="0" smtClean="0"/>
+              <a:rPr lang="de-DE" dirty="0"/>
               <a:t>Probleme Durchführung</a:t>
             </a:r>
-            <a:endParaRPr lang="de-DE" dirty="0"/>
           </a:p>
         </p:txBody>
       </p:sp>
@@ -21217,10 +21038,9 @@
           <a:lstStyle/>
           <a:p>
             <a:r>
-              <a:rPr lang="de-DE" dirty="0" smtClean="0"/>
+              <a:rPr lang="de-DE" dirty="0"/>
               <a:t>1/1</a:t>
             </a:r>
-            <a:endParaRPr lang="de-DE" dirty="0"/>
           </a:p>
         </p:txBody>
       </p:sp>
@@ -21445,13 +21265,6 @@
   <p:clrMapOvr>
     <a:masterClrMapping/>
   </p:clrMapOvr>
-  <p:timing>
-    <p:tnLst>
-      <p:par>
-        <p:cTn id="1" dur="indefinite" restart="never" nodeType="tmRoot"/>
-      </p:par>
-    </p:tnLst>
-  </p:timing>
 </p:sld>
 </file>
 
@@ -24507,10 +24320,9 @@
           <a:lstStyle/>
           <a:p>
             <a:r>
-              <a:rPr lang="de-DE" dirty="0" smtClean="0"/>
+              <a:rPr lang="de-DE" dirty="0"/>
               <a:t>1/1</a:t>
             </a:r>
-            <a:endParaRPr lang="de-DE" dirty="0"/>
           </a:p>
         </p:txBody>
       </p:sp>
@@ -25349,10 +25161,9 @@
           <a:lstStyle/>
           <a:p>
             <a:r>
-              <a:rPr lang="de-DE" dirty="0" smtClean="0"/>
+              <a:rPr lang="de-DE" dirty="0"/>
               <a:t>1/1</a:t>
             </a:r>
-            <a:endParaRPr lang="de-DE" dirty="0"/>
           </a:p>
         </p:txBody>
       </p:sp>
@@ -25388,13 +25199,6 @@
   <p:clrMapOvr>
     <a:masterClrMapping/>
   </p:clrMapOvr>
-  <p:timing>
-    <p:tnLst>
-      <p:par>
-        <p:cTn id="1" dur="indefinite" restart="never" nodeType="tmRoot"/>
-      </p:par>
-    </p:tnLst>
-  </p:timing>
 </p:sld>
 </file>
 
@@ -25545,10 +25349,9 @@
           <a:lstStyle/>
           <a:p>
             <a:r>
-              <a:rPr lang="de-DE" dirty="0" smtClean="0"/>
+              <a:rPr lang="de-DE" dirty="0"/>
               <a:t>1/1</a:t>
             </a:r>
-            <a:endParaRPr lang="de-DE" dirty="0"/>
           </a:p>
         </p:txBody>
       </p:sp>
@@ -26435,10 +26238,9 @@
           <a:lstStyle/>
           <a:p>
             <a:r>
-              <a:rPr lang="de-DE" dirty="0" smtClean="0"/>
+              <a:rPr lang="de-DE" dirty="0"/>
               <a:t>1/1</a:t>
             </a:r>
-            <a:endParaRPr lang="de-DE" dirty="0"/>
           </a:p>
         </p:txBody>
       </p:sp>
@@ -28162,7 +27964,7 @@
   <a:extraClrSchemeLst/>
   <a:extLst>
     <a:ext uri="{05A4C25C-085E-4340-85A3-A5531E510DB2}">
-      <thm15:themeFamily xmlns="" xmlns:thm15="http://schemas.microsoft.com/office/thememl/2012/main" name="Office Theme" id="{62F939B6-93AF-4DB8-9C6B-D6C7DFDC589F}" vid="{4A3C46E8-61CC-4603-A589-7422A47A8E4A}"/>
+      <thm15:themeFamily xmlns:thm15="http://schemas.microsoft.com/office/thememl/2012/main" name="Office Theme" id="{62F939B6-93AF-4DB8-9C6B-D6C7DFDC589F}" vid="{4A3C46E8-61CC-4603-A589-7422A47A8E4A}"/>
     </a:ext>
   </a:extLst>
 </a:theme>
